--- a/SW Test Demo.pptx
+++ b/SW Test Demo.pptx
@@ -10,9 +10,11 @@
     <p:sldId id="259" r:id="rId4"/>
     <p:sldId id="258" r:id="rId5"/>
     <p:sldId id="260" r:id="rId6"/>
-    <p:sldId id="261" r:id="rId7"/>
-    <p:sldId id="262" r:id="rId8"/>
-    <p:sldId id="263" r:id="rId9"/>
+    <p:sldId id="265" r:id="rId7"/>
+    <p:sldId id="261" r:id="rId8"/>
+    <p:sldId id="264" r:id="rId9"/>
+    <p:sldId id="262" r:id="rId10"/>
+    <p:sldId id="263" r:id="rId11"/>
   </p:sldIdLst>
   <p:sldSz cx="12192000" cy="6858000"/>
   <p:notesSz cx="6858000" cy="9144000"/>
@@ -6154,6 +6156,89 @@
 </p:sld>
 </file>
 
+<file path=ppt/slides/slide10.xml><?xml version="1.0" encoding="utf-8"?>
+<p:sld xmlns:a="http://schemas.openxmlformats.org/drawingml/2006/main" xmlns:r="http://schemas.openxmlformats.org/officeDocument/2006/relationships" xmlns:p="http://schemas.openxmlformats.org/presentationml/2006/main">
+  <p:cSld>
+    <p:spTree>
+      <p:nvGrpSpPr>
+        <p:cNvPr id="1" name=""/>
+        <p:cNvGrpSpPr/>
+        <p:nvPr/>
+      </p:nvGrpSpPr>
+      <p:grpSpPr>
+        <a:xfrm>
+          <a:off x="0" y="0"/>
+          <a:ext cx="0" cy="0"/>
+          <a:chOff x="0" y="0"/>
+          <a:chExt cx="0" cy="0"/>
+        </a:xfrm>
+      </p:grpSpPr>
+      <p:sp>
+        <p:nvSpPr>
+          <p:cNvPr id="2" name="Title 1">
+            <a:extLst>
+              <a:ext uri="{FF2B5EF4-FFF2-40B4-BE49-F238E27FC236}">
+                <a16:creationId xmlns:a16="http://schemas.microsoft.com/office/drawing/2014/main" id="{A8B43563-EFEA-E9D3-48BB-3AD539087CD1}"/>
+              </a:ext>
+            </a:extLst>
+          </p:cNvPr>
+          <p:cNvSpPr>
+            <a:spLocks noGrp="1"/>
+          </p:cNvSpPr>
+          <p:nvPr>
+            <p:ph type="title"/>
+          </p:nvPr>
+        </p:nvSpPr>
+        <p:spPr/>
+        <p:txBody>
+          <a:bodyPr/>
+          <a:lstStyle/>
+          <a:p>
+            <a:r>
+              <a:rPr lang="en-GB" dirty="0"/>
+              <a:t>Final Test Report</a:t>
+            </a:r>
+          </a:p>
+        </p:txBody>
+      </p:sp>
+      <p:sp>
+        <p:nvSpPr>
+          <p:cNvPr id="3" name="Content Placeholder 2">
+            <a:extLst>
+              <a:ext uri="{FF2B5EF4-FFF2-40B4-BE49-F238E27FC236}">
+                <a16:creationId xmlns:a16="http://schemas.microsoft.com/office/drawing/2014/main" id="{348F42C1-F152-6218-E6C9-222916743D3E}"/>
+              </a:ext>
+            </a:extLst>
+          </p:cNvPr>
+          <p:cNvSpPr>
+            <a:spLocks noGrp="1"/>
+          </p:cNvSpPr>
+          <p:nvPr>
+            <p:ph idx="1"/>
+          </p:nvPr>
+        </p:nvSpPr>
+        <p:spPr/>
+        <p:txBody>
+          <a:bodyPr/>
+          <a:lstStyle/>
+          <a:p>
+            <a:endParaRPr lang="en-GB"/>
+          </a:p>
+        </p:txBody>
+      </p:sp>
+    </p:spTree>
+    <p:extLst>
+      <p:ext uri="{BB962C8B-B14F-4D97-AF65-F5344CB8AC3E}">
+        <p14:creationId xmlns:p14="http://schemas.microsoft.com/office/powerpoint/2010/main" val="2034729977"/>
+      </p:ext>
+    </p:extLst>
+  </p:cSld>
+  <p:clrMapOvr>
+    <a:masterClrMapping/>
+  </p:clrMapOvr>
+</p:sld>
+</file>
+
 <file path=ppt/slides/slide2.xml><?xml version="1.0" encoding="utf-8"?>
 <p:sld xmlns:a="http://schemas.openxmlformats.org/drawingml/2006/main" xmlns:r="http://schemas.openxmlformats.org/officeDocument/2006/relationships" xmlns:p="http://schemas.openxmlformats.org/presentationml/2006/main">
   <p:cSld>
@@ -6217,7 +6302,9 @@
         </p:nvSpPr>
         <p:spPr/>
         <p:txBody>
-          <a:bodyPr/>
+          <a:bodyPr>
+            <a:normAutofit fontScale="92500" lnSpcReduction="10000"/>
+          </a:bodyPr>
           <a:lstStyle/>
           <a:p>
             <a:r>
@@ -6235,6 +6322,12 @@
             <a:r>
               <a:rPr lang="en-GB" dirty="0"/>
               <a:t>Test plan </a:t>
+            </a:r>
+          </a:p>
+          <a:p>
+            <a:r>
+              <a:rPr lang="en-GB" dirty="0"/>
+              <a:t>Test Strategy</a:t>
             </a:r>
           </a:p>
           <a:p>
@@ -6940,7 +7033,7 @@
         <p:spPr>
           <a:xfrm>
             <a:off x="1484311" y="110764"/>
-            <a:ext cx="10018713" cy="1312683"/>
+            <a:ext cx="10018713" cy="860197"/>
           </a:xfrm>
         </p:spPr>
         <p:txBody>
@@ -6972,13 +7065,13 @@
         </p:nvSpPr>
         <p:spPr>
           <a:xfrm>
-            <a:off x="1484310" y="1310326"/>
-            <a:ext cx="10018713" cy="4619133"/>
+            <a:off x="1484310" y="970962"/>
+            <a:ext cx="10018713" cy="5420412"/>
           </a:xfrm>
         </p:spPr>
         <p:txBody>
           <a:bodyPr anchor="t">
-            <a:normAutofit/>
+            <a:normAutofit lnSpcReduction="10000"/>
           </a:bodyPr>
           <a:lstStyle/>
           <a:p>
@@ -7005,7 +7098,7 @@
               <a:t>: </a:t>
             </a:r>
             <a:r>
-              <a:rPr lang="en-GB" sz="1800" dirty="0">
+              <a:rPr lang="en-GB" sz="1400" dirty="0">
                 <a:effectLst/>
                 <a:latin typeface="Calibri" panose="020F0502020204030204" pitchFamily="34" charset="0"/>
                 <a:ea typeface="Calibri" panose="020F0502020204030204" pitchFamily="34" charset="0"/>
@@ -7019,18 +7112,6 @@
               <a:buFont typeface="Arial" panose="020B0604020202020204" pitchFamily="34" charset="0"/>
               <a:buChar char="•"/>
             </a:pPr>
-            <a:endParaRPr lang="en-GB" sz="1800" b="1" dirty="0">
-              <a:effectLst/>
-              <a:latin typeface="Calibri" panose="020F0502020204030204" pitchFamily="34" charset="0"/>
-              <a:ea typeface="Calibri" panose="020F0502020204030204" pitchFamily="34" charset="0"/>
-              <a:cs typeface="Times New Roman" panose="02020603050405020304" pitchFamily="18" charset="0"/>
-            </a:endParaRPr>
-          </a:p>
-          <a:p>
-            <a:pPr>
-              <a:buFont typeface="Arial" panose="020B0604020202020204" pitchFamily="34" charset="0"/>
-              <a:buChar char="•"/>
-            </a:pPr>
             <a:r>
               <a:rPr lang="en-GB" sz="1800" b="1" dirty="0">
                 <a:effectLst/>
@@ -7041,7 +7122,7 @@
               <a:t>Scope: </a:t>
             </a:r>
             <a:r>
-              <a:rPr lang="en-GB" sz="1800" dirty="0">
+              <a:rPr lang="en-GB" sz="1400" dirty="0">
                 <a:effectLst/>
                 <a:latin typeface="Calibri" panose="020F0502020204030204" pitchFamily="34" charset="0"/>
                 <a:ea typeface="Calibri" panose="020F0502020204030204" pitchFamily="34" charset="0"/>
@@ -7049,17 +7130,6 @@
               </a:rPr>
               <a:t>This test plan covers the testing of all features and functionalities of the RiskPoint Group website, including the user interface, navigation, content management, and backend integration.</a:t>
             </a:r>
-          </a:p>
-          <a:p>
-            <a:pPr>
-              <a:buFont typeface="Arial" panose="020B0604020202020204" pitchFamily="34" charset="0"/>
-              <a:buChar char="•"/>
-            </a:pPr>
-            <a:endParaRPr lang="en-GB" sz="1800" b="1" dirty="0">
-              <a:latin typeface="Calibri" panose="020F0502020204030204" pitchFamily="34" charset="0"/>
-              <a:ea typeface="Calibri" panose="020F0502020204030204" pitchFamily="34" charset="0"/>
-              <a:cs typeface="Times New Roman" panose="02020603050405020304" pitchFamily="18" charset="0"/>
-            </a:endParaRPr>
           </a:p>
           <a:p>
             <a:pPr>
@@ -7216,6 +7286,182 @@
             </a:r>
           </a:p>
           <a:p>
+            <a:pPr marL="0" marR="0" algn="just">
+              <a:lnSpc>
+                <a:spcPct val="107000"/>
+              </a:lnSpc>
+              <a:spcBef>
+                <a:spcPts val="0"/>
+              </a:spcBef>
+              <a:spcAft>
+                <a:spcPts val="800"/>
+              </a:spcAft>
+            </a:pPr>
+            <a:r>
+              <a:rPr lang="en-GB" sz="1800" b="1" kern="100" dirty="0">
+                <a:effectLst/>
+                <a:latin typeface="Calibri" panose="020F0502020204030204" pitchFamily="34" charset="0"/>
+                <a:ea typeface="Calibri" panose="020F0502020204030204" pitchFamily="34" charset="0"/>
+                <a:cs typeface="Times New Roman" panose="02020603050405020304" pitchFamily="18" charset="0"/>
+              </a:rPr>
+              <a:t>Features to be Tested:</a:t>
+            </a:r>
+            <a:endParaRPr lang="en-GB" sz="1800" kern="100" dirty="0">
+              <a:effectLst/>
+              <a:latin typeface="Calibri" panose="020F0502020204030204" pitchFamily="34" charset="0"/>
+              <a:ea typeface="Calibri" panose="020F0502020204030204" pitchFamily="34" charset="0"/>
+              <a:cs typeface="Times New Roman" panose="02020603050405020304" pitchFamily="18" charset="0"/>
+            </a:endParaRPr>
+          </a:p>
+          <a:p>
+            <a:pPr marL="800100" lvl="1" indent="-342900" algn="just">
+              <a:lnSpc>
+                <a:spcPct val="107000"/>
+              </a:lnSpc>
+              <a:spcBef>
+                <a:spcPts val="0"/>
+              </a:spcBef>
+              <a:spcAft>
+                <a:spcPts val="800"/>
+              </a:spcAft>
+              <a:buSzPts val="1000"/>
+              <a:buFont typeface="Symbol" panose="05050102010706020507" pitchFamily="18" charset="2"/>
+              <a:buChar char=""/>
+              <a:tabLst>
+                <a:tab pos="457200" algn="l"/>
+              </a:tabLst>
+            </a:pPr>
+            <a:r>
+              <a:rPr lang="en-GB" sz="1400" b="1" kern="100" dirty="0">
+                <a:effectLst/>
+                <a:latin typeface="Calibri" panose="020F0502020204030204" pitchFamily="34" charset="0"/>
+                <a:ea typeface="Calibri" panose="020F0502020204030204" pitchFamily="34" charset="0"/>
+                <a:cs typeface="Times New Roman" panose="02020603050405020304" pitchFamily="18" charset="0"/>
+              </a:rPr>
+              <a:t>Homepage:</a:t>
+            </a:r>
+            <a:r>
+              <a:rPr lang="en-GB" sz="1400" kern="100" dirty="0">
+                <a:effectLst/>
+                <a:latin typeface="Calibri" panose="020F0502020204030204" pitchFamily="34" charset="0"/>
+                <a:ea typeface="Calibri" panose="020F0502020204030204" pitchFamily="34" charset="0"/>
+                <a:cs typeface="Times New Roman" panose="02020603050405020304" pitchFamily="18" charset="0"/>
+              </a:rPr>
+              <a:t> Validate content, layout, and navigation.</a:t>
+            </a:r>
+          </a:p>
+          <a:p>
+            <a:pPr marL="800100" lvl="1" indent="-342900" algn="just">
+              <a:lnSpc>
+                <a:spcPct val="107000"/>
+              </a:lnSpc>
+              <a:spcBef>
+                <a:spcPts val="0"/>
+              </a:spcBef>
+              <a:spcAft>
+                <a:spcPts val="800"/>
+              </a:spcAft>
+              <a:buSzPts val="1000"/>
+              <a:buFont typeface="Symbol" panose="05050102010706020507" pitchFamily="18" charset="2"/>
+              <a:buChar char=""/>
+              <a:tabLst>
+                <a:tab pos="457200" algn="l"/>
+              </a:tabLst>
+            </a:pPr>
+            <a:r>
+              <a:rPr lang="en-GB" sz="1400" b="1" kern="100" dirty="0">
+                <a:effectLst/>
+                <a:latin typeface="Calibri" panose="020F0502020204030204" pitchFamily="34" charset="0"/>
+                <a:ea typeface="Calibri" panose="020F0502020204030204" pitchFamily="34" charset="0"/>
+                <a:cs typeface="Times New Roman" panose="02020603050405020304" pitchFamily="18" charset="0"/>
+              </a:rPr>
+              <a:t>Claims Tab:</a:t>
+            </a:r>
+            <a:r>
+              <a:rPr lang="en-GB" sz="1400" kern="100" dirty="0">
+                <a:effectLst/>
+                <a:latin typeface="Calibri" panose="020F0502020204030204" pitchFamily="34" charset="0"/>
+                <a:ea typeface="Calibri" panose="020F0502020204030204" pitchFamily="34" charset="0"/>
+                <a:cs typeface="Times New Roman" panose="02020603050405020304" pitchFamily="18" charset="0"/>
+              </a:rPr>
+              <a:t> Test content accuracy.</a:t>
+            </a:r>
+          </a:p>
+          <a:p>
+            <a:pPr marL="800100" lvl="1" indent="-342900" algn="just">
+              <a:lnSpc>
+                <a:spcPct val="107000"/>
+              </a:lnSpc>
+              <a:spcBef>
+                <a:spcPts val="0"/>
+              </a:spcBef>
+              <a:spcAft>
+                <a:spcPts val="800"/>
+              </a:spcAft>
+              <a:buSzPts val="1000"/>
+              <a:buFont typeface="Symbol" panose="05050102010706020507" pitchFamily="18" charset="2"/>
+              <a:buChar char=""/>
+              <a:tabLst>
+                <a:tab pos="457200" algn="l"/>
+              </a:tabLst>
+            </a:pPr>
+            <a:r>
+              <a:rPr lang="en-GB" sz="1400" b="1" kern="100" dirty="0">
+                <a:effectLst/>
+                <a:latin typeface="Calibri" panose="020F0502020204030204" pitchFamily="34" charset="0"/>
+                <a:ea typeface="Calibri" panose="020F0502020204030204" pitchFamily="34" charset="0"/>
+                <a:cs typeface="Times New Roman" panose="02020603050405020304" pitchFamily="18" charset="0"/>
+              </a:rPr>
+              <a:t>Report a Claim Page:</a:t>
+            </a:r>
+            <a:r>
+              <a:rPr lang="en-GB" sz="1400" kern="100" dirty="0">
+                <a:effectLst/>
+                <a:latin typeface="Calibri" panose="020F0502020204030204" pitchFamily="34" charset="0"/>
+                <a:ea typeface="Calibri" panose="020F0502020204030204" pitchFamily="34" charset="0"/>
+                <a:cs typeface="Times New Roman" panose="02020603050405020304" pitchFamily="18" charset="0"/>
+              </a:rPr>
+              <a:t> Verify selection of Claim Type, Selection of Language, navigating to the details page to fill the form in respective language and downloadable resources.</a:t>
+            </a:r>
+          </a:p>
+          <a:p>
+            <a:pPr marL="800100" lvl="1" indent="-342900" algn="just">
+              <a:lnSpc>
+                <a:spcPct val="107000"/>
+              </a:lnSpc>
+              <a:spcBef>
+                <a:spcPts val="0"/>
+              </a:spcBef>
+              <a:spcAft>
+                <a:spcPts val="800"/>
+              </a:spcAft>
+              <a:buSzPts val="1000"/>
+              <a:buFont typeface="Symbol" panose="05050102010706020507" pitchFamily="18" charset="2"/>
+              <a:buChar char=""/>
+              <a:tabLst>
+                <a:tab pos="457200" algn="l"/>
+              </a:tabLst>
+            </a:pPr>
+            <a:r>
+              <a:rPr lang="en-GB" sz="1400" b="1" kern="100" dirty="0">
+                <a:effectLst/>
+                <a:latin typeface="Calibri" panose="020F0502020204030204" pitchFamily="34" charset="0"/>
+                <a:ea typeface="Calibri" panose="020F0502020204030204" pitchFamily="34" charset="0"/>
+                <a:cs typeface="Times New Roman" panose="02020603050405020304" pitchFamily="18" charset="0"/>
+              </a:rPr>
+              <a:t>Claims Details page:</a:t>
+            </a:r>
+            <a:r>
+              <a:rPr lang="en-GB" sz="1400" kern="100" dirty="0">
+                <a:effectLst/>
+                <a:latin typeface="Calibri" panose="020F0502020204030204" pitchFamily="34" charset="0"/>
+                <a:ea typeface="Calibri" panose="020F0502020204030204" pitchFamily="34" charset="0"/>
+                <a:cs typeface="Times New Roman" panose="02020603050405020304" pitchFamily="18" charset="0"/>
+              </a:rPr>
+              <a:t> Filling up the details in the respective language, validate the fields, endure that the details are submitted successfully.</a:t>
+            </a:r>
+          </a:p>
+          <a:p>
             <a:pPr marL="457200" lvl="1" indent="0" algn="just">
               <a:lnSpc>
                 <a:spcPct val="107000"/>
@@ -7231,18 +7477,6 @@
               <a:tabLst>
                 <a:tab pos="457200" algn="l"/>
               </a:tabLst>
-            </a:pPr>
-            <a:endParaRPr lang="en-GB" sz="1400" kern="100" dirty="0">
-              <a:effectLst/>
-              <a:latin typeface="Calibri" panose="020F0502020204030204" pitchFamily="34" charset="0"/>
-              <a:ea typeface="Calibri" panose="020F0502020204030204" pitchFamily="34" charset="0"/>
-              <a:cs typeface="Times New Roman" panose="02020603050405020304" pitchFamily="18" charset="0"/>
-            </a:endParaRPr>
-          </a:p>
-          <a:p>
-            <a:pPr lvl="1">
-              <a:buFont typeface="Arial" panose="020B0604020202020204" pitchFamily="34" charset="0"/>
-              <a:buChar char="•"/>
             </a:pPr>
             <a:endParaRPr lang="en-GB" sz="1400" dirty="0">
               <a:effectLst/>
@@ -7298,7 +7532,7 @@
           <p:cNvPr id="2" name="Title 1">
             <a:extLst>
               <a:ext uri="{FF2B5EF4-FFF2-40B4-BE49-F238E27FC236}">
-                <a16:creationId xmlns:a16="http://schemas.microsoft.com/office/drawing/2014/main" id="{6EB53A5F-7FFF-7D0F-6D73-9374016F3FCD}"/>
+                <a16:creationId xmlns:a16="http://schemas.microsoft.com/office/drawing/2014/main" id="{A4BB6926-6A53-A0D3-C226-A43AFACF3C09}"/>
               </a:ext>
             </a:extLst>
           </p:cNvPr>
@@ -7311,8 +7545,8 @@
         </p:nvSpPr>
         <p:spPr>
           <a:xfrm>
-            <a:off x="1484311" y="157893"/>
-            <a:ext cx="10506584" cy="709373"/>
+            <a:off x="1484311" y="176752"/>
+            <a:ext cx="10018713" cy="1001600"/>
           </a:xfrm>
         </p:spPr>
         <p:txBody>
@@ -7320,179 +7554,33 @@
           <a:lstStyle/>
           <a:p>
             <a:r>
-              <a:rPr lang="en-GB" dirty="0"/>
-              <a:t>Test Execution</a:t>
-            </a:r>
-          </a:p>
-        </p:txBody>
-      </p:sp>
-      <p:sp>
-        <p:nvSpPr>
-          <p:cNvPr id="4" name="Rectangle 3">
+              <a:rPr lang="da-DK" dirty="0"/>
+              <a:t>Test Strategy</a:t>
+            </a:r>
+            <a:endParaRPr lang="en-GB" dirty="0"/>
+          </a:p>
+        </p:txBody>
+      </p:sp>
+      <p:sp>
+        <p:nvSpPr>
+          <p:cNvPr id="3" name="Content Placeholder 2">
             <a:extLst>
               <a:ext uri="{FF2B5EF4-FFF2-40B4-BE49-F238E27FC236}">
-                <a16:creationId xmlns:a16="http://schemas.microsoft.com/office/drawing/2014/main" id="{BB3617FA-871B-1A43-E891-137B4D004C45}"/>
+                <a16:creationId xmlns:a16="http://schemas.microsoft.com/office/drawing/2014/main" id="{70BB514F-6394-F542-546D-5AFB2AAC92FD}"/>
               </a:ext>
             </a:extLst>
           </p:cNvPr>
-          <p:cNvSpPr/>
-          <p:nvPr/>
+          <p:cNvSpPr>
+            <a:spLocks noGrp="1"/>
+          </p:cNvSpPr>
+          <p:nvPr>
+            <p:ph idx="1"/>
+          </p:nvPr>
         </p:nvSpPr>
         <p:spPr>
           <a:xfrm>
-            <a:off x="1995341" y="1225466"/>
-            <a:ext cx="1904214" cy="1072299"/>
-          </a:xfrm>
-          <a:prstGeom prst="rect">
-            <a:avLst/>
-          </a:prstGeom>
-        </p:spPr>
-        <p:style>
-          <a:lnRef idx="2">
-            <a:schemeClr val="accent1">
-              <a:shade val="15000"/>
-            </a:schemeClr>
-          </a:lnRef>
-          <a:fillRef idx="1">
-            <a:schemeClr val="accent1"/>
-          </a:fillRef>
-          <a:effectRef idx="0">
-            <a:schemeClr val="accent1"/>
-          </a:effectRef>
-          <a:fontRef idx="minor">
-            <a:schemeClr val="lt1"/>
-          </a:fontRef>
-        </p:style>
-        <p:txBody>
-          <a:bodyPr rtlCol="0" anchor="ctr"/>
-          <a:lstStyle/>
-          <a:p>
-            <a:pPr algn="ctr"/>
-            <a:r>
-              <a:rPr lang="en-GB" dirty="0"/>
-              <a:t>Define Scenarios</a:t>
-            </a:r>
-          </a:p>
-        </p:txBody>
-      </p:sp>
-      <p:sp>
-        <p:nvSpPr>
-          <p:cNvPr id="5" name="Rectangle 4">
-            <a:extLst>
-              <a:ext uri="{FF2B5EF4-FFF2-40B4-BE49-F238E27FC236}">
-                <a16:creationId xmlns:a16="http://schemas.microsoft.com/office/drawing/2014/main" id="{CF143FBA-5732-84FA-E03E-BAF2B9B4608E}"/>
-              </a:ext>
-            </a:extLst>
-          </p:cNvPr>
-          <p:cNvSpPr/>
-          <p:nvPr/>
-        </p:nvSpPr>
-        <p:spPr>
-          <a:xfrm>
-            <a:off x="5514679" y="1225463"/>
-            <a:ext cx="1904214" cy="1072299"/>
-          </a:xfrm>
-          <a:prstGeom prst="rect">
-            <a:avLst/>
-          </a:prstGeom>
-        </p:spPr>
-        <p:style>
-          <a:lnRef idx="2">
-            <a:schemeClr val="accent1">
-              <a:shade val="15000"/>
-            </a:schemeClr>
-          </a:lnRef>
-          <a:fillRef idx="1">
-            <a:schemeClr val="accent1"/>
-          </a:fillRef>
-          <a:effectRef idx="0">
-            <a:schemeClr val="accent1"/>
-          </a:effectRef>
-          <a:fontRef idx="minor">
-            <a:schemeClr val="lt1"/>
-          </a:fontRef>
-        </p:style>
-        <p:txBody>
-          <a:bodyPr rtlCol="0" anchor="ctr"/>
-          <a:lstStyle/>
-          <a:p>
-            <a:pPr algn="ctr"/>
-            <a:r>
-              <a:rPr lang="en-GB" dirty="0"/>
-              <a:t>Test Scripting</a:t>
-            </a:r>
-          </a:p>
-        </p:txBody>
-      </p:sp>
-      <p:sp>
-        <p:nvSpPr>
-          <p:cNvPr id="6" name="Rectangle 5">
-            <a:extLst>
-              <a:ext uri="{FF2B5EF4-FFF2-40B4-BE49-F238E27FC236}">
-                <a16:creationId xmlns:a16="http://schemas.microsoft.com/office/drawing/2014/main" id="{14D4F97E-7BFB-B6D7-8D7D-E14AC206F99B}"/>
-              </a:ext>
-            </a:extLst>
-          </p:cNvPr>
-          <p:cNvSpPr/>
-          <p:nvPr/>
-        </p:nvSpPr>
-        <p:spPr>
-          <a:xfrm>
-            <a:off x="9039144" y="1244318"/>
-            <a:ext cx="1904214" cy="1072299"/>
-          </a:xfrm>
-          <a:prstGeom prst="rect">
-            <a:avLst/>
-          </a:prstGeom>
-        </p:spPr>
-        <p:style>
-          <a:lnRef idx="2">
-            <a:schemeClr val="accent1">
-              <a:shade val="15000"/>
-            </a:schemeClr>
-          </a:lnRef>
-          <a:fillRef idx="1">
-            <a:schemeClr val="accent1"/>
-          </a:fillRef>
-          <a:effectRef idx="0">
-            <a:schemeClr val="accent1"/>
-          </a:effectRef>
-          <a:fontRef idx="minor">
-            <a:schemeClr val="lt1"/>
-          </a:fontRef>
-        </p:style>
-        <p:txBody>
-          <a:bodyPr rtlCol="0" anchor="ctr"/>
-          <a:lstStyle/>
-          <a:p>
-            <a:pPr algn="ctr"/>
-            <a:r>
-              <a:rPr lang="en-GB" dirty="0"/>
-              <a:t>Bug reporting</a:t>
-            </a:r>
-          </a:p>
-        </p:txBody>
-      </p:sp>
-      <p:sp>
-        <p:nvSpPr>
-          <p:cNvPr id="7" name="Content Placeholder 2">
-            <a:extLst>
-              <a:ext uri="{FF2B5EF4-FFF2-40B4-BE49-F238E27FC236}">
-                <a16:creationId xmlns:a16="http://schemas.microsoft.com/office/drawing/2014/main" id="{6FB7888D-A37B-E5F5-F64E-32273E59859E}"/>
-              </a:ext>
-            </a:extLst>
-          </p:cNvPr>
-          <p:cNvSpPr>
-            <a:spLocks noGrp="1"/>
-          </p:cNvSpPr>
-          <p:nvPr>
-            <p:ph idx="1"/>
-          </p:nvPr>
-        </p:nvSpPr>
-        <p:spPr>
-          <a:xfrm>
-            <a:off x="1484311" y="2432115"/>
-            <a:ext cx="10006964" cy="3949831"/>
+            <a:off x="1484310" y="1263193"/>
+            <a:ext cx="10018713" cy="5033912"/>
           </a:xfrm>
         </p:spPr>
         <p:txBody>
@@ -7501,169 +7589,490 @@
           </a:bodyPr>
           <a:lstStyle/>
           <a:p>
-            <a:pPr marL="0" indent="0">
-              <a:buNone/>
+            <a:endParaRPr lang="en-GB" sz="1400">
+              <a:latin typeface="Calibri" panose="020F0502020204030204" pitchFamily="34" charset="0"/>
+              <a:ea typeface="Calibri" panose="020F0502020204030204" pitchFamily="34" charset="0"/>
+              <a:cs typeface="Calibri" panose="020F0502020204030204" pitchFamily="34" charset="0"/>
+            </a:endParaRPr>
+          </a:p>
+          <a:p>
+            <a:r>
+              <a:rPr lang="en-GB" sz="1400">
+                <a:latin typeface="Calibri" panose="020F0502020204030204" pitchFamily="34" charset="0"/>
+                <a:ea typeface="Calibri" panose="020F0502020204030204" pitchFamily="34" charset="0"/>
+                <a:cs typeface="Calibri" panose="020F0502020204030204" pitchFamily="34" charset="0"/>
+              </a:rPr>
+              <a:t>The </a:t>
+            </a:r>
+            <a:r>
+              <a:rPr lang="en-GB" sz="1400" dirty="0">
+                <a:latin typeface="Calibri" panose="020F0502020204030204" pitchFamily="34" charset="0"/>
+                <a:ea typeface="Calibri" panose="020F0502020204030204" pitchFamily="34" charset="0"/>
+                <a:cs typeface="Calibri" panose="020F0502020204030204" pitchFamily="34" charset="0"/>
+              </a:rPr>
+              <a:t>Test Strategy aims to define the approach and guidelines for testing the RiskPoint Group website. It ensures that all testing activities align with the project’s objectives, deliverables, and quality standards.</a:t>
+            </a:r>
+          </a:p>
+          <a:p>
+            <a:pPr marL="0" marR="0" algn="just">
+              <a:lnSpc>
+                <a:spcPct val="107000"/>
+              </a:lnSpc>
+              <a:spcBef>
+                <a:spcPts val="0"/>
+              </a:spcBef>
+              <a:spcAft>
+                <a:spcPts val="800"/>
+              </a:spcAft>
             </a:pPr>
-            <a:r>
-              <a:rPr lang="en-GB" sz="1800" b="1" dirty="0">
-                <a:latin typeface="Calibri" panose="020F0502020204030204" pitchFamily="34" charset="0"/>
-                <a:ea typeface="Calibri" panose="020F0502020204030204" pitchFamily="34" charset="0"/>
-                <a:cs typeface="Times New Roman" panose="02020603050405020304" pitchFamily="18" charset="0"/>
-              </a:rPr>
-              <a:t>Define Scenarios</a:t>
-            </a:r>
-            <a:r>
-              <a:rPr lang="da-DK" sz="1800" b="1" dirty="0">
-                <a:latin typeface="Calibri" panose="020F0502020204030204" pitchFamily="34" charset="0"/>
-                <a:ea typeface="Calibri" panose="020F0502020204030204" pitchFamily="34" charset="0"/>
-                <a:cs typeface="Times New Roman" panose="02020603050405020304" pitchFamily="18" charset="0"/>
-              </a:rPr>
-              <a:t>: </a:t>
-            </a:r>
-            <a:r>
-              <a:rPr lang="en-GB" sz="1800" dirty="0">
-                <a:latin typeface="Calibri" panose="020F0502020204030204" pitchFamily="34" charset="0"/>
-                <a:ea typeface="Calibri" panose="020F0502020204030204" pitchFamily="34" charset="0"/>
-                <a:cs typeface="Times New Roman" panose="02020603050405020304" pitchFamily="18" charset="0"/>
-              </a:rPr>
-              <a:t>Scenarios for the RiskPoint Group website are identified based on the understanding of end user.</a:t>
-            </a:r>
-          </a:p>
-          <a:p>
-            <a:pPr marL="0" indent="0">
-              <a:buNone/>
-            </a:pPr>
-            <a:r>
-              <a:rPr lang="en-GB" sz="1800" dirty="0">
-                <a:latin typeface="Calibri" panose="020F0502020204030204" pitchFamily="34" charset="0"/>
-                <a:ea typeface="Calibri" panose="020F0502020204030204" pitchFamily="34" charset="0"/>
-                <a:cs typeface="Times New Roman" panose="02020603050405020304" pitchFamily="18" charset="0"/>
-              </a:rPr>
-              <a:t>These scenarios for the website has been authored using BDD framework using Cucumber, for the easy understanding of test being done on the website (audience such as end-user, testers or stakeholders). Below is the sample snippet of the scenario in BDD framework .</a:t>
-            </a:r>
-          </a:p>
-          <a:p>
-            <a:pPr marL="0" indent="0">
-              <a:buNone/>
-            </a:pPr>
-            <a:r>
-              <a:rPr lang="en-GB" sz="1800" dirty="0">
-                <a:latin typeface="Calibri" panose="020F0502020204030204" pitchFamily="34" charset="0"/>
-                <a:ea typeface="Calibri" panose="020F0502020204030204" pitchFamily="34" charset="0"/>
-                <a:cs typeface="Times New Roman" panose="02020603050405020304" pitchFamily="18" charset="0"/>
-              </a:rPr>
-              <a:t>Feature: Claims</a:t>
-            </a:r>
-          </a:p>
-          <a:p>
-            <a:pPr marL="0" indent="0">
-              <a:buNone/>
-            </a:pPr>
-            <a:r>
-              <a:rPr lang="en-GB" sz="1800">
-                <a:latin typeface="Calibri" panose="020F0502020204030204" pitchFamily="34" charset="0"/>
-                <a:ea typeface="Calibri" panose="020F0502020204030204" pitchFamily="34" charset="0"/>
-                <a:cs typeface="Times New Roman" panose="02020603050405020304" pitchFamily="18" charset="0"/>
-              </a:rPr>
-              <a:t>    </a:t>
-            </a:r>
-            <a:r>
-              <a:rPr lang="en-GB" sz="1800" dirty="0">
-                <a:latin typeface="Calibri" panose="020F0502020204030204" pitchFamily="34" charset="0"/>
-                <a:ea typeface="Calibri" panose="020F0502020204030204" pitchFamily="34" charset="0"/>
-                <a:cs typeface="Times New Roman" panose="02020603050405020304" pitchFamily="18" charset="0"/>
-              </a:rPr>
-              <a:t>Scenario: Verify the Home Page of RiskPoint Group</a:t>
-            </a:r>
-          </a:p>
-          <a:p>
-            <a:pPr marL="0" indent="0">
-              <a:buNone/>
-            </a:pPr>
-            <a:r>
-              <a:rPr lang="en-GB" sz="1800" dirty="0">
-                <a:latin typeface="Calibri" panose="020F0502020204030204" pitchFamily="34" charset="0"/>
-                <a:ea typeface="Calibri" panose="020F0502020204030204" pitchFamily="34" charset="0"/>
-                <a:cs typeface="Times New Roman" panose="02020603050405020304" pitchFamily="18" charset="0"/>
-              </a:rPr>
-              <a:t>        Given I am on the home page of 'rpgroup.com'</a:t>
-            </a:r>
-          </a:p>
-          <a:p>
-            <a:pPr marL="0" indent="0">
-              <a:buNone/>
-            </a:pPr>
-            <a:r>
-              <a:rPr lang="en-GB" sz="1800" dirty="0">
-                <a:latin typeface="Calibri" panose="020F0502020204030204" pitchFamily="34" charset="0"/>
-                <a:ea typeface="Calibri" panose="020F0502020204030204" pitchFamily="34" charset="0"/>
-                <a:cs typeface="Times New Roman" panose="02020603050405020304" pitchFamily="18" charset="0"/>
-              </a:rPr>
-              <a:t>        When On the home page User hovers on Claims tab</a:t>
-            </a:r>
-          </a:p>
-          <a:p>
-            <a:pPr marL="0" indent="0">
-              <a:buNone/>
-            </a:pPr>
-            <a:r>
-              <a:rPr lang="en-GB" sz="1800" dirty="0">
-                <a:latin typeface="Calibri" panose="020F0502020204030204" pitchFamily="34" charset="0"/>
-                <a:ea typeface="Calibri" panose="020F0502020204030204" pitchFamily="34" charset="0"/>
-                <a:cs typeface="Times New Roman" panose="02020603050405020304" pitchFamily="18" charset="0"/>
-              </a:rPr>
-              <a:t>        Then Emergency Contacts section should be displayed</a:t>
-            </a:r>
-          </a:p>
-          <a:p>
-            <a:pPr marL="0" indent="0">
-              <a:buNone/>
-            </a:pPr>
-            <a:r>
-              <a:rPr lang="en-GB" sz="1800" dirty="0">
-                <a:latin typeface="Calibri" panose="020F0502020204030204" pitchFamily="34" charset="0"/>
-                <a:ea typeface="Calibri" panose="020F0502020204030204" pitchFamily="34" charset="0"/>
-                <a:cs typeface="Times New Roman" panose="02020603050405020304" pitchFamily="18" charset="0"/>
-              </a:rPr>
-              <a:t>        And Report a Claim section should be displayed</a:t>
-            </a:r>
-          </a:p>
-          <a:p>
-            <a:pPr marL="0" indent="0">
-              <a:buNone/>
-            </a:pPr>
-            <a:endParaRPr lang="en-GB" sz="1800" dirty="0">
+            <a:endParaRPr lang="en-GB" sz="1800" b="1" kern="100" dirty="0">
+              <a:effectLst/>
               <a:latin typeface="Calibri" panose="020F0502020204030204" pitchFamily="34" charset="0"/>
               <a:ea typeface="Calibri" panose="020F0502020204030204" pitchFamily="34" charset="0"/>
               <a:cs typeface="Times New Roman" panose="02020603050405020304" pitchFamily="18" charset="0"/>
             </a:endParaRPr>
           </a:p>
           <a:p>
-            <a:pPr marL="0" indent="0">
-              <a:buNone/>
+            <a:pPr marL="0" marR="0" algn="just">
+              <a:lnSpc>
+                <a:spcPct val="107000"/>
+              </a:lnSpc>
+              <a:spcBef>
+                <a:spcPts val="0"/>
+              </a:spcBef>
+              <a:spcAft>
+                <a:spcPts val="800"/>
+              </a:spcAft>
             </a:pPr>
-            <a:endParaRPr lang="en-GB" sz="1800" dirty="0">
+            <a:r>
+              <a:rPr lang="en-GB" sz="1800" b="1" kern="100" dirty="0">
+                <a:effectLst/>
+                <a:latin typeface="Calibri" panose="020F0502020204030204" pitchFamily="34" charset="0"/>
+                <a:ea typeface="Calibri" panose="020F0502020204030204" pitchFamily="34" charset="0"/>
+                <a:cs typeface="Times New Roman" panose="02020603050405020304" pitchFamily="18" charset="0"/>
+              </a:rPr>
+              <a:t>Types of Testing:</a:t>
+            </a:r>
+            <a:endParaRPr lang="en-GB" sz="1800" kern="100" dirty="0">
+              <a:effectLst/>
               <a:latin typeface="Calibri" panose="020F0502020204030204" pitchFamily="34" charset="0"/>
               <a:ea typeface="Calibri" panose="020F0502020204030204" pitchFamily="34" charset="0"/>
               <a:cs typeface="Times New Roman" panose="02020603050405020304" pitchFamily="18" charset="0"/>
             </a:endParaRPr>
           </a:p>
           <a:p>
-            <a:pPr marL="0" indent="0">
-              <a:buNone/>
+            <a:pPr marL="800100" lvl="1" indent="-342900" algn="just">
+              <a:lnSpc>
+                <a:spcPct val="107000"/>
+              </a:lnSpc>
+              <a:spcBef>
+                <a:spcPts val="0"/>
+              </a:spcBef>
+              <a:spcAft>
+                <a:spcPts val="800"/>
+              </a:spcAft>
+              <a:buSzPts val="1000"/>
+              <a:buFont typeface="Symbol" panose="05050102010706020507" pitchFamily="18" charset="2"/>
+              <a:buChar char=""/>
+              <a:tabLst>
+                <a:tab pos="457200" algn="l"/>
+              </a:tabLst>
             </a:pPr>
-            <a:endParaRPr lang="en-GB" sz="1800" dirty="0">
+            <a:r>
+              <a:rPr lang="en-GB" sz="1400" b="1" kern="100" dirty="0">
+                <a:effectLst/>
+                <a:latin typeface="Calibri" panose="020F0502020204030204" pitchFamily="34" charset="0"/>
+                <a:ea typeface="Calibri" panose="020F0502020204030204" pitchFamily="34" charset="0"/>
+                <a:cs typeface="Times New Roman" panose="02020603050405020304" pitchFamily="18" charset="0"/>
+              </a:rPr>
+              <a:t>Functional Testing:</a:t>
+            </a:r>
+            <a:r>
+              <a:rPr lang="en-GB" sz="1400" kern="100" dirty="0">
+                <a:effectLst/>
+                <a:latin typeface="Calibri" panose="020F0502020204030204" pitchFamily="34" charset="0"/>
+                <a:ea typeface="Calibri" panose="020F0502020204030204" pitchFamily="34" charset="0"/>
+                <a:cs typeface="Times New Roman" panose="02020603050405020304" pitchFamily="18" charset="0"/>
+              </a:rPr>
+              <a:t> Validate that the website works as expected according to the requirements.</a:t>
+            </a:r>
+          </a:p>
+          <a:p>
+            <a:pPr marL="800100" lvl="1" indent="-342900" algn="just">
+              <a:lnSpc>
+                <a:spcPct val="107000"/>
+              </a:lnSpc>
+              <a:spcBef>
+                <a:spcPts val="0"/>
+              </a:spcBef>
+              <a:spcAft>
+                <a:spcPts val="800"/>
+              </a:spcAft>
+              <a:buSzPts val="1000"/>
+              <a:buFont typeface="Symbol" panose="05050102010706020507" pitchFamily="18" charset="2"/>
+              <a:buChar char=""/>
+              <a:tabLst>
+                <a:tab pos="457200" algn="l"/>
+              </a:tabLst>
+            </a:pPr>
+            <a:r>
+              <a:rPr lang="en-GB" sz="1400" b="1" kern="100" dirty="0">
+                <a:effectLst/>
+                <a:latin typeface="Calibri" panose="020F0502020204030204" pitchFamily="34" charset="0"/>
+                <a:ea typeface="Calibri" panose="020F0502020204030204" pitchFamily="34" charset="0"/>
+                <a:cs typeface="Times New Roman" panose="02020603050405020304" pitchFamily="18" charset="0"/>
+              </a:rPr>
+              <a:t>UI/UX Testing:</a:t>
+            </a:r>
+            <a:r>
+              <a:rPr lang="en-GB" sz="1400" kern="100" dirty="0">
+                <a:effectLst/>
+                <a:latin typeface="Calibri" panose="020F0502020204030204" pitchFamily="34" charset="0"/>
+                <a:ea typeface="Calibri" panose="020F0502020204030204" pitchFamily="34" charset="0"/>
+                <a:cs typeface="Times New Roman" panose="02020603050405020304" pitchFamily="18" charset="0"/>
+              </a:rPr>
+              <a:t> Ensure the user interface is intuitive and provides a positive user experience. </a:t>
+            </a:r>
+          </a:p>
+          <a:p>
+            <a:pPr marL="800100" lvl="1" indent="-342900" algn="just">
+              <a:lnSpc>
+                <a:spcPct val="107000"/>
+              </a:lnSpc>
+              <a:spcBef>
+                <a:spcPts val="0"/>
+              </a:spcBef>
+              <a:spcAft>
+                <a:spcPts val="800"/>
+              </a:spcAft>
+              <a:buSzPts val="1000"/>
+              <a:buFont typeface="Symbol" panose="05050102010706020507" pitchFamily="18" charset="2"/>
+              <a:buChar char=""/>
+              <a:tabLst>
+                <a:tab pos="457200" algn="l"/>
+              </a:tabLst>
+            </a:pPr>
+            <a:r>
+              <a:rPr lang="en-GB" sz="1400" b="1" kern="100" dirty="0">
+                <a:effectLst/>
+                <a:latin typeface="Calibri" panose="020F0502020204030204" pitchFamily="34" charset="0"/>
+                <a:ea typeface="Calibri" panose="020F0502020204030204" pitchFamily="34" charset="0"/>
+                <a:cs typeface="Times New Roman" panose="02020603050405020304" pitchFamily="18" charset="0"/>
+              </a:rPr>
+              <a:t>Regression Testing:</a:t>
+            </a:r>
+            <a:r>
+              <a:rPr lang="en-GB" sz="1400" kern="100" dirty="0">
+                <a:effectLst/>
+                <a:latin typeface="Calibri" panose="020F0502020204030204" pitchFamily="34" charset="0"/>
+                <a:ea typeface="Calibri" panose="020F0502020204030204" pitchFamily="34" charset="0"/>
+                <a:cs typeface="Times New Roman" panose="02020603050405020304" pitchFamily="18" charset="0"/>
+              </a:rPr>
+              <a:t> Ensure that changes and updates do not affect existing functionality.</a:t>
+            </a:r>
+          </a:p>
+          <a:p>
+            <a:pPr marL="0" marR="0" algn="just">
+              <a:lnSpc>
+                <a:spcPct val="107000"/>
+              </a:lnSpc>
+              <a:spcBef>
+                <a:spcPts val="0"/>
+              </a:spcBef>
+              <a:spcAft>
+                <a:spcPts val="800"/>
+              </a:spcAft>
+            </a:pPr>
+            <a:r>
+              <a:rPr lang="en-GB" sz="1800" b="1" kern="100" dirty="0">
+                <a:effectLst/>
+                <a:latin typeface="Calibri" panose="020F0502020204030204" pitchFamily="34" charset="0"/>
+                <a:ea typeface="Calibri" panose="020F0502020204030204" pitchFamily="34" charset="0"/>
+                <a:cs typeface="Times New Roman" panose="02020603050405020304" pitchFamily="18" charset="0"/>
+              </a:rPr>
+              <a:t>Testing Levels:</a:t>
+            </a:r>
+            <a:endParaRPr lang="en-GB" sz="1800" kern="100" dirty="0">
+              <a:effectLst/>
               <a:latin typeface="Calibri" panose="020F0502020204030204" pitchFamily="34" charset="0"/>
               <a:ea typeface="Calibri" panose="020F0502020204030204" pitchFamily="34" charset="0"/>
               <a:cs typeface="Times New Roman" panose="02020603050405020304" pitchFamily="18" charset="0"/>
             </a:endParaRPr>
           </a:p>
+          <a:p>
+            <a:pPr marL="800100" lvl="1" indent="-342900" algn="just">
+              <a:lnSpc>
+                <a:spcPct val="107000"/>
+              </a:lnSpc>
+              <a:spcBef>
+                <a:spcPts val="0"/>
+              </a:spcBef>
+              <a:spcAft>
+                <a:spcPts val="800"/>
+              </a:spcAft>
+              <a:buSzPts val="1000"/>
+              <a:buFont typeface="Symbol" panose="05050102010706020507" pitchFamily="18" charset="2"/>
+              <a:buChar char=""/>
+              <a:tabLst>
+                <a:tab pos="457200" algn="l"/>
+              </a:tabLst>
+            </a:pPr>
+            <a:r>
+              <a:rPr lang="en-GB" sz="1400" b="1" kern="100" dirty="0">
+                <a:effectLst/>
+                <a:latin typeface="Calibri" panose="020F0502020204030204" pitchFamily="34" charset="0"/>
+                <a:ea typeface="Calibri" panose="020F0502020204030204" pitchFamily="34" charset="0"/>
+                <a:cs typeface="Times New Roman" panose="02020603050405020304" pitchFamily="18" charset="0"/>
+              </a:rPr>
+              <a:t>Integration Testing:</a:t>
+            </a:r>
+            <a:r>
+              <a:rPr lang="en-GB" sz="1400" kern="100" dirty="0">
+                <a:effectLst/>
+                <a:latin typeface="Calibri" panose="020F0502020204030204" pitchFamily="34" charset="0"/>
+                <a:ea typeface="Calibri" panose="020F0502020204030204" pitchFamily="34" charset="0"/>
+                <a:cs typeface="Times New Roman" panose="02020603050405020304" pitchFamily="18" charset="0"/>
+              </a:rPr>
+              <a:t> Test the interaction between different modules or components.</a:t>
+            </a:r>
+          </a:p>
+          <a:p>
+            <a:pPr marL="800100" lvl="1" indent="-342900" algn="just">
+              <a:lnSpc>
+                <a:spcPct val="107000"/>
+              </a:lnSpc>
+              <a:spcBef>
+                <a:spcPts val="0"/>
+              </a:spcBef>
+              <a:spcAft>
+                <a:spcPts val="800"/>
+              </a:spcAft>
+              <a:buSzPts val="1000"/>
+              <a:buFont typeface="Symbol" panose="05050102010706020507" pitchFamily="18" charset="2"/>
+              <a:buChar char=""/>
+              <a:tabLst>
+                <a:tab pos="457200" algn="l"/>
+              </a:tabLst>
+            </a:pPr>
+            <a:r>
+              <a:rPr lang="en-GB" sz="1400" b="1" kern="100" dirty="0">
+                <a:effectLst/>
+                <a:latin typeface="Calibri" panose="020F0502020204030204" pitchFamily="34" charset="0"/>
+                <a:ea typeface="Calibri" panose="020F0502020204030204" pitchFamily="34" charset="0"/>
+                <a:cs typeface="Times New Roman" panose="02020603050405020304" pitchFamily="18" charset="0"/>
+              </a:rPr>
+              <a:t>System Testing:</a:t>
+            </a:r>
+            <a:r>
+              <a:rPr lang="en-GB" sz="1400" kern="100" dirty="0">
+                <a:effectLst/>
+                <a:latin typeface="Calibri" panose="020F0502020204030204" pitchFamily="34" charset="0"/>
+                <a:ea typeface="Calibri" panose="020F0502020204030204" pitchFamily="34" charset="0"/>
+                <a:cs typeface="Times New Roman" panose="02020603050405020304" pitchFamily="18" charset="0"/>
+              </a:rPr>
+              <a:t> Validate the complete functionality of the website as a whole.</a:t>
+            </a:r>
+          </a:p>
+          <a:p>
+            <a:pPr marL="0" marR="0" algn="just">
+              <a:lnSpc>
+                <a:spcPct val="107000"/>
+              </a:lnSpc>
+              <a:spcBef>
+                <a:spcPts val="0"/>
+              </a:spcBef>
+              <a:spcAft>
+                <a:spcPts val="800"/>
+              </a:spcAft>
+            </a:pPr>
+            <a:r>
+              <a:rPr lang="en-GB" sz="1800" b="1" kern="100" dirty="0">
+                <a:effectLst/>
+                <a:latin typeface="Calibri" panose="020F0502020204030204" pitchFamily="34" charset="0"/>
+                <a:ea typeface="Calibri" panose="020F0502020204030204" pitchFamily="34" charset="0"/>
+                <a:cs typeface="Times New Roman" panose="02020603050405020304" pitchFamily="18" charset="0"/>
+              </a:rPr>
+              <a:t>Test Approach:</a:t>
+            </a:r>
+            <a:endParaRPr lang="en-GB" sz="1800" kern="100" dirty="0">
+              <a:effectLst/>
+              <a:latin typeface="Calibri" panose="020F0502020204030204" pitchFamily="34" charset="0"/>
+              <a:ea typeface="Calibri" panose="020F0502020204030204" pitchFamily="34" charset="0"/>
+              <a:cs typeface="Times New Roman" panose="02020603050405020304" pitchFamily="18" charset="0"/>
+            </a:endParaRPr>
+          </a:p>
+          <a:p>
+            <a:pPr marL="800100" lvl="1" indent="-342900" algn="just">
+              <a:lnSpc>
+                <a:spcPct val="107000"/>
+              </a:lnSpc>
+              <a:spcBef>
+                <a:spcPts val="0"/>
+              </a:spcBef>
+              <a:spcAft>
+                <a:spcPts val="800"/>
+              </a:spcAft>
+              <a:buSzPts val="1000"/>
+              <a:buFont typeface="Symbol" panose="05050102010706020507" pitchFamily="18" charset="2"/>
+              <a:buChar char=""/>
+              <a:tabLst>
+                <a:tab pos="457200" algn="l"/>
+              </a:tabLst>
+            </a:pPr>
+            <a:r>
+              <a:rPr lang="en-GB" sz="1400" b="1" kern="100" dirty="0">
+                <a:effectLst/>
+                <a:latin typeface="Calibri" panose="020F0502020204030204" pitchFamily="34" charset="0"/>
+                <a:ea typeface="Calibri" panose="020F0502020204030204" pitchFamily="34" charset="0"/>
+                <a:cs typeface="Times New Roman" panose="02020603050405020304" pitchFamily="18" charset="0"/>
+              </a:rPr>
+              <a:t>Manual Testing:</a:t>
+            </a:r>
+            <a:r>
+              <a:rPr lang="en-GB" sz="1400" kern="100" dirty="0">
+                <a:effectLst/>
+                <a:latin typeface="Calibri" panose="020F0502020204030204" pitchFamily="34" charset="0"/>
+                <a:ea typeface="Calibri" panose="020F0502020204030204" pitchFamily="34" charset="0"/>
+                <a:cs typeface="Times New Roman" panose="02020603050405020304" pitchFamily="18" charset="0"/>
+              </a:rPr>
+              <a:t> Used for UI/UX, content verification, and exploratory testing.</a:t>
+            </a:r>
+          </a:p>
+          <a:p>
+            <a:pPr marL="800100" lvl="1" indent="-342900" algn="just">
+              <a:lnSpc>
+                <a:spcPct val="107000"/>
+              </a:lnSpc>
+              <a:spcBef>
+                <a:spcPts val="0"/>
+              </a:spcBef>
+              <a:spcAft>
+                <a:spcPts val="800"/>
+              </a:spcAft>
+              <a:buSzPts val="1000"/>
+              <a:buFont typeface="Symbol" panose="05050102010706020507" pitchFamily="18" charset="2"/>
+              <a:buChar char=""/>
+              <a:tabLst>
+                <a:tab pos="457200" algn="l"/>
+              </a:tabLst>
+            </a:pPr>
+            <a:r>
+              <a:rPr lang="en-GB" sz="1400" b="1" kern="100" dirty="0">
+                <a:effectLst/>
+                <a:latin typeface="Calibri" panose="020F0502020204030204" pitchFamily="34" charset="0"/>
+                <a:ea typeface="Calibri" panose="020F0502020204030204" pitchFamily="34" charset="0"/>
+                <a:cs typeface="Times New Roman" panose="02020603050405020304" pitchFamily="18" charset="0"/>
+              </a:rPr>
+              <a:t>Automated Testing:</a:t>
+            </a:r>
+            <a:r>
+              <a:rPr lang="en-GB" sz="1400" kern="100" dirty="0">
+                <a:effectLst/>
+                <a:latin typeface="Calibri" panose="020F0502020204030204" pitchFamily="34" charset="0"/>
+                <a:ea typeface="Calibri" panose="020F0502020204030204" pitchFamily="34" charset="0"/>
+                <a:cs typeface="Times New Roman" panose="02020603050405020304" pitchFamily="18" charset="0"/>
+              </a:rPr>
+              <a:t> Implemented for regression testing, performance testing, and repeated functional tests.</a:t>
+            </a:r>
+          </a:p>
+          <a:p>
+            <a:pPr marL="800100" lvl="1" indent="-342900" algn="just">
+              <a:lnSpc>
+                <a:spcPct val="107000"/>
+              </a:lnSpc>
+              <a:spcBef>
+                <a:spcPts val="0"/>
+              </a:spcBef>
+              <a:spcAft>
+                <a:spcPts val="800"/>
+              </a:spcAft>
+              <a:buSzPts val="1000"/>
+              <a:buFont typeface="Symbol" panose="05050102010706020507" pitchFamily="18" charset="2"/>
+              <a:buChar char=""/>
+              <a:tabLst>
+                <a:tab pos="457200" algn="l"/>
+              </a:tabLst>
+            </a:pPr>
+            <a:r>
+              <a:rPr lang="en-GB" sz="1400" b="1" kern="100" dirty="0">
+                <a:effectLst/>
+                <a:latin typeface="Calibri" panose="020F0502020204030204" pitchFamily="34" charset="0"/>
+                <a:ea typeface="Calibri" panose="020F0502020204030204" pitchFamily="34" charset="0"/>
+                <a:cs typeface="Times New Roman" panose="02020603050405020304" pitchFamily="18" charset="0"/>
+              </a:rPr>
+              <a:t>Test Environment:</a:t>
+            </a:r>
+            <a:r>
+              <a:rPr lang="en-GB" sz="1400" kern="100" dirty="0">
+                <a:effectLst/>
+                <a:latin typeface="Calibri" panose="020F0502020204030204" pitchFamily="34" charset="0"/>
+                <a:ea typeface="Calibri" panose="020F0502020204030204" pitchFamily="34" charset="0"/>
+                <a:cs typeface="Times New Roman" panose="02020603050405020304" pitchFamily="18" charset="0"/>
+              </a:rPr>
+              <a:t> The test environment will closely resemble the production environment, including servers, databases, and network settings.</a:t>
+            </a:r>
+          </a:p>
+          <a:p>
+            <a:pPr marL="457200" lvl="1" indent="0" algn="just">
+              <a:lnSpc>
+                <a:spcPct val="107000"/>
+              </a:lnSpc>
+              <a:spcBef>
+                <a:spcPts val="0"/>
+              </a:spcBef>
+              <a:spcAft>
+                <a:spcPts val="800"/>
+              </a:spcAft>
+              <a:buSzPts val="1000"/>
+              <a:buNone/>
+              <a:tabLst>
+                <a:tab pos="457200" algn="l"/>
+              </a:tabLst>
+            </a:pPr>
+            <a:endParaRPr lang="en-GB" sz="1400" kern="100" dirty="0">
+              <a:effectLst/>
+              <a:latin typeface="Calibri" panose="020F0502020204030204" pitchFamily="34" charset="0"/>
+              <a:ea typeface="Calibri" panose="020F0502020204030204" pitchFamily="34" charset="0"/>
+              <a:cs typeface="Times New Roman" panose="02020603050405020304" pitchFamily="18" charset="0"/>
+            </a:endParaRPr>
+          </a:p>
+          <a:p>
+            <a:pPr marL="457200" lvl="1" indent="0" algn="just">
+              <a:lnSpc>
+                <a:spcPct val="107000"/>
+              </a:lnSpc>
+              <a:spcBef>
+                <a:spcPts val="0"/>
+              </a:spcBef>
+              <a:spcAft>
+                <a:spcPts val="800"/>
+              </a:spcAft>
+              <a:buSzPts val="1000"/>
+              <a:buNone/>
+              <a:tabLst>
+                <a:tab pos="457200" algn="l"/>
+              </a:tabLst>
+            </a:pPr>
+            <a:endParaRPr lang="en-GB" sz="1400" kern="100" dirty="0">
+              <a:effectLst/>
+              <a:latin typeface="Calibri" panose="020F0502020204030204" pitchFamily="34" charset="0"/>
+              <a:ea typeface="Calibri" panose="020F0502020204030204" pitchFamily="34" charset="0"/>
+              <a:cs typeface="Times New Roman" panose="02020603050405020304" pitchFamily="18" charset="0"/>
+            </a:endParaRPr>
+          </a:p>
+          <a:p>
+            <a:endParaRPr lang="en-GB" sz="1400" dirty="0">
+              <a:latin typeface="Calibri" panose="020F0502020204030204" pitchFamily="34" charset="0"/>
+              <a:ea typeface="Calibri" panose="020F0502020204030204" pitchFamily="34" charset="0"/>
+              <a:cs typeface="Calibri" panose="020F0502020204030204" pitchFamily="34" charset="0"/>
+            </a:endParaRPr>
+          </a:p>
         </p:txBody>
       </p:sp>
     </p:spTree>
     <p:extLst>
       <p:ext uri="{BB962C8B-B14F-4D97-AF65-F5344CB8AC3E}">
-        <p14:creationId xmlns:p14="http://schemas.microsoft.com/office/powerpoint/2010/main" val="2354998779"/>
+        <p14:creationId xmlns:p14="http://schemas.microsoft.com/office/powerpoint/2010/main" val="3576951177"/>
       </p:ext>
     </p:extLst>
   </p:cSld>
@@ -7695,7 +8104,7 @@
           <p:cNvPr id="2" name="Title 1">
             <a:extLst>
               <a:ext uri="{FF2B5EF4-FFF2-40B4-BE49-F238E27FC236}">
-                <a16:creationId xmlns:a16="http://schemas.microsoft.com/office/drawing/2014/main" id="{89237210-2C33-57A8-F271-9DBAE07A53DD}"/>
+                <a16:creationId xmlns:a16="http://schemas.microsoft.com/office/drawing/2014/main" id="{6EB53A5F-7FFF-7D0F-6D73-9374016F3FCD}"/>
               </a:ext>
             </a:extLst>
           </p:cNvPr>
@@ -7706,27 +8115,179 @@
             <p:ph type="title"/>
           </p:nvPr>
         </p:nvSpPr>
-        <p:spPr/>
+        <p:spPr>
+          <a:xfrm>
+            <a:off x="1484311" y="157893"/>
+            <a:ext cx="10506584" cy="709373"/>
+          </a:xfrm>
+        </p:spPr>
         <p:txBody>
           <a:bodyPr/>
           <a:lstStyle/>
           <a:p>
             <a:r>
               <a:rPr lang="en-GB" dirty="0"/>
-              <a:t>Bug Report</a:t>
-            </a:r>
-          </a:p>
-        </p:txBody>
-      </p:sp>
-      <p:sp>
-        <p:nvSpPr>
-          <p:cNvPr id="3" name="Content Placeholder 2">
+              <a:t>Test Execution</a:t>
+            </a:r>
+          </a:p>
+        </p:txBody>
+      </p:sp>
+      <p:sp>
+        <p:nvSpPr>
+          <p:cNvPr id="4" name="Rectangle 3">
             <a:extLst>
               <a:ext uri="{FF2B5EF4-FFF2-40B4-BE49-F238E27FC236}">
-                <a16:creationId xmlns:a16="http://schemas.microsoft.com/office/drawing/2014/main" id="{27F2422E-876A-1CA5-F741-5863A5D39398}"/>
+                <a16:creationId xmlns:a16="http://schemas.microsoft.com/office/drawing/2014/main" id="{BB3617FA-871B-1A43-E891-137B4D004C45}"/>
               </a:ext>
             </a:extLst>
           </p:cNvPr>
+          <p:cNvSpPr/>
+          <p:nvPr/>
+        </p:nvSpPr>
+        <p:spPr>
+          <a:xfrm>
+            <a:off x="1995341" y="1121769"/>
+            <a:ext cx="1904214" cy="1072299"/>
+          </a:xfrm>
+          <a:prstGeom prst="rect">
+            <a:avLst/>
+          </a:prstGeom>
+        </p:spPr>
+        <p:style>
+          <a:lnRef idx="2">
+            <a:schemeClr val="accent1">
+              <a:shade val="15000"/>
+            </a:schemeClr>
+          </a:lnRef>
+          <a:fillRef idx="1">
+            <a:schemeClr val="accent1"/>
+          </a:fillRef>
+          <a:effectRef idx="0">
+            <a:schemeClr val="accent1"/>
+          </a:effectRef>
+          <a:fontRef idx="minor">
+            <a:schemeClr val="lt1"/>
+          </a:fontRef>
+        </p:style>
+        <p:txBody>
+          <a:bodyPr rtlCol="0" anchor="ctr"/>
+          <a:lstStyle/>
+          <a:p>
+            <a:pPr algn="ctr"/>
+            <a:r>
+              <a:rPr lang="en-GB" dirty="0"/>
+              <a:t>Define Scenarios</a:t>
+            </a:r>
+          </a:p>
+        </p:txBody>
+      </p:sp>
+      <p:sp>
+        <p:nvSpPr>
+          <p:cNvPr id="5" name="Rectangle 4">
+            <a:extLst>
+              <a:ext uri="{FF2B5EF4-FFF2-40B4-BE49-F238E27FC236}">
+                <a16:creationId xmlns:a16="http://schemas.microsoft.com/office/drawing/2014/main" id="{CF143FBA-5732-84FA-E03E-BAF2B9B4608E}"/>
+              </a:ext>
+            </a:extLst>
+          </p:cNvPr>
+          <p:cNvSpPr/>
+          <p:nvPr/>
+        </p:nvSpPr>
+        <p:spPr>
+          <a:xfrm>
+            <a:off x="5514679" y="1121766"/>
+            <a:ext cx="1904214" cy="1072299"/>
+          </a:xfrm>
+          <a:prstGeom prst="rect">
+            <a:avLst/>
+          </a:prstGeom>
+        </p:spPr>
+        <p:style>
+          <a:lnRef idx="2">
+            <a:schemeClr val="accent1">
+              <a:shade val="15000"/>
+            </a:schemeClr>
+          </a:lnRef>
+          <a:fillRef idx="1">
+            <a:schemeClr val="accent1"/>
+          </a:fillRef>
+          <a:effectRef idx="0">
+            <a:schemeClr val="accent1"/>
+          </a:effectRef>
+          <a:fontRef idx="minor">
+            <a:schemeClr val="lt1"/>
+          </a:fontRef>
+        </p:style>
+        <p:txBody>
+          <a:bodyPr rtlCol="0" anchor="ctr"/>
+          <a:lstStyle/>
+          <a:p>
+            <a:pPr algn="ctr"/>
+            <a:r>
+              <a:rPr lang="en-GB" dirty="0"/>
+              <a:t>Test Scripting</a:t>
+            </a:r>
+          </a:p>
+        </p:txBody>
+      </p:sp>
+      <p:sp>
+        <p:nvSpPr>
+          <p:cNvPr id="6" name="Rectangle 5">
+            <a:extLst>
+              <a:ext uri="{FF2B5EF4-FFF2-40B4-BE49-F238E27FC236}">
+                <a16:creationId xmlns:a16="http://schemas.microsoft.com/office/drawing/2014/main" id="{14D4F97E-7BFB-B6D7-8D7D-E14AC206F99B}"/>
+              </a:ext>
+            </a:extLst>
+          </p:cNvPr>
+          <p:cNvSpPr/>
+          <p:nvPr/>
+        </p:nvSpPr>
+        <p:spPr>
+          <a:xfrm>
+            <a:off x="9039144" y="1140621"/>
+            <a:ext cx="1904214" cy="1072299"/>
+          </a:xfrm>
+          <a:prstGeom prst="rect">
+            <a:avLst/>
+          </a:prstGeom>
+        </p:spPr>
+        <p:style>
+          <a:lnRef idx="2">
+            <a:schemeClr val="accent1">
+              <a:shade val="15000"/>
+            </a:schemeClr>
+          </a:lnRef>
+          <a:fillRef idx="1">
+            <a:schemeClr val="accent1"/>
+          </a:fillRef>
+          <a:effectRef idx="0">
+            <a:schemeClr val="accent1"/>
+          </a:effectRef>
+          <a:fontRef idx="minor">
+            <a:schemeClr val="lt1"/>
+          </a:fontRef>
+        </p:style>
+        <p:txBody>
+          <a:bodyPr rtlCol="0" anchor="ctr"/>
+          <a:lstStyle/>
+          <a:p>
+            <a:pPr algn="ctr"/>
+            <a:r>
+              <a:rPr lang="en-GB" dirty="0"/>
+              <a:t>Bug reporting</a:t>
+            </a:r>
+          </a:p>
+        </p:txBody>
+      </p:sp>
+      <p:sp>
+        <p:nvSpPr>
+          <p:cNvPr id="7" name="Content Placeholder 2">
+            <a:extLst>
+              <a:ext uri="{FF2B5EF4-FFF2-40B4-BE49-F238E27FC236}">
+                <a16:creationId xmlns:a16="http://schemas.microsoft.com/office/drawing/2014/main" id="{6FB7888D-A37B-E5F5-F64E-32273E59859E}"/>
+              </a:ext>
+            </a:extLst>
+          </p:cNvPr>
           <p:cNvSpPr>
             <a:spLocks noGrp="1"/>
           </p:cNvSpPr>
@@ -7734,19 +8295,300 @@
             <p:ph idx="1"/>
           </p:nvPr>
         </p:nvSpPr>
-        <p:spPr/>
-        <p:txBody>
-          <a:bodyPr/>
+        <p:spPr>
+          <a:xfrm>
+            <a:off x="1484311" y="2432115"/>
+            <a:ext cx="10006964" cy="3949831"/>
+          </a:xfrm>
+        </p:spPr>
+        <p:txBody>
+          <a:bodyPr anchor="t">
+            <a:noAutofit/>
+          </a:bodyPr>
           <a:lstStyle/>
           <a:p>
-            <a:endParaRPr lang="en-GB"/>
+            <a:pPr marL="0" indent="0">
+              <a:buNone/>
+            </a:pPr>
+            <a:r>
+              <a:rPr lang="en-GB" sz="1400" b="1" dirty="0">
+                <a:latin typeface="Calibri" panose="020F0502020204030204" pitchFamily="34" charset="0"/>
+                <a:ea typeface="Calibri" panose="020F0502020204030204" pitchFamily="34" charset="0"/>
+                <a:cs typeface="Times New Roman" panose="02020603050405020304" pitchFamily="18" charset="0"/>
+              </a:rPr>
+              <a:t>Define Scenarios</a:t>
+            </a:r>
+            <a:r>
+              <a:rPr lang="da-DK" sz="1400" b="1" dirty="0">
+                <a:latin typeface="Calibri" panose="020F0502020204030204" pitchFamily="34" charset="0"/>
+                <a:ea typeface="Calibri" panose="020F0502020204030204" pitchFamily="34" charset="0"/>
+                <a:cs typeface="Times New Roman" panose="02020603050405020304" pitchFamily="18" charset="0"/>
+              </a:rPr>
+              <a:t>: </a:t>
+            </a:r>
+            <a:r>
+              <a:rPr lang="en-GB" sz="1400" dirty="0">
+                <a:latin typeface="Calibri" panose="020F0502020204030204" pitchFamily="34" charset="0"/>
+                <a:ea typeface="Calibri" panose="020F0502020204030204" pitchFamily="34" charset="0"/>
+                <a:cs typeface="Times New Roman" panose="02020603050405020304" pitchFamily="18" charset="0"/>
+              </a:rPr>
+              <a:t>Defining scenarios is a critical part of testing, user experience design, and requirement analysis. Scenarios describe specific situations or use cases that help in understanding how a system or application should behave in a particular context.</a:t>
+            </a:r>
+            <a:r>
+              <a:rPr lang="da-DK" sz="1400" dirty="0">
+                <a:latin typeface="Calibri" panose="020F0502020204030204" pitchFamily="34" charset="0"/>
+                <a:ea typeface="Calibri" panose="020F0502020204030204" pitchFamily="34" charset="0"/>
+                <a:cs typeface="Times New Roman" panose="02020603050405020304" pitchFamily="18" charset="0"/>
+              </a:rPr>
+              <a:t> </a:t>
+            </a:r>
+          </a:p>
+          <a:p>
+            <a:pPr marL="0" indent="0">
+              <a:buNone/>
+            </a:pPr>
+            <a:r>
+              <a:rPr lang="da-DK" sz="1400" dirty="0">
+                <a:latin typeface="Calibri" panose="020F0502020204030204" pitchFamily="34" charset="0"/>
+                <a:ea typeface="Calibri" panose="020F0502020204030204" pitchFamily="34" charset="0"/>
+                <a:cs typeface="Times New Roman" panose="02020603050405020304" pitchFamily="18" charset="0"/>
+              </a:rPr>
+              <a:t>Steps </a:t>
+            </a:r>
+            <a:r>
+              <a:rPr lang="da-DK" sz="1400" dirty="0" err="1">
+                <a:latin typeface="Calibri" panose="020F0502020204030204" pitchFamily="34" charset="0"/>
+                <a:ea typeface="Calibri" panose="020F0502020204030204" pitchFamily="34" charset="0"/>
+                <a:cs typeface="Times New Roman" panose="02020603050405020304" pitchFamily="18" charset="0"/>
+              </a:rPr>
+              <a:t>considered</a:t>
+            </a:r>
+            <a:r>
+              <a:rPr lang="da-DK" sz="1400" dirty="0">
+                <a:latin typeface="Calibri" panose="020F0502020204030204" pitchFamily="34" charset="0"/>
+                <a:ea typeface="Calibri" panose="020F0502020204030204" pitchFamily="34" charset="0"/>
+                <a:cs typeface="Times New Roman" panose="02020603050405020304" pitchFamily="18" charset="0"/>
+              </a:rPr>
+              <a:t> to </a:t>
+            </a:r>
+            <a:r>
+              <a:rPr lang="da-DK" sz="1400" dirty="0" err="1">
+                <a:latin typeface="Calibri" panose="020F0502020204030204" pitchFamily="34" charset="0"/>
+                <a:ea typeface="Calibri" panose="020F0502020204030204" pitchFamily="34" charset="0"/>
+                <a:cs typeface="Times New Roman" panose="02020603050405020304" pitchFamily="18" charset="0"/>
+              </a:rPr>
+              <a:t>define</a:t>
+            </a:r>
+            <a:r>
+              <a:rPr lang="da-DK" sz="1400" dirty="0">
+                <a:latin typeface="Calibri" panose="020F0502020204030204" pitchFamily="34" charset="0"/>
+                <a:ea typeface="Calibri" panose="020F0502020204030204" pitchFamily="34" charset="0"/>
+                <a:cs typeface="Times New Roman" panose="02020603050405020304" pitchFamily="18" charset="0"/>
+              </a:rPr>
+              <a:t> th scenarios</a:t>
+            </a:r>
+          </a:p>
+          <a:p>
+            <a:pPr marL="0" indent="0">
+              <a:buNone/>
+            </a:pPr>
+            <a:r>
+              <a:rPr lang="da-DK" sz="1400" dirty="0">
+                <a:latin typeface="Calibri" panose="020F0502020204030204" pitchFamily="34" charset="0"/>
+                <a:ea typeface="Calibri" panose="020F0502020204030204" pitchFamily="34" charset="0"/>
+                <a:cs typeface="Times New Roman" panose="02020603050405020304" pitchFamily="18" charset="0"/>
+              </a:rPr>
+              <a:t>	Understand the purpose</a:t>
+            </a:r>
+          </a:p>
+          <a:p>
+            <a:pPr marL="0" indent="0">
+              <a:buNone/>
+            </a:pPr>
+            <a:r>
+              <a:rPr lang="da-DK" sz="1400" dirty="0">
+                <a:latin typeface="Calibri" panose="020F0502020204030204" pitchFamily="34" charset="0"/>
+                <a:ea typeface="Calibri" panose="020F0502020204030204" pitchFamily="34" charset="0"/>
+                <a:cs typeface="Times New Roman" panose="02020603050405020304" pitchFamily="18" charset="0"/>
+              </a:rPr>
+              <a:t>	</a:t>
+            </a:r>
+            <a:r>
+              <a:rPr lang="da-DK" sz="1400" dirty="0" err="1">
+                <a:latin typeface="Calibri" panose="020F0502020204030204" pitchFamily="34" charset="0"/>
+                <a:ea typeface="Calibri" panose="020F0502020204030204" pitchFamily="34" charset="0"/>
+                <a:cs typeface="Times New Roman" panose="02020603050405020304" pitchFamily="18" charset="0"/>
+              </a:rPr>
+              <a:t>Gather</a:t>
+            </a:r>
+            <a:r>
+              <a:rPr lang="da-DK" sz="1400" dirty="0">
+                <a:latin typeface="Calibri" panose="020F0502020204030204" pitchFamily="34" charset="0"/>
+                <a:ea typeface="Calibri" panose="020F0502020204030204" pitchFamily="34" charset="0"/>
+                <a:cs typeface="Times New Roman" panose="02020603050405020304" pitchFamily="18" charset="0"/>
+              </a:rPr>
+              <a:t> </a:t>
+            </a:r>
+            <a:r>
+              <a:rPr lang="da-DK" sz="1400" dirty="0" err="1">
+                <a:latin typeface="Calibri" panose="020F0502020204030204" pitchFamily="34" charset="0"/>
+                <a:ea typeface="Calibri" panose="020F0502020204030204" pitchFamily="34" charset="0"/>
+                <a:cs typeface="Times New Roman" panose="02020603050405020304" pitchFamily="18" charset="0"/>
+              </a:rPr>
+              <a:t>Requirements</a:t>
+            </a:r>
+            <a:r>
+              <a:rPr lang="da-DK" sz="1400" dirty="0">
+                <a:latin typeface="Calibri" panose="020F0502020204030204" pitchFamily="34" charset="0"/>
+                <a:ea typeface="Calibri" panose="020F0502020204030204" pitchFamily="34" charset="0"/>
+                <a:cs typeface="Times New Roman" panose="02020603050405020304" pitchFamily="18" charset="0"/>
+              </a:rPr>
+              <a:t> and Information</a:t>
+            </a:r>
+          </a:p>
+          <a:p>
+            <a:pPr marL="0" indent="0">
+              <a:buNone/>
+            </a:pPr>
+            <a:r>
+              <a:rPr lang="da-DK" sz="1400" dirty="0">
+                <a:latin typeface="Calibri" panose="020F0502020204030204" pitchFamily="34" charset="0"/>
+                <a:ea typeface="Calibri" panose="020F0502020204030204" pitchFamily="34" charset="0"/>
+                <a:cs typeface="Times New Roman" panose="02020603050405020304" pitchFamily="18" charset="0"/>
+              </a:rPr>
+              <a:t>	</a:t>
+            </a:r>
+            <a:r>
+              <a:rPr lang="da-DK" sz="1400" dirty="0" err="1">
+                <a:latin typeface="Calibri" panose="020F0502020204030204" pitchFamily="34" charset="0"/>
+                <a:ea typeface="Calibri" panose="020F0502020204030204" pitchFamily="34" charset="0"/>
+                <a:cs typeface="Times New Roman" panose="02020603050405020304" pitchFamily="18" charset="0"/>
+              </a:rPr>
+              <a:t>Define</a:t>
+            </a:r>
+            <a:r>
+              <a:rPr lang="da-DK" sz="1400" dirty="0">
+                <a:latin typeface="Calibri" panose="020F0502020204030204" pitchFamily="34" charset="0"/>
+                <a:ea typeface="Calibri" panose="020F0502020204030204" pitchFamily="34" charset="0"/>
+                <a:cs typeface="Times New Roman" panose="02020603050405020304" pitchFamily="18" charset="0"/>
+              </a:rPr>
+              <a:t> the </a:t>
+            </a:r>
+            <a:r>
+              <a:rPr lang="da-DK" sz="1400" dirty="0" err="1">
+                <a:latin typeface="Calibri" panose="020F0502020204030204" pitchFamily="34" charset="0"/>
+                <a:ea typeface="Calibri" panose="020F0502020204030204" pitchFamily="34" charset="0"/>
+                <a:cs typeface="Times New Roman" panose="02020603050405020304" pitchFamily="18" charset="0"/>
+              </a:rPr>
+              <a:t>Actors</a:t>
+            </a:r>
+            <a:endParaRPr lang="da-DK" sz="1400" dirty="0">
+              <a:latin typeface="Calibri" panose="020F0502020204030204" pitchFamily="34" charset="0"/>
+              <a:ea typeface="Calibri" panose="020F0502020204030204" pitchFamily="34" charset="0"/>
+              <a:cs typeface="Times New Roman" panose="02020603050405020304" pitchFamily="18" charset="0"/>
+            </a:endParaRPr>
+          </a:p>
+          <a:p>
+            <a:pPr marL="0" indent="0">
+              <a:buNone/>
+            </a:pPr>
+            <a:r>
+              <a:rPr lang="da-DK" sz="1400" dirty="0">
+                <a:latin typeface="Calibri" panose="020F0502020204030204" pitchFamily="34" charset="0"/>
+                <a:ea typeface="Calibri" panose="020F0502020204030204" pitchFamily="34" charset="0"/>
+                <a:cs typeface="Times New Roman" panose="02020603050405020304" pitchFamily="18" charset="0"/>
+              </a:rPr>
+              <a:t>	Create the scenario outline</a:t>
+            </a:r>
+          </a:p>
+          <a:p>
+            <a:pPr marL="0" indent="0">
+              <a:buNone/>
+            </a:pPr>
+            <a:r>
+              <a:rPr lang="da-DK" sz="1400" dirty="0">
+                <a:latin typeface="Calibri" panose="020F0502020204030204" pitchFamily="34" charset="0"/>
+                <a:ea typeface="Calibri" panose="020F0502020204030204" pitchFamily="34" charset="0"/>
+                <a:cs typeface="Times New Roman" panose="02020603050405020304" pitchFamily="18" charset="0"/>
+              </a:rPr>
+              <a:t>	Consider variations and Edge cases</a:t>
+            </a:r>
+          </a:p>
+          <a:p>
+            <a:pPr marL="0" indent="0">
+              <a:buNone/>
+            </a:pPr>
+            <a:r>
+              <a:rPr lang="da-DK" sz="1400" dirty="0">
+                <a:latin typeface="Calibri" panose="020F0502020204030204" pitchFamily="34" charset="0"/>
+                <a:ea typeface="Calibri" panose="020F0502020204030204" pitchFamily="34" charset="0"/>
+                <a:cs typeface="Times New Roman" panose="02020603050405020304" pitchFamily="18" charset="0"/>
+              </a:rPr>
+              <a:t>	Document the scenario</a:t>
+            </a:r>
+          </a:p>
+          <a:p>
+            <a:pPr marL="0" indent="0">
+              <a:buNone/>
+            </a:pPr>
+            <a:r>
+              <a:rPr lang="da-DK" sz="1400" dirty="0">
+                <a:latin typeface="Calibri" panose="020F0502020204030204" pitchFamily="34" charset="0"/>
+                <a:ea typeface="Calibri" panose="020F0502020204030204" pitchFamily="34" charset="0"/>
+                <a:cs typeface="Times New Roman" panose="02020603050405020304" pitchFamily="18" charset="0"/>
+              </a:rPr>
+              <a:t>	Review and Validate</a:t>
+            </a:r>
+          </a:p>
+          <a:p>
+            <a:pPr marL="0" indent="0">
+              <a:buNone/>
+            </a:pPr>
+            <a:r>
+              <a:rPr lang="da-DK" sz="1400" dirty="0">
+                <a:latin typeface="Calibri" panose="020F0502020204030204" pitchFamily="34" charset="0"/>
+                <a:ea typeface="Calibri" panose="020F0502020204030204" pitchFamily="34" charset="0"/>
+                <a:cs typeface="Times New Roman" panose="02020603050405020304" pitchFamily="18" charset="0"/>
+              </a:rPr>
+              <a:t>	Implement and Test</a:t>
+            </a:r>
+          </a:p>
+          <a:p>
+            <a:pPr marL="0" indent="0">
+              <a:buNone/>
+            </a:pPr>
+            <a:endParaRPr lang="en-GB" sz="1400" dirty="0">
+              <a:latin typeface="Calibri" panose="020F0502020204030204" pitchFamily="34" charset="0"/>
+              <a:ea typeface="Calibri" panose="020F0502020204030204" pitchFamily="34" charset="0"/>
+              <a:cs typeface="Times New Roman" panose="02020603050405020304" pitchFamily="18" charset="0"/>
+            </a:endParaRPr>
+          </a:p>
+          <a:p>
+            <a:pPr marL="0" indent="0">
+              <a:buNone/>
+            </a:pPr>
+            <a:endParaRPr lang="en-GB" sz="1400" dirty="0">
+              <a:latin typeface="Calibri" panose="020F0502020204030204" pitchFamily="34" charset="0"/>
+              <a:ea typeface="Calibri" panose="020F0502020204030204" pitchFamily="34" charset="0"/>
+              <a:cs typeface="Times New Roman" panose="02020603050405020304" pitchFamily="18" charset="0"/>
+            </a:endParaRPr>
+          </a:p>
+          <a:p>
+            <a:pPr marL="0" indent="0">
+              <a:buNone/>
+            </a:pPr>
+            <a:endParaRPr lang="en-GB" sz="1400" dirty="0">
+              <a:latin typeface="Calibri" panose="020F0502020204030204" pitchFamily="34" charset="0"/>
+              <a:ea typeface="Calibri" panose="020F0502020204030204" pitchFamily="34" charset="0"/>
+              <a:cs typeface="Times New Roman" panose="02020603050405020304" pitchFamily="18" charset="0"/>
+            </a:endParaRPr>
           </a:p>
         </p:txBody>
       </p:sp>
     </p:spTree>
     <p:extLst>
       <p:ext uri="{BB962C8B-B14F-4D97-AF65-F5344CB8AC3E}">
-        <p14:creationId xmlns:p14="http://schemas.microsoft.com/office/powerpoint/2010/main" val="309736569"/>
+        <p14:creationId xmlns:p14="http://schemas.microsoft.com/office/powerpoint/2010/main" val="2354998779"/>
       </p:ext>
     </p:extLst>
   </p:cSld>
@@ -7775,10 +8617,308 @@
       </p:grpSpPr>
       <p:sp>
         <p:nvSpPr>
+          <p:cNvPr id="3" name="Content Placeholder 2">
+            <a:extLst>
+              <a:ext uri="{FF2B5EF4-FFF2-40B4-BE49-F238E27FC236}">
+                <a16:creationId xmlns:a16="http://schemas.microsoft.com/office/drawing/2014/main" id="{3742B76F-3E7B-C9EB-90BB-1CB2A5510CFB}"/>
+              </a:ext>
+            </a:extLst>
+          </p:cNvPr>
+          <p:cNvSpPr>
+            <a:spLocks noGrp="1"/>
+          </p:cNvSpPr>
+          <p:nvPr>
+            <p:ph idx="1"/>
+          </p:nvPr>
+        </p:nvSpPr>
+        <p:spPr>
+          <a:xfrm>
+            <a:off x="1484310" y="499621"/>
+            <a:ext cx="10018713" cy="5882325"/>
+          </a:xfrm>
+        </p:spPr>
+        <p:txBody>
+          <a:bodyPr anchor="t">
+            <a:normAutofit/>
+          </a:bodyPr>
+          <a:lstStyle/>
+          <a:p>
+            <a:pPr marL="0" indent="0">
+              <a:buNone/>
+            </a:pPr>
+            <a:r>
+              <a:rPr lang="en-GB" sz="1400" dirty="0">
+                <a:latin typeface="Calibri" panose="020F0502020204030204" pitchFamily="34" charset="0"/>
+                <a:ea typeface="Calibri" panose="020F0502020204030204" pitchFamily="34" charset="0"/>
+                <a:cs typeface="Times New Roman" panose="02020603050405020304" pitchFamily="18" charset="0"/>
+              </a:rPr>
+              <a:t>Scenarios for the “RiskPoint Group” website are identified based on the understanding of end user.</a:t>
+            </a:r>
+          </a:p>
+          <a:p>
+            <a:pPr marL="0" indent="0">
+              <a:buNone/>
+            </a:pPr>
+            <a:r>
+              <a:rPr lang="en-GB" sz="1400" dirty="0">
+                <a:latin typeface="Calibri" panose="020F0502020204030204" pitchFamily="34" charset="0"/>
+                <a:ea typeface="Calibri" panose="020F0502020204030204" pitchFamily="34" charset="0"/>
+                <a:cs typeface="Times New Roman" panose="02020603050405020304" pitchFamily="18" charset="0"/>
+              </a:rPr>
+              <a:t>These scenarios for the website has been authored using BDD framework using Cucumber, for the easy understanding of test being done on the website (audience such as end-user, testers or stakeholders). Below is the sample of the scenario in BDD framework .</a:t>
+            </a:r>
+          </a:p>
+          <a:p>
+            <a:pPr marL="0" indent="0">
+              <a:buNone/>
+            </a:pPr>
+            <a:r>
+              <a:rPr lang="en-GB" sz="1400" b="1" dirty="0">
+                <a:solidFill>
+                  <a:srgbClr val="FF0000"/>
+                </a:solidFill>
+                <a:latin typeface="Calibri" panose="020F0502020204030204" pitchFamily="34" charset="0"/>
+                <a:ea typeface="Calibri" panose="020F0502020204030204" pitchFamily="34" charset="0"/>
+                <a:cs typeface="Times New Roman" panose="02020603050405020304" pitchFamily="18" charset="0"/>
+              </a:rPr>
+              <a:t>Feature: </a:t>
+            </a:r>
+            <a:r>
+              <a:rPr lang="en-GB" sz="1400" dirty="0">
+                <a:latin typeface="Calibri" panose="020F0502020204030204" pitchFamily="34" charset="0"/>
+                <a:ea typeface="Calibri" panose="020F0502020204030204" pitchFamily="34" charset="0"/>
+                <a:cs typeface="Times New Roman" panose="02020603050405020304" pitchFamily="18" charset="0"/>
+              </a:rPr>
+              <a:t>Claims</a:t>
+            </a:r>
+          </a:p>
+          <a:p>
+            <a:pPr marL="0" indent="0">
+              <a:buNone/>
+            </a:pPr>
+            <a:r>
+              <a:rPr lang="en-GB" sz="1400" dirty="0">
+                <a:latin typeface="Calibri" panose="020F0502020204030204" pitchFamily="34" charset="0"/>
+                <a:ea typeface="Calibri" panose="020F0502020204030204" pitchFamily="34" charset="0"/>
+                <a:cs typeface="Times New Roman" panose="02020603050405020304" pitchFamily="18" charset="0"/>
+              </a:rPr>
+              <a:t>    </a:t>
+            </a:r>
+            <a:r>
+              <a:rPr lang="en-GB" sz="1400" b="1" dirty="0">
+                <a:solidFill>
+                  <a:srgbClr val="FF0000"/>
+                </a:solidFill>
+                <a:latin typeface="Calibri" panose="020F0502020204030204" pitchFamily="34" charset="0"/>
+                <a:ea typeface="Calibri" panose="020F0502020204030204" pitchFamily="34" charset="0"/>
+                <a:cs typeface="Times New Roman" panose="02020603050405020304" pitchFamily="18" charset="0"/>
+              </a:rPr>
+              <a:t>Scenario: </a:t>
+            </a:r>
+            <a:r>
+              <a:rPr lang="en-GB" sz="1400" dirty="0">
+                <a:latin typeface="Calibri" panose="020F0502020204030204" pitchFamily="34" charset="0"/>
+                <a:ea typeface="Calibri" panose="020F0502020204030204" pitchFamily="34" charset="0"/>
+                <a:cs typeface="Times New Roman" panose="02020603050405020304" pitchFamily="18" charset="0"/>
+              </a:rPr>
+              <a:t>Verify the Home Page of RiskPoint Group</a:t>
+            </a:r>
+          </a:p>
+          <a:p>
+            <a:pPr marL="0" indent="0">
+              <a:buNone/>
+            </a:pPr>
+            <a:r>
+              <a:rPr lang="en-GB" sz="1400" dirty="0">
+                <a:latin typeface="Calibri" panose="020F0502020204030204" pitchFamily="34" charset="0"/>
+                <a:ea typeface="Calibri" panose="020F0502020204030204" pitchFamily="34" charset="0"/>
+                <a:cs typeface="Times New Roman" panose="02020603050405020304" pitchFamily="18" charset="0"/>
+              </a:rPr>
+              <a:t>        </a:t>
+            </a:r>
+            <a:r>
+              <a:rPr lang="en-GB" sz="1400" b="1" dirty="0">
+                <a:solidFill>
+                  <a:srgbClr val="FF0000"/>
+                </a:solidFill>
+                <a:latin typeface="Calibri" panose="020F0502020204030204" pitchFamily="34" charset="0"/>
+                <a:ea typeface="Calibri" panose="020F0502020204030204" pitchFamily="34" charset="0"/>
+                <a:cs typeface="Times New Roman" panose="02020603050405020304" pitchFamily="18" charset="0"/>
+              </a:rPr>
+              <a:t>Given</a:t>
+            </a:r>
+            <a:r>
+              <a:rPr lang="en-GB" sz="1400" dirty="0">
+                <a:latin typeface="Calibri" panose="020F0502020204030204" pitchFamily="34" charset="0"/>
+                <a:ea typeface="Calibri" panose="020F0502020204030204" pitchFamily="34" charset="0"/>
+                <a:cs typeface="Times New Roman" panose="02020603050405020304" pitchFamily="18" charset="0"/>
+              </a:rPr>
+              <a:t> I am on the home page of 'rpgroup.com'</a:t>
+            </a:r>
+          </a:p>
+          <a:p>
+            <a:pPr marL="0" indent="0">
+              <a:buNone/>
+            </a:pPr>
+            <a:r>
+              <a:rPr lang="en-GB" sz="1400" dirty="0">
+                <a:latin typeface="Calibri" panose="020F0502020204030204" pitchFamily="34" charset="0"/>
+                <a:ea typeface="Calibri" panose="020F0502020204030204" pitchFamily="34" charset="0"/>
+                <a:cs typeface="Times New Roman" panose="02020603050405020304" pitchFamily="18" charset="0"/>
+              </a:rPr>
+              <a:t>        </a:t>
+            </a:r>
+            <a:r>
+              <a:rPr lang="en-GB" sz="1400" b="1" dirty="0">
+                <a:solidFill>
+                  <a:srgbClr val="FF0000"/>
+                </a:solidFill>
+                <a:latin typeface="Calibri" panose="020F0502020204030204" pitchFamily="34" charset="0"/>
+                <a:ea typeface="Calibri" panose="020F0502020204030204" pitchFamily="34" charset="0"/>
+                <a:cs typeface="Times New Roman" panose="02020603050405020304" pitchFamily="18" charset="0"/>
+              </a:rPr>
+              <a:t>When</a:t>
+            </a:r>
+            <a:r>
+              <a:rPr lang="en-GB" sz="1400" dirty="0">
+                <a:latin typeface="Calibri" panose="020F0502020204030204" pitchFamily="34" charset="0"/>
+                <a:ea typeface="Calibri" panose="020F0502020204030204" pitchFamily="34" charset="0"/>
+                <a:cs typeface="Times New Roman" panose="02020603050405020304" pitchFamily="18" charset="0"/>
+              </a:rPr>
+              <a:t> On the home page User hovers on Claims tab</a:t>
+            </a:r>
+          </a:p>
+          <a:p>
+            <a:pPr marL="0" indent="0">
+              <a:buNone/>
+            </a:pPr>
+            <a:r>
+              <a:rPr lang="en-GB" sz="1400" dirty="0">
+                <a:latin typeface="Calibri" panose="020F0502020204030204" pitchFamily="34" charset="0"/>
+                <a:ea typeface="Calibri" panose="020F0502020204030204" pitchFamily="34" charset="0"/>
+                <a:cs typeface="Times New Roman" panose="02020603050405020304" pitchFamily="18" charset="0"/>
+              </a:rPr>
+              <a:t>        </a:t>
+            </a:r>
+            <a:r>
+              <a:rPr lang="en-GB" sz="1400" b="1" dirty="0">
+                <a:solidFill>
+                  <a:srgbClr val="FF0000"/>
+                </a:solidFill>
+                <a:latin typeface="Calibri" panose="020F0502020204030204" pitchFamily="34" charset="0"/>
+                <a:ea typeface="Calibri" panose="020F0502020204030204" pitchFamily="34" charset="0"/>
+                <a:cs typeface="Times New Roman" panose="02020603050405020304" pitchFamily="18" charset="0"/>
+              </a:rPr>
+              <a:t>Then</a:t>
+            </a:r>
+            <a:r>
+              <a:rPr lang="en-GB" sz="1400" dirty="0">
+                <a:latin typeface="Calibri" panose="020F0502020204030204" pitchFamily="34" charset="0"/>
+                <a:ea typeface="Calibri" panose="020F0502020204030204" pitchFamily="34" charset="0"/>
+                <a:cs typeface="Times New Roman" panose="02020603050405020304" pitchFamily="18" charset="0"/>
+              </a:rPr>
+              <a:t> Emergency Contacts section should be displayed</a:t>
+            </a:r>
+          </a:p>
+          <a:p>
+            <a:pPr marL="0" indent="0">
+              <a:buNone/>
+            </a:pPr>
+            <a:r>
+              <a:rPr lang="en-GB" sz="1400" dirty="0">
+                <a:latin typeface="Calibri" panose="020F0502020204030204" pitchFamily="34" charset="0"/>
+                <a:ea typeface="Calibri" panose="020F0502020204030204" pitchFamily="34" charset="0"/>
+                <a:cs typeface="Times New Roman" panose="02020603050405020304" pitchFamily="18" charset="0"/>
+              </a:rPr>
+              <a:t>        </a:t>
+            </a:r>
+            <a:r>
+              <a:rPr lang="en-GB" sz="1400" b="1" dirty="0">
+                <a:solidFill>
+                  <a:srgbClr val="FF0000"/>
+                </a:solidFill>
+                <a:latin typeface="Calibri" panose="020F0502020204030204" pitchFamily="34" charset="0"/>
+                <a:ea typeface="Calibri" panose="020F0502020204030204" pitchFamily="34" charset="0"/>
+                <a:cs typeface="Times New Roman" panose="02020603050405020304" pitchFamily="18" charset="0"/>
+              </a:rPr>
+              <a:t>And</a:t>
+            </a:r>
+            <a:r>
+              <a:rPr lang="en-GB" sz="1400" dirty="0">
+                <a:latin typeface="Calibri" panose="020F0502020204030204" pitchFamily="34" charset="0"/>
+                <a:ea typeface="Calibri" panose="020F0502020204030204" pitchFamily="34" charset="0"/>
+                <a:cs typeface="Times New Roman" panose="02020603050405020304" pitchFamily="18" charset="0"/>
+              </a:rPr>
+              <a:t> Report a Claim section should be displayed</a:t>
+            </a:r>
+          </a:p>
+          <a:p>
+            <a:pPr marL="0" indent="0">
+              <a:buNone/>
+            </a:pPr>
+            <a:r>
+              <a:rPr lang="en-GB" sz="1400" b="1" dirty="0">
+                <a:latin typeface="Calibri" panose="020F0502020204030204" pitchFamily="34" charset="0"/>
+                <a:ea typeface="Calibri" panose="020F0502020204030204" pitchFamily="34" charset="0"/>
+                <a:cs typeface="Times New Roman" panose="02020603050405020304" pitchFamily="18" charset="0"/>
+              </a:rPr>
+              <a:t>Test Scripting</a:t>
+            </a:r>
+            <a:r>
+              <a:rPr lang="da-DK" sz="1400" b="1" dirty="0">
+                <a:latin typeface="Calibri" panose="020F0502020204030204" pitchFamily="34" charset="0"/>
+                <a:ea typeface="Calibri" panose="020F0502020204030204" pitchFamily="34" charset="0"/>
+                <a:cs typeface="Times New Roman" panose="02020603050405020304" pitchFamily="18" charset="0"/>
+              </a:rPr>
+              <a:t>: </a:t>
+            </a:r>
+            <a:endParaRPr lang="en-GB" sz="1400" dirty="0">
+              <a:latin typeface="Calibri" panose="020F0502020204030204" pitchFamily="34" charset="0"/>
+              <a:ea typeface="Calibri" panose="020F0502020204030204" pitchFamily="34" charset="0"/>
+              <a:cs typeface="Times New Roman" panose="02020603050405020304" pitchFamily="18" charset="0"/>
+            </a:endParaRPr>
+          </a:p>
+          <a:p>
+            <a:endParaRPr lang="en-GB" sz="1400" dirty="0"/>
+          </a:p>
+        </p:txBody>
+      </p:sp>
+    </p:spTree>
+    <p:extLst>
+      <p:ext uri="{BB962C8B-B14F-4D97-AF65-F5344CB8AC3E}">
+        <p14:creationId xmlns:p14="http://schemas.microsoft.com/office/powerpoint/2010/main" val="3071602802"/>
+      </p:ext>
+    </p:extLst>
+  </p:cSld>
+  <p:clrMapOvr>
+    <a:masterClrMapping/>
+  </p:clrMapOvr>
+</p:sld>
+</file>
+
+<file path=ppt/slides/slide9.xml><?xml version="1.0" encoding="utf-8"?>
+<p:sld xmlns:a="http://schemas.openxmlformats.org/drawingml/2006/main" xmlns:r="http://schemas.openxmlformats.org/officeDocument/2006/relationships" xmlns:p="http://schemas.openxmlformats.org/presentationml/2006/main">
+  <p:cSld>
+    <p:spTree>
+      <p:nvGrpSpPr>
+        <p:cNvPr id="1" name=""/>
+        <p:cNvGrpSpPr/>
+        <p:nvPr/>
+      </p:nvGrpSpPr>
+      <p:grpSpPr>
+        <a:xfrm>
+          <a:off x="0" y="0"/>
+          <a:ext cx="0" cy="0"/>
+          <a:chOff x="0" y="0"/>
+          <a:chExt cx="0" cy="0"/>
+        </a:xfrm>
+      </p:grpSpPr>
+      <p:sp>
+        <p:nvSpPr>
           <p:cNvPr id="2" name="Title 1">
             <a:extLst>
               <a:ext uri="{FF2B5EF4-FFF2-40B4-BE49-F238E27FC236}">
-                <a16:creationId xmlns:a16="http://schemas.microsoft.com/office/drawing/2014/main" id="{A8B43563-EFEA-E9D3-48BB-3AD539087CD1}"/>
+                <a16:creationId xmlns:a16="http://schemas.microsoft.com/office/drawing/2014/main" id="{89237210-2C33-57A8-F271-9DBAE07A53DD}"/>
               </a:ext>
             </a:extLst>
           </p:cNvPr>
@@ -7796,7 +8936,7 @@
           <a:p>
             <a:r>
               <a:rPr lang="en-GB" dirty="0"/>
-              <a:t>Final Test Report</a:t>
+              <a:t>Bug Report</a:t>
             </a:r>
           </a:p>
         </p:txBody>
@@ -7806,7 +8946,7 @@
           <p:cNvPr id="3" name="Content Placeholder 2">
             <a:extLst>
               <a:ext uri="{FF2B5EF4-FFF2-40B4-BE49-F238E27FC236}">
-                <a16:creationId xmlns:a16="http://schemas.microsoft.com/office/drawing/2014/main" id="{348F42C1-F152-6218-E6C9-222916743D3E}"/>
+                <a16:creationId xmlns:a16="http://schemas.microsoft.com/office/drawing/2014/main" id="{27F2422E-876A-1CA5-F741-5863A5D39398}"/>
               </a:ext>
             </a:extLst>
           </p:cNvPr>
@@ -7829,7 +8969,7 @@
     </p:spTree>
     <p:extLst>
       <p:ext uri="{BB962C8B-B14F-4D97-AF65-F5344CB8AC3E}">
-        <p14:creationId xmlns:p14="http://schemas.microsoft.com/office/powerpoint/2010/main" val="2034729977"/>
+        <p14:creationId xmlns:p14="http://schemas.microsoft.com/office/powerpoint/2010/main" val="309736569"/>
       </p:ext>
     </p:extLst>
   </p:cSld>

--- a/SW Test Demo.pptx
+++ b/SW Test Demo.pptx
@@ -11,10 +11,12 @@
     <p:sldId id="258" r:id="rId5"/>
     <p:sldId id="260" r:id="rId6"/>
     <p:sldId id="265" r:id="rId7"/>
-    <p:sldId id="261" r:id="rId8"/>
-    <p:sldId id="264" r:id="rId9"/>
-    <p:sldId id="262" r:id="rId10"/>
-    <p:sldId id="263" r:id="rId11"/>
+    <p:sldId id="266" r:id="rId8"/>
+    <p:sldId id="261" r:id="rId9"/>
+    <p:sldId id="264" r:id="rId10"/>
+    <p:sldId id="267" r:id="rId11"/>
+    <p:sldId id="262" r:id="rId12"/>
+    <p:sldId id="263" r:id="rId13"/>
   </p:sldIdLst>
   <p:sldSz cx="12192000" cy="6858000"/>
   <p:notesSz cx="6858000" cy="9144000"/>
@@ -6175,6 +6177,1830 @@
       </p:grpSpPr>
       <p:sp>
         <p:nvSpPr>
+          <p:cNvPr id="4" name="Rectangle 1">
+            <a:extLst>
+              <a:ext uri="{FF2B5EF4-FFF2-40B4-BE49-F238E27FC236}">
+                <a16:creationId xmlns:a16="http://schemas.microsoft.com/office/drawing/2014/main" id="{EFBEAE84-1D3D-CBDE-7E5D-E74102BDFE4D}"/>
+              </a:ext>
+            </a:extLst>
+          </p:cNvPr>
+          <p:cNvSpPr>
+            <a:spLocks noGrp="1" noChangeArrowheads="1"/>
+          </p:cNvSpPr>
+          <p:nvPr>
+            <p:ph idx="1"/>
+          </p:nvPr>
+        </p:nvSpPr>
+        <p:spPr bwMode="auto">
+          <a:xfrm>
+            <a:off x="1484313" y="481013"/>
+            <a:ext cx="10018712" cy="5310187"/>
+          </a:xfrm>
+          <a:prstGeom prst="rect">
+            <a:avLst/>
+          </a:prstGeom>
+          <a:solidFill>
+            <a:srgbClr val="2B2B2B"/>
+          </a:solidFill>
+          <a:ln>
+            <a:noFill/>
+          </a:ln>
+          <a:effectLst/>
+          <a:extLst>
+            <a:ext uri="{91240B29-F687-4F45-9708-019B960494DF}">
+              <a14:hiddenLine xmlns:a14="http://schemas.microsoft.com/office/drawing/2010/main" w="9525">
+                <a:solidFill>
+                  <a:schemeClr val="tx1"/>
+                </a:solidFill>
+                <a:miter lim="800000"/>
+                <a:headEnd/>
+                <a:tailEnd/>
+              </a14:hiddenLine>
+            </a:ext>
+            <a:ext uri="{AF507438-7753-43E0-B8FC-AC1667EBCBE1}">
+              <a14:hiddenEffects xmlns:a14="http://schemas.microsoft.com/office/drawing/2010/main">
+                <a:effectLst>
+                  <a:outerShdw dist="35921" dir="2700000" algn="ctr" rotWithShape="0">
+                    <a:schemeClr val="bg2"/>
+                  </a:outerShdw>
+                </a:effectLst>
+              </a14:hiddenEffects>
+            </a:ext>
+          </a:extLst>
+        </p:spPr>
+        <p:txBody>
+          <a:bodyPr vert="horz" wrap="none" lIns="91440" tIns="45720" rIns="91440" bIns="45720" numCol="1" anchor="ctr" anchorCtr="0" compatLnSpc="1">
+            <a:prstTxWarp prst="textNoShape">
+              <a:avLst/>
+            </a:prstTxWarp>
+            <a:spAutoFit/>
+          </a:bodyPr>
+          <a:lstStyle/>
+          <a:p>
+            <a:pPr marL="0" marR="0" lvl="0" indent="0" algn="l" defTabSz="914400" rtl="0" eaLnBrk="0" fontAlgn="base" latinLnBrk="0" hangingPunct="0">
+              <a:lnSpc>
+                <a:spcPct val="100000"/>
+              </a:lnSpc>
+              <a:spcBef>
+                <a:spcPct val="0"/>
+              </a:spcBef>
+              <a:spcAft>
+                <a:spcPct val="0"/>
+              </a:spcAft>
+              <a:buClrTx/>
+              <a:buSzTx/>
+              <a:buFontTx/>
+              <a:buNone/>
+              <a:tabLst/>
+            </a:pPr>
+            <a:r>
+              <a:rPr kumimoji="0" lang="en-US" altLang="en-US" sz="900" b="0" i="0" u="none" strike="noStrike" cap="none" normalizeH="0" baseline="0">
+                <a:ln>
+                  <a:noFill/>
+                </a:ln>
+                <a:solidFill>
+                  <a:srgbClr val="CC7832"/>
+                </a:solidFill>
+                <a:effectLst/>
+                <a:latin typeface="JetBrains Mono"/>
+              </a:rPr>
+              <a:t>from </a:t>
+            </a:r>
+            <a:r>
+              <a:rPr kumimoji="0" lang="en-US" altLang="en-US" sz="900" b="0" i="0" u="none" strike="noStrike" cap="none" normalizeH="0" baseline="0">
+                <a:ln>
+                  <a:noFill/>
+                </a:ln>
+                <a:solidFill>
+                  <a:srgbClr val="A9B7C6"/>
+                </a:solidFill>
+                <a:effectLst/>
+                <a:latin typeface="JetBrains Mono"/>
+              </a:rPr>
+              <a:t>behave </a:t>
+            </a:r>
+            <a:r>
+              <a:rPr kumimoji="0" lang="en-US" altLang="en-US" sz="900" b="0" i="0" u="none" strike="noStrike" cap="none" normalizeH="0" baseline="0">
+                <a:ln>
+                  <a:noFill/>
+                </a:ln>
+                <a:solidFill>
+                  <a:srgbClr val="CC7832"/>
+                </a:solidFill>
+                <a:effectLst/>
+                <a:latin typeface="JetBrains Mono"/>
+              </a:rPr>
+              <a:t>import </a:t>
+            </a:r>
+            <a:r>
+              <a:rPr kumimoji="0" lang="en-US" altLang="en-US" sz="900" b="0" i="0" u="none" strike="noStrike" cap="none" normalizeH="0" baseline="0">
+                <a:ln>
+                  <a:noFill/>
+                </a:ln>
+                <a:solidFill>
+                  <a:srgbClr val="A9B7C6"/>
+                </a:solidFill>
+                <a:effectLst/>
+                <a:latin typeface="JetBrains Mono"/>
+              </a:rPr>
+              <a:t>*</a:t>
+            </a:r>
+            <a:br>
+              <a:rPr kumimoji="0" lang="en-US" altLang="en-US" sz="900" b="0" i="0" u="none" strike="noStrike" cap="none" normalizeH="0" baseline="0">
+                <a:ln>
+                  <a:noFill/>
+                </a:ln>
+                <a:solidFill>
+                  <a:srgbClr val="A9B7C6"/>
+                </a:solidFill>
+                <a:effectLst/>
+                <a:latin typeface="JetBrains Mono"/>
+              </a:rPr>
+            </a:br>
+            <a:r>
+              <a:rPr kumimoji="0" lang="en-US" altLang="en-US" sz="900" b="0" i="0" u="none" strike="noStrike" cap="none" normalizeH="0" baseline="0">
+                <a:ln>
+                  <a:noFill/>
+                </a:ln>
+                <a:solidFill>
+                  <a:srgbClr val="CC7832"/>
+                </a:solidFill>
+                <a:effectLst/>
+                <a:latin typeface="JetBrains Mono"/>
+              </a:rPr>
+              <a:t>from </a:t>
+            </a:r>
+            <a:r>
+              <a:rPr kumimoji="0" lang="en-US" altLang="en-US" sz="900" b="0" i="0" u="none" strike="noStrike" cap="none" normalizeH="0" baseline="0">
+                <a:ln>
+                  <a:noFill/>
+                </a:ln>
+                <a:solidFill>
+                  <a:srgbClr val="A9B7C6"/>
+                </a:solidFill>
+                <a:effectLst/>
+                <a:latin typeface="JetBrains Mono"/>
+              </a:rPr>
+              <a:t>selenium </a:t>
+            </a:r>
+            <a:r>
+              <a:rPr kumimoji="0" lang="en-US" altLang="en-US" sz="900" b="0" i="0" u="none" strike="noStrike" cap="none" normalizeH="0" baseline="0">
+                <a:ln>
+                  <a:noFill/>
+                </a:ln>
+                <a:solidFill>
+                  <a:srgbClr val="CC7832"/>
+                </a:solidFill>
+                <a:effectLst/>
+                <a:latin typeface="JetBrains Mono"/>
+              </a:rPr>
+              <a:t>import </a:t>
+            </a:r>
+            <a:r>
+              <a:rPr kumimoji="0" lang="en-US" altLang="en-US" sz="900" b="0" i="0" u="none" strike="noStrike" cap="none" normalizeH="0" baseline="0">
+                <a:ln>
+                  <a:noFill/>
+                </a:ln>
+                <a:solidFill>
+                  <a:srgbClr val="A9B7C6"/>
+                </a:solidFill>
+                <a:effectLst/>
+                <a:latin typeface="JetBrains Mono"/>
+              </a:rPr>
+              <a:t>webdriver</a:t>
+            </a:r>
+            <a:br>
+              <a:rPr kumimoji="0" lang="en-US" altLang="en-US" sz="900" b="0" i="0" u="none" strike="noStrike" cap="none" normalizeH="0" baseline="0">
+                <a:ln>
+                  <a:noFill/>
+                </a:ln>
+                <a:solidFill>
+                  <a:srgbClr val="A9B7C6"/>
+                </a:solidFill>
+                <a:effectLst/>
+                <a:latin typeface="JetBrains Mono"/>
+              </a:rPr>
+            </a:br>
+            <a:r>
+              <a:rPr kumimoji="0" lang="en-US" altLang="en-US" sz="900" b="0" i="0" u="none" strike="noStrike" cap="none" normalizeH="0" baseline="0">
+                <a:ln>
+                  <a:noFill/>
+                </a:ln>
+                <a:solidFill>
+                  <a:srgbClr val="CC7832"/>
+                </a:solidFill>
+                <a:effectLst/>
+                <a:latin typeface="JetBrains Mono"/>
+              </a:rPr>
+              <a:t>from </a:t>
+            </a:r>
+            <a:r>
+              <a:rPr kumimoji="0" lang="en-US" altLang="en-US" sz="900" b="0" i="0" u="none" strike="noStrike" cap="none" normalizeH="0" baseline="0">
+                <a:ln>
+                  <a:noFill/>
+                </a:ln>
+                <a:solidFill>
+                  <a:srgbClr val="A9B7C6"/>
+                </a:solidFill>
+                <a:effectLst/>
+                <a:latin typeface="JetBrains Mono"/>
+              </a:rPr>
+              <a:t>selenium.webdriver.common.action_chains </a:t>
+            </a:r>
+            <a:r>
+              <a:rPr kumimoji="0" lang="en-US" altLang="en-US" sz="900" b="0" i="0" u="none" strike="noStrike" cap="none" normalizeH="0" baseline="0">
+                <a:ln>
+                  <a:noFill/>
+                </a:ln>
+                <a:solidFill>
+                  <a:srgbClr val="CC7832"/>
+                </a:solidFill>
+                <a:effectLst/>
+                <a:latin typeface="JetBrains Mono"/>
+              </a:rPr>
+              <a:t>import </a:t>
+            </a:r>
+            <a:r>
+              <a:rPr kumimoji="0" lang="en-US" altLang="en-US" sz="900" b="0" i="0" u="none" strike="noStrike" cap="none" normalizeH="0" baseline="0">
+                <a:ln>
+                  <a:noFill/>
+                </a:ln>
+                <a:solidFill>
+                  <a:srgbClr val="A9B7C6"/>
+                </a:solidFill>
+                <a:effectLst/>
+                <a:latin typeface="JetBrains Mono"/>
+              </a:rPr>
+              <a:t>ActionChains</a:t>
+            </a:r>
+            <a:br>
+              <a:rPr kumimoji="0" lang="en-US" altLang="en-US" sz="900" b="0" i="0" u="none" strike="noStrike" cap="none" normalizeH="0" baseline="0">
+                <a:ln>
+                  <a:noFill/>
+                </a:ln>
+                <a:solidFill>
+                  <a:srgbClr val="A9B7C6"/>
+                </a:solidFill>
+                <a:effectLst/>
+                <a:latin typeface="JetBrains Mono"/>
+              </a:rPr>
+            </a:br>
+            <a:r>
+              <a:rPr kumimoji="0" lang="en-US" altLang="en-US" sz="900" b="0" i="0" u="none" strike="noStrike" cap="none" normalizeH="0" baseline="0">
+                <a:ln>
+                  <a:noFill/>
+                </a:ln>
+                <a:solidFill>
+                  <a:srgbClr val="CC7832"/>
+                </a:solidFill>
+                <a:effectLst/>
+                <a:latin typeface="JetBrains Mono"/>
+              </a:rPr>
+              <a:t>from </a:t>
+            </a:r>
+            <a:r>
+              <a:rPr kumimoji="0" lang="en-US" altLang="en-US" sz="900" b="0" i="0" u="none" strike="noStrike" cap="none" normalizeH="0" baseline="0">
+                <a:ln>
+                  <a:noFill/>
+                </a:ln>
+                <a:solidFill>
+                  <a:srgbClr val="A9B7C6"/>
+                </a:solidFill>
+                <a:effectLst/>
+                <a:latin typeface="JetBrains Mono"/>
+              </a:rPr>
+              <a:t>selenium.webdriver.common.by </a:t>
+            </a:r>
+            <a:r>
+              <a:rPr kumimoji="0" lang="en-US" altLang="en-US" sz="900" b="0" i="0" u="none" strike="noStrike" cap="none" normalizeH="0" baseline="0">
+                <a:ln>
+                  <a:noFill/>
+                </a:ln>
+                <a:solidFill>
+                  <a:srgbClr val="CC7832"/>
+                </a:solidFill>
+                <a:effectLst/>
+                <a:latin typeface="JetBrains Mono"/>
+              </a:rPr>
+              <a:t>import </a:t>
+            </a:r>
+            <a:r>
+              <a:rPr kumimoji="0" lang="en-US" altLang="en-US" sz="900" b="0" i="0" u="none" strike="noStrike" cap="none" normalizeH="0" baseline="0">
+                <a:ln>
+                  <a:noFill/>
+                </a:ln>
+                <a:solidFill>
+                  <a:srgbClr val="A9B7C6"/>
+                </a:solidFill>
+                <a:effectLst/>
+                <a:latin typeface="JetBrains Mono"/>
+              </a:rPr>
+              <a:t>By</a:t>
+            </a:r>
+            <a:br>
+              <a:rPr kumimoji="0" lang="en-US" altLang="en-US" sz="900" b="0" i="0" u="none" strike="noStrike" cap="none" normalizeH="0" baseline="0">
+                <a:ln>
+                  <a:noFill/>
+                </a:ln>
+                <a:solidFill>
+                  <a:srgbClr val="A9B7C6"/>
+                </a:solidFill>
+                <a:effectLst/>
+                <a:latin typeface="JetBrains Mono"/>
+              </a:rPr>
+            </a:br>
+            <a:r>
+              <a:rPr kumimoji="0" lang="en-US" altLang="en-US" sz="900" b="0" i="0" u="none" strike="noStrike" cap="none" normalizeH="0" baseline="0">
+                <a:ln>
+                  <a:noFill/>
+                </a:ln>
+                <a:solidFill>
+                  <a:srgbClr val="CC7832"/>
+                </a:solidFill>
+                <a:effectLst/>
+                <a:latin typeface="JetBrains Mono"/>
+              </a:rPr>
+              <a:t>from </a:t>
+            </a:r>
+            <a:r>
+              <a:rPr kumimoji="0" lang="en-US" altLang="en-US" sz="900" b="0" i="0" u="none" strike="noStrike" cap="none" normalizeH="0" baseline="0">
+                <a:ln>
+                  <a:noFill/>
+                </a:ln>
+                <a:solidFill>
+                  <a:srgbClr val="A9B7C6"/>
+                </a:solidFill>
+                <a:effectLst/>
+                <a:latin typeface="JetBrains Mono"/>
+              </a:rPr>
+              <a:t>selenium.webdriver.support.ui </a:t>
+            </a:r>
+            <a:r>
+              <a:rPr kumimoji="0" lang="en-US" altLang="en-US" sz="900" b="0" i="0" u="none" strike="noStrike" cap="none" normalizeH="0" baseline="0">
+                <a:ln>
+                  <a:noFill/>
+                </a:ln>
+                <a:solidFill>
+                  <a:srgbClr val="CC7832"/>
+                </a:solidFill>
+                <a:effectLst/>
+                <a:latin typeface="JetBrains Mono"/>
+              </a:rPr>
+              <a:t>import </a:t>
+            </a:r>
+            <a:r>
+              <a:rPr kumimoji="0" lang="en-US" altLang="en-US" sz="900" b="0" i="0" u="none" strike="noStrike" cap="none" normalizeH="0" baseline="0">
+                <a:ln>
+                  <a:noFill/>
+                </a:ln>
+                <a:solidFill>
+                  <a:srgbClr val="A9B7C6"/>
+                </a:solidFill>
+                <a:effectLst/>
+                <a:latin typeface="JetBrains Mono"/>
+              </a:rPr>
+              <a:t>WebDriverWait</a:t>
+            </a:r>
+            <a:br>
+              <a:rPr kumimoji="0" lang="en-US" altLang="en-US" sz="900" b="0" i="0" u="none" strike="noStrike" cap="none" normalizeH="0" baseline="0">
+                <a:ln>
+                  <a:noFill/>
+                </a:ln>
+                <a:solidFill>
+                  <a:srgbClr val="A9B7C6"/>
+                </a:solidFill>
+                <a:effectLst/>
+                <a:latin typeface="JetBrains Mono"/>
+              </a:rPr>
+            </a:br>
+            <a:r>
+              <a:rPr kumimoji="0" lang="en-US" altLang="en-US" sz="900" b="0" i="0" u="none" strike="noStrike" cap="none" normalizeH="0" baseline="0">
+                <a:ln>
+                  <a:noFill/>
+                </a:ln>
+                <a:solidFill>
+                  <a:srgbClr val="CC7832"/>
+                </a:solidFill>
+                <a:effectLst/>
+                <a:latin typeface="JetBrains Mono"/>
+              </a:rPr>
+              <a:t>from </a:t>
+            </a:r>
+            <a:r>
+              <a:rPr kumimoji="0" lang="en-US" altLang="en-US" sz="900" b="0" i="0" u="none" strike="noStrike" cap="none" normalizeH="0" baseline="0">
+                <a:ln>
+                  <a:noFill/>
+                </a:ln>
+                <a:solidFill>
+                  <a:srgbClr val="A9B7C6"/>
+                </a:solidFill>
+                <a:effectLst/>
+                <a:latin typeface="JetBrains Mono"/>
+              </a:rPr>
+              <a:t>selenium.webdriver.support </a:t>
+            </a:r>
+            <a:r>
+              <a:rPr kumimoji="0" lang="en-US" altLang="en-US" sz="900" b="0" i="0" u="none" strike="noStrike" cap="none" normalizeH="0" baseline="0">
+                <a:ln>
+                  <a:noFill/>
+                </a:ln>
+                <a:solidFill>
+                  <a:srgbClr val="CC7832"/>
+                </a:solidFill>
+                <a:effectLst/>
+                <a:latin typeface="JetBrains Mono"/>
+              </a:rPr>
+              <a:t>import </a:t>
+            </a:r>
+            <a:r>
+              <a:rPr kumimoji="0" lang="en-US" altLang="en-US" sz="900" b="0" i="0" u="none" strike="noStrike" cap="none" normalizeH="0" baseline="0">
+                <a:ln>
+                  <a:noFill/>
+                </a:ln>
+                <a:solidFill>
+                  <a:srgbClr val="A9B7C6"/>
+                </a:solidFill>
+                <a:effectLst/>
+                <a:latin typeface="JetBrains Mono"/>
+              </a:rPr>
+              <a:t>expected_conditions </a:t>
+            </a:r>
+            <a:r>
+              <a:rPr kumimoji="0" lang="en-US" altLang="en-US" sz="900" b="0" i="0" u="none" strike="noStrike" cap="none" normalizeH="0" baseline="0">
+                <a:ln>
+                  <a:noFill/>
+                </a:ln>
+                <a:solidFill>
+                  <a:srgbClr val="CC7832"/>
+                </a:solidFill>
+                <a:effectLst/>
+                <a:latin typeface="JetBrains Mono"/>
+              </a:rPr>
+              <a:t>as </a:t>
+            </a:r>
+            <a:r>
+              <a:rPr kumimoji="0" lang="en-US" altLang="en-US" sz="900" b="0" i="0" u="none" strike="noStrike" cap="none" normalizeH="0" baseline="0">
+                <a:ln>
+                  <a:noFill/>
+                </a:ln>
+                <a:solidFill>
+                  <a:srgbClr val="A9B7C6"/>
+                </a:solidFill>
+                <a:effectLst/>
+                <a:latin typeface="JetBrains Mono"/>
+              </a:rPr>
+              <a:t>EC</a:t>
+            </a:r>
+            <a:br>
+              <a:rPr kumimoji="0" lang="en-US" altLang="en-US" sz="900" b="0" i="0" u="none" strike="noStrike" cap="none" normalizeH="0" baseline="0">
+                <a:ln>
+                  <a:noFill/>
+                </a:ln>
+                <a:solidFill>
+                  <a:srgbClr val="A9B7C6"/>
+                </a:solidFill>
+                <a:effectLst/>
+                <a:latin typeface="JetBrains Mono"/>
+              </a:rPr>
+            </a:br>
+            <a:br>
+              <a:rPr kumimoji="0" lang="en-US" altLang="en-US" sz="900" b="0" i="0" u="none" strike="noStrike" cap="none" normalizeH="0" baseline="0">
+                <a:ln>
+                  <a:noFill/>
+                </a:ln>
+                <a:solidFill>
+                  <a:srgbClr val="A9B7C6"/>
+                </a:solidFill>
+                <a:effectLst/>
+                <a:latin typeface="JetBrains Mono"/>
+              </a:rPr>
+            </a:br>
+            <a:br>
+              <a:rPr kumimoji="0" lang="en-US" altLang="en-US" sz="900" b="0" i="0" u="none" strike="noStrike" cap="none" normalizeH="0" baseline="0">
+                <a:ln>
+                  <a:noFill/>
+                </a:ln>
+                <a:solidFill>
+                  <a:srgbClr val="A9B7C6"/>
+                </a:solidFill>
+                <a:effectLst/>
+                <a:latin typeface="JetBrains Mono"/>
+              </a:rPr>
+            </a:br>
+            <a:r>
+              <a:rPr kumimoji="0" lang="en-US" altLang="en-US" sz="900" b="0" i="0" u="none" strike="noStrike" cap="none" normalizeH="0" baseline="0">
+                <a:ln>
+                  <a:noFill/>
+                </a:ln>
+                <a:solidFill>
+                  <a:srgbClr val="BBB529"/>
+                </a:solidFill>
+                <a:effectLst/>
+                <a:latin typeface="JetBrains Mono"/>
+              </a:rPr>
+              <a:t>@given</a:t>
+            </a:r>
+            <a:r>
+              <a:rPr kumimoji="0" lang="en-US" altLang="en-US" sz="900" b="0" i="0" u="none" strike="noStrike" cap="none" normalizeH="0" baseline="0">
+                <a:ln>
+                  <a:noFill/>
+                </a:ln>
+                <a:solidFill>
+                  <a:srgbClr val="A9B7C6"/>
+                </a:solidFill>
+                <a:effectLst/>
+                <a:latin typeface="JetBrains Mono"/>
+              </a:rPr>
+              <a:t>(</a:t>
+            </a:r>
+            <a:r>
+              <a:rPr kumimoji="0" lang="en-US" altLang="en-US" sz="900" b="0" i="0" u="none" strike="noStrike" cap="none" normalizeH="0" baseline="0">
+                <a:ln>
+                  <a:noFill/>
+                </a:ln>
+                <a:solidFill>
+                  <a:srgbClr val="6A8759"/>
+                </a:solidFill>
+                <a:effectLst/>
+                <a:latin typeface="JetBrains Mono"/>
+              </a:rPr>
+              <a:t>"I am on the home page of 'rpgroup.com'"</a:t>
+            </a:r>
+            <a:r>
+              <a:rPr kumimoji="0" lang="en-US" altLang="en-US" sz="900" b="0" i="0" u="none" strike="noStrike" cap="none" normalizeH="0" baseline="0">
+                <a:ln>
+                  <a:noFill/>
+                </a:ln>
+                <a:solidFill>
+                  <a:srgbClr val="A9B7C6"/>
+                </a:solidFill>
+                <a:effectLst/>
+                <a:latin typeface="JetBrains Mono"/>
+              </a:rPr>
+              <a:t>)</a:t>
+            </a:r>
+            <a:br>
+              <a:rPr kumimoji="0" lang="en-US" altLang="en-US" sz="900" b="0" i="0" u="none" strike="noStrike" cap="none" normalizeH="0" baseline="0">
+                <a:ln>
+                  <a:noFill/>
+                </a:ln>
+                <a:solidFill>
+                  <a:srgbClr val="A9B7C6"/>
+                </a:solidFill>
+                <a:effectLst/>
+                <a:latin typeface="JetBrains Mono"/>
+              </a:rPr>
+            </a:br>
+            <a:r>
+              <a:rPr kumimoji="0" lang="en-US" altLang="en-US" sz="900" b="0" i="0" u="none" strike="noStrike" cap="none" normalizeH="0" baseline="0">
+                <a:ln>
+                  <a:noFill/>
+                </a:ln>
+                <a:solidFill>
+                  <a:srgbClr val="CC7832"/>
+                </a:solidFill>
+                <a:effectLst/>
+                <a:latin typeface="JetBrains Mono"/>
+              </a:rPr>
+              <a:t>def </a:t>
+            </a:r>
+            <a:r>
+              <a:rPr kumimoji="0" lang="en-US" altLang="en-US" sz="900" b="0" i="0" u="none" strike="noStrike" cap="none" normalizeH="0" baseline="0">
+                <a:ln>
+                  <a:noFill/>
+                </a:ln>
+                <a:solidFill>
+                  <a:srgbClr val="FFC66D"/>
+                </a:solidFill>
+                <a:effectLst/>
+                <a:latin typeface="JetBrains Mono"/>
+              </a:rPr>
+              <a:t>step_impl</a:t>
+            </a:r>
+            <a:r>
+              <a:rPr kumimoji="0" lang="en-US" altLang="en-US" sz="900" b="0" i="0" u="none" strike="noStrike" cap="none" normalizeH="0" baseline="0">
+                <a:ln>
+                  <a:noFill/>
+                </a:ln>
+                <a:solidFill>
+                  <a:srgbClr val="A9B7C6"/>
+                </a:solidFill>
+                <a:effectLst/>
+                <a:latin typeface="JetBrains Mono"/>
+              </a:rPr>
+              <a:t>(context):</a:t>
+            </a:r>
+            <a:br>
+              <a:rPr kumimoji="0" lang="en-US" altLang="en-US" sz="900" b="0" i="0" u="none" strike="noStrike" cap="none" normalizeH="0" baseline="0">
+                <a:ln>
+                  <a:noFill/>
+                </a:ln>
+                <a:solidFill>
+                  <a:srgbClr val="A9B7C6"/>
+                </a:solidFill>
+                <a:effectLst/>
+                <a:latin typeface="JetBrains Mono"/>
+              </a:rPr>
+            </a:br>
+            <a:r>
+              <a:rPr kumimoji="0" lang="en-US" altLang="en-US" sz="900" b="0" i="0" u="none" strike="noStrike" cap="none" normalizeH="0" baseline="0">
+                <a:ln>
+                  <a:noFill/>
+                </a:ln>
+                <a:solidFill>
+                  <a:srgbClr val="A9B7C6"/>
+                </a:solidFill>
+                <a:effectLst/>
+                <a:latin typeface="JetBrains Mono"/>
+              </a:rPr>
+              <a:t>    context.browser = webdriver.Chrome()</a:t>
+            </a:r>
+            <a:br>
+              <a:rPr kumimoji="0" lang="en-US" altLang="en-US" sz="900" b="0" i="0" u="none" strike="noStrike" cap="none" normalizeH="0" baseline="0">
+                <a:ln>
+                  <a:noFill/>
+                </a:ln>
+                <a:solidFill>
+                  <a:srgbClr val="A9B7C6"/>
+                </a:solidFill>
+                <a:effectLst/>
+                <a:latin typeface="JetBrains Mono"/>
+              </a:rPr>
+            </a:br>
+            <a:r>
+              <a:rPr kumimoji="0" lang="en-US" altLang="en-US" sz="900" b="0" i="0" u="none" strike="noStrike" cap="none" normalizeH="0" baseline="0">
+                <a:ln>
+                  <a:noFill/>
+                </a:ln>
+                <a:solidFill>
+                  <a:srgbClr val="A9B7C6"/>
+                </a:solidFill>
+                <a:effectLst/>
+                <a:latin typeface="JetBrains Mono"/>
+              </a:rPr>
+              <a:t>    context.browser.get(</a:t>
+            </a:r>
+            <a:r>
+              <a:rPr kumimoji="0" lang="en-US" altLang="en-US" sz="900" b="0" i="0" u="none" strike="noStrike" cap="none" normalizeH="0" baseline="0">
+                <a:ln>
+                  <a:noFill/>
+                </a:ln>
+                <a:solidFill>
+                  <a:srgbClr val="6A8759"/>
+                </a:solidFill>
+                <a:effectLst/>
+                <a:latin typeface="JetBrains Mono"/>
+              </a:rPr>
+              <a:t>'https://rpgroup.com'</a:t>
+            </a:r>
+            <a:r>
+              <a:rPr kumimoji="0" lang="en-US" altLang="en-US" sz="900" b="0" i="0" u="none" strike="noStrike" cap="none" normalizeH="0" baseline="0">
+                <a:ln>
+                  <a:noFill/>
+                </a:ln>
+                <a:solidFill>
+                  <a:srgbClr val="A9B7C6"/>
+                </a:solidFill>
+                <a:effectLst/>
+                <a:latin typeface="JetBrains Mono"/>
+              </a:rPr>
+              <a:t>)</a:t>
+            </a:r>
+            <a:br>
+              <a:rPr kumimoji="0" lang="en-US" altLang="en-US" sz="900" b="0" i="0" u="none" strike="noStrike" cap="none" normalizeH="0" baseline="0">
+                <a:ln>
+                  <a:noFill/>
+                </a:ln>
+                <a:solidFill>
+                  <a:srgbClr val="A9B7C6"/>
+                </a:solidFill>
+                <a:effectLst/>
+                <a:latin typeface="JetBrains Mono"/>
+              </a:rPr>
+            </a:br>
+            <a:r>
+              <a:rPr kumimoji="0" lang="en-US" altLang="en-US" sz="900" b="0" i="0" u="none" strike="noStrike" cap="none" normalizeH="0" baseline="0">
+                <a:ln>
+                  <a:noFill/>
+                </a:ln>
+                <a:solidFill>
+                  <a:srgbClr val="A9B7C6"/>
+                </a:solidFill>
+                <a:effectLst/>
+                <a:latin typeface="JetBrains Mono"/>
+              </a:rPr>
+              <a:t>    context.browser.maximize_window()</a:t>
+            </a:r>
+            <a:br>
+              <a:rPr kumimoji="0" lang="en-US" altLang="en-US" sz="900" b="0" i="0" u="none" strike="noStrike" cap="none" normalizeH="0" baseline="0">
+                <a:ln>
+                  <a:noFill/>
+                </a:ln>
+                <a:solidFill>
+                  <a:srgbClr val="A9B7C6"/>
+                </a:solidFill>
+                <a:effectLst/>
+                <a:latin typeface="JetBrains Mono"/>
+              </a:rPr>
+            </a:br>
+            <a:r>
+              <a:rPr kumimoji="0" lang="en-US" altLang="en-US" sz="900" b="0" i="0" u="none" strike="noStrike" cap="none" normalizeH="0" baseline="0">
+                <a:ln>
+                  <a:noFill/>
+                </a:ln>
+                <a:solidFill>
+                  <a:srgbClr val="A9B7C6"/>
+                </a:solidFill>
+                <a:effectLst/>
+                <a:latin typeface="JetBrains Mono"/>
+              </a:rPr>
+              <a:t>    context.browser.find_element(By.ID</a:t>
+            </a:r>
+            <a:r>
+              <a:rPr kumimoji="0" lang="en-US" altLang="en-US" sz="900" b="0" i="0" u="none" strike="noStrike" cap="none" normalizeH="0" baseline="0">
+                <a:ln>
+                  <a:noFill/>
+                </a:ln>
+                <a:solidFill>
+                  <a:srgbClr val="CC7832"/>
+                </a:solidFill>
+                <a:effectLst/>
+                <a:latin typeface="JetBrains Mono"/>
+              </a:rPr>
+              <a:t>, </a:t>
+            </a:r>
+            <a:r>
+              <a:rPr kumimoji="0" lang="en-US" altLang="en-US" sz="900" b="0" i="0" u="none" strike="noStrike" cap="none" normalizeH="0" baseline="0">
+                <a:ln>
+                  <a:noFill/>
+                </a:ln>
+                <a:solidFill>
+                  <a:srgbClr val="6A8759"/>
+                </a:solidFill>
+                <a:effectLst/>
+                <a:latin typeface="JetBrains Mono"/>
+              </a:rPr>
+              <a:t>"wpnordic-cookie-care-consent-all-button"</a:t>
+            </a:r>
+            <a:r>
+              <a:rPr kumimoji="0" lang="en-US" altLang="en-US" sz="900" b="0" i="0" u="none" strike="noStrike" cap="none" normalizeH="0" baseline="0">
+                <a:ln>
+                  <a:noFill/>
+                </a:ln>
+                <a:solidFill>
+                  <a:srgbClr val="A9B7C6"/>
+                </a:solidFill>
+                <a:effectLst/>
+                <a:latin typeface="JetBrains Mono"/>
+              </a:rPr>
+              <a:t>).click()</a:t>
+            </a:r>
+            <a:br>
+              <a:rPr kumimoji="0" lang="en-US" altLang="en-US" sz="900" b="0" i="0" u="none" strike="noStrike" cap="none" normalizeH="0" baseline="0">
+                <a:ln>
+                  <a:noFill/>
+                </a:ln>
+                <a:solidFill>
+                  <a:srgbClr val="A9B7C6"/>
+                </a:solidFill>
+                <a:effectLst/>
+                <a:latin typeface="JetBrains Mono"/>
+              </a:rPr>
+            </a:br>
+            <a:r>
+              <a:rPr kumimoji="0" lang="en-US" altLang="en-US" sz="900" b="0" i="0" u="none" strike="noStrike" cap="none" normalizeH="0" baseline="0">
+                <a:ln>
+                  <a:noFill/>
+                </a:ln>
+                <a:solidFill>
+                  <a:srgbClr val="A9B7C6"/>
+                </a:solidFill>
+                <a:effectLst/>
+                <a:latin typeface="JetBrains Mono"/>
+              </a:rPr>
+              <a:t>    WebDriverWait(context.browser</a:t>
+            </a:r>
+            <a:r>
+              <a:rPr kumimoji="0" lang="en-US" altLang="en-US" sz="900" b="0" i="0" u="none" strike="noStrike" cap="none" normalizeH="0" baseline="0">
+                <a:ln>
+                  <a:noFill/>
+                </a:ln>
+                <a:solidFill>
+                  <a:srgbClr val="CC7832"/>
+                </a:solidFill>
+                <a:effectLst/>
+                <a:latin typeface="JetBrains Mono"/>
+              </a:rPr>
+              <a:t>, </a:t>
+            </a:r>
+            <a:r>
+              <a:rPr kumimoji="0" lang="en-US" altLang="en-US" sz="900" b="0" i="0" u="none" strike="noStrike" cap="none" normalizeH="0" baseline="0">
+                <a:ln>
+                  <a:noFill/>
+                </a:ln>
+                <a:solidFill>
+                  <a:srgbClr val="6897BB"/>
+                </a:solidFill>
+                <a:effectLst/>
+                <a:latin typeface="JetBrains Mono"/>
+              </a:rPr>
+              <a:t>10</a:t>
+            </a:r>
+            <a:r>
+              <a:rPr kumimoji="0" lang="en-US" altLang="en-US" sz="900" b="0" i="0" u="none" strike="noStrike" cap="none" normalizeH="0" baseline="0">
+                <a:ln>
+                  <a:noFill/>
+                </a:ln>
+                <a:solidFill>
+                  <a:srgbClr val="A9B7C6"/>
+                </a:solidFill>
+                <a:effectLst/>
+                <a:latin typeface="JetBrains Mono"/>
+              </a:rPr>
+              <a:t>).until(</a:t>
+            </a:r>
+            <a:br>
+              <a:rPr kumimoji="0" lang="en-US" altLang="en-US" sz="900" b="0" i="0" u="none" strike="noStrike" cap="none" normalizeH="0" baseline="0">
+                <a:ln>
+                  <a:noFill/>
+                </a:ln>
+                <a:solidFill>
+                  <a:srgbClr val="A9B7C6"/>
+                </a:solidFill>
+                <a:effectLst/>
+                <a:latin typeface="JetBrains Mono"/>
+              </a:rPr>
+            </a:br>
+            <a:r>
+              <a:rPr kumimoji="0" lang="en-US" altLang="en-US" sz="900" b="0" i="0" u="none" strike="noStrike" cap="none" normalizeH="0" baseline="0">
+                <a:ln>
+                  <a:noFill/>
+                </a:ln>
+                <a:solidFill>
+                  <a:srgbClr val="A9B7C6"/>
+                </a:solidFill>
+                <a:effectLst/>
+                <a:latin typeface="JetBrains Mono"/>
+              </a:rPr>
+              <a:t>        EC.presence_of_element_located((By.XPATH</a:t>
+            </a:r>
+            <a:r>
+              <a:rPr kumimoji="0" lang="en-US" altLang="en-US" sz="900" b="0" i="0" u="none" strike="noStrike" cap="none" normalizeH="0" baseline="0">
+                <a:ln>
+                  <a:noFill/>
+                </a:ln>
+                <a:solidFill>
+                  <a:srgbClr val="CC7832"/>
+                </a:solidFill>
+                <a:effectLst/>
+                <a:latin typeface="JetBrains Mono"/>
+              </a:rPr>
+              <a:t>, </a:t>
+            </a:r>
+            <a:r>
+              <a:rPr kumimoji="0" lang="en-US" altLang="en-US" sz="900" b="0" i="0" u="none" strike="noStrike" cap="none" normalizeH="0" baseline="0">
+                <a:ln>
+                  <a:noFill/>
+                </a:ln>
+                <a:solidFill>
+                  <a:srgbClr val="6A8759"/>
+                </a:solidFill>
+                <a:effectLst/>
+                <a:latin typeface="JetBrains Mono"/>
+              </a:rPr>
+              <a:t>'//*[@id="menu-item-962"]/a'</a:t>
+            </a:r>
+            <a:r>
+              <a:rPr kumimoji="0" lang="en-US" altLang="en-US" sz="900" b="0" i="0" u="none" strike="noStrike" cap="none" normalizeH="0" baseline="0">
+                <a:ln>
+                  <a:noFill/>
+                </a:ln>
+                <a:solidFill>
+                  <a:srgbClr val="A9B7C6"/>
+                </a:solidFill>
+                <a:effectLst/>
+                <a:latin typeface="JetBrains Mono"/>
+              </a:rPr>
+              <a:t>))</a:t>
+            </a:r>
+            <a:br>
+              <a:rPr kumimoji="0" lang="en-US" altLang="en-US" sz="900" b="0" i="0" u="none" strike="noStrike" cap="none" normalizeH="0" baseline="0">
+                <a:ln>
+                  <a:noFill/>
+                </a:ln>
+                <a:solidFill>
+                  <a:srgbClr val="A9B7C6"/>
+                </a:solidFill>
+                <a:effectLst/>
+                <a:latin typeface="JetBrains Mono"/>
+              </a:rPr>
+            </a:br>
+            <a:r>
+              <a:rPr kumimoji="0" lang="en-US" altLang="en-US" sz="900" b="0" i="0" u="none" strike="noStrike" cap="none" normalizeH="0" baseline="0">
+                <a:ln>
+                  <a:noFill/>
+                </a:ln>
+                <a:solidFill>
+                  <a:srgbClr val="A9B7C6"/>
+                </a:solidFill>
+                <a:effectLst/>
+                <a:latin typeface="JetBrains Mono"/>
+              </a:rPr>
+              <a:t>    )</a:t>
+            </a:r>
+            <a:br>
+              <a:rPr kumimoji="0" lang="en-US" altLang="en-US" sz="900" b="0" i="0" u="none" strike="noStrike" cap="none" normalizeH="0" baseline="0">
+                <a:ln>
+                  <a:noFill/>
+                </a:ln>
+                <a:solidFill>
+                  <a:srgbClr val="A9B7C6"/>
+                </a:solidFill>
+                <a:effectLst/>
+                <a:latin typeface="JetBrains Mono"/>
+              </a:rPr>
+            </a:br>
+            <a:br>
+              <a:rPr kumimoji="0" lang="en-US" altLang="en-US" sz="900" b="0" i="0" u="none" strike="noStrike" cap="none" normalizeH="0" baseline="0">
+                <a:ln>
+                  <a:noFill/>
+                </a:ln>
+                <a:solidFill>
+                  <a:srgbClr val="A9B7C6"/>
+                </a:solidFill>
+                <a:effectLst/>
+                <a:latin typeface="JetBrains Mono"/>
+              </a:rPr>
+            </a:br>
+            <a:br>
+              <a:rPr kumimoji="0" lang="en-US" altLang="en-US" sz="900" b="0" i="0" u="none" strike="noStrike" cap="none" normalizeH="0" baseline="0">
+                <a:ln>
+                  <a:noFill/>
+                </a:ln>
+                <a:solidFill>
+                  <a:srgbClr val="A9B7C6"/>
+                </a:solidFill>
+                <a:effectLst/>
+                <a:latin typeface="JetBrains Mono"/>
+              </a:rPr>
+            </a:br>
+            <a:r>
+              <a:rPr kumimoji="0" lang="en-US" altLang="en-US" sz="900" b="0" i="0" u="none" strike="noStrike" cap="none" normalizeH="0" baseline="0">
+                <a:ln>
+                  <a:noFill/>
+                </a:ln>
+                <a:solidFill>
+                  <a:srgbClr val="BBB529"/>
+                </a:solidFill>
+                <a:effectLst/>
+                <a:latin typeface="JetBrains Mono"/>
+              </a:rPr>
+              <a:t>@when</a:t>
+            </a:r>
+            <a:r>
+              <a:rPr kumimoji="0" lang="en-US" altLang="en-US" sz="900" b="0" i="0" u="none" strike="noStrike" cap="none" normalizeH="0" baseline="0">
+                <a:ln>
+                  <a:noFill/>
+                </a:ln>
+                <a:solidFill>
+                  <a:srgbClr val="A9B7C6"/>
+                </a:solidFill>
+                <a:effectLst/>
+                <a:latin typeface="JetBrains Mono"/>
+              </a:rPr>
+              <a:t>(</a:t>
+            </a:r>
+            <a:r>
+              <a:rPr kumimoji="0" lang="en-US" altLang="en-US" sz="900" b="0" i="0" u="none" strike="noStrike" cap="none" normalizeH="0" baseline="0">
+                <a:ln>
+                  <a:noFill/>
+                </a:ln>
+                <a:solidFill>
+                  <a:srgbClr val="6A8759"/>
+                </a:solidFill>
+                <a:effectLst/>
+                <a:latin typeface="JetBrains Mono"/>
+              </a:rPr>
+              <a:t>'On the home page User hovers on Claims tab'</a:t>
+            </a:r>
+            <a:r>
+              <a:rPr kumimoji="0" lang="en-US" altLang="en-US" sz="900" b="0" i="0" u="none" strike="noStrike" cap="none" normalizeH="0" baseline="0">
+                <a:ln>
+                  <a:noFill/>
+                </a:ln>
+                <a:solidFill>
+                  <a:srgbClr val="A9B7C6"/>
+                </a:solidFill>
+                <a:effectLst/>
+                <a:latin typeface="JetBrains Mono"/>
+              </a:rPr>
+              <a:t>)</a:t>
+            </a:r>
+            <a:br>
+              <a:rPr kumimoji="0" lang="en-US" altLang="en-US" sz="900" b="0" i="0" u="none" strike="noStrike" cap="none" normalizeH="0" baseline="0">
+                <a:ln>
+                  <a:noFill/>
+                </a:ln>
+                <a:solidFill>
+                  <a:srgbClr val="A9B7C6"/>
+                </a:solidFill>
+                <a:effectLst/>
+                <a:latin typeface="JetBrains Mono"/>
+              </a:rPr>
+            </a:br>
+            <a:r>
+              <a:rPr kumimoji="0" lang="en-US" altLang="en-US" sz="900" b="0" i="0" u="none" strike="noStrike" cap="none" normalizeH="0" baseline="0">
+                <a:ln>
+                  <a:noFill/>
+                </a:ln>
+                <a:solidFill>
+                  <a:srgbClr val="CC7832"/>
+                </a:solidFill>
+                <a:effectLst/>
+                <a:latin typeface="JetBrains Mono"/>
+              </a:rPr>
+              <a:t>def </a:t>
+            </a:r>
+            <a:r>
+              <a:rPr kumimoji="0" lang="en-US" altLang="en-US" sz="900" b="0" i="0" u="none" strike="noStrike" cap="none" normalizeH="0" baseline="0">
+                <a:ln>
+                  <a:noFill/>
+                </a:ln>
+                <a:solidFill>
+                  <a:srgbClr val="FFC66D"/>
+                </a:solidFill>
+                <a:effectLst/>
+                <a:latin typeface="JetBrains Mono"/>
+              </a:rPr>
+              <a:t>step_impl</a:t>
+            </a:r>
+            <a:r>
+              <a:rPr kumimoji="0" lang="en-US" altLang="en-US" sz="900" b="0" i="0" u="none" strike="noStrike" cap="none" normalizeH="0" baseline="0">
+                <a:ln>
+                  <a:noFill/>
+                </a:ln>
+                <a:solidFill>
+                  <a:srgbClr val="A9B7C6"/>
+                </a:solidFill>
+                <a:effectLst/>
+                <a:latin typeface="JetBrains Mono"/>
+              </a:rPr>
+              <a:t>(context):</a:t>
+            </a:r>
+            <a:br>
+              <a:rPr kumimoji="0" lang="en-US" altLang="en-US" sz="900" b="0" i="0" u="none" strike="noStrike" cap="none" normalizeH="0" baseline="0">
+                <a:ln>
+                  <a:noFill/>
+                </a:ln>
+                <a:solidFill>
+                  <a:srgbClr val="A9B7C6"/>
+                </a:solidFill>
+                <a:effectLst/>
+                <a:latin typeface="JetBrains Mono"/>
+              </a:rPr>
+            </a:br>
+            <a:r>
+              <a:rPr kumimoji="0" lang="en-US" altLang="en-US" sz="900" b="0" i="0" u="none" strike="noStrike" cap="none" normalizeH="0" baseline="0">
+                <a:ln>
+                  <a:noFill/>
+                </a:ln>
+                <a:solidFill>
+                  <a:srgbClr val="A9B7C6"/>
+                </a:solidFill>
+                <a:effectLst/>
+                <a:latin typeface="JetBrains Mono"/>
+              </a:rPr>
+              <a:t>    claimelement = context.browser.find_element(By.XPATH</a:t>
+            </a:r>
+            <a:r>
+              <a:rPr kumimoji="0" lang="en-US" altLang="en-US" sz="900" b="0" i="0" u="none" strike="noStrike" cap="none" normalizeH="0" baseline="0">
+                <a:ln>
+                  <a:noFill/>
+                </a:ln>
+                <a:solidFill>
+                  <a:srgbClr val="CC7832"/>
+                </a:solidFill>
+                <a:effectLst/>
+                <a:latin typeface="JetBrains Mono"/>
+              </a:rPr>
+              <a:t>, </a:t>
+            </a:r>
+            <a:r>
+              <a:rPr kumimoji="0" lang="en-US" altLang="en-US" sz="900" b="0" i="0" u="none" strike="noStrike" cap="none" normalizeH="0" baseline="0">
+                <a:ln>
+                  <a:noFill/>
+                </a:ln>
+                <a:solidFill>
+                  <a:srgbClr val="6A8759"/>
+                </a:solidFill>
+                <a:effectLst/>
+                <a:latin typeface="JetBrains Mono"/>
+              </a:rPr>
+              <a:t>'//*[@id="menu-item-962"]/a'</a:t>
+            </a:r>
+            <a:r>
+              <a:rPr kumimoji="0" lang="en-US" altLang="en-US" sz="900" b="0" i="0" u="none" strike="noStrike" cap="none" normalizeH="0" baseline="0">
+                <a:ln>
+                  <a:noFill/>
+                </a:ln>
+                <a:solidFill>
+                  <a:srgbClr val="A9B7C6"/>
+                </a:solidFill>
+                <a:effectLst/>
+                <a:latin typeface="JetBrains Mono"/>
+              </a:rPr>
+              <a:t>)</a:t>
+            </a:r>
+            <a:br>
+              <a:rPr kumimoji="0" lang="en-US" altLang="en-US" sz="900" b="0" i="0" u="none" strike="noStrike" cap="none" normalizeH="0" baseline="0">
+                <a:ln>
+                  <a:noFill/>
+                </a:ln>
+                <a:solidFill>
+                  <a:srgbClr val="A9B7C6"/>
+                </a:solidFill>
+                <a:effectLst/>
+                <a:latin typeface="JetBrains Mono"/>
+              </a:rPr>
+            </a:br>
+            <a:r>
+              <a:rPr kumimoji="0" lang="en-US" altLang="en-US" sz="900" b="0" i="0" u="none" strike="noStrike" cap="none" normalizeH="0" baseline="0">
+                <a:ln>
+                  <a:noFill/>
+                </a:ln>
+                <a:solidFill>
+                  <a:srgbClr val="A9B7C6"/>
+                </a:solidFill>
+                <a:effectLst/>
+                <a:latin typeface="JetBrains Mono"/>
+              </a:rPr>
+              <a:t>    claimelement.click()</a:t>
+            </a:r>
+            <a:br>
+              <a:rPr kumimoji="0" lang="en-US" altLang="en-US" sz="900" b="0" i="0" u="none" strike="noStrike" cap="none" normalizeH="0" baseline="0">
+                <a:ln>
+                  <a:noFill/>
+                </a:ln>
+                <a:solidFill>
+                  <a:srgbClr val="A9B7C6"/>
+                </a:solidFill>
+                <a:effectLst/>
+                <a:latin typeface="JetBrains Mono"/>
+              </a:rPr>
+            </a:br>
+            <a:r>
+              <a:rPr kumimoji="0" lang="en-US" altLang="en-US" sz="900" b="0" i="0" u="none" strike="noStrike" cap="none" normalizeH="0" baseline="0">
+                <a:ln>
+                  <a:noFill/>
+                </a:ln>
+                <a:solidFill>
+                  <a:srgbClr val="A9B7C6"/>
+                </a:solidFill>
+                <a:effectLst/>
+                <a:latin typeface="JetBrains Mono"/>
+              </a:rPr>
+              <a:t>    </a:t>
+            </a:r>
+            <a:r>
+              <a:rPr kumimoji="0" lang="en-US" altLang="en-US" sz="900" b="0" i="0" u="none" strike="noStrike" cap="none" normalizeH="0" baseline="0">
+                <a:ln>
+                  <a:noFill/>
+                </a:ln>
+                <a:solidFill>
+                  <a:srgbClr val="808080"/>
+                </a:solidFill>
+                <a:effectLst/>
+                <a:latin typeface="JetBrains Mono"/>
+              </a:rPr>
+              <a:t>#time.sleep(5)</a:t>
+            </a:r>
+            <a:br>
+              <a:rPr kumimoji="0" lang="en-US" altLang="en-US" sz="900" b="0" i="0" u="none" strike="noStrike" cap="none" normalizeH="0" baseline="0">
+                <a:ln>
+                  <a:noFill/>
+                </a:ln>
+                <a:solidFill>
+                  <a:srgbClr val="808080"/>
+                </a:solidFill>
+                <a:effectLst/>
+                <a:latin typeface="JetBrains Mono"/>
+              </a:rPr>
+            </a:br>
+            <a:br>
+              <a:rPr kumimoji="0" lang="en-US" altLang="en-US" sz="900" b="0" i="0" u="none" strike="noStrike" cap="none" normalizeH="0" baseline="0">
+                <a:ln>
+                  <a:noFill/>
+                </a:ln>
+                <a:solidFill>
+                  <a:srgbClr val="808080"/>
+                </a:solidFill>
+                <a:effectLst/>
+                <a:latin typeface="JetBrains Mono"/>
+              </a:rPr>
+            </a:br>
+            <a:br>
+              <a:rPr kumimoji="0" lang="en-US" altLang="en-US" sz="900" b="0" i="0" u="none" strike="noStrike" cap="none" normalizeH="0" baseline="0">
+                <a:ln>
+                  <a:noFill/>
+                </a:ln>
+                <a:solidFill>
+                  <a:srgbClr val="808080"/>
+                </a:solidFill>
+                <a:effectLst/>
+                <a:latin typeface="JetBrains Mono"/>
+              </a:rPr>
+            </a:br>
+            <a:r>
+              <a:rPr kumimoji="0" lang="en-US" altLang="en-US" sz="900" b="0" i="0" u="none" strike="noStrike" cap="none" normalizeH="0" baseline="0">
+                <a:ln>
+                  <a:noFill/>
+                </a:ln>
+                <a:solidFill>
+                  <a:srgbClr val="BBB529"/>
+                </a:solidFill>
+                <a:effectLst/>
+                <a:latin typeface="JetBrains Mono"/>
+              </a:rPr>
+              <a:t>@then</a:t>
+            </a:r>
+            <a:r>
+              <a:rPr kumimoji="0" lang="en-US" altLang="en-US" sz="900" b="0" i="0" u="none" strike="noStrike" cap="none" normalizeH="0" baseline="0">
+                <a:ln>
+                  <a:noFill/>
+                </a:ln>
+                <a:solidFill>
+                  <a:srgbClr val="A9B7C6"/>
+                </a:solidFill>
+                <a:effectLst/>
+                <a:latin typeface="JetBrains Mono"/>
+              </a:rPr>
+              <a:t>(</a:t>
+            </a:r>
+            <a:r>
+              <a:rPr kumimoji="0" lang="en-US" altLang="en-US" sz="900" b="0" i="0" u="none" strike="noStrike" cap="none" normalizeH="0" baseline="0">
+                <a:ln>
+                  <a:noFill/>
+                </a:ln>
+                <a:solidFill>
+                  <a:srgbClr val="6A8759"/>
+                </a:solidFill>
+                <a:effectLst/>
+                <a:latin typeface="JetBrains Mono"/>
+              </a:rPr>
+              <a:t>'Emergency Contacts section should be displayed'</a:t>
+            </a:r>
+            <a:r>
+              <a:rPr kumimoji="0" lang="en-US" altLang="en-US" sz="900" b="0" i="0" u="none" strike="noStrike" cap="none" normalizeH="0" baseline="0">
+                <a:ln>
+                  <a:noFill/>
+                </a:ln>
+                <a:solidFill>
+                  <a:srgbClr val="A9B7C6"/>
+                </a:solidFill>
+                <a:effectLst/>
+                <a:latin typeface="JetBrains Mono"/>
+              </a:rPr>
+              <a:t>)</a:t>
+            </a:r>
+            <a:br>
+              <a:rPr kumimoji="0" lang="en-US" altLang="en-US" sz="900" b="0" i="0" u="none" strike="noStrike" cap="none" normalizeH="0" baseline="0">
+                <a:ln>
+                  <a:noFill/>
+                </a:ln>
+                <a:solidFill>
+                  <a:srgbClr val="A9B7C6"/>
+                </a:solidFill>
+                <a:effectLst/>
+                <a:latin typeface="JetBrains Mono"/>
+              </a:rPr>
+            </a:br>
+            <a:r>
+              <a:rPr kumimoji="0" lang="en-US" altLang="en-US" sz="900" b="0" i="0" u="none" strike="noStrike" cap="none" normalizeH="0" baseline="0">
+                <a:ln>
+                  <a:noFill/>
+                </a:ln>
+                <a:solidFill>
+                  <a:srgbClr val="CC7832"/>
+                </a:solidFill>
+                <a:effectLst/>
+                <a:latin typeface="JetBrains Mono"/>
+              </a:rPr>
+              <a:t>def </a:t>
+            </a:r>
+            <a:r>
+              <a:rPr kumimoji="0" lang="en-US" altLang="en-US" sz="900" b="0" i="0" u="none" strike="noStrike" cap="none" normalizeH="0" baseline="0">
+                <a:ln>
+                  <a:noFill/>
+                </a:ln>
+                <a:solidFill>
+                  <a:srgbClr val="FFC66D"/>
+                </a:solidFill>
+                <a:effectLst/>
+                <a:latin typeface="JetBrains Mono"/>
+              </a:rPr>
+              <a:t>step_impl</a:t>
+            </a:r>
+            <a:r>
+              <a:rPr kumimoji="0" lang="en-US" altLang="en-US" sz="900" b="0" i="0" u="none" strike="noStrike" cap="none" normalizeH="0" baseline="0">
+                <a:ln>
+                  <a:noFill/>
+                </a:ln>
+                <a:solidFill>
+                  <a:srgbClr val="A9B7C6"/>
+                </a:solidFill>
+                <a:effectLst/>
+                <a:latin typeface="JetBrains Mono"/>
+              </a:rPr>
+              <a:t>(context):</a:t>
+            </a:r>
+            <a:br>
+              <a:rPr kumimoji="0" lang="en-US" altLang="en-US" sz="900" b="0" i="0" u="none" strike="noStrike" cap="none" normalizeH="0" baseline="0">
+                <a:ln>
+                  <a:noFill/>
+                </a:ln>
+                <a:solidFill>
+                  <a:srgbClr val="A9B7C6"/>
+                </a:solidFill>
+                <a:effectLst/>
+                <a:latin typeface="JetBrains Mono"/>
+              </a:rPr>
+            </a:br>
+            <a:r>
+              <a:rPr kumimoji="0" lang="en-US" altLang="en-US" sz="900" b="0" i="0" u="none" strike="noStrike" cap="none" normalizeH="0" baseline="0">
+                <a:ln>
+                  <a:noFill/>
+                </a:ln>
+                <a:solidFill>
+                  <a:srgbClr val="A9B7C6"/>
+                </a:solidFill>
+                <a:effectLst/>
+                <a:latin typeface="JetBrains Mono"/>
+              </a:rPr>
+              <a:t>    </a:t>
+            </a:r>
+            <a:r>
+              <a:rPr kumimoji="0" lang="en-US" altLang="en-US" sz="900" b="0" i="0" u="none" strike="noStrike" cap="none" normalizeH="0" baseline="0">
+                <a:ln>
+                  <a:noFill/>
+                </a:ln>
+                <a:solidFill>
+                  <a:srgbClr val="CC7832"/>
+                </a:solidFill>
+                <a:effectLst/>
+                <a:latin typeface="JetBrains Mono"/>
+              </a:rPr>
+              <a:t>assert </a:t>
+            </a:r>
+            <a:r>
+              <a:rPr kumimoji="0" lang="en-US" altLang="en-US" sz="900" b="0" i="0" u="none" strike="noStrike" cap="none" normalizeH="0" baseline="0">
+                <a:ln>
+                  <a:noFill/>
+                </a:ln>
+                <a:solidFill>
+                  <a:srgbClr val="A9B7C6"/>
+                </a:solidFill>
+                <a:effectLst/>
+                <a:latin typeface="JetBrains Mono"/>
+              </a:rPr>
+              <a:t>context.browser.find_element(By.XPATH</a:t>
+            </a:r>
+            <a:r>
+              <a:rPr kumimoji="0" lang="en-US" altLang="en-US" sz="900" b="0" i="0" u="none" strike="noStrike" cap="none" normalizeH="0" baseline="0">
+                <a:ln>
+                  <a:noFill/>
+                </a:ln>
+                <a:solidFill>
+                  <a:srgbClr val="CC7832"/>
+                </a:solidFill>
+                <a:effectLst/>
+                <a:latin typeface="JetBrains Mono"/>
+              </a:rPr>
+              <a:t>, </a:t>
+            </a:r>
+            <a:r>
+              <a:rPr kumimoji="0" lang="en-US" altLang="en-US" sz="900" b="0" i="0" u="none" strike="noStrike" cap="none" normalizeH="0" baseline="0">
+                <a:ln>
+                  <a:noFill/>
+                </a:ln>
+                <a:solidFill>
+                  <a:srgbClr val="6A8759"/>
+                </a:solidFill>
+                <a:effectLst/>
+                <a:latin typeface="JetBrains Mono"/>
+              </a:rPr>
+              <a:t>"//h4[text()='Emergency Contacts']"</a:t>
+            </a:r>
+            <a:r>
+              <a:rPr kumimoji="0" lang="en-US" altLang="en-US" sz="900" b="0" i="0" u="none" strike="noStrike" cap="none" normalizeH="0" baseline="0">
+                <a:ln>
+                  <a:noFill/>
+                </a:ln>
+                <a:solidFill>
+                  <a:srgbClr val="A9B7C6"/>
+                </a:solidFill>
+                <a:effectLst/>
+                <a:latin typeface="JetBrains Mono"/>
+              </a:rPr>
+              <a:t>)</a:t>
+            </a:r>
+            <a:br>
+              <a:rPr kumimoji="0" lang="en-US" altLang="en-US" sz="900" b="0" i="0" u="none" strike="noStrike" cap="none" normalizeH="0" baseline="0">
+                <a:ln>
+                  <a:noFill/>
+                </a:ln>
+                <a:solidFill>
+                  <a:srgbClr val="A9B7C6"/>
+                </a:solidFill>
+                <a:effectLst/>
+                <a:latin typeface="JetBrains Mono"/>
+              </a:rPr>
+            </a:br>
+            <a:br>
+              <a:rPr kumimoji="0" lang="en-US" altLang="en-US" sz="900" b="0" i="0" u="none" strike="noStrike" cap="none" normalizeH="0" baseline="0">
+                <a:ln>
+                  <a:noFill/>
+                </a:ln>
+                <a:solidFill>
+                  <a:srgbClr val="A9B7C6"/>
+                </a:solidFill>
+                <a:effectLst/>
+                <a:latin typeface="JetBrains Mono"/>
+              </a:rPr>
+            </a:br>
+            <a:br>
+              <a:rPr kumimoji="0" lang="en-US" altLang="en-US" sz="900" b="0" i="0" u="none" strike="noStrike" cap="none" normalizeH="0" baseline="0">
+                <a:ln>
+                  <a:noFill/>
+                </a:ln>
+                <a:solidFill>
+                  <a:srgbClr val="A9B7C6"/>
+                </a:solidFill>
+                <a:effectLst/>
+                <a:latin typeface="JetBrains Mono"/>
+              </a:rPr>
+            </a:br>
+            <a:r>
+              <a:rPr kumimoji="0" lang="en-US" altLang="en-US" sz="900" b="0" i="0" u="none" strike="noStrike" cap="none" normalizeH="0" baseline="0">
+                <a:ln>
+                  <a:noFill/>
+                </a:ln>
+                <a:solidFill>
+                  <a:srgbClr val="BBB529"/>
+                </a:solidFill>
+                <a:effectLst/>
+                <a:latin typeface="JetBrains Mono"/>
+              </a:rPr>
+              <a:t>@then</a:t>
+            </a:r>
+            <a:r>
+              <a:rPr kumimoji="0" lang="en-US" altLang="en-US" sz="900" b="0" i="0" u="none" strike="noStrike" cap="none" normalizeH="0" baseline="0">
+                <a:ln>
+                  <a:noFill/>
+                </a:ln>
+                <a:solidFill>
+                  <a:srgbClr val="A9B7C6"/>
+                </a:solidFill>
+                <a:effectLst/>
+                <a:latin typeface="JetBrains Mono"/>
+              </a:rPr>
+              <a:t>(</a:t>
+            </a:r>
+            <a:r>
+              <a:rPr kumimoji="0" lang="en-US" altLang="en-US" sz="900" b="0" i="0" u="none" strike="noStrike" cap="none" normalizeH="0" baseline="0">
+                <a:ln>
+                  <a:noFill/>
+                </a:ln>
+                <a:solidFill>
+                  <a:srgbClr val="6A8759"/>
+                </a:solidFill>
+                <a:effectLst/>
+                <a:latin typeface="JetBrains Mono"/>
+              </a:rPr>
+              <a:t>'Report a Claim section should be displayed'</a:t>
+            </a:r>
+            <a:r>
+              <a:rPr kumimoji="0" lang="en-US" altLang="en-US" sz="900" b="0" i="0" u="none" strike="noStrike" cap="none" normalizeH="0" baseline="0">
+                <a:ln>
+                  <a:noFill/>
+                </a:ln>
+                <a:solidFill>
+                  <a:srgbClr val="A9B7C6"/>
+                </a:solidFill>
+                <a:effectLst/>
+                <a:latin typeface="JetBrains Mono"/>
+              </a:rPr>
+              <a:t>)</a:t>
+            </a:r>
+            <a:br>
+              <a:rPr kumimoji="0" lang="en-US" altLang="en-US" sz="900" b="0" i="0" u="none" strike="noStrike" cap="none" normalizeH="0" baseline="0">
+                <a:ln>
+                  <a:noFill/>
+                </a:ln>
+                <a:solidFill>
+                  <a:srgbClr val="A9B7C6"/>
+                </a:solidFill>
+                <a:effectLst/>
+                <a:latin typeface="JetBrains Mono"/>
+              </a:rPr>
+            </a:br>
+            <a:r>
+              <a:rPr kumimoji="0" lang="en-US" altLang="en-US" sz="900" b="0" i="0" u="none" strike="noStrike" cap="none" normalizeH="0" baseline="0">
+                <a:ln>
+                  <a:noFill/>
+                </a:ln>
+                <a:solidFill>
+                  <a:srgbClr val="CC7832"/>
+                </a:solidFill>
+                <a:effectLst/>
+                <a:latin typeface="JetBrains Mono"/>
+              </a:rPr>
+              <a:t>def </a:t>
+            </a:r>
+            <a:r>
+              <a:rPr kumimoji="0" lang="en-US" altLang="en-US" sz="900" b="0" i="0" u="none" strike="noStrike" cap="none" normalizeH="0" baseline="0">
+                <a:ln>
+                  <a:noFill/>
+                </a:ln>
+                <a:solidFill>
+                  <a:srgbClr val="FFC66D"/>
+                </a:solidFill>
+                <a:effectLst/>
+                <a:latin typeface="JetBrains Mono"/>
+              </a:rPr>
+              <a:t>step_impl</a:t>
+            </a:r>
+            <a:r>
+              <a:rPr kumimoji="0" lang="en-US" altLang="en-US" sz="900" b="0" i="0" u="none" strike="noStrike" cap="none" normalizeH="0" baseline="0">
+                <a:ln>
+                  <a:noFill/>
+                </a:ln>
+                <a:solidFill>
+                  <a:srgbClr val="A9B7C6"/>
+                </a:solidFill>
+                <a:effectLst/>
+                <a:latin typeface="JetBrains Mono"/>
+              </a:rPr>
+              <a:t>(context):</a:t>
+            </a:r>
+            <a:br>
+              <a:rPr kumimoji="0" lang="en-US" altLang="en-US" sz="900" b="0" i="0" u="none" strike="noStrike" cap="none" normalizeH="0" baseline="0">
+                <a:ln>
+                  <a:noFill/>
+                </a:ln>
+                <a:solidFill>
+                  <a:srgbClr val="A9B7C6"/>
+                </a:solidFill>
+                <a:effectLst/>
+                <a:latin typeface="JetBrains Mono"/>
+              </a:rPr>
+            </a:br>
+            <a:r>
+              <a:rPr kumimoji="0" lang="en-US" altLang="en-US" sz="900" b="0" i="0" u="none" strike="noStrike" cap="none" normalizeH="0" baseline="0">
+                <a:ln>
+                  <a:noFill/>
+                </a:ln>
+                <a:solidFill>
+                  <a:srgbClr val="A9B7C6"/>
+                </a:solidFill>
+                <a:effectLst/>
+                <a:latin typeface="JetBrains Mono"/>
+              </a:rPr>
+              <a:t>    </a:t>
+            </a:r>
+            <a:r>
+              <a:rPr kumimoji="0" lang="en-US" altLang="en-US" sz="900" b="0" i="0" u="none" strike="noStrike" cap="none" normalizeH="0" baseline="0">
+                <a:ln>
+                  <a:noFill/>
+                </a:ln>
+                <a:solidFill>
+                  <a:srgbClr val="CC7832"/>
+                </a:solidFill>
+                <a:effectLst/>
+                <a:latin typeface="JetBrains Mono"/>
+              </a:rPr>
+              <a:t>assert </a:t>
+            </a:r>
+            <a:r>
+              <a:rPr kumimoji="0" lang="en-US" altLang="en-US" sz="900" b="0" i="0" u="none" strike="noStrike" cap="none" normalizeH="0" baseline="0">
+                <a:ln>
+                  <a:noFill/>
+                </a:ln>
+                <a:solidFill>
+                  <a:srgbClr val="A9B7C6"/>
+                </a:solidFill>
+                <a:effectLst/>
+                <a:latin typeface="JetBrains Mono"/>
+              </a:rPr>
+              <a:t>context.browser.find_element(By.XPATH</a:t>
+            </a:r>
+            <a:r>
+              <a:rPr kumimoji="0" lang="en-US" altLang="en-US" sz="900" b="0" i="0" u="none" strike="noStrike" cap="none" normalizeH="0" baseline="0">
+                <a:ln>
+                  <a:noFill/>
+                </a:ln>
+                <a:solidFill>
+                  <a:srgbClr val="CC7832"/>
+                </a:solidFill>
+                <a:effectLst/>
+                <a:latin typeface="JetBrains Mono"/>
+              </a:rPr>
+              <a:t>, </a:t>
+            </a:r>
+            <a:r>
+              <a:rPr kumimoji="0" lang="en-US" altLang="en-US" sz="900" b="0" i="0" u="none" strike="noStrike" cap="none" normalizeH="0" baseline="0">
+                <a:ln>
+                  <a:noFill/>
+                </a:ln>
+                <a:solidFill>
+                  <a:srgbClr val="6A8759"/>
+                </a:solidFill>
+                <a:effectLst/>
+                <a:latin typeface="JetBrains Mono"/>
+              </a:rPr>
+              <a:t>"//h4[text()='Report a Claim']"</a:t>
+            </a:r>
+            <a:r>
+              <a:rPr kumimoji="0" lang="en-US" altLang="en-US" sz="900" b="0" i="0" u="none" strike="noStrike" cap="none" normalizeH="0" baseline="0">
+                <a:ln>
+                  <a:noFill/>
+                </a:ln>
+                <a:solidFill>
+                  <a:srgbClr val="A9B7C6"/>
+                </a:solidFill>
+                <a:effectLst/>
+                <a:latin typeface="JetBrains Mono"/>
+              </a:rPr>
+              <a:t>)</a:t>
+            </a:r>
+            <a:br>
+              <a:rPr kumimoji="0" lang="en-US" altLang="en-US" sz="900" b="0" i="0" u="none" strike="noStrike" cap="none" normalizeH="0" baseline="0">
+                <a:ln>
+                  <a:noFill/>
+                </a:ln>
+                <a:solidFill>
+                  <a:srgbClr val="A9B7C6"/>
+                </a:solidFill>
+                <a:effectLst/>
+                <a:latin typeface="JetBrains Mono"/>
+              </a:rPr>
+            </a:br>
+            <a:br>
+              <a:rPr kumimoji="0" lang="en-US" altLang="en-US" sz="900" b="0" i="0" u="none" strike="noStrike" cap="none" normalizeH="0" baseline="0">
+                <a:ln>
+                  <a:noFill/>
+                </a:ln>
+                <a:solidFill>
+                  <a:srgbClr val="A9B7C6"/>
+                </a:solidFill>
+                <a:effectLst/>
+                <a:latin typeface="JetBrains Mono"/>
+              </a:rPr>
+            </a:br>
+            <a:br>
+              <a:rPr kumimoji="0" lang="en-US" altLang="en-US" sz="900" b="0" i="0" u="none" strike="noStrike" cap="none" normalizeH="0" baseline="0">
+                <a:ln>
+                  <a:noFill/>
+                </a:ln>
+                <a:solidFill>
+                  <a:srgbClr val="A9B7C6"/>
+                </a:solidFill>
+                <a:effectLst/>
+                <a:latin typeface="JetBrains Mono"/>
+              </a:rPr>
+            </a:br>
+            <a:endParaRPr kumimoji="0" lang="en-US" altLang="en-US" sz="1800" b="0" i="0" u="none" strike="noStrike" cap="none" normalizeH="0" baseline="0">
+              <a:ln>
+                <a:noFill/>
+              </a:ln>
+              <a:solidFill>
+                <a:schemeClr val="tx1"/>
+              </a:solidFill>
+              <a:effectLst/>
+              <a:latin typeface="Arial" panose="020B0604020202020204" pitchFamily="34" charset="0"/>
+            </a:endParaRPr>
+          </a:p>
+        </p:txBody>
+      </p:sp>
+    </p:spTree>
+    <p:extLst>
+      <p:ext uri="{BB962C8B-B14F-4D97-AF65-F5344CB8AC3E}">
+        <p14:creationId xmlns:p14="http://schemas.microsoft.com/office/powerpoint/2010/main" val="2166763886"/>
+      </p:ext>
+    </p:extLst>
+  </p:cSld>
+  <p:clrMapOvr>
+    <a:masterClrMapping/>
+  </p:clrMapOvr>
+</p:sld>
+</file>
+
+<file path=ppt/slides/slide11.xml><?xml version="1.0" encoding="utf-8"?>
+<p:sld xmlns:a="http://schemas.openxmlformats.org/drawingml/2006/main" xmlns:r="http://schemas.openxmlformats.org/officeDocument/2006/relationships" xmlns:p="http://schemas.openxmlformats.org/presentationml/2006/main">
+  <p:cSld>
+    <p:spTree>
+      <p:nvGrpSpPr>
+        <p:cNvPr id="1" name=""/>
+        <p:cNvGrpSpPr/>
+        <p:nvPr/>
+      </p:nvGrpSpPr>
+      <p:grpSpPr>
+        <a:xfrm>
+          <a:off x="0" y="0"/>
+          <a:ext cx="0" cy="0"/>
+          <a:chOff x="0" y="0"/>
+          <a:chExt cx="0" cy="0"/>
+        </a:xfrm>
+      </p:grpSpPr>
+      <p:sp>
+        <p:nvSpPr>
+          <p:cNvPr id="2" name="Title 1">
+            <a:extLst>
+              <a:ext uri="{FF2B5EF4-FFF2-40B4-BE49-F238E27FC236}">
+                <a16:creationId xmlns:a16="http://schemas.microsoft.com/office/drawing/2014/main" id="{89237210-2C33-57A8-F271-9DBAE07A53DD}"/>
+              </a:ext>
+            </a:extLst>
+          </p:cNvPr>
+          <p:cNvSpPr>
+            <a:spLocks noGrp="1"/>
+          </p:cNvSpPr>
+          <p:nvPr>
+            <p:ph type="title"/>
+          </p:nvPr>
+        </p:nvSpPr>
+        <p:spPr>
+          <a:xfrm>
+            <a:off x="1484311" y="233311"/>
+            <a:ext cx="10018713" cy="833489"/>
+          </a:xfrm>
+        </p:spPr>
+        <p:txBody>
+          <a:bodyPr/>
+          <a:lstStyle/>
+          <a:p>
+            <a:r>
+              <a:rPr lang="en-GB" dirty="0"/>
+              <a:t>Bug Report</a:t>
+            </a:r>
+          </a:p>
+        </p:txBody>
+      </p:sp>
+      <p:sp>
+        <p:nvSpPr>
+          <p:cNvPr id="3" name="Content Placeholder 2">
+            <a:extLst>
+              <a:ext uri="{FF2B5EF4-FFF2-40B4-BE49-F238E27FC236}">
+                <a16:creationId xmlns:a16="http://schemas.microsoft.com/office/drawing/2014/main" id="{27F2422E-876A-1CA5-F741-5863A5D39398}"/>
+              </a:ext>
+            </a:extLst>
+          </p:cNvPr>
+          <p:cNvSpPr>
+            <a:spLocks noGrp="1"/>
+          </p:cNvSpPr>
+          <p:nvPr>
+            <p:ph idx="1"/>
+          </p:nvPr>
+        </p:nvSpPr>
+        <p:spPr/>
+        <p:txBody>
+          <a:bodyPr/>
+          <a:lstStyle/>
+          <a:p>
+            <a:endParaRPr lang="en-GB"/>
+          </a:p>
+        </p:txBody>
+      </p:sp>
+    </p:spTree>
+    <p:extLst>
+      <p:ext uri="{BB962C8B-B14F-4D97-AF65-F5344CB8AC3E}">
+        <p14:creationId xmlns:p14="http://schemas.microsoft.com/office/powerpoint/2010/main" val="309736569"/>
+      </p:ext>
+    </p:extLst>
+  </p:cSld>
+  <p:clrMapOvr>
+    <a:masterClrMapping/>
+  </p:clrMapOvr>
+</p:sld>
+</file>
+
+<file path=ppt/slides/slide12.xml><?xml version="1.0" encoding="utf-8"?>
+<p:sld xmlns:a="http://schemas.openxmlformats.org/drawingml/2006/main" xmlns:r="http://schemas.openxmlformats.org/officeDocument/2006/relationships" xmlns:p="http://schemas.openxmlformats.org/presentationml/2006/main">
+  <p:cSld>
+    <p:spTree>
+      <p:nvGrpSpPr>
+        <p:cNvPr id="1" name=""/>
+        <p:cNvGrpSpPr/>
+        <p:nvPr/>
+      </p:nvGrpSpPr>
+      <p:grpSpPr>
+        <a:xfrm>
+          <a:off x="0" y="0"/>
+          <a:ext cx="0" cy="0"/>
+          <a:chOff x="0" y="0"/>
+          <a:chExt cx="0" cy="0"/>
+        </a:xfrm>
+      </p:grpSpPr>
+      <p:sp>
+        <p:nvSpPr>
           <p:cNvPr id="2" name="Title 1">
             <a:extLst>
               <a:ext uri="{FF2B5EF4-FFF2-40B4-BE49-F238E27FC236}">
@@ -7589,7 +9415,7 @@
           </a:bodyPr>
           <a:lstStyle/>
           <a:p>
-            <a:endParaRPr lang="en-GB" sz="1400">
+            <a:endParaRPr lang="en-GB" sz="1400" dirty="0">
               <a:latin typeface="Calibri" panose="020F0502020204030204" pitchFamily="34" charset="0"/>
               <a:ea typeface="Calibri" panose="020F0502020204030204" pitchFamily="34" charset="0"/>
               <a:cs typeface="Calibri" panose="020F0502020204030204" pitchFamily="34" charset="0"/>
@@ -7597,20 +9423,12 @@
           </a:p>
           <a:p>
             <a:r>
-              <a:rPr lang="en-GB" sz="1400">
-                <a:latin typeface="Calibri" panose="020F0502020204030204" pitchFamily="34" charset="0"/>
-                <a:ea typeface="Calibri" panose="020F0502020204030204" pitchFamily="34" charset="0"/>
-                <a:cs typeface="Calibri" panose="020F0502020204030204" pitchFamily="34" charset="0"/>
-              </a:rPr>
-              <a:t>The </a:t>
-            </a:r>
-            <a:r>
               <a:rPr lang="en-GB" sz="1400" dirty="0">
                 <a:latin typeface="Calibri" panose="020F0502020204030204" pitchFamily="34" charset="0"/>
                 <a:ea typeface="Calibri" panose="020F0502020204030204" pitchFamily="34" charset="0"/>
                 <a:cs typeface="Calibri" panose="020F0502020204030204" pitchFamily="34" charset="0"/>
               </a:rPr>
-              <a:t>Test Strategy aims to define the approach and guidelines for testing the RiskPoint Group website. It ensures that all testing activities align with the project’s objectives, deliverables, and quality standards.</a:t>
+              <a:t>The Test Strategy aims to define the approach and guidelines for testing the RiskPoint Group website. It ensures that all testing activities align with the project’s objectives, deliverables, and quality standards.</a:t>
             </a:r>
           </a:p>
           <a:p>
@@ -7972,7 +9790,7 @@
                 <a:ea typeface="Calibri" panose="020F0502020204030204" pitchFamily="34" charset="0"/>
                 <a:cs typeface="Times New Roman" panose="02020603050405020304" pitchFamily="18" charset="0"/>
               </a:rPr>
-              <a:t> Implemented for regression testing, performance testing, and repeated functional tests.</a:t>
+              <a:t> Implemented for regression testing</a:t>
             </a:r>
           </a:p>
           <a:p>
@@ -8009,8 +9827,33 @@
                 <a:ea typeface="Calibri" panose="020F0502020204030204" pitchFamily="34" charset="0"/>
                 <a:cs typeface="Times New Roman" panose="02020603050405020304" pitchFamily="18" charset="0"/>
               </a:rPr>
-              <a:t> The test environment will closely resemble the production environment, including servers, databases, and network settings.</a:t>
-            </a:r>
+              <a:t> The test environment will closely resemble the production environment.</a:t>
+            </a:r>
+          </a:p>
+          <a:p>
+            <a:pPr marL="800100" lvl="1" indent="-342900" algn="just">
+              <a:lnSpc>
+                <a:spcPct val="107000"/>
+              </a:lnSpc>
+              <a:spcBef>
+                <a:spcPts val="0"/>
+              </a:spcBef>
+              <a:spcAft>
+                <a:spcPts val="800"/>
+              </a:spcAft>
+              <a:buSzPts val="1000"/>
+              <a:buFont typeface="Symbol" panose="05050102010706020507" pitchFamily="18" charset="2"/>
+              <a:buChar char=""/>
+              <a:tabLst>
+                <a:tab pos="457200" algn="l"/>
+              </a:tabLst>
+            </a:pPr>
+            <a:endParaRPr lang="en-GB" sz="1400" kern="100" dirty="0">
+              <a:effectLst/>
+              <a:latin typeface="Calibri" panose="020F0502020204030204" pitchFamily="34" charset="0"/>
+              <a:ea typeface="Calibri" panose="020F0502020204030204" pitchFamily="34" charset="0"/>
+              <a:cs typeface="Times New Roman" panose="02020603050405020304" pitchFamily="18" charset="0"/>
+            </a:endParaRPr>
           </a:p>
           <a:p>
             <a:pPr marL="457200" lvl="1" indent="0" algn="just">
@@ -8101,10 +9944,10 @@
       </p:grpSpPr>
       <p:sp>
         <p:nvSpPr>
-          <p:cNvPr id="2" name="Title 1">
+          <p:cNvPr id="3" name="Content Placeholder 2">
             <a:extLst>
               <a:ext uri="{FF2B5EF4-FFF2-40B4-BE49-F238E27FC236}">
-                <a16:creationId xmlns:a16="http://schemas.microsoft.com/office/drawing/2014/main" id="{6EB53A5F-7FFF-7D0F-6D73-9374016F3FCD}"/>
+                <a16:creationId xmlns:a16="http://schemas.microsoft.com/office/drawing/2014/main" id="{8F354B77-EC22-C5B1-B2CB-E90772F8A460}"/>
               </a:ext>
             </a:extLst>
           </p:cNvPr>
@@ -8112,475 +9955,89 @@
             <a:spLocks noGrp="1"/>
           </p:cNvSpPr>
           <p:nvPr>
-            <p:ph type="title"/>
+            <p:ph idx="1"/>
           </p:nvPr>
         </p:nvSpPr>
         <p:spPr>
           <a:xfrm>
-            <a:off x="1484311" y="157893"/>
-            <a:ext cx="10506584" cy="709373"/>
+            <a:off x="1484310" y="414779"/>
+            <a:ext cx="10018713" cy="5376421"/>
           </a:xfrm>
         </p:spPr>
         <p:txBody>
-          <a:bodyPr/>
-          <a:lstStyle/>
-          <a:p>
-            <a:r>
-              <a:rPr lang="en-GB" dirty="0"/>
-              <a:t>Test Execution</a:t>
-            </a:r>
-          </a:p>
-        </p:txBody>
-      </p:sp>
-      <p:sp>
-        <p:nvSpPr>
-          <p:cNvPr id="4" name="Rectangle 3">
-            <a:extLst>
-              <a:ext uri="{FF2B5EF4-FFF2-40B4-BE49-F238E27FC236}">
-                <a16:creationId xmlns:a16="http://schemas.microsoft.com/office/drawing/2014/main" id="{BB3617FA-871B-1A43-E891-137B4D004C45}"/>
-              </a:ext>
-            </a:extLst>
-          </p:cNvPr>
-          <p:cNvSpPr/>
-          <p:nvPr/>
-        </p:nvSpPr>
-        <p:spPr>
-          <a:xfrm>
-            <a:off x="1995341" y="1121769"/>
-            <a:ext cx="1904214" cy="1072299"/>
-          </a:xfrm>
-          <a:prstGeom prst="rect">
-            <a:avLst/>
-          </a:prstGeom>
-        </p:spPr>
-        <p:style>
-          <a:lnRef idx="2">
-            <a:schemeClr val="accent1">
-              <a:shade val="15000"/>
-            </a:schemeClr>
-          </a:lnRef>
-          <a:fillRef idx="1">
-            <a:schemeClr val="accent1"/>
-          </a:fillRef>
-          <a:effectRef idx="0">
-            <a:schemeClr val="accent1"/>
-          </a:effectRef>
-          <a:fontRef idx="minor">
-            <a:schemeClr val="lt1"/>
-          </a:fontRef>
-        </p:style>
-        <p:txBody>
-          <a:bodyPr rtlCol="0" anchor="ctr"/>
-          <a:lstStyle/>
-          <a:p>
-            <a:pPr algn="ctr"/>
-            <a:r>
-              <a:rPr lang="en-GB" dirty="0"/>
-              <a:t>Define Scenarios</a:t>
-            </a:r>
-          </a:p>
-        </p:txBody>
-      </p:sp>
-      <p:sp>
-        <p:nvSpPr>
-          <p:cNvPr id="5" name="Rectangle 4">
-            <a:extLst>
-              <a:ext uri="{FF2B5EF4-FFF2-40B4-BE49-F238E27FC236}">
-                <a16:creationId xmlns:a16="http://schemas.microsoft.com/office/drawing/2014/main" id="{CF143FBA-5732-84FA-E03E-BAF2B9B4608E}"/>
-              </a:ext>
-            </a:extLst>
-          </p:cNvPr>
-          <p:cNvSpPr/>
-          <p:nvPr/>
-        </p:nvSpPr>
-        <p:spPr>
-          <a:xfrm>
-            <a:off x="5514679" y="1121766"/>
-            <a:ext cx="1904214" cy="1072299"/>
-          </a:xfrm>
-          <a:prstGeom prst="rect">
-            <a:avLst/>
-          </a:prstGeom>
-        </p:spPr>
-        <p:style>
-          <a:lnRef idx="2">
-            <a:schemeClr val="accent1">
-              <a:shade val="15000"/>
-            </a:schemeClr>
-          </a:lnRef>
-          <a:fillRef idx="1">
-            <a:schemeClr val="accent1"/>
-          </a:fillRef>
-          <a:effectRef idx="0">
-            <a:schemeClr val="accent1"/>
-          </a:effectRef>
-          <a:fontRef idx="minor">
-            <a:schemeClr val="lt1"/>
-          </a:fontRef>
-        </p:style>
-        <p:txBody>
-          <a:bodyPr rtlCol="0" anchor="ctr"/>
-          <a:lstStyle/>
-          <a:p>
-            <a:pPr algn="ctr"/>
-            <a:r>
-              <a:rPr lang="en-GB" dirty="0"/>
-              <a:t>Test Scripting</a:t>
-            </a:r>
-          </a:p>
-        </p:txBody>
-      </p:sp>
-      <p:sp>
-        <p:nvSpPr>
-          <p:cNvPr id="6" name="Rectangle 5">
-            <a:extLst>
-              <a:ext uri="{FF2B5EF4-FFF2-40B4-BE49-F238E27FC236}">
-                <a16:creationId xmlns:a16="http://schemas.microsoft.com/office/drawing/2014/main" id="{14D4F97E-7BFB-B6D7-8D7D-E14AC206F99B}"/>
-              </a:ext>
-            </a:extLst>
-          </p:cNvPr>
-          <p:cNvSpPr/>
-          <p:nvPr/>
-        </p:nvSpPr>
-        <p:spPr>
-          <a:xfrm>
-            <a:off x="9039144" y="1140621"/>
-            <a:ext cx="1904214" cy="1072299"/>
-          </a:xfrm>
-          <a:prstGeom prst="rect">
-            <a:avLst/>
-          </a:prstGeom>
-        </p:spPr>
-        <p:style>
-          <a:lnRef idx="2">
-            <a:schemeClr val="accent1">
-              <a:shade val="15000"/>
-            </a:schemeClr>
-          </a:lnRef>
-          <a:fillRef idx="1">
-            <a:schemeClr val="accent1"/>
-          </a:fillRef>
-          <a:effectRef idx="0">
-            <a:schemeClr val="accent1"/>
-          </a:effectRef>
-          <a:fontRef idx="minor">
-            <a:schemeClr val="lt1"/>
-          </a:fontRef>
-        </p:style>
-        <p:txBody>
-          <a:bodyPr rtlCol="0" anchor="ctr"/>
-          <a:lstStyle/>
-          <a:p>
-            <a:pPr algn="ctr"/>
-            <a:r>
-              <a:rPr lang="en-GB" dirty="0"/>
-              <a:t>Bug reporting</a:t>
-            </a:r>
-          </a:p>
-        </p:txBody>
-      </p:sp>
-      <p:sp>
-        <p:nvSpPr>
-          <p:cNvPr id="7" name="Content Placeholder 2">
-            <a:extLst>
-              <a:ext uri="{FF2B5EF4-FFF2-40B4-BE49-F238E27FC236}">
-                <a16:creationId xmlns:a16="http://schemas.microsoft.com/office/drawing/2014/main" id="{6FB7888D-A37B-E5F5-F64E-32273E59859E}"/>
-              </a:ext>
-            </a:extLst>
-          </p:cNvPr>
-          <p:cNvSpPr>
-            <a:spLocks noGrp="1"/>
-          </p:cNvSpPr>
-          <p:nvPr>
-            <p:ph idx="1"/>
-          </p:nvPr>
-        </p:nvSpPr>
-        <p:spPr>
-          <a:xfrm>
-            <a:off x="1484311" y="2432115"/>
-            <a:ext cx="10006964" cy="3949831"/>
-          </a:xfrm>
-        </p:spPr>
-        <p:txBody>
-          <a:bodyPr anchor="t">
-            <a:noAutofit/>
+          <a:bodyPr vert="horz" lIns="91440" tIns="45720" rIns="91440" bIns="45720" rtlCol="0" anchor="t">
+            <a:normAutofit/>
           </a:bodyPr>
           <a:lstStyle/>
           <a:p>
-            <a:pPr marL="0" indent="0">
-              <a:buNone/>
-            </a:pPr>
-            <a:r>
-              <a:rPr lang="en-GB" sz="1400" b="1" dirty="0">
-                <a:latin typeface="Calibri" panose="020F0502020204030204" pitchFamily="34" charset="0"/>
-                <a:ea typeface="Calibri" panose="020F0502020204030204" pitchFamily="34" charset="0"/>
-                <a:cs typeface="Times New Roman" panose="02020603050405020304" pitchFamily="18" charset="0"/>
-              </a:rPr>
-              <a:t>Define Scenarios</a:t>
-            </a:r>
-            <a:r>
-              <a:rPr lang="da-DK" sz="1400" b="1" dirty="0">
-                <a:latin typeface="Calibri" panose="020F0502020204030204" pitchFamily="34" charset="0"/>
-                <a:ea typeface="Calibri" panose="020F0502020204030204" pitchFamily="34" charset="0"/>
-                <a:cs typeface="Times New Roman" panose="02020603050405020304" pitchFamily="18" charset="0"/>
-              </a:rPr>
-              <a:t>: </a:t>
-            </a:r>
             <a:r>
               <a:rPr lang="en-GB" sz="1400" dirty="0">
                 <a:latin typeface="Calibri" panose="020F0502020204030204" pitchFamily="34" charset="0"/>
                 <a:ea typeface="Calibri" panose="020F0502020204030204" pitchFamily="34" charset="0"/>
-                <a:cs typeface="Times New Roman" panose="02020603050405020304" pitchFamily="18" charset="0"/>
-              </a:rPr>
-              <a:t>Defining scenarios is a critical part of testing, user experience design, and requirement analysis. Scenarios describe specific situations or use cases that help in understanding how a system or application should behave in a particular context.</a:t>
-            </a:r>
-            <a:r>
-              <a:rPr lang="da-DK" sz="1400" dirty="0">
+                <a:cs typeface="Calibri" panose="020F0502020204030204" pitchFamily="34" charset="0"/>
+              </a:rPr>
+              <a:t>Software:</a:t>
+            </a:r>
+          </a:p>
+          <a:p>
+            <a:pPr lvl="1"/>
+            <a:r>
+              <a:rPr lang="en-GB" sz="1400" dirty="0">
                 <a:latin typeface="Calibri" panose="020F0502020204030204" pitchFamily="34" charset="0"/>
                 <a:ea typeface="Calibri" panose="020F0502020204030204" pitchFamily="34" charset="0"/>
-                <a:cs typeface="Times New Roman" panose="02020603050405020304" pitchFamily="18" charset="0"/>
-              </a:rPr>
-              <a:t> </a:t>
-            </a:r>
-          </a:p>
-          <a:p>
-            <a:pPr marL="0" indent="0">
-              <a:buNone/>
-            </a:pPr>
-            <a:r>
-              <a:rPr lang="da-DK" sz="1400" dirty="0">
+                <a:cs typeface="Calibri" panose="020F0502020204030204" pitchFamily="34" charset="0"/>
+              </a:rPr>
+              <a:t>Operating Systems: Windows, </a:t>
+            </a:r>
+          </a:p>
+          <a:p>
+            <a:pPr lvl="1"/>
+            <a:r>
+              <a:rPr lang="en-GB" sz="1400" dirty="0">
                 <a:latin typeface="Calibri" panose="020F0502020204030204" pitchFamily="34" charset="0"/>
                 <a:ea typeface="Calibri" panose="020F0502020204030204" pitchFamily="34" charset="0"/>
-                <a:cs typeface="Times New Roman" panose="02020603050405020304" pitchFamily="18" charset="0"/>
-              </a:rPr>
-              <a:t>Steps </a:t>
-            </a:r>
-            <a:r>
-              <a:rPr lang="da-DK" sz="1400" dirty="0" err="1">
+                <a:cs typeface="Calibri" panose="020F0502020204030204" pitchFamily="34" charset="0"/>
+              </a:rPr>
+              <a:t>Browsers: Chrome</a:t>
+            </a:r>
+          </a:p>
+          <a:p>
+            <a:pPr lvl="1"/>
+            <a:r>
+              <a:rPr lang="en-GB" sz="1400" dirty="0">
                 <a:latin typeface="Calibri" panose="020F0502020204030204" pitchFamily="34" charset="0"/>
                 <a:ea typeface="Calibri" panose="020F0502020204030204" pitchFamily="34" charset="0"/>
-                <a:cs typeface="Times New Roman" panose="02020603050405020304" pitchFamily="18" charset="0"/>
-              </a:rPr>
-              <a:t>considered</a:t>
-            </a:r>
-            <a:r>
-              <a:rPr lang="da-DK" sz="1400" dirty="0">
+                <a:cs typeface="Calibri" panose="020F0502020204030204" pitchFamily="34" charset="0"/>
+              </a:rPr>
+              <a:t>Testing Tools: Selenium web driver, Cucumber using python</a:t>
+            </a:r>
+          </a:p>
+          <a:p>
+            <a:r>
+              <a:rPr lang="en-GB" sz="1400" dirty="0">
                 <a:latin typeface="Calibri" panose="020F0502020204030204" pitchFamily="34" charset="0"/>
                 <a:ea typeface="Calibri" panose="020F0502020204030204" pitchFamily="34" charset="0"/>
-                <a:cs typeface="Times New Roman" panose="02020603050405020304" pitchFamily="18" charset="0"/>
-              </a:rPr>
-              <a:t> to </a:t>
-            </a:r>
-            <a:r>
-              <a:rPr lang="da-DK" sz="1400" dirty="0" err="1">
+                <a:cs typeface="Calibri" panose="020F0502020204030204" pitchFamily="34" charset="0"/>
+              </a:rPr>
+              <a:t> Network:</a:t>
+            </a:r>
+          </a:p>
+          <a:p>
+            <a:pPr lvl="1"/>
+            <a:r>
+              <a:rPr lang="en-GB" sz="1400" dirty="0">
                 <a:latin typeface="Calibri" panose="020F0502020204030204" pitchFamily="34" charset="0"/>
                 <a:ea typeface="Calibri" panose="020F0502020204030204" pitchFamily="34" charset="0"/>
-                <a:cs typeface="Times New Roman" panose="02020603050405020304" pitchFamily="18" charset="0"/>
-              </a:rPr>
-              <a:t>define</a:t>
-            </a:r>
-            <a:r>
-              <a:rPr lang="da-DK" sz="1400" dirty="0">
-                <a:latin typeface="Calibri" panose="020F0502020204030204" pitchFamily="34" charset="0"/>
-                <a:ea typeface="Calibri" panose="020F0502020204030204" pitchFamily="34" charset="0"/>
-                <a:cs typeface="Times New Roman" panose="02020603050405020304" pitchFamily="18" charset="0"/>
-              </a:rPr>
-              <a:t> th scenarios</a:t>
-            </a:r>
-          </a:p>
-          <a:p>
-            <a:pPr marL="0" indent="0">
-              <a:buNone/>
-            </a:pPr>
-            <a:r>
-              <a:rPr lang="da-DK" sz="1400" dirty="0">
-                <a:latin typeface="Calibri" panose="020F0502020204030204" pitchFamily="34" charset="0"/>
-                <a:ea typeface="Calibri" panose="020F0502020204030204" pitchFamily="34" charset="0"/>
-                <a:cs typeface="Times New Roman" panose="02020603050405020304" pitchFamily="18" charset="0"/>
-              </a:rPr>
-              <a:t>	Understand the purpose</a:t>
-            </a:r>
-          </a:p>
-          <a:p>
-            <a:pPr marL="0" indent="0">
-              <a:buNone/>
-            </a:pPr>
-            <a:r>
-              <a:rPr lang="da-DK" sz="1400" dirty="0">
-                <a:latin typeface="Calibri" panose="020F0502020204030204" pitchFamily="34" charset="0"/>
-                <a:ea typeface="Calibri" panose="020F0502020204030204" pitchFamily="34" charset="0"/>
-                <a:cs typeface="Times New Roman" panose="02020603050405020304" pitchFamily="18" charset="0"/>
-              </a:rPr>
-              <a:t>	</a:t>
-            </a:r>
-            <a:r>
-              <a:rPr lang="da-DK" sz="1400" dirty="0" err="1">
-                <a:latin typeface="Calibri" panose="020F0502020204030204" pitchFamily="34" charset="0"/>
-                <a:ea typeface="Calibri" panose="020F0502020204030204" pitchFamily="34" charset="0"/>
-                <a:cs typeface="Times New Roman" panose="02020603050405020304" pitchFamily="18" charset="0"/>
-              </a:rPr>
-              <a:t>Gather</a:t>
-            </a:r>
-            <a:r>
-              <a:rPr lang="da-DK" sz="1400" dirty="0">
-                <a:latin typeface="Calibri" panose="020F0502020204030204" pitchFamily="34" charset="0"/>
-                <a:ea typeface="Calibri" panose="020F0502020204030204" pitchFamily="34" charset="0"/>
-                <a:cs typeface="Times New Roman" panose="02020603050405020304" pitchFamily="18" charset="0"/>
-              </a:rPr>
-              <a:t> </a:t>
-            </a:r>
-            <a:r>
-              <a:rPr lang="da-DK" sz="1400" dirty="0" err="1">
-                <a:latin typeface="Calibri" panose="020F0502020204030204" pitchFamily="34" charset="0"/>
-                <a:ea typeface="Calibri" panose="020F0502020204030204" pitchFamily="34" charset="0"/>
-                <a:cs typeface="Times New Roman" panose="02020603050405020304" pitchFamily="18" charset="0"/>
-              </a:rPr>
-              <a:t>Requirements</a:t>
-            </a:r>
-            <a:r>
-              <a:rPr lang="da-DK" sz="1400" dirty="0">
-                <a:latin typeface="Calibri" panose="020F0502020204030204" pitchFamily="34" charset="0"/>
-                <a:ea typeface="Calibri" panose="020F0502020204030204" pitchFamily="34" charset="0"/>
-                <a:cs typeface="Times New Roman" panose="02020603050405020304" pitchFamily="18" charset="0"/>
-              </a:rPr>
-              <a:t> and Information</a:t>
-            </a:r>
-          </a:p>
-          <a:p>
-            <a:pPr marL="0" indent="0">
-              <a:buNone/>
-            </a:pPr>
-            <a:r>
-              <a:rPr lang="da-DK" sz="1400" dirty="0">
-                <a:latin typeface="Calibri" panose="020F0502020204030204" pitchFamily="34" charset="0"/>
-                <a:ea typeface="Calibri" panose="020F0502020204030204" pitchFamily="34" charset="0"/>
-                <a:cs typeface="Times New Roman" panose="02020603050405020304" pitchFamily="18" charset="0"/>
-              </a:rPr>
-              <a:t>	</a:t>
-            </a:r>
-            <a:r>
-              <a:rPr lang="da-DK" sz="1400" dirty="0" err="1">
-                <a:latin typeface="Calibri" panose="020F0502020204030204" pitchFamily="34" charset="0"/>
-                <a:ea typeface="Calibri" panose="020F0502020204030204" pitchFamily="34" charset="0"/>
-                <a:cs typeface="Times New Roman" panose="02020603050405020304" pitchFamily="18" charset="0"/>
-              </a:rPr>
-              <a:t>Define</a:t>
-            </a:r>
-            <a:r>
-              <a:rPr lang="da-DK" sz="1400" dirty="0">
-                <a:latin typeface="Calibri" panose="020F0502020204030204" pitchFamily="34" charset="0"/>
-                <a:ea typeface="Calibri" panose="020F0502020204030204" pitchFamily="34" charset="0"/>
-                <a:cs typeface="Times New Roman" panose="02020603050405020304" pitchFamily="18" charset="0"/>
-              </a:rPr>
-              <a:t> the </a:t>
-            </a:r>
-            <a:r>
-              <a:rPr lang="da-DK" sz="1400" dirty="0" err="1">
-                <a:latin typeface="Calibri" panose="020F0502020204030204" pitchFamily="34" charset="0"/>
-                <a:ea typeface="Calibri" panose="020F0502020204030204" pitchFamily="34" charset="0"/>
-                <a:cs typeface="Times New Roman" panose="02020603050405020304" pitchFamily="18" charset="0"/>
-              </a:rPr>
-              <a:t>Actors</a:t>
-            </a:r>
-            <a:endParaRPr lang="da-DK" sz="1400" dirty="0">
-              <a:latin typeface="Calibri" panose="020F0502020204030204" pitchFamily="34" charset="0"/>
-              <a:ea typeface="Calibri" panose="020F0502020204030204" pitchFamily="34" charset="0"/>
-              <a:cs typeface="Times New Roman" panose="02020603050405020304" pitchFamily="18" charset="0"/>
-            </a:endParaRPr>
-          </a:p>
-          <a:p>
-            <a:pPr marL="0" indent="0">
-              <a:buNone/>
-            </a:pPr>
-            <a:r>
-              <a:rPr lang="da-DK" sz="1400" dirty="0">
-                <a:latin typeface="Calibri" panose="020F0502020204030204" pitchFamily="34" charset="0"/>
-                <a:ea typeface="Calibri" panose="020F0502020204030204" pitchFamily="34" charset="0"/>
-                <a:cs typeface="Times New Roman" panose="02020603050405020304" pitchFamily="18" charset="0"/>
-              </a:rPr>
-              <a:t>	Create the scenario outline</a:t>
-            </a:r>
-          </a:p>
-          <a:p>
-            <a:pPr marL="0" indent="0">
-              <a:buNone/>
-            </a:pPr>
-            <a:r>
-              <a:rPr lang="da-DK" sz="1400" dirty="0">
-                <a:latin typeface="Calibri" panose="020F0502020204030204" pitchFamily="34" charset="0"/>
-                <a:ea typeface="Calibri" panose="020F0502020204030204" pitchFamily="34" charset="0"/>
-                <a:cs typeface="Times New Roman" panose="02020603050405020304" pitchFamily="18" charset="0"/>
-              </a:rPr>
-              <a:t>	Consider variations and Edge cases</a:t>
-            </a:r>
-          </a:p>
-          <a:p>
-            <a:pPr marL="0" indent="0">
-              <a:buNone/>
-            </a:pPr>
-            <a:r>
-              <a:rPr lang="da-DK" sz="1400" dirty="0">
-                <a:latin typeface="Calibri" panose="020F0502020204030204" pitchFamily="34" charset="0"/>
-                <a:ea typeface="Calibri" panose="020F0502020204030204" pitchFamily="34" charset="0"/>
-                <a:cs typeface="Times New Roman" panose="02020603050405020304" pitchFamily="18" charset="0"/>
-              </a:rPr>
-              <a:t>	Document the scenario</a:t>
-            </a:r>
-          </a:p>
-          <a:p>
-            <a:pPr marL="0" indent="0">
-              <a:buNone/>
-            </a:pPr>
-            <a:r>
-              <a:rPr lang="da-DK" sz="1400" dirty="0">
-                <a:latin typeface="Calibri" panose="020F0502020204030204" pitchFamily="34" charset="0"/>
-                <a:ea typeface="Calibri" panose="020F0502020204030204" pitchFamily="34" charset="0"/>
-                <a:cs typeface="Times New Roman" panose="02020603050405020304" pitchFamily="18" charset="0"/>
-              </a:rPr>
-              <a:t>	Review and Validate</a:t>
-            </a:r>
-          </a:p>
-          <a:p>
-            <a:pPr marL="0" indent="0">
-              <a:buNone/>
-            </a:pPr>
-            <a:r>
-              <a:rPr lang="da-DK" sz="1400" dirty="0">
-                <a:latin typeface="Calibri" panose="020F0502020204030204" pitchFamily="34" charset="0"/>
-                <a:ea typeface="Calibri" panose="020F0502020204030204" pitchFamily="34" charset="0"/>
-                <a:cs typeface="Times New Roman" panose="02020603050405020304" pitchFamily="18" charset="0"/>
-              </a:rPr>
-              <a:t>	Implement and Test</a:t>
-            </a:r>
-          </a:p>
-          <a:p>
-            <a:pPr marL="0" indent="0">
-              <a:buNone/>
-            </a:pPr>
+                <a:cs typeface="Calibri" panose="020F0502020204030204" pitchFamily="34" charset="0"/>
+              </a:rPr>
+              <a:t>Internet connection with standard security protocols.</a:t>
+            </a:r>
+          </a:p>
+          <a:p>
             <a:endParaRPr lang="en-GB" sz="1400" dirty="0">
               <a:latin typeface="Calibri" panose="020F0502020204030204" pitchFamily="34" charset="0"/>
               <a:ea typeface="Calibri" panose="020F0502020204030204" pitchFamily="34" charset="0"/>
-              <a:cs typeface="Times New Roman" panose="02020603050405020304" pitchFamily="18" charset="0"/>
-            </a:endParaRPr>
-          </a:p>
-          <a:p>
-            <a:pPr marL="0" indent="0">
-              <a:buNone/>
-            </a:pPr>
-            <a:endParaRPr lang="en-GB" sz="1400" dirty="0">
-              <a:latin typeface="Calibri" panose="020F0502020204030204" pitchFamily="34" charset="0"/>
-              <a:ea typeface="Calibri" panose="020F0502020204030204" pitchFamily="34" charset="0"/>
-              <a:cs typeface="Times New Roman" panose="02020603050405020304" pitchFamily="18" charset="0"/>
-            </a:endParaRPr>
-          </a:p>
-          <a:p>
-            <a:pPr marL="0" indent="0">
-              <a:buNone/>
-            </a:pPr>
-            <a:endParaRPr lang="en-GB" sz="1400" dirty="0">
-              <a:latin typeface="Calibri" panose="020F0502020204030204" pitchFamily="34" charset="0"/>
-              <a:ea typeface="Calibri" panose="020F0502020204030204" pitchFamily="34" charset="0"/>
-              <a:cs typeface="Times New Roman" panose="02020603050405020304" pitchFamily="18" charset="0"/>
+              <a:cs typeface="Calibri" panose="020F0502020204030204" pitchFamily="34" charset="0"/>
             </a:endParaRPr>
           </a:p>
         </p:txBody>
@@ -8588,7 +10045,7 @@
     </p:spTree>
     <p:extLst>
       <p:ext uri="{BB962C8B-B14F-4D97-AF65-F5344CB8AC3E}">
-        <p14:creationId xmlns:p14="http://schemas.microsoft.com/office/powerpoint/2010/main" val="2354998779"/>
+        <p14:creationId xmlns:p14="http://schemas.microsoft.com/office/powerpoint/2010/main" val="4237049625"/>
       </p:ext>
     </p:extLst>
   </p:cSld>
@@ -8617,10 +10074,10 @@
       </p:grpSpPr>
       <p:sp>
         <p:nvSpPr>
-          <p:cNvPr id="3" name="Content Placeholder 2">
+          <p:cNvPr id="2" name="Title 1">
             <a:extLst>
               <a:ext uri="{FF2B5EF4-FFF2-40B4-BE49-F238E27FC236}">
-                <a16:creationId xmlns:a16="http://schemas.microsoft.com/office/drawing/2014/main" id="{3742B76F-3E7B-C9EB-90BB-1CB2A5510CFB}"/>
+                <a16:creationId xmlns:a16="http://schemas.microsoft.com/office/drawing/2014/main" id="{6EB53A5F-7FFF-7D0F-6D73-9374016F3FCD}"/>
               </a:ext>
             </a:extLst>
           </p:cNvPr>
@@ -8628,44 +10085,186 @@
             <a:spLocks noGrp="1"/>
           </p:cNvSpPr>
           <p:nvPr>
-            <p:ph idx="1"/>
+            <p:ph type="title"/>
           </p:nvPr>
         </p:nvSpPr>
         <p:spPr>
           <a:xfrm>
-            <a:off x="1484310" y="499621"/>
-            <a:ext cx="10018713" cy="5882325"/>
+            <a:off x="1484311" y="157893"/>
+            <a:ext cx="10506584" cy="709373"/>
           </a:xfrm>
         </p:spPr>
         <p:txBody>
+          <a:bodyPr/>
+          <a:lstStyle/>
+          <a:p>
+            <a:r>
+              <a:rPr lang="en-GB" dirty="0"/>
+              <a:t>Test Execution</a:t>
+            </a:r>
+          </a:p>
+        </p:txBody>
+      </p:sp>
+      <p:sp>
+        <p:nvSpPr>
+          <p:cNvPr id="4" name="Rectangle 3">
+            <a:extLst>
+              <a:ext uri="{FF2B5EF4-FFF2-40B4-BE49-F238E27FC236}">
+                <a16:creationId xmlns:a16="http://schemas.microsoft.com/office/drawing/2014/main" id="{BB3617FA-871B-1A43-E891-137B4D004C45}"/>
+              </a:ext>
+            </a:extLst>
+          </p:cNvPr>
+          <p:cNvSpPr/>
+          <p:nvPr/>
+        </p:nvSpPr>
+        <p:spPr>
+          <a:xfrm>
+            <a:off x="3701593" y="1121769"/>
+            <a:ext cx="1904214" cy="1072299"/>
+          </a:xfrm>
+          <a:prstGeom prst="rect">
+            <a:avLst/>
+          </a:prstGeom>
+        </p:spPr>
+        <p:style>
+          <a:lnRef idx="2">
+            <a:schemeClr val="accent1">
+              <a:shade val="15000"/>
+            </a:schemeClr>
+          </a:lnRef>
+          <a:fillRef idx="1">
+            <a:schemeClr val="accent1"/>
+          </a:fillRef>
+          <a:effectRef idx="0">
+            <a:schemeClr val="accent1"/>
+          </a:effectRef>
+          <a:fontRef idx="minor">
+            <a:schemeClr val="lt1"/>
+          </a:fontRef>
+        </p:style>
+        <p:txBody>
+          <a:bodyPr rtlCol="0" anchor="ctr"/>
+          <a:lstStyle/>
+          <a:p>
+            <a:pPr algn="ctr"/>
+            <a:r>
+              <a:rPr lang="en-GB" dirty="0"/>
+              <a:t>Define Scenarios</a:t>
+            </a:r>
+          </a:p>
+        </p:txBody>
+      </p:sp>
+      <p:sp>
+        <p:nvSpPr>
+          <p:cNvPr id="5" name="Rectangle 4">
+            <a:extLst>
+              <a:ext uri="{FF2B5EF4-FFF2-40B4-BE49-F238E27FC236}">
+                <a16:creationId xmlns:a16="http://schemas.microsoft.com/office/drawing/2014/main" id="{CF143FBA-5732-84FA-E03E-BAF2B9B4608E}"/>
+              </a:ext>
+            </a:extLst>
+          </p:cNvPr>
+          <p:cNvSpPr/>
+          <p:nvPr/>
+        </p:nvSpPr>
+        <p:spPr>
+          <a:xfrm>
+            <a:off x="6711883" y="1121766"/>
+            <a:ext cx="1904214" cy="1072299"/>
+          </a:xfrm>
+          <a:prstGeom prst="rect">
+            <a:avLst/>
+          </a:prstGeom>
+        </p:spPr>
+        <p:style>
+          <a:lnRef idx="2">
+            <a:schemeClr val="accent1">
+              <a:shade val="15000"/>
+            </a:schemeClr>
+          </a:lnRef>
+          <a:fillRef idx="1">
+            <a:schemeClr val="accent1"/>
+          </a:fillRef>
+          <a:effectRef idx="0">
+            <a:schemeClr val="accent1"/>
+          </a:effectRef>
+          <a:fontRef idx="minor">
+            <a:schemeClr val="lt1"/>
+          </a:fontRef>
+        </p:style>
+        <p:txBody>
+          <a:bodyPr rtlCol="0" anchor="ctr"/>
+          <a:lstStyle/>
+          <a:p>
+            <a:pPr algn="ctr"/>
+            <a:r>
+              <a:rPr lang="en-GB" dirty="0"/>
+              <a:t>Test Scripting</a:t>
+            </a:r>
+          </a:p>
+        </p:txBody>
+      </p:sp>
+      <p:sp>
+        <p:nvSpPr>
+          <p:cNvPr id="7" name="Content Placeholder 2">
+            <a:extLst>
+              <a:ext uri="{FF2B5EF4-FFF2-40B4-BE49-F238E27FC236}">
+                <a16:creationId xmlns:a16="http://schemas.microsoft.com/office/drawing/2014/main" id="{6FB7888D-A37B-E5F5-F64E-32273E59859E}"/>
+              </a:ext>
+            </a:extLst>
+          </p:cNvPr>
+          <p:cNvSpPr>
+            <a:spLocks noGrp="1"/>
+          </p:cNvSpPr>
+          <p:nvPr>
+            <p:ph idx="1"/>
+          </p:nvPr>
+        </p:nvSpPr>
+        <p:spPr>
+          <a:xfrm>
+            <a:off x="1484311" y="2432115"/>
+            <a:ext cx="10006964" cy="3949831"/>
+          </a:xfrm>
+        </p:spPr>
+        <p:txBody>
           <a:bodyPr anchor="t">
-            <a:normAutofit/>
+            <a:noAutofit/>
           </a:bodyPr>
           <a:lstStyle/>
           <a:p>
             <a:pPr marL="0" indent="0">
               <a:buNone/>
             </a:pPr>
+            <a:r>
+              <a:rPr lang="en-GB" sz="1400" b="1" dirty="0">
+                <a:latin typeface="Calibri" panose="020F0502020204030204" pitchFamily="34" charset="0"/>
+                <a:ea typeface="Calibri" panose="020F0502020204030204" pitchFamily="34" charset="0"/>
+                <a:cs typeface="Times New Roman" panose="02020603050405020304" pitchFamily="18" charset="0"/>
+              </a:rPr>
+              <a:t>Define Scenarios</a:t>
+            </a:r>
+            <a:r>
+              <a:rPr lang="da-DK" sz="1400" b="1" dirty="0">
+                <a:latin typeface="Calibri" panose="020F0502020204030204" pitchFamily="34" charset="0"/>
+                <a:ea typeface="Calibri" panose="020F0502020204030204" pitchFamily="34" charset="0"/>
+                <a:cs typeface="Times New Roman" panose="02020603050405020304" pitchFamily="18" charset="0"/>
+              </a:rPr>
+              <a:t>: </a:t>
+            </a:r>
             <a:r>
               <a:rPr lang="en-GB" sz="1400" dirty="0">
                 <a:latin typeface="Calibri" panose="020F0502020204030204" pitchFamily="34" charset="0"/>
                 <a:ea typeface="Calibri" panose="020F0502020204030204" pitchFamily="34" charset="0"/>
                 <a:cs typeface="Times New Roman" panose="02020603050405020304" pitchFamily="18" charset="0"/>
               </a:rPr>
-              <a:t>Scenarios for the “RiskPoint Group” website are identified based on the understanding of end user.</a:t>
-            </a:r>
-          </a:p>
-          <a:p>
-            <a:pPr marL="0" indent="0">
-              <a:buNone/>
-            </a:pPr>
-            <a:r>
-              <a:rPr lang="en-GB" sz="1400" dirty="0">
+              <a:t>Defining scenarios is a critical part of testing, user experience design, and requirement analysis. Scenarios describe specific situations or use cases that help in understanding how a system or application should behave in a particular context.</a:t>
+            </a:r>
+            <a:r>
+              <a:rPr lang="da-DK" sz="1400" dirty="0">
                 <a:latin typeface="Calibri" panose="020F0502020204030204" pitchFamily="34" charset="0"/>
                 <a:ea typeface="Calibri" panose="020F0502020204030204" pitchFamily="34" charset="0"/>
                 <a:cs typeface="Times New Roman" panose="02020603050405020304" pitchFamily="18" charset="0"/>
               </a:rPr>
-              <a:t>These scenarios for the website has been authored using BDD framework using Cucumber, for the easy understanding of test being done on the website (audience such as end-user, testers or stakeholders). Below is the sample of the scenario in BDD framework .</a:t>
+              <a:t> </a:t>
             </a:r>
           </a:p>
           <a:p>
@@ -8673,55 +10272,44 @@
               <a:buNone/>
             </a:pPr>
             <a:r>
-              <a:rPr lang="en-GB" sz="1400" b="1" dirty="0">
-                <a:solidFill>
-                  <a:srgbClr val="FF0000"/>
-                </a:solidFill>
+              <a:rPr lang="da-DK" sz="1400" dirty="0">
                 <a:latin typeface="Calibri" panose="020F0502020204030204" pitchFamily="34" charset="0"/>
                 <a:ea typeface="Calibri" panose="020F0502020204030204" pitchFamily="34" charset="0"/>
                 <a:cs typeface="Times New Roman" panose="02020603050405020304" pitchFamily="18" charset="0"/>
               </a:rPr>
-              <a:t>Feature: </a:t>
-            </a:r>
-            <a:r>
-              <a:rPr lang="en-GB" sz="1400" dirty="0">
+              <a:t>Steps </a:t>
+            </a:r>
+            <a:r>
+              <a:rPr lang="da-DK" sz="1400" dirty="0" err="1">
                 <a:latin typeface="Calibri" panose="020F0502020204030204" pitchFamily="34" charset="0"/>
                 <a:ea typeface="Calibri" panose="020F0502020204030204" pitchFamily="34" charset="0"/>
                 <a:cs typeface="Times New Roman" panose="02020603050405020304" pitchFamily="18" charset="0"/>
               </a:rPr>
-              <a:t>Claims</a:t>
-            </a:r>
-          </a:p>
-          <a:p>
-            <a:pPr marL="0" indent="0">
-              <a:buNone/>
-            </a:pPr>
-            <a:r>
-              <a:rPr lang="en-GB" sz="1400" dirty="0">
+              <a:t>considered</a:t>
+            </a:r>
+            <a:r>
+              <a:rPr lang="da-DK" sz="1400" dirty="0">
                 <a:latin typeface="Calibri" panose="020F0502020204030204" pitchFamily="34" charset="0"/>
                 <a:ea typeface="Calibri" panose="020F0502020204030204" pitchFamily="34" charset="0"/>
                 <a:cs typeface="Times New Roman" panose="02020603050405020304" pitchFamily="18" charset="0"/>
               </a:rPr>
-              <a:t>    </a:t>
-            </a:r>
-            <a:r>
-              <a:rPr lang="en-GB" sz="1400" b="1" dirty="0">
-                <a:solidFill>
-                  <a:srgbClr val="FF0000"/>
-                </a:solidFill>
+              <a:t> to </a:t>
+            </a:r>
+            <a:r>
+              <a:rPr lang="da-DK" sz="1400" dirty="0" err="1">
                 <a:latin typeface="Calibri" panose="020F0502020204030204" pitchFamily="34" charset="0"/>
                 <a:ea typeface="Calibri" panose="020F0502020204030204" pitchFamily="34" charset="0"/>
                 <a:cs typeface="Times New Roman" panose="02020603050405020304" pitchFamily="18" charset="0"/>
               </a:rPr>
-              <a:t>Scenario: </a:t>
-            </a:r>
-            <a:r>
-              <a:rPr lang="en-GB" sz="1400" dirty="0">
+              <a:t>define</a:t>
+            </a:r>
+            <a:r>
+              <a:rPr lang="da-DK" sz="1400" dirty="0">
                 <a:latin typeface="Calibri" panose="020F0502020204030204" pitchFamily="34" charset="0"/>
                 <a:ea typeface="Calibri" panose="020F0502020204030204" pitchFamily="34" charset="0"/>
                 <a:cs typeface="Times New Roman" panose="02020603050405020304" pitchFamily="18" charset="0"/>
               </a:rPr>
-              <a:t>Verify the Home Page of RiskPoint Group</a:t>
+              <a:t> th scenarios</a:t>
             </a:r>
           </a:p>
           <a:p>
@@ -8729,63 +10317,57 @@
               <a:buNone/>
             </a:pPr>
             <a:r>
-              <a:rPr lang="en-GB" sz="1400" dirty="0">
+              <a:rPr lang="da-DK" sz="1400" dirty="0">
                 <a:latin typeface="Calibri" panose="020F0502020204030204" pitchFamily="34" charset="0"/>
                 <a:ea typeface="Calibri" panose="020F0502020204030204" pitchFamily="34" charset="0"/>
                 <a:cs typeface="Times New Roman" panose="02020603050405020304" pitchFamily="18" charset="0"/>
               </a:rPr>
-              <a:t>        </a:t>
-            </a:r>
-            <a:r>
-              <a:rPr lang="en-GB" sz="1400" b="1" dirty="0">
-                <a:solidFill>
-                  <a:srgbClr val="FF0000"/>
-                </a:solidFill>
+              <a:t>	Understand the purpose</a:t>
+            </a:r>
+          </a:p>
+          <a:p>
+            <a:pPr marL="0" indent="0">
+              <a:buNone/>
+            </a:pPr>
+            <a:r>
+              <a:rPr lang="da-DK" sz="1400" dirty="0">
                 <a:latin typeface="Calibri" panose="020F0502020204030204" pitchFamily="34" charset="0"/>
                 <a:ea typeface="Calibri" panose="020F0502020204030204" pitchFamily="34" charset="0"/>
                 <a:cs typeface="Times New Roman" panose="02020603050405020304" pitchFamily="18" charset="0"/>
               </a:rPr>
-              <a:t>Given</a:t>
-            </a:r>
-            <a:r>
-              <a:rPr lang="en-GB" sz="1400" dirty="0">
+              <a:t>	</a:t>
+            </a:r>
+            <a:r>
+              <a:rPr lang="da-DK" sz="1400" dirty="0" err="1">
                 <a:latin typeface="Calibri" panose="020F0502020204030204" pitchFamily="34" charset="0"/>
                 <a:ea typeface="Calibri" panose="020F0502020204030204" pitchFamily="34" charset="0"/>
                 <a:cs typeface="Times New Roman" panose="02020603050405020304" pitchFamily="18" charset="0"/>
               </a:rPr>
-              <a:t> I am on the home page of 'rpgroup.com'</a:t>
-            </a:r>
-          </a:p>
-          <a:p>
-            <a:pPr marL="0" indent="0">
-              <a:buNone/>
-            </a:pPr>
-            <a:r>
-              <a:rPr lang="en-GB" sz="1400" dirty="0">
+              <a:t>Gather</a:t>
+            </a:r>
+            <a:r>
+              <a:rPr lang="da-DK" sz="1400" dirty="0">
                 <a:latin typeface="Calibri" panose="020F0502020204030204" pitchFamily="34" charset="0"/>
                 <a:ea typeface="Calibri" panose="020F0502020204030204" pitchFamily="34" charset="0"/>
                 <a:cs typeface="Times New Roman" panose="02020603050405020304" pitchFamily="18" charset="0"/>
               </a:rPr>
-              <a:t>        </a:t>
-            </a:r>
-            <a:r>
-              <a:rPr lang="en-GB" sz="1400" b="1" dirty="0">
-                <a:solidFill>
-                  <a:srgbClr val="FF0000"/>
-                </a:solidFill>
+              <a:t> </a:t>
+            </a:r>
+            <a:r>
+              <a:rPr lang="da-DK" sz="1400" dirty="0" err="1">
                 <a:latin typeface="Calibri" panose="020F0502020204030204" pitchFamily="34" charset="0"/>
                 <a:ea typeface="Calibri" panose="020F0502020204030204" pitchFamily="34" charset="0"/>
                 <a:cs typeface="Times New Roman" panose="02020603050405020304" pitchFamily="18" charset="0"/>
               </a:rPr>
-              <a:t>When</a:t>
-            </a:r>
-            <a:r>
-              <a:rPr lang="en-GB" sz="1400" dirty="0">
+              <a:t>Requirements</a:t>
+            </a:r>
+            <a:r>
+              <a:rPr lang="da-DK" sz="1400" dirty="0">
                 <a:latin typeface="Calibri" panose="020F0502020204030204" pitchFamily="34" charset="0"/>
                 <a:ea typeface="Calibri" panose="020F0502020204030204" pitchFamily="34" charset="0"/>
                 <a:cs typeface="Times New Roman" panose="02020603050405020304" pitchFamily="18" charset="0"/>
               </a:rPr>
-              <a:t> On the home page User hovers on Claims tab</a:t>
+              <a:t> and Information</a:t>
             </a:r>
           </a:p>
           <a:p>
@@ -8793,63 +10375,67 @@
               <a:buNone/>
             </a:pPr>
             <a:r>
-              <a:rPr lang="en-GB" sz="1400" dirty="0">
+              <a:rPr lang="da-DK" sz="1400" dirty="0">
                 <a:latin typeface="Calibri" panose="020F0502020204030204" pitchFamily="34" charset="0"/>
                 <a:ea typeface="Calibri" panose="020F0502020204030204" pitchFamily="34" charset="0"/>
                 <a:cs typeface="Times New Roman" panose="02020603050405020304" pitchFamily="18" charset="0"/>
               </a:rPr>
-              <a:t>        </a:t>
-            </a:r>
-            <a:r>
-              <a:rPr lang="en-GB" sz="1400" b="1" dirty="0">
-                <a:solidFill>
-                  <a:srgbClr val="FF0000"/>
-                </a:solidFill>
+              <a:t>	</a:t>
+            </a:r>
+            <a:r>
+              <a:rPr lang="da-DK" sz="1400" dirty="0" err="1">
                 <a:latin typeface="Calibri" panose="020F0502020204030204" pitchFamily="34" charset="0"/>
                 <a:ea typeface="Calibri" panose="020F0502020204030204" pitchFamily="34" charset="0"/>
                 <a:cs typeface="Times New Roman" panose="02020603050405020304" pitchFamily="18" charset="0"/>
               </a:rPr>
-              <a:t>Then</a:t>
-            </a:r>
-            <a:r>
-              <a:rPr lang="en-GB" sz="1400" dirty="0">
+              <a:t>Define</a:t>
+            </a:r>
+            <a:r>
+              <a:rPr lang="da-DK" sz="1400" dirty="0">
                 <a:latin typeface="Calibri" panose="020F0502020204030204" pitchFamily="34" charset="0"/>
                 <a:ea typeface="Calibri" panose="020F0502020204030204" pitchFamily="34" charset="0"/>
                 <a:cs typeface="Times New Roman" panose="02020603050405020304" pitchFamily="18" charset="0"/>
               </a:rPr>
-              <a:t> Emergency Contacts section should be displayed</a:t>
-            </a:r>
-          </a:p>
-          <a:p>
-            <a:pPr marL="0" indent="0">
-              <a:buNone/>
-            </a:pPr>
-            <a:r>
-              <a:rPr lang="en-GB" sz="1400" dirty="0">
+              <a:t> the </a:t>
+            </a:r>
+            <a:r>
+              <a:rPr lang="da-DK" sz="1400" dirty="0" err="1">
                 <a:latin typeface="Calibri" panose="020F0502020204030204" pitchFamily="34" charset="0"/>
                 <a:ea typeface="Calibri" panose="020F0502020204030204" pitchFamily="34" charset="0"/>
                 <a:cs typeface="Times New Roman" panose="02020603050405020304" pitchFamily="18" charset="0"/>
               </a:rPr>
-              <a:t>        </a:t>
-            </a:r>
-            <a:r>
-              <a:rPr lang="en-GB" sz="1400" b="1" dirty="0">
-                <a:solidFill>
-                  <a:srgbClr val="FF0000"/>
-                </a:solidFill>
+              <a:t>Actors</a:t>
+            </a:r>
+            <a:endParaRPr lang="da-DK" sz="1400" dirty="0">
+              <a:latin typeface="Calibri" panose="020F0502020204030204" pitchFamily="34" charset="0"/>
+              <a:ea typeface="Calibri" panose="020F0502020204030204" pitchFamily="34" charset="0"/>
+              <a:cs typeface="Times New Roman" panose="02020603050405020304" pitchFamily="18" charset="0"/>
+            </a:endParaRPr>
+          </a:p>
+          <a:p>
+            <a:pPr marL="0" indent="0">
+              <a:buNone/>
+            </a:pPr>
+            <a:r>
+              <a:rPr lang="da-DK" sz="1400" dirty="0">
                 <a:latin typeface="Calibri" panose="020F0502020204030204" pitchFamily="34" charset="0"/>
                 <a:ea typeface="Calibri" panose="020F0502020204030204" pitchFamily="34" charset="0"/>
                 <a:cs typeface="Times New Roman" panose="02020603050405020304" pitchFamily="18" charset="0"/>
               </a:rPr>
-              <a:t>And</a:t>
-            </a:r>
-            <a:r>
-              <a:rPr lang="en-GB" sz="1400" dirty="0">
+              <a:t>	Create the scenario outline</a:t>
+            </a:r>
+          </a:p>
+          <a:p>
+            <a:pPr marL="0" indent="0">
+              <a:buNone/>
+            </a:pPr>
+            <a:r>
+              <a:rPr lang="da-DK" sz="1400" dirty="0">
                 <a:latin typeface="Calibri" panose="020F0502020204030204" pitchFamily="34" charset="0"/>
                 <a:ea typeface="Calibri" panose="020F0502020204030204" pitchFamily="34" charset="0"/>
                 <a:cs typeface="Times New Roman" panose="02020603050405020304" pitchFamily="18" charset="0"/>
               </a:rPr>
-              <a:t> Report a Claim section should be displayed</a:t>
+              <a:t>	Consider variations and Edge cases</a:t>
             </a:r>
           </a:p>
           <a:p>
@@ -8857,21 +10443,44 @@
               <a:buNone/>
             </a:pPr>
             <a:r>
-              <a:rPr lang="en-GB" sz="1400" b="1" dirty="0">
+              <a:rPr lang="da-DK" sz="1400" dirty="0">
                 <a:latin typeface="Calibri" panose="020F0502020204030204" pitchFamily="34" charset="0"/>
                 <a:ea typeface="Calibri" panose="020F0502020204030204" pitchFamily="34" charset="0"/>
                 <a:cs typeface="Times New Roman" panose="02020603050405020304" pitchFamily="18" charset="0"/>
               </a:rPr>
-              <a:t>Test Scripting</a:t>
-            </a:r>
-            <a:r>
-              <a:rPr lang="da-DK" sz="1400" b="1" dirty="0">
+              <a:t>	Document the scenario</a:t>
+            </a:r>
+          </a:p>
+          <a:p>
+            <a:pPr marL="0" indent="0">
+              <a:buNone/>
+            </a:pPr>
+            <a:r>
+              <a:rPr lang="da-DK" sz="1400" dirty="0">
                 <a:latin typeface="Calibri" panose="020F0502020204030204" pitchFamily="34" charset="0"/>
                 <a:ea typeface="Calibri" panose="020F0502020204030204" pitchFamily="34" charset="0"/>
                 <a:cs typeface="Times New Roman" panose="02020603050405020304" pitchFamily="18" charset="0"/>
               </a:rPr>
-              <a:t>: </a:t>
-            </a:r>
+              <a:t>	Review and Validate</a:t>
+            </a:r>
+          </a:p>
+          <a:p>
+            <a:pPr marL="0" indent="0">
+              <a:buNone/>
+            </a:pPr>
+            <a:r>
+              <a:rPr lang="da-DK" sz="1400" dirty="0">
+                <a:latin typeface="Calibri" panose="020F0502020204030204" pitchFamily="34" charset="0"/>
+                <a:ea typeface="Calibri" panose="020F0502020204030204" pitchFamily="34" charset="0"/>
+                <a:cs typeface="Times New Roman" panose="02020603050405020304" pitchFamily="18" charset="0"/>
+              </a:rPr>
+              <a:t>	Implement and Test</a:t>
+            </a:r>
+          </a:p>
+          <a:p>
+            <a:pPr marL="0" indent="0">
+              <a:buNone/>
+            </a:pPr>
             <a:endParaRPr lang="en-GB" sz="1400" dirty="0">
               <a:latin typeface="Calibri" panose="020F0502020204030204" pitchFamily="34" charset="0"/>
               <a:ea typeface="Calibri" panose="020F0502020204030204" pitchFamily="34" charset="0"/>
@@ -8879,14 +10488,31 @@
             </a:endParaRPr>
           </a:p>
           <a:p>
-            <a:endParaRPr lang="en-GB" sz="1400" dirty="0"/>
+            <a:pPr marL="0" indent="0">
+              <a:buNone/>
+            </a:pPr>
+            <a:endParaRPr lang="en-GB" sz="1400" dirty="0">
+              <a:latin typeface="Calibri" panose="020F0502020204030204" pitchFamily="34" charset="0"/>
+              <a:ea typeface="Calibri" panose="020F0502020204030204" pitchFamily="34" charset="0"/>
+              <a:cs typeface="Times New Roman" panose="02020603050405020304" pitchFamily="18" charset="0"/>
+            </a:endParaRPr>
+          </a:p>
+          <a:p>
+            <a:pPr marL="0" indent="0">
+              <a:buNone/>
+            </a:pPr>
+            <a:endParaRPr lang="en-GB" sz="1400" dirty="0">
+              <a:latin typeface="Calibri" panose="020F0502020204030204" pitchFamily="34" charset="0"/>
+              <a:ea typeface="Calibri" panose="020F0502020204030204" pitchFamily="34" charset="0"/>
+              <a:cs typeface="Times New Roman" panose="02020603050405020304" pitchFamily="18" charset="0"/>
+            </a:endParaRPr>
           </a:p>
         </p:txBody>
       </p:sp>
     </p:spTree>
     <p:extLst>
       <p:ext uri="{BB962C8B-B14F-4D97-AF65-F5344CB8AC3E}">
-        <p14:creationId xmlns:p14="http://schemas.microsoft.com/office/powerpoint/2010/main" val="3071602802"/>
+        <p14:creationId xmlns:p14="http://schemas.microsoft.com/office/powerpoint/2010/main" val="2354998779"/>
       </p:ext>
     </p:extLst>
   </p:cSld>
@@ -8915,10 +10541,10 @@
       </p:grpSpPr>
       <p:sp>
         <p:nvSpPr>
-          <p:cNvPr id="2" name="Title 1">
+          <p:cNvPr id="3" name="Content Placeholder 2">
             <a:extLst>
               <a:ext uri="{FF2B5EF4-FFF2-40B4-BE49-F238E27FC236}">
-                <a16:creationId xmlns:a16="http://schemas.microsoft.com/office/drawing/2014/main" id="{89237210-2C33-57A8-F271-9DBAE07A53DD}"/>
+                <a16:creationId xmlns:a16="http://schemas.microsoft.com/office/drawing/2014/main" id="{3742B76F-3E7B-C9EB-90BB-1CB2A5510CFB}"/>
               </a:ext>
             </a:extLst>
           </p:cNvPr>
@@ -8926,50 +10552,288 @@
             <a:spLocks noGrp="1"/>
           </p:cNvSpPr>
           <p:nvPr>
-            <p:ph type="title"/>
-          </p:nvPr>
-        </p:nvSpPr>
-        <p:spPr/>
-        <p:txBody>
-          <a:bodyPr/>
+            <p:ph idx="1"/>
+          </p:nvPr>
+        </p:nvSpPr>
+        <p:spPr>
+          <a:xfrm>
+            <a:off x="1484310" y="499621"/>
+            <a:ext cx="10018713" cy="5882325"/>
+          </a:xfrm>
+        </p:spPr>
+        <p:txBody>
+          <a:bodyPr anchor="t">
+            <a:normAutofit/>
+          </a:bodyPr>
           <a:lstStyle/>
           <a:p>
-            <a:r>
-              <a:rPr lang="en-GB" dirty="0"/>
-              <a:t>Bug Report</a:t>
-            </a:r>
-          </a:p>
-        </p:txBody>
-      </p:sp>
-      <p:sp>
-        <p:nvSpPr>
-          <p:cNvPr id="3" name="Content Placeholder 2">
-            <a:extLst>
-              <a:ext uri="{FF2B5EF4-FFF2-40B4-BE49-F238E27FC236}">
-                <a16:creationId xmlns:a16="http://schemas.microsoft.com/office/drawing/2014/main" id="{27F2422E-876A-1CA5-F741-5863A5D39398}"/>
-              </a:ext>
-            </a:extLst>
-          </p:cNvPr>
-          <p:cNvSpPr>
-            <a:spLocks noGrp="1"/>
-          </p:cNvSpPr>
-          <p:nvPr>
-            <p:ph idx="1"/>
-          </p:nvPr>
-        </p:nvSpPr>
-        <p:spPr/>
-        <p:txBody>
-          <a:bodyPr/>
-          <a:lstStyle/>
-          <a:p>
-            <a:endParaRPr lang="en-GB"/>
+            <a:pPr marL="0" indent="0">
+              <a:buNone/>
+            </a:pPr>
+            <a:r>
+              <a:rPr lang="en-GB" sz="1400" dirty="0">
+                <a:latin typeface="Calibri" panose="020F0502020204030204" pitchFamily="34" charset="0"/>
+                <a:ea typeface="Calibri" panose="020F0502020204030204" pitchFamily="34" charset="0"/>
+                <a:cs typeface="Times New Roman" panose="02020603050405020304" pitchFamily="18" charset="0"/>
+              </a:rPr>
+              <a:t>Scenarios for the “RiskPoint Group” website are identified based on the understanding of end user.</a:t>
+            </a:r>
+          </a:p>
+          <a:p>
+            <a:pPr marL="0" indent="0">
+              <a:buNone/>
+            </a:pPr>
+            <a:r>
+              <a:rPr lang="en-GB" sz="1400" dirty="0">
+                <a:latin typeface="Calibri" panose="020F0502020204030204" pitchFamily="34" charset="0"/>
+                <a:ea typeface="Calibri" panose="020F0502020204030204" pitchFamily="34" charset="0"/>
+                <a:cs typeface="Times New Roman" panose="02020603050405020304" pitchFamily="18" charset="0"/>
+              </a:rPr>
+              <a:t>These scenarios for the website has been authored using BDD framework using Cucumber, for the easy understanding of test being done on the website (audience such as end-user, testers or stakeholders). Below is the sample of the scenario in BDD framework .</a:t>
+            </a:r>
+          </a:p>
+          <a:p>
+            <a:pPr marL="0" indent="0">
+              <a:buNone/>
+            </a:pPr>
+            <a:r>
+              <a:rPr lang="en-GB" sz="1400" b="1" dirty="0">
+                <a:solidFill>
+                  <a:srgbClr val="FF0000"/>
+                </a:solidFill>
+                <a:latin typeface="Calibri" panose="020F0502020204030204" pitchFamily="34" charset="0"/>
+                <a:ea typeface="Calibri" panose="020F0502020204030204" pitchFamily="34" charset="0"/>
+                <a:cs typeface="Times New Roman" panose="02020603050405020304" pitchFamily="18" charset="0"/>
+              </a:rPr>
+              <a:t>Feature: </a:t>
+            </a:r>
+            <a:r>
+              <a:rPr lang="en-GB" sz="1400" dirty="0">
+                <a:latin typeface="Calibri" panose="020F0502020204030204" pitchFamily="34" charset="0"/>
+                <a:ea typeface="Calibri" panose="020F0502020204030204" pitchFamily="34" charset="0"/>
+                <a:cs typeface="Times New Roman" panose="02020603050405020304" pitchFamily="18" charset="0"/>
+              </a:rPr>
+              <a:t>Claims</a:t>
+            </a:r>
+          </a:p>
+          <a:p>
+            <a:pPr marL="0" indent="0">
+              <a:buNone/>
+            </a:pPr>
+            <a:r>
+              <a:rPr lang="en-GB" sz="1400" dirty="0">
+                <a:latin typeface="Calibri" panose="020F0502020204030204" pitchFamily="34" charset="0"/>
+                <a:ea typeface="Calibri" panose="020F0502020204030204" pitchFamily="34" charset="0"/>
+                <a:cs typeface="Times New Roman" panose="02020603050405020304" pitchFamily="18" charset="0"/>
+              </a:rPr>
+              <a:t>    </a:t>
+            </a:r>
+            <a:r>
+              <a:rPr lang="en-GB" sz="1400" b="1" dirty="0">
+                <a:solidFill>
+                  <a:srgbClr val="FF0000"/>
+                </a:solidFill>
+                <a:latin typeface="Calibri" panose="020F0502020204030204" pitchFamily="34" charset="0"/>
+                <a:ea typeface="Calibri" panose="020F0502020204030204" pitchFamily="34" charset="0"/>
+                <a:cs typeface="Times New Roman" panose="02020603050405020304" pitchFamily="18" charset="0"/>
+              </a:rPr>
+              <a:t>Scenario: </a:t>
+            </a:r>
+            <a:r>
+              <a:rPr lang="en-GB" sz="1400" dirty="0">
+                <a:latin typeface="Calibri" panose="020F0502020204030204" pitchFamily="34" charset="0"/>
+                <a:ea typeface="Calibri" panose="020F0502020204030204" pitchFamily="34" charset="0"/>
+                <a:cs typeface="Times New Roman" panose="02020603050405020304" pitchFamily="18" charset="0"/>
+              </a:rPr>
+              <a:t>Verify the Home Page of RiskPoint Group</a:t>
+            </a:r>
+          </a:p>
+          <a:p>
+            <a:pPr marL="0" indent="0">
+              <a:buNone/>
+            </a:pPr>
+            <a:r>
+              <a:rPr lang="en-GB" sz="1400" dirty="0">
+                <a:latin typeface="Calibri" panose="020F0502020204030204" pitchFamily="34" charset="0"/>
+                <a:ea typeface="Calibri" panose="020F0502020204030204" pitchFamily="34" charset="0"/>
+                <a:cs typeface="Times New Roman" panose="02020603050405020304" pitchFamily="18" charset="0"/>
+              </a:rPr>
+              <a:t>        </a:t>
+            </a:r>
+            <a:r>
+              <a:rPr lang="en-GB" sz="1400" b="1" dirty="0">
+                <a:solidFill>
+                  <a:srgbClr val="FF0000"/>
+                </a:solidFill>
+                <a:latin typeface="Calibri" panose="020F0502020204030204" pitchFamily="34" charset="0"/>
+                <a:ea typeface="Calibri" panose="020F0502020204030204" pitchFamily="34" charset="0"/>
+                <a:cs typeface="Times New Roman" panose="02020603050405020304" pitchFamily="18" charset="0"/>
+              </a:rPr>
+              <a:t>Given</a:t>
+            </a:r>
+            <a:r>
+              <a:rPr lang="en-GB" sz="1400" dirty="0">
+                <a:latin typeface="Calibri" panose="020F0502020204030204" pitchFamily="34" charset="0"/>
+                <a:ea typeface="Calibri" panose="020F0502020204030204" pitchFamily="34" charset="0"/>
+                <a:cs typeface="Times New Roman" panose="02020603050405020304" pitchFamily="18" charset="0"/>
+              </a:rPr>
+              <a:t> I am on the home page of 'rpgroup.com'</a:t>
+            </a:r>
+          </a:p>
+          <a:p>
+            <a:pPr marL="0" indent="0">
+              <a:buNone/>
+            </a:pPr>
+            <a:r>
+              <a:rPr lang="en-GB" sz="1400" dirty="0">
+                <a:latin typeface="Calibri" panose="020F0502020204030204" pitchFamily="34" charset="0"/>
+                <a:ea typeface="Calibri" panose="020F0502020204030204" pitchFamily="34" charset="0"/>
+                <a:cs typeface="Times New Roman" panose="02020603050405020304" pitchFamily="18" charset="0"/>
+              </a:rPr>
+              <a:t>        </a:t>
+            </a:r>
+            <a:r>
+              <a:rPr lang="en-GB" sz="1400" b="1" dirty="0">
+                <a:solidFill>
+                  <a:srgbClr val="FF0000"/>
+                </a:solidFill>
+                <a:latin typeface="Calibri" panose="020F0502020204030204" pitchFamily="34" charset="0"/>
+                <a:ea typeface="Calibri" panose="020F0502020204030204" pitchFamily="34" charset="0"/>
+                <a:cs typeface="Times New Roman" panose="02020603050405020304" pitchFamily="18" charset="0"/>
+              </a:rPr>
+              <a:t>When</a:t>
+            </a:r>
+            <a:r>
+              <a:rPr lang="en-GB" sz="1400" dirty="0">
+                <a:latin typeface="Calibri" panose="020F0502020204030204" pitchFamily="34" charset="0"/>
+                <a:ea typeface="Calibri" panose="020F0502020204030204" pitchFamily="34" charset="0"/>
+                <a:cs typeface="Times New Roman" panose="02020603050405020304" pitchFamily="18" charset="0"/>
+              </a:rPr>
+              <a:t> On the home page User hovers on Claims tab</a:t>
+            </a:r>
+          </a:p>
+          <a:p>
+            <a:pPr marL="0" indent="0">
+              <a:buNone/>
+            </a:pPr>
+            <a:r>
+              <a:rPr lang="en-GB" sz="1400" dirty="0">
+                <a:latin typeface="Calibri" panose="020F0502020204030204" pitchFamily="34" charset="0"/>
+                <a:ea typeface="Calibri" panose="020F0502020204030204" pitchFamily="34" charset="0"/>
+                <a:cs typeface="Times New Roman" panose="02020603050405020304" pitchFamily="18" charset="0"/>
+              </a:rPr>
+              <a:t>        </a:t>
+            </a:r>
+            <a:r>
+              <a:rPr lang="en-GB" sz="1400" b="1" dirty="0">
+                <a:solidFill>
+                  <a:srgbClr val="FF0000"/>
+                </a:solidFill>
+                <a:latin typeface="Calibri" panose="020F0502020204030204" pitchFamily="34" charset="0"/>
+                <a:ea typeface="Calibri" panose="020F0502020204030204" pitchFamily="34" charset="0"/>
+                <a:cs typeface="Times New Roman" panose="02020603050405020304" pitchFamily="18" charset="0"/>
+              </a:rPr>
+              <a:t>Then</a:t>
+            </a:r>
+            <a:r>
+              <a:rPr lang="en-GB" sz="1400" dirty="0">
+                <a:latin typeface="Calibri" panose="020F0502020204030204" pitchFamily="34" charset="0"/>
+                <a:ea typeface="Calibri" panose="020F0502020204030204" pitchFamily="34" charset="0"/>
+                <a:cs typeface="Times New Roman" panose="02020603050405020304" pitchFamily="18" charset="0"/>
+              </a:rPr>
+              <a:t> Emergency Contacts section should be displayed</a:t>
+            </a:r>
+          </a:p>
+          <a:p>
+            <a:pPr marL="0" indent="0">
+              <a:buNone/>
+            </a:pPr>
+            <a:r>
+              <a:rPr lang="en-GB" sz="1400" dirty="0">
+                <a:latin typeface="Calibri" panose="020F0502020204030204" pitchFamily="34" charset="0"/>
+                <a:ea typeface="Calibri" panose="020F0502020204030204" pitchFamily="34" charset="0"/>
+                <a:cs typeface="Times New Roman" panose="02020603050405020304" pitchFamily="18" charset="0"/>
+              </a:rPr>
+              <a:t>        </a:t>
+            </a:r>
+            <a:r>
+              <a:rPr lang="en-GB" sz="1400" b="1" dirty="0">
+                <a:solidFill>
+                  <a:srgbClr val="FF0000"/>
+                </a:solidFill>
+                <a:latin typeface="Calibri" panose="020F0502020204030204" pitchFamily="34" charset="0"/>
+                <a:ea typeface="Calibri" panose="020F0502020204030204" pitchFamily="34" charset="0"/>
+                <a:cs typeface="Times New Roman" panose="02020603050405020304" pitchFamily="18" charset="0"/>
+              </a:rPr>
+              <a:t>And</a:t>
+            </a:r>
+            <a:r>
+              <a:rPr lang="en-GB" sz="1400" dirty="0">
+                <a:latin typeface="Calibri" panose="020F0502020204030204" pitchFamily="34" charset="0"/>
+                <a:ea typeface="Calibri" panose="020F0502020204030204" pitchFamily="34" charset="0"/>
+                <a:cs typeface="Times New Roman" panose="02020603050405020304" pitchFamily="18" charset="0"/>
+              </a:rPr>
+              <a:t> Report a Claim section should be displayed</a:t>
+            </a:r>
+          </a:p>
+          <a:p>
+            <a:pPr marL="0" indent="0">
+              <a:buNone/>
+            </a:pPr>
+            <a:endParaRPr lang="en-GB" sz="1400" b="1" dirty="0">
+              <a:latin typeface="Calibri" panose="020F0502020204030204" pitchFamily="34" charset="0"/>
+              <a:ea typeface="Calibri" panose="020F0502020204030204" pitchFamily="34" charset="0"/>
+              <a:cs typeface="Times New Roman" panose="02020603050405020304" pitchFamily="18" charset="0"/>
+            </a:endParaRPr>
+          </a:p>
+          <a:p>
+            <a:pPr marL="0" indent="0">
+              <a:buNone/>
+            </a:pPr>
+            <a:r>
+              <a:rPr lang="en-GB" sz="1400" b="1" dirty="0">
+                <a:latin typeface="Calibri" panose="020F0502020204030204" pitchFamily="34" charset="0"/>
+                <a:ea typeface="Calibri" panose="020F0502020204030204" pitchFamily="34" charset="0"/>
+                <a:cs typeface="Times New Roman" panose="02020603050405020304" pitchFamily="18" charset="0"/>
+              </a:rPr>
+              <a:t>Test Scripting</a:t>
+            </a:r>
+            <a:r>
+              <a:rPr lang="da-DK" sz="1400" b="1" dirty="0">
+                <a:latin typeface="Calibri" panose="020F0502020204030204" pitchFamily="34" charset="0"/>
+                <a:ea typeface="Calibri" panose="020F0502020204030204" pitchFamily="34" charset="0"/>
+                <a:cs typeface="Times New Roman" panose="02020603050405020304" pitchFamily="18" charset="0"/>
+              </a:rPr>
+              <a:t>: </a:t>
+            </a:r>
+            <a:r>
+              <a:rPr lang="en-GB" sz="1400" dirty="0">
+                <a:latin typeface="Calibri" panose="020F0502020204030204" pitchFamily="34" charset="0"/>
+                <a:ea typeface="Calibri" panose="020F0502020204030204" pitchFamily="34" charset="0"/>
+                <a:cs typeface="Calibri" panose="020F0502020204030204" pitchFamily="34" charset="0"/>
+              </a:rPr>
+              <a:t>Test scripting is the process of writing scripts or detailed instructions to automate or guide the execution of test cases. These scripts can be used in both manual and automated testing to ensure consistent, repeatable, and thorough testing of software applications. Test scripting involves creating a set of steps that describe how a test should be performed, what inputs are needed, and what the expected outcomes are.</a:t>
+            </a:r>
+          </a:p>
+          <a:p>
+            <a:pPr marL="0" indent="0">
+              <a:buNone/>
+            </a:pPr>
+            <a:r>
+              <a:rPr lang="en-GB" sz="1400" dirty="0">
+                <a:latin typeface="Calibri" panose="020F0502020204030204" pitchFamily="34" charset="0"/>
+                <a:ea typeface="Calibri" panose="020F0502020204030204" pitchFamily="34" charset="0"/>
+                <a:cs typeface="Calibri" panose="020F0502020204030204" pitchFamily="34" charset="0"/>
+              </a:rPr>
+              <a:t>Test scripts are written using Selenium web driver with Python scripting. Below is the sample of python script.</a:t>
+            </a:r>
           </a:p>
         </p:txBody>
       </p:sp>
     </p:spTree>
     <p:extLst>
       <p:ext uri="{BB962C8B-B14F-4D97-AF65-F5344CB8AC3E}">
-        <p14:creationId xmlns:p14="http://schemas.microsoft.com/office/powerpoint/2010/main" val="309736569"/>
+        <p14:creationId xmlns:p14="http://schemas.microsoft.com/office/powerpoint/2010/main" val="3071602802"/>
       </p:ext>
     </p:extLst>
   </p:cSld>

--- a/SW Test Demo.pptx
+++ b/SW Test Demo.pptx
@@ -4,18 +4,21 @@
   <p:sldMasterIdLst>
     <p:sldMasterId id="2147483648" r:id="rId1"/>
   </p:sldMasterIdLst>
+  <p:notesMasterIdLst>
+    <p:notesMasterId r:id="rId14"/>
+  </p:notesMasterIdLst>
   <p:sldIdLst>
     <p:sldId id="256" r:id="rId2"/>
-    <p:sldId id="257" r:id="rId3"/>
-    <p:sldId id="259" r:id="rId4"/>
-    <p:sldId id="258" r:id="rId5"/>
-    <p:sldId id="260" r:id="rId6"/>
-    <p:sldId id="265" r:id="rId7"/>
-    <p:sldId id="266" r:id="rId8"/>
-    <p:sldId id="261" r:id="rId9"/>
-    <p:sldId id="264" r:id="rId10"/>
-    <p:sldId id="267" r:id="rId11"/>
-    <p:sldId id="262" r:id="rId12"/>
+    <p:sldId id="259" r:id="rId3"/>
+    <p:sldId id="258" r:id="rId4"/>
+    <p:sldId id="260" r:id="rId5"/>
+    <p:sldId id="265" r:id="rId6"/>
+    <p:sldId id="266" r:id="rId7"/>
+    <p:sldId id="261" r:id="rId8"/>
+    <p:sldId id="267" r:id="rId9"/>
+    <p:sldId id="268" r:id="rId10"/>
+    <p:sldId id="262" r:id="rId11"/>
+    <p:sldId id="269" r:id="rId12"/>
     <p:sldId id="263" r:id="rId13"/>
   </p:sldIdLst>
   <p:sldSz cx="12192000" cy="6858000"/>
@@ -116,6 +119,650 @@
     </a:lvl9pPr>
   </p:defaultTextStyle>
 </p:presentation>
+</file>
+
+<file path=ppt/notesMasters/notesMaster1.xml><?xml version="1.0" encoding="utf-8"?>
+<p:notesMaster xmlns:a="http://schemas.openxmlformats.org/drawingml/2006/main" xmlns:r="http://schemas.openxmlformats.org/officeDocument/2006/relationships" xmlns:p="http://schemas.openxmlformats.org/presentationml/2006/main">
+  <p:cSld>
+    <p:bg>
+      <p:bgRef idx="1001">
+        <a:schemeClr val="bg1"/>
+      </p:bgRef>
+    </p:bg>
+    <p:spTree>
+      <p:nvGrpSpPr>
+        <p:cNvPr id="1" name=""/>
+        <p:cNvGrpSpPr/>
+        <p:nvPr/>
+      </p:nvGrpSpPr>
+      <p:grpSpPr>
+        <a:xfrm>
+          <a:off x="0" y="0"/>
+          <a:ext cx="0" cy="0"/>
+          <a:chOff x="0" y="0"/>
+          <a:chExt cx="0" cy="0"/>
+        </a:xfrm>
+      </p:grpSpPr>
+      <p:sp>
+        <p:nvSpPr>
+          <p:cNvPr id="2" name="Header Placeholder 1"/>
+          <p:cNvSpPr>
+            <a:spLocks noGrp="1"/>
+          </p:cNvSpPr>
+          <p:nvPr>
+            <p:ph type="hdr" sz="quarter"/>
+          </p:nvPr>
+        </p:nvSpPr>
+        <p:spPr>
+          <a:xfrm>
+            <a:off x="0" y="0"/>
+            <a:ext cx="2971800" cy="458788"/>
+          </a:xfrm>
+          <a:prstGeom prst="rect">
+            <a:avLst/>
+          </a:prstGeom>
+        </p:spPr>
+        <p:txBody>
+          <a:bodyPr vert="horz" lIns="91440" tIns="45720" rIns="91440" bIns="45720" rtlCol="0"/>
+          <a:lstStyle>
+            <a:lvl1pPr algn="l">
+              <a:defRPr sz="1200"/>
+            </a:lvl1pPr>
+          </a:lstStyle>
+          <a:p>
+            <a:endParaRPr lang="en-GB"/>
+          </a:p>
+        </p:txBody>
+      </p:sp>
+      <p:sp>
+        <p:nvSpPr>
+          <p:cNvPr id="3" name="Date Placeholder 2"/>
+          <p:cNvSpPr>
+            <a:spLocks noGrp="1"/>
+          </p:cNvSpPr>
+          <p:nvPr>
+            <p:ph type="dt" idx="1"/>
+          </p:nvPr>
+        </p:nvSpPr>
+        <p:spPr>
+          <a:xfrm>
+            <a:off x="3884613" y="0"/>
+            <a:ext cx="2971800" cy="458788"/>
+          </a:xfrm>
+          <a:prstGeom prst="rect">
+            <a:avLst/>
+          </a:prstGeom>
+        </p:spPr>
+        <p:txBody>
+          <a:bodyPr vert="horz" lIns="91440" tIns="45720" rIns="91440" bIns="45720" rtlCol="0"/>
+          <a:lstStyle>
+            <a:lvl1pPr algn="r">
+              <a:defRPr sz="1200"/>
+            </a:lvl1pPr>
+          </a:lstStyle>
+          <a:p>
+            <a:fld id="{9E374112-8A40-40B1-95A1-63D027291D8C}" type="datetimeFigureOut">
+              <a:rPr lang="en-GB" smtClean="0"/>
+              <a:t>11/08/2024</a:t>
+            </a:fld>
+            <a:endParaRPr lang="en-GB"/>
+          </a:p>
+        </p:txBody>
+      </p:sp>
+      <p:sp>
+        <p:nvSpPr>
+          <p:cNvPr id="4" name="Slide Image Placeholder 3"/>
+          <p:cNvSpPr>
+            <a:spLocks noGrp="1" noRot="1" noChangeAspect="1"/>
+          </p:cNvSpPr>
+          <p:nvPr>
+            <p:ph type="sldImg" idx="2"/>
+          </p:nvPr>
+        </p:nvSpPr>
+        <p:spPr>
+          <a:xfrm>
+            <a:off x="685800" y="1143000"/>
+            <a:ext cx="5486400" cy="3086100"/>
+          </a:xfrm>
+          <a:prstGeom prst="rect">
+            <a:avLst/>
+          </a:prstGeom>
+          <a:noFill/>
+          <a:ln w="12700">
+            <a:solidFill>
+              <a:prstClr val="black"/>
+            </a:solidFill>
+          </a:ln>
+        </p:spPr>
+        <p:txBody>
+          <a:bodyPr vert="horz" lIns="91440" tIns="45720" rIns="91440" bIns="45720" rtlCol="0" anchor="ctr"/>
+          <a:lstStyle/>
+          <a:p>
+            <a:endParaRPr lang="en-GB"/>
+          </a:p>
+        </p:txBody>
+      </p:sp>
+      <p:sp>
+        <p:nvSpPr>
+          <p:cNvPr id="5" name="Notes Placeholder 4"/>
+          <p:cNvSpPr>
+            <a:spLocks noGrp="1"/>
+          </p:cNvSpPr>
+          <p:nvPr>
+            <p:ph type="body" sz="quarter" idx="3"/>
+          </p:nvPr>
+        </p:nvSpPr>
+        <p:spPr>
+          <a:xfrm>
+            <a:off x="685800" y="4400550"/>
+            <a:ext cx="5486400" cy="3600450"/>
+          </a:xfrm>
+          <a:prstGeom prst="rect">
+            <a:avLst/>
+          </a:prstGeom>
+        </p:spPr>
+        <p:txBody>
+          <a:bodyPr vert="horz" lIns="91440" tIns="45720" rIns="91440" bIns="45720" rtlCol="0"/>
+          <a:lstStyle/>
+          <a:p>
+            <a:pPr lvl="0"/>
+            <a:r>
+              <a:rPr lang="en-US"/>
+              <a:t>Click to edit Master text styles</a:t>
+            </a:r>
+          </a:p>
+          <a:p>
+            <a:pPr lvl="1"/>
+            <a:r>
+              <a:rPr lang="en-US"/>
+              <a:t>Second level</a:t>
+            </a:r>
+          </a:p>
+          <a:p>
+            <a:pPr lvl="2"/>
+            <a:r>
+              <a:rPr lang="en-US"/>
+              <a:t>Third level</a:t>
+            </a:r>
+          </a:p>
+          <a:p>
+            <a:pPr lvl="3"/>
+            <a:r>
+              <a:rPr lang="en-US"/>
+              <a:t>Fourth level</a:t>
+            </a:r>
+          </a:p>
+          <a:p>
+            <a:pPr lvl="4"/>
+            <a:r>
+              <a:rPr lang="en-US"/>
+              <a:t>Fifth level</a:t>
+            </a:r>
+            <a:endParaRPr lang="en-GB"/>
+          </a:p>
+        </p:txBody>
+      </p:sp>
+      <p:sp>
+        <p:nvSpPr>
+          <p:cNvPr id="6" name="Footer Placeholder 5"/>
+          <p:cNvSpPr>
+            <a:spLocks noGrp="1"/>
+          </p:cNvSpPr>
+          <p:nvPr>
+            <p:ph type="ftr" sz="quarter" idx="4"/>
+          </p:nvPr>
+        </p:nvSpPr>
+        <p:spPr>
+          <a:xfrm>
+            <a:off x="0" y="8685213"/>
+            <a:ext cx="2971800" cy="458787"/>
+          </a:xfrm>
+          <a:prstGeom prst="rect">
+            <a:avLst/>
+          </a:prstGeom>
+        </p:spPr>
+        <p:txBody>
+          <a:bodyPr vert="horz" lIns="91440" tIns="45720" rIns="91440" bIns="45720" rtlCol="0" anchor="b"/>
+          <a:lstStyle>
+            <a:lvl1pPr algn="l">
+              <a:defRPr sz="1200"/>
+            </a:lvl1pPr>
+          </a:lstStyle>
+          <a:p>
+            <a:endParaRPr lang="en-GB"/>
+          </a:p>
+        </p:txBody>
+      </p:sp>
+      <p:sp>
+        <p:nvSpPr>
+          <p:cNvPr id="7" name="Slide Number Placeholder 6"/>
+          <p:cNvSpPr>
+            <a:spLocks noGrp="1"/>
+          </p:cNvSpPr>
+          <p:nvPr>
+            <p:ph type="sldNum" sz="quarter" idx="5"/>
+          </p:nvPr>
+        </p:nvSpPr>
+        <p:spPr>
+          <a:xfrm>
+            <a:off x="3884613" y="8685213"/>
+            <a:ext cx="2971800" cy="458787"/>
+          </a:xfrm>
+          <a:prstGeom prst="rect">
+            <a:avLst/>
+          </a:prstGeom>
+        </p:spPr>
+        <p:txBody>
+          <a:bodyPr vert="horz" lIns="91440" tIns="45720" rIns="91440" bIns="45720" rtlCol="0" anchor="b"/>
+          <a:lstStyle>
+            <a:lvl1pPr algn="r">
+              <a:defRPr sz="1200"/>
+            </a:lvl1pPr>
+          </a:lstStyle>
+          <a:p>
+            <a:fld id="{2556F795-829C-4809-8D18-620ECF622203}" type="slidenum">
+              <a:rPr lang="en-GB" smtClean="0"/>
+              <a:t>‹#›</a:t>
+            </a:fld>
+            <a:endParaRPr lang="en-GB"/>
+          </a:p>
+        </p:txBody>
+      </p:sp>
+    </p:spTree>
+    <p:extLst>
+      <p:ext uri="{BB962C8B-B14F-4D97-AF65-F5344CB8AC3E}">
+        <p14:creationId xmlns:p14="http://schemas.microsoft.com/office/powerpoint/2010/main" val="1036035501"/>
+      </p:ext>
+    </p:extLst>
+  </p:cSld>
+  <p:clrMap bg1="lt1" tx1="dk1" bg2="lt2" tx2="dk2" accent1="accent1" accent2="accent2" accent3="accent3" accent4="accent4" accent5="accent5" accent6="accent6" hlink="hlink" folHlink="folHlink"/>
+  <p:notesStyle>
+    <a:lvl1pPr marL="0" algn="l" defTabSz="914400" rtl="0" eaLnBrk="1" latinLnBrk="0" hangingPunct="1">
+      <a:defRPr sz="1200" kern="1200">
+        <a:solidFill>
+          <a:schemeClr val="tx1"/>
+        </a:solidFill>
+        <a:latin typeface="+mn-lt"/>
+        <a:ea typeface="+mn-ea"/>
+        <a:cs typeface="+mn-cs"/>
+      </a:defRPr>
+    </a:lvl1pPr>
+    <a:lvl2pPr marL="457200" algn="l" defTabSz="914400" rtl="0" eaLnBrk="1" latinLnBrk="0" hangingPunct="1">
+      <a:defRPr sz="1200" kern="1200">
+        <a:solidFill>
+          <a:schemeClr val="tx1"/>
+        </a:solidFill>
+        <a:latin typeface="+mn-lt"/>
+        <a:ea typeface="+mn-ea"/>
+        <a:cs typeface="+mn-cs"/>
+      </a:defRPr>
+    </a:lvl2pPr>
+    <a:lvl3pPr marL="914400" algn="l" defTabSz="914400" rtl="0" eaLnBrk="1" latinLnBrk="0" hangingPunct="1">
+      <a:defRPr sz="1200" kern="1200">
+        <a:solidFill>
+          <a:schemeClr val="tx1"/>
+        </a:solidFill>
+        <a:latin typeface="+mn-lt"/>
+        <a:ea typeface="+mn-ea"/>
+        <a:cs typeface="+mn-cs"/>
+      </a:defRPr>
+    </a:lvl3pPr>
+    <a:lvl4pPr marL="1371600" algn="l" defTabSz="914400" rtl="0" eaLnBrk="1" latinLnBrk="0" hangingPunct="1">
+      <a:defRPr sz="1200" kern="1200">
+        <a:solidFill>
+          <a:schemeClr val="tx1"/>
+        </a:solidFill>
+        <a:latin typeface="+mn-lt"/>
+        <a:ea typeface="+mn-ea"/>
+        <a:cs typeface="+mn-cs"/>
+      </a:defRPr>
+    </a:lvl4pPr>
+    <a:lvl5pPr marL="1828800" algn="l" defTabSz="914400" rtl="0" eaLnBrk="1" latinLnBrk="0" hangingPunct="1">
+      <a:defRPr sz="1200" kern="1200">
+        <a:solidFill>
+          <a:schemeClr val="tx1"/>
+        </a:solidFill>
+        <a:latin typeface="+mn-lt"/>
+        <a:ea typeface="+mn-ea"/>
+        <a:cs typeface="+mn-cs"/>
+      </a:defRPr>
+    </a:lvl5pPr>
+    <a:lvl6pPr marL="2286000" algn="l" defTabSz="914400" rtl="0" eaLnBrk="1" latinLnBrk="0" hangingPunct="1">
+      <a:defRPr sz="1200" kern="1200">
+        <a:solidFill>
+          <a:schemeClr val="tx1"/>
+        </a:solidFill>
+        <a:latin typeface="+mn-lt"/>
+        <a:ea typeface="+mn-ea"/>
+        <a:cs typeface="+mn-cs"/>
+      </a:defRPr>
+    </a:lvl6pPr>
+    <a:lvl7pPr marL="2743200" algn="l" defTabSz="914400" rtl="0" eaLnBrk="1" latinLnBrk="0" hangingPunct="1">
+      <a:defRPr sz="1200" kern="1200">
+        <a:solidFill>
+          <a:schemeClr val="tx1"/>
+        </a:solidFill>
+        <a:latin typeface="+mn-lt"/>
+        <a:ea typeface="+mn-ea"/>
+        <a:cs typeface="+mn-cs"/>
+      </a:defRPr>
+    </a:lvl7pPr>
+    <a:lvl8pPr marL="3200400" algn="l" defTabSz="914400" rtl="0" eaLnBrk="1" latinLnBrk="0" hangingPunct="1">
+      <a:defRPr sz="1200" kern="1200">
+        <a:solidFill>
+          <a:schemeClr val="tx1"/>
+        </a:solidFill>
+        <a:latin typeface="+mn-lt"/>
+        <a:ea typeface="+mn-ea"/>
+        <a:cs typeface="+mn-cs"/>
+      </a:defRPr>
+    </a:lvl8pPr>
+    <a:lvl9pPr marL="3657600" algn="l" defTabSz="914400" rtl="0" eaLnBrk="1" latinLnBrk="0" hangingPunct="1">
+      <a:defRPr sz="1200" kern="1200">
+        <a:solidFill>
+          <a:schemeClr val="tx1"/>
+        </a:solidFill>
+        <a:latin typeface="+mn-lt"/>
+        <a:ea typeface="+mn-ea"/>
+        <a:cs typeface="+mn-cs"/>
+      </a:defRPr>
+    </a:lvl9pPr>
+  </p:notesStyle>
+</p:notesMaster>
+</file>
+
+<file path=ppt/notesSlides/notesSlide1.xml><?xml version="1.0" encoding="utf-8"?>
+<p:notes xmlns:a="http://schemas.openxmlformats.org/drawingml/2006/main" xmlns:r="http://schemas.openxmlformats.org/officeDocument/2006/relationships" xmlns:p="http://schemas.openxmlformats.org/presentationml/2006/main">
+  <p:cSld>
+    <p:spTree>
+      <p:nvGrpSpPr>
+        <p:cNvPr id="1" name=""/>
+        <p:cNvGrpSpPr/>
+        <p:nvPr/>
+      </p:nvGrpSpPr>
+      <p:grpSpPr>
+        <a:xfrm>
+          <a:off x="0" y="0"/>
+          <a:ext cx="0" cy="0"/>
+          <a:chOff x="0" y="0"/>
+          <a:chExt cx="0" cy="0"/>
+        </a:xfrm>
+      </p:grpSpPr>
+      <p:sp>
+        <p:nvSpPr>
+          <p:cNvPr id="2" name="Slide Image Placeholder 1"/>
+          <p:cNvSpPr>
+            <a:spLocks noGrp="1" noRot="1" noChangeAspect="1"/>
+          </p:cNvSpPr>
+          <p:nvPr>
+            <p:ph type="sldImg"/>
+          </p:nvPr>
+        </p:nvSpPr>
+        <p:spPr/>
+      </p:sp>
+      <p:sp>
+        <p:nvSpPr>
+          <p:cNvPr id="3" name="Notes Placeholder 2"/>
+          <p:cNvSpPr>
+            <a:spLocks noGrp="1"/>
+          </p:cNvSpPr>
+          <p:nvPr>
+            <p:ph type="body" idx="1"/>
+          </p:nvPr>
+        </p:nvSpPr>
+        <p:spPr/>
+        <p:txBody>
+          <a:bodyPr/>
+          <a:lstStyle/>
+          <a:p>
+            <a:pPr marL="0" indent="0">
+              <a:buNone/>
+            </a:pPr>
+            <a:r>
+              <a:rPr lang="da-DK" sz="1200" dirty="0">
+                <a:latin typeface="Calibri" panose="020F0502020204030204" pitchFamily="34" charset="0"/>
+                <a:ea typeface="Calibri" panose="020F0502020204030204" pitchFamily="34" charset="0"/>
+                <a:cs typeface="Times New Roman" panose="02020603050405020304" pitchFamily="18" charset="0"/>
+              </a:rPr>
+              <a:t>Steps </a:t>
+            </a:r>
+            <a:r>
+              <a:rPr lang="da-DK" sz="1200" dirty="0" err="1">
+                <a:latin typeface="Calibri" panose="020F0502020204030204" pitchFamily="34" charset="0"/>
+                <a:ea typeface="Calibri" panose="020F0502020204030204" pitchFamily="34" charset="0"/>
+                <a:cs typeface="Times New Roman" panose="02020603050405020304" pitchFamily="18" charset="0"/>
+              </a:rPr>
+              <a:t>considered</a:t>
+            </a:r>
+            <a:r>
+              <a:rPr lang="da-DK" sz="1200" dirty="0">
+                <a:latin typeface="Calibri" panose="020F0502020204030204" pitchFamily="34" charset="0"/>
+                <a:ea typeface="Calibri" panose="020F0502020204030204" pitchFamily="34" charset="0"/>
+                <a:cs typeface="Times New Roman" panose="02020603050405020304" pitchFamily="18" charset="0"/>
+              </a:rPr>
+              <a:t> to </a:t>
+            </a:r>
+            <a:r>
+              <a:rPr lang="da-DK" sz="1200" dirty="0" err="1">
+                <a:latin typeface="Calibri" panose="020F0502020204030204" pitchFamily="34" charset="0"/>
+                <a:ea typeface="Calibri" panose="020F0502020204030204" pitchFamily="34" charset="0"/>
+                <a:cs typeface="Times New Roman" panose="02020603050405020304" pitchFamily="18" charset="0"/>
+              </a:rPr>
+              <a:t>define</a:t>
+            </a:r>
+            <a:r>
+              <a:rPr lang="da-DK" sz="1200" dirty="0">
+                <a:latin typeface="Calibri" panose="020F0502020204030204" pitchFamily="34" charset="0"/>
+                <a:ea typeface="Calibri" panose="020F0502020204030204" pitchFamily="34" charset="0"/>
+                <a:cs typeface="Times New Roman" panose="02020603050405020304" pitchFamily="18" charset="0"/>
+              </a:rPr>
+              <a:t> th scenarios</a:t>
+            </a:r>
+          </a:p>
+          <a:p>
+            <a:pPr marL="0" indent="0">
+              <a:buNone/>
+            </a:pPr>
+            <a:r>
+              <a:rPr lang="da-DK" sz="1200" dirty="0">
+                <a:latin typeface="Calibri" panose="020F0502020204030204" pitchFamily="34" charset="0"/>
+                <a:ea typeface="Calibri" panose="020F0502020204030204" pitchFamily="34" charset="0"/>
+                <a:cs typeface="Times New Roman" panose="02020603050405020304" pitchFamily="18" charset="0"/>
+              </a:rPr>
+              <a:t>	Understand the purpose</a:t>
+            </a:r>
+          </a:p>
+          <a:p>
+            <a:pPr marL="0" indent="0">
+              <a:buNone/>
+            </a:pPr>
+            <a:r>
+              <a:rPr lang="da-DK" sz="1200" dirty="0">
+                <a:latin typeface="Calibri" panose="020F0502020204030204" pitchFamily="34" charset="0"/>
+                <a:ea typeface="Calibri" panose="020F0502020204030204" pitchFamily="34" charset="0"/>
+                <a:cs typeface="Times New Roman" panose="02020603050405020304" pitchFamily="18" charset="0"/>
+              </a:rPr>
+              <a:t>	</a:t>
+            </a:r>
+            <a:r>
+              <a:rPr lang="da-DK" sz="1200" dirty="0" err="1">
+                <a:latin typeface="Calibri" panose="020F0502020204030204" pitchFamily="34" charset="0"/>
+                <a:ea typeface="Calibri" panose="020F0502020204030204" pitchFamily="34" charset="0"/>
+                <a:cs typeface="Times New Roman" panose="02020603050405020304" pitchFamily="18" charset="0"/>
+              </a:rPr>
+              <a:t>Gather</a:t>
+            </a:r>
+            <a:r>
+              <a:rPr lang="da-DK" sz="1200" dirty="0">
+                <a:latin typeface="Calibri" panose="020F0502020204030204" pitchFamily="34" charset="0"/>
+                <a:ea typeface="Calibri" panose="020F0502020204030204" pitchFamily="34" charset="0"/>
+                <a:cs typeface="Times New Roman" panose="02020603050405020304" pitchFamily="18" charset="0"/>
+              </a:rPr>
+              <a:t> </a:t>
+            </a:r>
+            <a:r>
+              <a:rPr lang="da-DK" sz="1200" dirty="0" err="1">
+                <a:latin typeface="Calibri" panose="020F0502020204030204" pitchFamily="34" charset="0"/>
+                <a:ea typeface="Calibri" panose="020F0502020204030204" pitchFamily="34" charset="0"/>
+                <a:cs typeface="Times New Roman" panose="02020603050405020304" pitchFamily="18" charset="0"/>
+              </a:rPr>
+              <a:t>Requirements</a:t>
+            </a:r>
+            <a:r>
+              <a:rPr lang="da-DK" sz="1200" dirty="0">
+                <a:latin typeface="Calibri" panose="020F0502020204030204" pitchFamily="34" charset="0"/>
+                <a:ea typeface="Calibri" panose="020F0502020204030204" pitchFamily="34" charset="0"/>
+                <a:cs typeface="Times New Roman" panose="02020603050405020304" pitchFamily="18" charset="0"/>
+              </a:rPr>
+              <a:t> and Information</a:t>
+            </a:r>
+          </a:p>
+          <a:p>
+            <a:pPr marL="0" indent="0">
+              <a:buNone/>
+            </a:pPr>
+            <a:r>
+              <a:rPr lang="da-DK" sz="1200" dirty="0">
+                <a:latin typeface="Calibri" panose="020F0502020204030204" pitchFamily="34" charset="0"/>
+                <a:ea typeface="Calibri" panose="020F0502020204030204" pitchFamily="34" charset="0"/>
+                <a:cs typeface="Times New Roman" panose="02020603050405020304" pitchFamily="18" charset="0"/>
+              </a:rPr>
+              <a:t>	</a:t>
+            </a:r>
+            <a:r>
+              <a:rPr lang="da-DK" sz="1200" dirty="0" err="1">
+                <a:latin typeface="Calibri" panose="020F0502020204030204" pitchFamily="34" charset="0"/>
+                <a:ea typeface="Calibri" panose="020F0502020204030204" pitchFamily="34" charset="0"/>
+                <a:cs typeface="Times New Roman" panose="02020603050405020304" pitchFamily="18" charset="0"/>
+              </a:rPr>
+              <a:t>Define</a:t>
+            </a:r>
+            <a:r>
+              <a:rPr lang="da-DK" sz="1200" dirty="0">
+                <a:latin typeface="Calibri" panose="020F0502020204030204" pitchFamily="34" charset="0"/>
+                <a:ea typeface="Calibri" panose="020F0502020204030204" pitchFamily="34" charset="0"/>
+                <a:cs typeface="Times New Roman" panose="02020603050405020304" pitchFamily="18" charset="0"/>
+              </a:rPr>
+              <a:t> the </a:t>
+            </a:r>
+            <a:r>
+              <a:rPr lang="da-DK" sz="1200" dirty="0" err="1">
+                <a:latin typeface="Calibri" panose="020F0502020204030204" pitchFamily="34" charset="0"/>
+                <a:ea typeface="Calibri" panose="020F0502020204030204" pitchFamily="34" charset="0"/>
+                <a:cs typeface="Times New Roman" panose="02020603050405020304" pitchFamily="18" charset="0"/>
+              </a:rPr>
+              <a:t>Actors</a:t>
+            </a:r>
+            <a:endParaRPr lang="da-DK" sz="1200" dirty="0">
+              <a:latin typeface="Calibri" panose="020F0502020204030204" pitchFamily="34" charset="0"/>
+              <a:ea typeface="Calibri" panose="020F0502020204030204" pitchFamily="34" charset="0"/>
+              <a:cs typeface="Times New Roman" panose="02020603050405020304" pitchFamily="18" charset="0"/>
+            </a:endParaRPr>
+          </a:p>
+          <a:p>
+            <a:pPr marL="0" indent="0">
+              <a:buNone/>
+            </a:pPr>
+            <a:r>
+              <a:rPr lang="da-DK" sz="1200" dirty="0">
+                <a:latin typeface="Calibri" panose="020F0502020204030204" pitchFamily="34" charset="0"/>
+                <a:ea typeface="Calibri" panose="020F0502020204030204" pitchFamily="34" charset="0"/>
+                <a:cs typeface="Times New Roman" panose="02020603050405020304" pitchFamily="18" charset="0"/>
+              </a:rPr>
+              <a:t>	Create the scenario outline</a:t>
+            </a:r>
+          </a:p>
+          <a:p>
+            <a:pPr marL="0" indent="0">
+              <a:buNone/>
+            </a:pPr>
+            <a:r>
+              <a:rPr lang="da-DK" sz="1200" dirty="0">
+                <a:latin typeface="Calibri" panose="020F0502020204030204" pitchFamily="34" charset="0"/>
+                <a:ea typeface="Calibri" panose="020F0502020204030204" pitchFamily="34" charset="0"/>
+                <a:cs typeface="Times New Roman" panose="02020603050405020304" pitchFamily="18" charset="0"/>
+              </a:rPr>
+              <a:t>	Consider variations and Edge cases</a:t>
+            </a:r>
+          </a:p>
+          <a:p>
+            <a:pPr marL="0" indent="0">
+              <a:buNone/>
+            </a:pPr>
+            <a:r>
+              <a:rPr lang="da-DK" sz="1200" dirty="0">
+                <a:latin typeface="Calibri" panose="020F0502020204030204" pitchFamily="34" charset="0"/>
+                <a:ea typeface="Calibri" panose="020F0502020204030204" pitchFamily="34" charset="0"/>
+                <a:cs typeface="Times New Roman" panose="02020603050405020304" pitchFamily="18" charset="0"/>
+              </a:rPr>
+              <a:t>	Document the scenario</a:t>
+            </a:r>
+          </a:p>
+          <a:p>
+            <a:pPr marL="0" indent="0">
+              <a:buNone/>
+            </a:pPr>
+            <a:r>
+              <a:rPr lang="da-DK" sz="1200" dirty="0">
+                <a:latin typeface="Calibri" panose="020F0502020204030204" pitchFamily="34" charset="0"/>
+                <a:ea typeface="Calibri" panose="020F0502020204030204" pitchFamily="34" charset="0"/>
+                <a:cs typeface="Times New Roman" panose="02020603050405020304" pitchFamily="18" charset="0"/>
+              </a:rPr>
+              <a:t>	Review and Validate</a:t>
+            </a:r>
+          </a:p>
+          <a:p>
+            <a:pPr marL="0" indent="0">
+              <a:buNone/>
+            </a:pPr>
+            <a:r>
+              <a:rPr lang="da-DK" sz="1200" dirty="0">
+                <a:latin typeface="Calibri" panose="020F0502020204030204" pitchFamily="34" charset="0"/>
+                <a:ea typeface="Calibri" panose="020F0502020204030204" pitchFamily="34" charset="0"/>
+                <a:cs typeface="Times New Roman" panose="02020603050405020304" pitchFamily="18" charset="0"/>
+              </a:rPr>
+              <a:t>	Implement and Test</a:t>
+            </a:r>
+          </a:p>
+          <a:p>
+            <a:endParaRPr lang="en-GB" dirty="0"/>
+          </a:p>
+        </p:txBody>
+      </p:sp>
+      <p:sp>
+        <p:nvSpPr>
+          <p:cNvPr id="4" name="Slide Number Placeholder 3"/>
+          <p:cNvSpPr>
+            <a:spLocks noGrp="1"/>
+          </p:cNvSpPr>
+          <p:nvPr>
+            <p:ph type="sldNum" sz="quarter" idx="5"/>
+          </p:nvPr>
+        </p:nvSpPr>
+        <p:spPr/>
+        <p:txBody>
+          <a:bodyPr/>
+          <a:lstStyle/>
+          <a:p>
+            <a:fld id="{2556F795-829C-4809-8D18-620ECF622203}" type="slidenum">
+              <a:rPr lang="en-GB" smtClean="0"/>
+              <a:t>2</a:t>
+            </a:fld>
+            <a:endParaRPr lang="en-GB"/>
+          </a:p>
+        </p:txBody>
+      </p:sp>
+    </p:spTree>
+    <p:extLst>
+      <p:ext uri="{BB962C8B-B14F-4D97-AF65-F5344CB8AC3E}">
+        <p14:creationId xmlns:p14="http://schemas.microsoft.com/office/powerpoint/2010/main" val="911182702"/>
+      </p:ext>
+    </p:extLst>
+  </p:cSld>
+  <p:clrMapOvr>
+    <a:masterClrMapping/>
+  </p:clrMapOvr>
+</p:notes>
 </file>
 
 <file path=ppt/slideLayouts/slideLayout1.xml><?xml version="1.0" encoding="utf-8"?>
@@ -6177,1714 +6824,71 @@
       </p:grpSpPr>
       <p:sp>
         <p:nvSpPr>
-          <p:cNvPr id="4" name="Rectangle 1">
+          <p:cNvPr id="2" name="Title 1">
             <a:extLst>
               <a:ext uri="{FF2B5EF4-FFF2-40B4-BE49-F238E27FC236}">
-                <a16:creationId xmlns:a16="http://schemas.microsoft.com/office/drawing/2014/main" id="{EFBEAE84-1D3D-CBDE-7E5D-E74102BDFE4D}"/>
+                <a16:creationId xmlns:a16="http://schemas.microsoft.com/office/drawing/2014/main" id="{89237210-2C33-57A8-F271-9DBAE07A53DD}"/>
               </a:ext>
             </a:extLst>
           </p:cNvPr>
           <p:cNvSpPr>
-            <a:spLocks noGrp="1" noChangeArrowheads="1"/>
-          </p:cNvSpPr>
-          <p:nvPr>
-            <p:ph idx="1"/>
-          </p:nvPr>
-        </p:nvSpPr>
-        <p:spPr bwMode="auto">
+            <a:spLocks noGrp="1"/>
+          </p:cNvSpPr>
+          <p:nvPr>
+            <p:ph type="title"/>
+          </p:nvPr>
+        </p:nvSpPr>
+        <p:spPr>
           <a:xfrm>
-            <a:off x="1484313" y="481013"/>
-            <a:ext cx="10018712" cy="5310187"/>
+            <a:off x="1484311" y="233311"/>
+            <a:ext cx="10018713" cy="833489"/>
+          </a:xfrm>
+        </p:spPr>
+        <p:txBody>
+          <a:bodyPr/>
+          <a:lstStyle/>
+          <a:p>
+            <a:r>
+              <a:rPr lang="en-GB" dirty="0"/>
+              <a:t>Bug Report</a:t>
+            </a:r>
+          </a:p>
+        </p:txBody>
+      </p:sp>
+      <p:pic>
+        <p:nvPicPr>
+          <p:cNvPr id="7" name="Picture 6">
+            <a:extLst>
+              <a:ext uri="{FF2B5EF4-FFF2-40B4-BE49-F238E27FC236}">
+                <a16:creationId xmlns:a16="http://schemas.microsoft.com/office/drawing/2014/main" id="{3853A250-9230-4C28-2298-38B12BC84152}"/>
+              </a:ext>
+            </a:extLst>
+          </p:cNvPr>
+          <p:cNvPicPr>
+            <a:picLocks noChangeAspect="1"/>
+          </p:cNvPicPr>
+          <p:nvPr/>
+        </p:nvPicPr>
+        <p:blipFill>
+          <a:blip r:embed="rId2"/>
+          <a:stretch>
+            <a:fillRect/>
+          </a:stretch>
+        </p:blipFill>
+        <p:spPr>
+          <a:xfrm>
+            <a:off x="1588008" y="1072535"/>
+            <a:ext cx="10327476" cy="4901470"/>
           </a:xfrm>
           <a:prstGeom prst="rect">
             <a:avLst/>
           </a:prstGeom>
-          <a:solidFill>
-            <a:srgbClr val="2B2B2B"/>
-          </a:solidFill>
-          <a:ln>
-            <a:noFill/>
-          </a:ln>
-          <a:effectLst/>
-          <a:extLst>
-            <a:ext uri="{91240B29-F687-4F45-9708-019B960494DF}">
-              <a14:hiddenLine xmlns:a14="http://schemas.microsoft.com/office/drawing/2010/main" w="9525">
-                <a:solidFill>
-                  <a:schemeClr val="tx1"/>
-                </a:solidFill>
-                <a:miter lim="800000"/>
-                <a:headEnd/>
-                <a:tailEnd/>
-              </a14:hiddenLine>
-            </a:ext>
-            <a:ext uri="{AF507438-7753-43E0-B8FC-AC1667EBCBE1}">
-              <a14:hiddenEffects xmlns:a14="http://schemas.microsoft.com/office/drawing/2010/main">
-                <a:effectLst>
-                  <a:outerShdw dist="35921" dir="2700000" algn="ctr" rotWithShape="0">
-                    <a:schemeClr val="bg2"/>
-                  </a:outerShdw>
-                </a:effectLst>
-              </a14:hiddenEffects>
-            </a:ext>
-          </a:extLst>
         </p:spPr>
-        <p:txBody>
-          <a:bodyPr vert="horz" wrap="none" lIns="91440" tIns="45720" rIns="91440" bIns="45720" numCol="1" anchor="ctr" anchorCtr="0" compatLnSpc="1">
-            <a:prstTxWarp prst="textNoShape">
-              <a:avLst/>
-            </a:prstTxWarp>
-            <a:spAutoFit/>
-          </a:bodyPr>
-          <a:lstStyle/>
-          <a:p>
-            <a:pPr marL="0" marR="0" lvl="0" indent="0" algn="l" defTabSz="914400" rtl="0" eaLnBrk="0" fontAlgn="base" latinLnBrk="0" hangingPunct="0">
-              <a:lnSpc>
-                <a:spcPct val="100000"/>
-              </a:lnSpc>
-              <a:spcBef>
-                <a:spcPct val="0"/>
-              </a:spcBef>
-              <a:spcAft>
-                <a:spcPct val="0"/>
-              </a:spcAft>
-              <a:buClrTx/>
-              <a:buSzTx/>
-              <a:buFontTx/>
-              <a:buNone/>
-              <a:tabLst/>
-            </a:pPr>
-            <a:r>
-              <a:rPr kumimoji="0" lang="en-US" altLang="en-US" sz="900" b="0" i="0" u="none" strike="noStrike" cap="none" normalizeH="0" baseline="0">
-                <a:ln>
-                  <a:noFill/>
-                </a:ln>
-                <a:solidFill>
-                  <a:srgbClr val="CC7832"/>
-                </a:solidFill>
-                <a:effectLst/>
-                <a:latin typeface="JetBrains Mono"/>
-              </a:rPr>
-              <a:t>from </a:t>
-            </a:r>
-            <a:r>
-              <a:rPr kumimoji="0" lang="en-US" altLang="en-US" sz="900" b="0" i="0" u="none" strike="noStrike" cap="none" normalizeH="0" baseline="0">
-                <a:ln>
-                  <a:noFill/>
-                </a:ln>
-                <a:solidFill>
-                  <a:srgbClr val="A9B7C6"/>
-                </a:solidFill>
-                <a:effectLst/>
-                <a:latin typeface="JetBrains Mono"/>
-              </a:rPr>
-              <a:t>behave </a:t>
-            </a:r>
-            <a:r>
-              <a:rPr kumimoji="0" lang="en-US" altLang="en-US" sz="900" b="0" i="0" u="none" strike="noStrike" cap="none" normalizeH="0" baseline="0">
-                <a:ln>
-                  <a:noFill/>
-                </a:ln>
-                <a:solidFill>
-                  <a:srgbClr val="CC7832"/>
-                </a:solidFill>
-                <a:effectLst/>
-                <a:latin typeface="JetBrains Mono"/>
-              </a:rPr>
-              <a:t>import </a:t>
-            </a:r>
-            <a:r>
-              <a:rPr kumimoji="0" lang="en-US" altLang="en-US" sz="900" b="0" i="0" u="none" strike="noStrike" cap="none" normalizeH="0" baseline="0">
-                <a:ln>
-                  <a:noFill/>
-                </a:ln>
-                <a:solidFill>
-                  <a:srgbClr val="A9B7C6"/>
-                </a:solidFill>
-                <a:effectLst/>
-                <a:latin typeface="JetBrains Mono"/>
-              </a:rPr>
-              <a:t>*</a:t>
-            </a:r>
-            <a:br>
-              <a:rPr kumimoji="0" lang="en-US" altLang="en-US" sz="900" b="0" i="0" u="none" strike="noStrike" cap="none" normalizeH="0" baseline="0">
-                <a:ln>
-                  <a:noFill/>
-                </a:ln>
-                <a:solidFill>
-                  <a:srgbClr val="A9B7C6"/>
-                </a:solidFill>
-                <a:effectLst/>
-                <a:latin typeface="JetBrains Mono"/>
-              </a:rPr>
-            </a:br>
-            <a:r>
-              <a:rPr kumimoji="0" lang="en-US" altLang="en-US" sz="900" b="0" i="0" u="none" strike="noStrike" cap="none" normalizeH="0" baseline="0">
-                <a:ln>
-                  <a:noFill/>
-                </a:ln>
-                <a:solidFill>
-                  <a:srgbClr val="CC7832"/>
-                </a:solidFill>
-                <a:effectLst/>
-                <a:latin typeface="JetBrains Mono"/>
-              </a:rPr>
-              <a:t>from </a:t>
-            </a:r>
-            <a:r>
-              <a:rPr kumimoji="0" lang="en-US" altLang="en-US" sz="900" b="0" i="0" u="none" strike="noStrike" cap="none" normalizeH="0" baseline="0">
-                <a:ln>
-                  <a:noFill/>
-                </a:ln>
-                <a:solidFill>
-                  <a:srgbClr val="A9B7C6"/>
-                </a:solidFill>
-                <a:effectLst/>
-                <a:latin typeface="JetBrains Mono"/>
-              </a:rPr>
-              <a:t>selenium </a:t>
-            </a:r>
-            <a:r>
-              <a:rPr kumimoji="0" lang="en-US" altLang="en-US" sz="900" b="0" i="0" u="none" strike="noStrike" cap="none" normalizeH="0" baseline="0">
-                <a:ln>
-                  <a:noFill/>
-                </a:ln>
-                <a:solidFill>
-                  <a:srgbClr val="CC7832"/>
-                </a:solidFill>
-                <a:effectLst/>
-                <a:latin typeface="JetBrains Mono"/>
-              </a:rPr>
-              <a:t>import </a:t>
-            </a:r>
-            <a:r>
-              <a:rPr kumimoji="0" lang="en-US" altLang="en-US" sz="900" b="0" i="0" u="none" strike="noStrike" cap="none" normalizeH="0" baseline="0">
-                <a:ln>
-                  <a:noFill/>
-                </a:ln>
-                <a:solidFill>
-                  <a:srgbClr val="A9B7C6"/>
-                </a:solidFill>
-                <a:effectLst/>
-                <a:latin typeface="JetBrains Mono"/>
-              </a:rPr>
-              <a:t>webdriver</a:t>
-            </a:r>
-            <a:br>
-              <a:rPr kumimoji="0" lang="en-US" altLang="en-US" sz="900" b="0" i="0" u="none" strike="noStrike" cap="none" normalizeH="0" baseline="0">
-                <a:ln>
-                  <a:noFill/>
-                </a:ln>
-                <a:solidFill>
-                  <a:srgbClr val="A9B7C6"/>
-                </a:solidFill>
-                <a:effectLst/>
-                <a:latin typeface="JetBrains Mono"/>
-              </a:rPr>
-            </a:br>
-            <a:r>
-              <a:rPr kumimoji="0" lang="en-US" altLang="en-US" sz="900" b="0" i="0" u="none" strike="noStrike" cap="none" normalizeH="0" baseline="0">
-                <a:ln>
-                  <a:noFill/>
-                </a:ln>
-                <a:solidFill>
-                  <a:srgbClr val="CC7832"/>
-                </a:solidFill>
-                <a:effectLst/>
-                <a:latin typeface="JetBrains Mono"/>
-              </a:rPr>
-              <a:t>from </a:t>
-            </a:r>
-            <a:r>
-              <a:rPr kumimoji="0" lang="en-US" altLang="en-US" sz="900" b="0" i="0" u="none" strike="noStrike" cap="none" normalizeH="0" baseline="0">
-                <a:ln>
-                  <a:noFill/>
-                </a:ln>
-                <a:solidFill>
-                  <a:srgbClr val="A9B7C6"/>
-                </a:solidFill>
-                <a:effectLst/>
-                <a:latin typeface="JetBrains Mono"/>
-              </a:rPr>
-              <a:t>selenium.webdriver.common.action_chains </a:t>
-            </a:r>
-            <a:r>
-              <a:rPr kumimoji="0" lang="en-US" altLang="en-US" sz="900" b="0" i="0" u="none" strike="noStrike" cap="none" normalizeH="0" baseline="0">
-                <a:ln>
-                  <a:noFill/>
-                </a:ln>
-                <a:solidFill>
-                  <a:srgbClr val="CC7832"/>
-                </a:solidFill>
-                <a:effectLst/>
-                <a:latin typeface="JetBrains Mono"/>
-              </a:rPr>
-              <a:t>import </a:t>
-            </a:r>
-            <a:r>
-              <a:rPr kumimoji="0" lang="en-US" altLang="en-US" sz="900" b="0" i="0" u="none" strike="noStrike" cap="none" normalizeH="0" baseline="0">
-                <a:ln>
-                  <a:noFill/>
-                </a:ln>
-                <a:solidFill>
-                  <a:srgbClr val="A9B7C6"/>
-                </a:solidFill>
-                <a:effectLst/>
-                <a:latin typeface="JetBrains Mono"/>
-              </a:rPr>
-              <a:t>ActionChains</a:t>
-            </a:r>
-            <a:br>
-              <a:rPr kumimoji="0" lang="en-US" altLang="en-US" sz="900" b="0" i="0" u="none" strike="noStrike" cap="none" normalizeH="0" baseline="0">
-                <a:ln>
-                  <a:noFill/>
-                </a:ln>
-                <a:solidFill>
-                  <a:srgbClr val="A9B7C6"/>
-                </a:solidFill>
-                <a:effectLst/>
-                <a:latin typeface="JetBrains Mono"/>
-              </a:rPr>
-            </a:br>
-            <a:r>
-              <a:rPr kumimoji="0" lang="en-US" altLang="en-US" sz="900" b="0" i="0" u="none" strike="noStrike" cap="none" normalizeH="0" baseline="0">
-                <a:ln>
-                  <a:noFill/>
-                </a:ln>
-                <a:solidFill>
-                  <a:srgbClr val="CC7832"/>
-                </a:solidFill>
-                <a:effectLst/>
-                <a:latin typeface="JetBrains Mono"/>
-              </a:rPr>
-              <a:t>from </a:t>
-            </a:r>
-            <a:r>
-              <a:rPr kumimoji="0" lang="en-US" altLang="en-US" sz="900" b="0" i="0" u="none" strike="noStrike" cap="none" normalizeH="0" baseline="0">
-                <a:ln>
-                  <a:noFill/>
-                </a:ln>
-                <a:solidFill>
-                  <a:srgbClr val="A9B7C6"/>
-                </a:solidFill>
-                <a:effectLst/>
-                <a:latin typeface="JetBrains Mono"/>
-              </a:rPr>
-              <a:t>selenium.webdriver.common.by </a:t>
-            </a:r>
-            <a:r>
-              <a:rPr kumimoji="0" lang="en-US" altLang="en-US" sz="900" b="0" i="0" u="none" strike="noStrike" cap="none" normalizeH="0" baseline="0">
-                <a:ln>
-                  <a:noFill/>
-                </a:ln>
-                <a:solidFill>
-                  <a:srgbClr val="CC7832"/>
-                </a:solidFill>
-                <a:effectLst/>
-                <a:latin typeface="JetBrains Mono"/>
-              </a:rPr>
-              <a:t>import </a:t>
-            </a:r>
-            <a:r>
-              <a:rPr kumimoji="0" lang="en-US" altLang="en-US" sz="900" b="0" i="0" u="none" strike="noStrike" cap="none" normalizeH="0" baseline="0">
-                <a:ln>
-                  <a:noFill/>
-                </a:ln>
-                <a:solidFill>
-                  <a:srgbClr val="A9B7C6"/>
-                </a:solidFill>
-                <a:effectLst/>
-                <a:latin typeface="JetBrains Mono"/>
-              </a:rPr>
-              <a:t>By</a:t>
-            </a:r>
-            <a:br>
-              <a:rPr kumimoji="0" lang="en-US" altLang="en-US" sz="900" b="0" i="0" u="none" strike="noStrike" cap="none" normalizeH="0" baseline="0">
-                <a:ln>
-                  <a:noFill/>
-                </a:ln>
-                <a:solidFill>
-                  <a:srgbClr val="A9B7C6"/>
-                </a:solidFill>
-                <a:effectLst/>
-                <a:latin typeface="JetBrains Mono"/>
-              </a:rPr>
-            </a:br>
-            <a:r>
-              <a:rPr kumimoji="0" lang="en-US" altLang="en-US" sz="900" b="0" i="0" u="none" strike="noStrike" cap="none" normalizeH="0" baseline="0">
-                <a:ln>
-                  <a:noFill/>
-                </a:ln>
-                <a:solidFill>
-                  <a:srgbClr val="CC7832"/>
-                </a:solidFill>
-                <a:effectLst/>
-                <a:latin typeface="JetBrains Mono"/>
-              </a:rPr>
-              <a:t>from </a:t>
-            </a:r>
-            <a:r>
-              <a:rPr kumimoji="0" lang="en-US" altLang="en-US" sz="900" b="0" i="0" u="none" strike="noStrike" cap="none" normalizeH="0" baseline="0">
-                <a:ln>
-                  <a:noFill/>
-                </a:ln>
-                <a:solidFill>
-                  <a:srgbClr val="A9B7C6"/>
-                </a:solidFill>
-                <a:effectLst/>
-                <a:latin typeface="JetBrains Mono"/>
-              </a:rPr>
-              <a:t>selenium.webdriver.support.ui </a:t>
-            </a:r>
-            <a:r>
-              <a:rPr kumimoji="0" lang="en-US" altLang="en-US" sz="900" b="0" i="0" u="none" strike="noStrike" cap="none" normalizeH="0" baseline="0">
-                <a:ln>
-                  <a:noFill/>
-                </a:ln>
-                <a:solidFill>
-                  <a:srgbClr val="CC7832"/>
-                </a:solidFill>
-                <a:effectLst/>
-                <a:latin typeface="JetBrains Mono"/>
-              </a:rPr>
-              <a:t>import </a:t>
-            </a:r>
-            <a:r>
-              <a:rPr kumimoji="0" lang="en-US" altLang="en-US" sz="900" b="0" i="0" u="none" strike="noStrike" cap="none" normalizeH="0" baseline="0">
-                <a:ln>
-                  <a:noFill/>
-                </a:ln>
-                <a:solidFill>
-                  <a:srgbClr val="A9B7C6"/>
-                </a:solidFill>
-                <a:effectLst/>
-                <a:latin typeface="JetBrains Mono"/>
-              </a:rPr>
-              <a:t>WebDriverWait</a:t>
-            </a:r>
-            <a:br>
-              <a:rPr kumimoji="0" lang="en-US" altLang="en-US" sz="900" b="0" i="0" u="none" strike="noStrike" cap="none" normalizeH="0" baseline="0">
-                <a:ln>
-                  <a:noFill/>
-                </a:ln>
-                <a:solidFill>
-                  <a:srgbClr val="A9B7C6"/>
-                </a:solidFill>
-                <a:effectLst/>
-                <a:latin typeface="JetBrains Mono"/>
-              </a:rPr>
-            </a:br>
-            <a:r>
-              <a:rPr kumimoji="0" lang="en-US" altLang="en-US" sz="900" b="0" i="0" u="none" strike="noStrike" cap="none" normalizeH="0" baseline="0">
-                <a:ln>
-                  <a:noFill/>
-                </a:ln>
-                <a:solidFill>
-                  <a:srgbClr val="CC7832"/>
-                </a:solidFill>
-                <a:effectLst/>
-                <a:latin typeface="JetBrains Mono"/>
-              </a:rPr>
-              <a:t>from </a:t>
-            </a:r>
-            <a:r>
-              <a:rPr kumimoji="0" lang="en-US" altLang="en-US" sz="900" b="0" i="0" u="none" strike="noStrike" cap="none" normalizeH="0" baseline="0">
-                <a:ln>
-                  <a:noFill/>
-                </a:ln>
-                <a:solidFill>
-                  <a:srgbClr val="A9B7C6"/>
-                </a:solidFill>
-                <a:effectLst/>
-                <a:latin typeface="JetBrains Mono"/>
-              </a:rPr>
-              <a:t>selenium.webdriver.support </a:t>
-            </a:r>
-            <a:r>
-              <a:rPr kumimoji="0" lang="en-US" altLang="en-US" sz="900" b="0" i="0" u="none" strike="noStrike" cap="none" normalizeH="0" baseline="0">
-                <a:ln>
-                  <a:noFill/>
-                </a:ln>
-                <a:solidFill>
-                  <a:srgbClr val="CC7832"/>
-                </a:solidFill>
-                <a:effectLst/>
-                <a:latin typeface="JetBrains Mono"/>
-              </a:rPr>
-              <a:t>import </a:t>
-            </a:r>
-            <a:r>
-              <a:rPr kumimoji="0" lang="en-US" altLang="en-US" sz="900" b="0" i="0" u="none" strike="noStrike" cap="none" normalizeH="0" baseline="0">
-                <a:ln>
-                  <a:noFill/>
-                </a:ln>
-                <a:solidFill>
-                  <a:srgbClr val="A9B7C6"/>
-                </a:solidFill>
-                <a:effectLst/>
-                <a:latin typeface="JetBrains Mono"/>
-              </a:rPr>
-              <a:t>expected_conditions </a:t>
-            </a:r>
-            <a:r>
-              <a:rPr kumimoji="0" lang="en-US" altLang="en-US" sz="900" b="0" i="0" u="none" strike="noStrike" cap="none" normalizeH="0" baseline="0">
-                <a:ln>
-                  <a:noFill/>
-                </a:ln>
-                <a:solidFill>
-                  <a:srgbClr val="CC7832"/>
-                </a:solidFill>
-                <a:effectLst/>
-                <a:latin typeface="JetBrains Mono"/>
-              </a:rPr>
-              <a:t>as </a:t>
-            </a:r>
-            <a:r>
-              <a:rPr kumimoji="0" lang="en-US" altLang="en-US" sz="900" b="0" i="0" u="none" strike="noStrike" cap="none" normalizeH="0" baseline="0">
-                <a:ln>
-                  <a:noFill/>
-                </a:ln>
-                <a:solidFill>
-                  <a:srgbClr val="A9B7C6"/>
-                </a:solidFill>
-                <a:effectLst/>
-                <a:latin typeface="JetBrains Mono"/>
-              </a:rPr>
-              <a:t>EC</a:t>
-            </a:r>
-            <a:br>
-              <a:rPr kumimoji="0" lang="en-US" altLang="en-US" sz="900" b="0" i="0" u="none" strike="noStrike" cap="none" normalizeH="0" baseline="0">
-                <a:ln>
-                  <a:noFill/>
-                </a:ln>
-                <a:solidFill>
-                  <a:srgbClr val="A9B7C6"/>
-                </a:solidFill>
-                <a:effectLst/>
-                <a:latin typeface="JetBrains Mono"/>
-              </a:rPr>
-            </a:br>
-            <a:br>
-              <a:rPr kumimoji="0" lang="en-US" altLang="en-US" sz="900" b="0" i="0" u="none" strike="noStrike" cap="none" normalizeH="0" baseline="0">
-                <a:ln>
-                  <a:noFill/>
-                </a:ln>
-                <a:solidFill>
-                  <a:srgbClr val="A9B7C6"/>
-                </a:solidFill>
-                <a:effectLst/>
-                <a:latin typeface="JetBrains Mono"/>
-              </a:rPr>
-            </a:br>
-            <a:br>
-              <a:rPr kumimoji="0" lang="en-US" altLang="en-US" sz="900" b="0" i="0" u="none" strike="noStrike" cap="none" normalizeH="0" baseline="0">
-                <a:ln>
-                  <a:noFill/>
-                </a:ln>
-                <a:solidFill>
-                  <a:srgbClr val="A9B7C6"/>
-                </a:solidFill>
-                <a:effectLst/>
-                <a:latin typeface="JetBrains Mono"/>
-              </a:rPr>
-            </a:br>
-            <a:r>
-              <a:rPr kumimoji="0" lang="en-US" altLang="en-US" sz="900" b="0" i="0" u="none" strike="noStrike" cap="none" normalizeH="0" baseline="0">
-                <a:ln>
-                  <a:noFill/>
-                </a:ln>
-                <a:solidFill>
-                  <a:srgbClr val="BBB529"/>
-                </a:solidFill>
-                <a:effectLst/>
-                <a:latin typeface="JetBrains Mono"/>
-              </a:rPr>
-              <a:t>@given</a:t>
-            </a:r>
-            <a:r>
-              <a:rPr kumimoji="0" lang="en-US" altLang="en-US" sz="900" b="0" i="0" u="none" strike="noStrike" cap="none" normalizeH="0" baseline="0">
-                <a:ln>
-                  <a:noFill/>
-                </a:ln>
-                <a:solidFill>
-                  <a:srgbClr val="A9B7C6"/>
-                </a:solidFill>
-                <a:effectLst/>
-                <a:latin typeface="JetBrains Mono"/>
-              </a:rPr>
-              <a:t>(</a:t>
-            </a:r>
-            <a:r>
-              <a:rPr kumimoji="0" lang="en-US" altLang="en-US" sz="900" b="0" i="0" u="none" strike="noStrike" cap="none" normalizeH="0" baseline="0">
-                <a:ln>
-                  <a:noFill/>
-                </a:ln>
-                <a:solidFill>
-                  <a:srgbClr val="6A8759"/>
-                </a:solidFill>
-                <a:effectLst/>
-                <a:latin typeface="JetBrains Mono"/>
-              </a:rPr>
-              <a:t>"I am on the home page of 'rpgroup.com'"</a:t>
-            </a:r>
-            <a:r>
-              <a:rPr kumimoji="0" lang="en-US" altLang="en-US" sz="900" b="0" i="0" u="none" strike="noStrike" cap="none" normalizeH="0" baseline="0">
-                <a:ln>
-                  <a:noFill/>
-                </a:ln>
-                <a:solidFill>
-                  <a:srgbClr val="A9B7C6"/>
-                </a:solidFill>
-                <a:effectLst/>
-                <a:latin typeface="JetBrains Mono"/>
-              </a:rPr>
-              <a:t>)</a:t>
-            </a:r>
-            <a:br>
-              <a:rPr kumimoji="0" lang="en-US" altLang="en-US" sz="900" b="0" i="0" u="none" strike="noStrike" cap="none" normalizeH="0" baseline="0">
-                <a:ln>
-                  <a:noFill/>
-                </a:ln>
-                <a:solidFill>
-                  <a:srgbClr val="A9B7C6"/>
-                </a:solidFill>
-                <a:effectLst/>
-                <a:latin typeface="JetBrains Mono"/>
-              </a:rPr>
-            </a:br>
-            <a:r>
-              <a:rPr kumimoji="0" lang="en-US" altLang="en-US" sz="900" b="0" i="0" u="none" strike="noStrike" cap="none" normalizeH="0" baseline="0">
-                <a:ln>
-                  <a:noFill/>
-                </a:ln>
-                <a:solidFill>
-                  <a:srgbClr val="CC7832"/>
-                </a:solidFill>
-                <a:effectLst/>
-                <a:latin typeface="JetBrains Mono"/>
-              </a:rPr>
-              <a:t>def </a:t>
-            </a:r>
-            <a:r>
-              <a:rPr kumimoji="0" lang="en-US" altLang="en-US" sz="900" b="0" i="0" u="none" strike="noStrike" cap="none" normalizeH="0" baseline="0">
-                <a:ln>
-                  <a:noFill/>
-                </a:ln>
-                <a:solidFill>
-                  <a:srgbClr val="FFC66D"/>
-                </a:solidFill>
-                <a:effectLst/>
-                <a:latin typeface="JetBrains Mono"/>
-              </a:rPr>
-              <a:t>step_impl</a:t>
-            </a:r>
-            <a:r>
-              <a:rPr kumimoji="0" lang="en-US" altLang="en-US" sz="900" b="0" i="0" u="none" strike="noStrike" cap="none" normalizeH="0" baseline="0">
-                <a:ln>
-                  <a:noFill/>
-                </a:ln>
-                <a:solidFill>
-                  <a:srgbClr val="A9B7C6"/>
-                </a:solidFill>
-                <a:effectLst/>
-                <a:latin typeface="JetBrains Mono"/>
-              </a:rPr>
-              <a:t>(context):</a:t>
-            </a:r>
-            <a:br>
-              <a:rPr kumimoji="0" lang="en-US" altLang="en-US" sz="900" b="0" i="0" u="none" strike="noStrike" cap="none" normalizeH="0" baseline="0">
-                <a:ln>
-                  <a:noFill/>
-                </a:ln>
-                <a:solidFill>
-                  <a:srgbClr val="A9B7C6"/>
-                </a:solidFill>
-                <a:effectLst/>
-                <a:latin typeface="JetBrains Mono"/>
-              </a:rPr>
-            </a:br>
-            <a:r>
-              <a:rPr kumimoji="0" lang="en-US" altLang="en-US" sz="900" b="0" i="0" u="none" strike="noStrike" cap="none" normalizeH="0" baseline="0">
-                <a:ln>
-                  <a:noFill/>
-                </a:ln>
-                <a:solidFill>
-                  <a:srgbClr val="A9B7C6"/>
-                </a:solidFill>
-                <a:effectLst/>
-                <a:latin typeface="JetBrains Mono"/>
-              </a:rPr>
-              <a:t>    context.browser = webdriver.Chrome()</a:t>
-            </a:r>
-            <a:br>
-              <a:rPr kumimoji="0" lang="en-US" altLang="en-US" sz="900" b="0" i="0" u="none" strike="noStrike" cap="none" normalizeH="0" baseline="0">
-                <a:ln>
-                  <a:noFill/>
-                </a:ln>
-                <a:solidFill>
-                  <a:srgbClr val="A9B7C6"/>
-                </a:solidFill>
-                <a:effectLst/>
-                <a:latin typeface="JetBrains Mono"/>
-              </a:rPr>
-            </a:br>
-            <a:r>
-              <a:rPr kumimoji="0" lang="en-US" altLang="en-US" sz="900" b="0" i="0" u="none" strike="noStrike" cap="none" normalizeH="0" baseline="0">
-                <a:ln>
-                  <a:noFill/>
-                </a:ln>
-                <a:solidFill>
-                  <a:srgbClr val="A9B7C6"/>
-                </a:solidFill>
-                <a:effectLst/>
-                <a:latin typeface="JetBrains Mono"/>
-              </a:rPr>
-              <a:t>    context.browser.get(</a:t>
-            </a:r>
-            <a:r>
-              <a:rPr kumimoji="0" lang="en-US" altLang="en-US" sz="900" b="0" i="0" u="none" strike="noStrike" cap="none" normalizeH="0" baseline="0">
-                <a:ln>
-                  <a:noFill/>
-                </a:ln>
-                <a:solidFill>
-                  <a:srgbClr val="6A8759"/>
-                </a:solidFill>
-                <a:effectLst/>
-                <a:latin typeface="JetBrains Mono"/>
-              </a:rPr>
-              <a:t>'https://rpgroup.com'</a:t>
-            </a:r>
-            <a:r>
-              <a:rPr kumimoji="0" lang="en-US" altLang="en-US" sz="900" b="0" i="0" u="none" strike="noStrike" cap="none" normalizeH="0" baseline="0">
-                <a:ln>
-                  <a:noFill/>
-                </a:ln>
-                <a:solidFill>
-                  <a:srgbClr val="A9B7C6"/>
-                </a:solidFill>
-                <a:effectLst/>
-                <a:latin typeface="JetBrains Mono"/>
-              </a:rPr>
-              <a:t>)</a:t>
-            </a:r>
-            <a:br>
-              <a:rPr kumimoji="0" lang="en-US" altLang="en-US" sz="900" b="0" i="0" u="none" strike="noStrike" cap="none" normalizeH="0" baseline="0">
-                <a:ln>
-                  <a:noFill/>
-                </a:ln>
-                <a:solidFill>
-                  <a:srgbClr val="A9B7C6"/>
-                </a:solidFill>
-                <a:effectLst/>
-                <a:latin typeface="JetBrains Mono"/>
-              </a:rPr>
-            </a:br>
-            <a:r>
-              <a:rPr kumimoji="0" lang="en-US" altLang="en-US" sz="900" b="0" i="0" u="none" strike="noStrike" cap="none" normalizeH="0" baseline="0">
-                <a:ln>
-                  <a:noFill/>
-                </a:ln>
-                <a:solidFill>
-                  <a:srgbClr val="A9B7C6"/>
-                </a:solidFill>
-                <a:effectLst/>
-                <a:latin typeface="JetBrains Mono"/>
-              </a:rPr>
-              <a:t>    context.browser.maximize_window()</a:t>
-            </a:r>
-            <a:br>
-              <a:rPr kumimoji="0" lang="en-US" altLang="en-US" sz="900" b="0" i="0" u="none" strike="noStrike" cap="none" normalizeH="0" baseline="0">
-                <a:ln>
-                  <a:noFill/>
-                </a:ln>
-                <a:solidFill>
-                  <a:srgbClr val="A9B7C6"/>
-                </a:solidFill>
-                <a:effectLst/>
-                <a:latin typeface="JetBrains Mono"/>
-              </a:rPr>
-            </a:br>
-            <a:r>
-              <a:rPr kumimoji="0" lang="en-US" altLang="en-US" sz="900" b="0" i="0" u="none" strike="noStrike" cap="none" normalizeH="0" baseline="0">
-                <a:ln>
-                  <a:noFill/>
-                </a:ln>
-                <a:solidFill>
-                  <a:srgbClr val="A9B7C6"/>
-                </a:solidFill>
-                <a:effectLst/>
-                <a:latin typeface="JetBrains Mono"/>
-              </a:rPr>
-              <a:t>    context.browser.find_element(By.ID</a:t>
-            </a:r>
-            <a:r>
-              <a:rPr kumimoji="0" lang="en-US" altLang="en-US" sz="900" b="0" i="0" u="none" strike="noStrike" cap="none" normalizeH="0" baseline="0">
-                <a:ln>
-                  <a:noFill/>
-                </a:ln>
-                <a:solidFill>
-                  <a:srgbClr val="CC7832"/>
-                </a:solidFill>
-                <a:effectLst/>
-                <a:latin typeface="JetBrains Mono"/>
-              </a:rPr>
-              <a:t>, </a:t>
-            </a:r>
-            <a:r>
-              <a:rPr kumimoji="0" lang="en-US" altLang="en-US" sz="900" b="0" i="0" u="none" strike="noStrike" cap="none" normalizeH="0" baseline="0">
-                <a:ln>
-                  <a:noFill/>
-                </a:ln>
-                <a:solidFill>
-                  <a:srgbClr val="6A8759"/>
-                </a:solidFill>
-                <a:effectLst/>
-                <a:latin typeface="JetBrains Mono"/>
-              </a:rPr>
-              <a:t>"wpnordic-cookie-care-consent-all-button"</a:t>
-            </a:r>
-            <a:r>
-              <a:rPr kumimoji="0" lang="en-US" altLang="en-US" sz="900" b="0" i="0" u="none" strike="noStrike" cap="none" normalizeH="0" baseline="0">
-                <a:ln>
-                  <a:noFill/>
-                </a:ln>
-                <a:solidFill>
-                  <a:srgbClr val="A9B7C6"/>
-                </a:solidFill>
-                <a:effectLst/>
-                <a:latin typeface="JetBrains Mono"/>
-              </a:rPr>
-              <a:t>).click()</a:t>
-            </a:r>
-            <a:br>
-              <a:rPr kumimoji="0" lang="en-US" altLang="en-US" sz="900" b="0" i="0" u="none" strike="noStrike" cap="none" normalizeH="0" baseline="0">
-                <a:ln>
-                  <a:noFill/>
-                </a:ln>
-                <a:solidFill>
-                  <a:srgbClr val="A9B7C6"/>
-                </a:solidFill>
-                <a:effectLst/>
-                <a:latin typeface="JetBrains Mono"/>
-              </a:rPr>
-            </a:br>
-            <a:r>
-              <a:rPr kumimoji="0" lang="en-US" altLang="en-US" sz="900" b="0" i="0" u="none" strike="noStrike" cap="none" normalizeH="0" baseline="0">
-                <a:ln>
-                  <a:noFill/>
-                </a:ln>
-                <a:solidFill>
-                  <a:srgbClr val="A9B7C6"/>
-                </a:solidFill>
-                <a:effectLst/>
-                <a:latin typeface="JetBrains Mono"/>
-              </a:rPr>
-              <a:t>    WebDriverWait(context.browser</a:t>
-            </a:r>
-            <a:r>
-              <a:rPr kumimoji="0" lang="en-US" altLang="en-US" sz="900" b="0" i="0" u="none" strike="noStrike" cap="none" normalizeH="0" baseline="0">
-                <a:ln>
-                  <a:noFill/>
-                </a:ln>
-                <a:solidFill>
-                  <a:srgbClr val="CC7832"/>
-                </a:solidFill>
-                <a:effectLst/>
-                <a:latin typeface="JetBrains Mono"/>
-              </a:rPr>
-              <a:t>, </a:t>
-            </a:r>
-            <a:r>
-              <a:rPr kumimoji="0" lang="en-US" altLang="en-US" sz="900" b="0" i="0" u="none" strike="noStrike" cap="none" normalizeH="0" baseline="0">
-                <a:ln>
-                  <a:noFill/>
-                </a:ln>
-                <a:solidFill>
-                  <a:srgbClr val="6897BB"/>
-                </a:solidFill>
-                <a:effectLst/>
-                <a:latin typeface="JetBrains Mono"/>
-              </a:rPr>
-              <a:t>10</a:t>
-            </a:r>
-            <a:r>
-              <a:rPr kumimoji="0" lang="en-US" altLang="en-US" sz="900" b="0" i="0" u="none" strike="noStrike" cap="none" normalizeH="0" baseline="0">
-                <a:ln>
-                  <a:noFill/>
-                </a:ln>
-                <a:solidFill>
-                  <a:srgbClr val="A9B7C6"/>
-                </a:solidFill>
-                <a:effectLst/>
-                <a:latin typeface="JetBrains Mono"/>
-              </a:rPr>
-              <a:t>).until(</a:t>
-            </a:r>
-            <a:br>
-              <a:rPr kumimoji="0" lang="en-US" altLang="en-US" sz="900" b="0" i="0" u="none" strike="noStrike" cap="none" normalizeH="0" baseline="0">
-                <a:ln>
-                  <a:noFill/>
-                </a:ln>
-                <a:solidFill>
-                  <a:srgbClr val="A9B7C6"/>
-                </a:solidFill>
-                <a:effectLst/>
-                <a:latin typeface="JetBrains Mono"/>
-              </a:rPr>
-            </a:br>
-            <a:r>
-              <a:rPr kumimoji="0" lang="en-US" altLang="en-US" sz="900" b="0" i="0" u="none" strike="noStrike" cap="none" normalizeH="0" baseline="0">
-                <a:ln>
-                  <a:noFill/>
-                </a:ln>
-                <a:solidFill>
-                  <a:srgbClr val="A9B7C6"/>
-                </a:solidFill>
-                <a:effectLst/>
-                <a:latin typeface="JetBrains Mono"/>
-              </a:rPr>
-              <a:t>        EC.presence_of_element_located((By.XPATH</a:t>
-            </a:r>
-            <a:r>
-              <a:rPr kumimoji="0" lang="en-US" altLang="en-US" sz="900" b="0" i="0" u="none" strike="noStrike" cap="none" normalizeH="0" baseline="0">
-                <a:ln>
-                  <a:noFill/>
-                </a:ln>
-                <a:solidFill>
-                  <a:srgbClr val="CC7832"/>
-                </a:solidFill>
-                <a:effectLst/>
-                <a:latin typeface="JetBrains Mono"/>
-              </a:rPr>
-              <a:t>, </a:t>
-            </a:r>
-            <a:r>
-              <a:rPr kumimoji="0" lang="en-US" altLang="en-US" sz="900" b="0" i="0" u="none" strike="noStrike" cap="none" normalizeH="0" baseline="0">
-                <a:ln>
-                  <a:noFill/>
-                </a:ln>
-                <a:solidFill>
-                  <a:srgbClr val="6A8759"/>
-                </a:solidFill>
-                <a:effectLst/>
-                <a:latin typeface="JetBrains Mono"/>
-              </a:rPr>
-              <a:t>'//*[@id="menu-item-962"]/a'</a:t>
-            </a:r>
-            <a:r>
-              <a:rPr kumimoji="0" lang="en-US" altLang="en-US" sz="900" b="0" i="0" u="none" strike="noStrike" cap="none" normalizeH="0" baseline="0">
-                <a:ln>
-                  <a:noFill/>
-                </a:ln>
-                <a:solidFill>
-                  <a:srgbClr val="A9B7C6"/>
-                </a:solidFill>
-                <a:effectLst/>
-                <a:latin typeface="JetBrains Mono"/>
-              </a:rPr>
-              <a:t>))</a:t>
-            </a:r>
-            <a:br>
-              <a:rPr kumimoji="0" lang="en-US" altLang="en-US" sz="900" b="0" i="0" u="none" strike="noStrike" cap="none" normalizeH="0" baseline="0">
-                <a:ln>
-                  <a:noFill/>
-                </a:ln>
-                <a:solidFill>
-                  <a:srgbClr val="A9B7C6"/>
-                </a:solidFill>
-                <a:effectLst/>
-                <a:latin typeface="JetBrains Mono"/>
-              </a:rPr>
-            </a:br>
-            <a:r>
-              <a:rPr kumimoji="0" lang="en-US" altLang="en-US" sz="900" b="0" i="0" u="none" strike="noStrike" cap="none" normalizeH="0" baseline="0">
-                <a:ln>
-                  <a:noFill/>
-                </a:ln>
-                <a:solidFill>
-                  <a:srgbClr val="A9B7C6"/>
-                </a:solidFill>
-                <a:effectLst/>
-                <a:latin typeface="JetBrains Mono"/>
-              </a:rPr>
-              <a:t>    )</a:t>
-            </a:r>
-            <a:br>
-              <a:rPr kumimoji="0" lang="en-US" altLang="en-US" sz="900" b="0" i="0" u="none" strike="noStrike" cap="none" normalizeH="0" baseline="0">
-                <a:ln>
-                  <a:noFill/>
-                </a:ln>
-                <a:solidFill>
-                  <a:srgbClr val="A9B7C6"/>
-                </a:solidFill>
-                <a:effectLst/>
-                <a:latin typeface="JetBrains Mono"/>
-              </a:rPr>
-            </a:br>
-            <a:br>
-              <a:rPr kumimoji="0" lang="en-US" altLang="en-US" sz="900" b="0" i="0" u="none" strike="noStrike" cap="none" normalizeH="0" baseline="0">
-                <a:ln>
-                  <a:noFill/>
-                </a:ln>
-                <a:solidFill>
-                  <a:srgbClr val="A9B7C6"/>
-                </a:solidFill>
-                <a:effectLst/>
-                <a:latin typeface="JetBrains Mono"/>
-              </a:rPr>
-            </a:br>
-            <a:br>
-              <a:rPr kumimoji="0" lang="en-US" altLang="en-US" sz="900" b="0" i="0" u="none" strike="noStrike" cap="none" normalizeH="0" baseline="0">
-                <a:ln>
-                  <a:noFill/>
-                </a:ln>
-                <a:solidFill>
-                  <a:srgbClr val="A9B7C6"/>
-                </a:solidFill>
-                <a:effectLst/>
-                <a:latin typeface="JetBrains Mono"/>
-              </a:rPr>
-            </a:br>
-            <a:r>
-              <a:rPr kumimoji="0" lang="en-US" altLang="en-US" sz="900" b="0" i="0" u="none" strike="noStrike" cap="none" normalizeH="0" baseline="0">
-                <a:ln>
-                  <a:noFill/>
-                </a:ln>
-                <a:solidFill>
-                  <a:srgbClr val="BBB529"/>
-                </a:solidFill>
-                <a:effectLst/>
-                <a:latin typeface="JetBrains Mono"/>
-              </a:rPr>
-              <a:t>@when</a:t>
-            </a:r>
-            <a:r>
-              <a:rPr kumimoji="0" lang="en-US" altLang="en-US" sz="900" b="0" i="0" u="none" strike="noStrike" cap="none" normalizeH="0" baseline="0">
-                <a:ln>
-                  <a:noFill/>
-                </a:ln>
-                <a:solidFill>
-                  <a:srgbClr val="A9B7C6"/>
-                </a:solidFill>
-                <a:effectLst/>
-                <a:latin typeface="JetBrains Mono"/>
-              </a:rPr>
-              <a:t>(</a:t>
-            </a:r>
-            <a:r>
-              <a:rPr kumimoji="0" lang="en-US" altLang="en-US" sz="900" b="0" i="0" u="none" strike="noStrike" cap="none" normalizeH="0" baseline="0">
-                <a:ln>
-                  <a:noFill/>
-                </a:ln>
-                <a:solidFill>
-                  <a:srgbClr val="6A8759"/>
-                </a:solidFill>
-                <a:effectLst/>
-                <a:latin typeface="JetBrains Mono"/>
-              </a:rPr>
-              <a:t>'On the home page User hovers on Claims tab'</a:t>
-            </a:r>
-            <a:r>
-              <a:rPr kumimoji="0" lang="en-US" altLang="en-US" sz="900" b="0" i="0" u="none" strike="noStrike" cap="none" normalizeH="0" baseline="0">
-                <a:ln>
-                  <a:noFill/>
-                </a:ln>
-                <a:solidFill>
-                  <a:srgbClr val="A9B7C6"/>
-                </a:solidFill>
-                <a:effectLst/>
-                <a:latin typeface="JetBrains Mono"/>
-              </a:rPr>
-              <a:t>)</a:t>
-            </a:r>
-            <a:br>
-              <a:rPr kumimoji="0" lang="en-US" altLang="en-US" sz="900" b="0" i="0" u="none" strike="noStrike" cap="none" normalizeH="0" baseline="0">
-                <a:ln>
-                  <a:noFill/>
-                </a:ln>
-                <a:solidFill>
-                  <a:srgbClr val="A9B7C6"/>
-                </a:solidFill>
-                <a:effectLst/>
-                <a:latin typeface="JetBrains Mono"/>
-              </a:rPr>
-            </a:br>
-            <a:r>
-              <a:rPr kumimoji="0" lang="en-US" altLang="en-US" sz="900" b="0" i="0" u="none" strike="noStrike" cap="none" normalizeH="0" baseline="0">
-                <a:ln>
-                  <a:noFill/>
-                </a:ln>
-                <a:solidFill>
-                  <a:srgbClr val="CC7832"/>
-                </a:solidFill>
-                <a:effectLst/>
-                <a:latin typeface="JetBrains Mono"/>
-              </a:rPr>
-              <a:t>def </a:t>
-            </a:r>
-            <a:r>
-              <a:rPr kumimoji="0" lang="en-US" altLang="en-US" sz="900" b="0" i="0" u="none" strike="noStrike" cap="none" normalizeH="0" baseline="0">
-                <a:ln>
-                  <a:noFill/>
-                </a:ln>
-                <a:solidFill>
-                  <a:srgbClr val="FFC66D"/>
-                </a:solidFill>
-                <a:effectLst/>
-                <a:latin typeface="JetBrains Mono"/>
-              </a:rPr>
-              <a:t>step_impl</a:t>
-            </a:r>
-            <a:r>
-              <a:rPr kumimoji="0" lang="en-US" altLang="en-US" sz="900" b="0" i="0" u="none" strike="noStrike" cap="none" normalizeH="0" baseline="0">
-                <a:ln>
-                  <a:noFill/>
-                </a:ln>
-                <a:solidFill>
-                  <a:srgbClr val="A9B7C6"/>
-                </a:solidFill>
-                <a:effectLst/>
-                <a:latin typeface="JetBrains Mono"/>
-              </a:rPr>
-              <a:t>(context):</a:t>
-            </a:r>
-            <a:br>
-              <a:rPr kumimoji="0" lang="en-US" altLang="en-US" sz="900" b="0" i="0" u="none" strike="noStrike" cap="none" normalizeH="0" baseline="0">
-                <a:ln>
-                  <a:noFill/>
-                </a:ln>
-                <a:solidFill>
-                  <a:srgbClr val="A9B7C6"/>
-                </a:solidFill>
-                <a:effectLst/>
-                <a:latin typeface="JetBrains Mono"/>
-              </a:rPr>
-            </a:br>
-            <a:r>
-              <a:rPr kumimoji="0" lang="en-US" altLang="en-US" sz="900" b="0" i="0" u="none" strike="noStrike" cap="none" normalizeH="0" baseline="0">
-                <a:ln>
-                  <a:noFill/>
-                </a:ln>
-                <a:solidFill>
-                  <a:srgbClr val="A9B7C6"/>
-                </a:solidFill>
-                <a:effectLst/>
-                <a:latin typeface="JetBrains Mono"/>
-              </a:rPr>
-              <a:t>    claimelement = context.browser.find_element(By.XPATH</a:t>
-            </a:r>
-            <a:r>
-              <a:rPr kumimoji="0" lang="en-US" altLang="en-US" sz="900" b="0" i="0" u="none" strike="noStrike" cap="none" normalizeH="0" baseline="0">
-                <a:ln>
-                  <a:noFill/>
-                </a:ln>
-                <a:solidFill>
-                  <a:srgbClr val="CC7832"/>
-                </a:solidFill>
-                <a:effectLst/>
-                <a:latin typeface="JetBrains Mono"/>
-              </a:rPr>
-              <a:t>, </a:t>
-            </a:r>
-            <a:r>
-              <a:rPr kumimoji="0" lang="en-US" altLang="en-US" sz="900" b="0" i="0" u="none" strike="noStrike" cap="none" normalizeH="0" baseline="0">
-                <a:ln>
-                  <a:noFill/>
-                </a:ln>
-                <a:solidFill>
-                  <a:srgbClr val="6A8759"/>
-                </a:solidFill>
-                <a:effectLst/>
-                <a:latin typeface="JetBrains Mono"/>
-              </a:rPr>
-              <a:t>'//*[@id="menu-item-962"]/a'</a:t>
-            </a:r>
-            <a:r>
-              <a:rPr kumimoji="0" lang="en-US" altLang="en-US" sz="900" b="0" i="0" u="none" strike="noStrike" cap="none" normalizeH="0" baseline="0">
-                <a:ln>
-                  <a:noFill/>
-                </a:ln>
-                <a:solidFill>
-                  <a:srgbClr val="A9B7C6"/>
-                </a:solidFill>
-                <a:effectLst/>
-                <a:latin typeface="JetBrains Mono"/>
-              </a:rPr>
-              <a:t>)</a:t>
-            </a:r>
-            <a:br>
-              <a:rPr kumimoji="0" lang="en-US" altLang="en-US" sz="900" b="0" i="0" u="none" strike="noStrike" cap="none" normalizeH="0" baseline="0">
-                <a:ln>
-                  <a:noFill/>
-                </a:ln>
-                <a:solidFill>
-                  <a:srgbClr val="A9B7C6"/>
-                </a:solidFill>
-                <a:effectLst/>
-                <a:latin typeface="JetBrains Mono"/>
-              </a:rPr>
-            </a:br>
-            <a:r>
-              <a:rPr kumimoji="0" lang="en-US" altLang="en-US" sz="900" b="0" i="0" u="none" strike="noStrike" cap="none" normalizeH="0" baseline="0">
-                <a:ln>
-                  <a:noFill/>
-                </a:ln>
-                <a:solidFill>
-                  <a:srgbClr val="A9B7C6"/>
-                </a:solidFill>
-                <a:effectLst/>
-                <a:latin typeface="JetBrains Mono"/>
-              </a:rPr>
-              <a:t>    claimelement.click()</a:t>
-            </a:r>
-            <a:br>
-              <a:rPr kumimoji="0" lang="en-US" altLang="en-US" sz="900" b="0" i="0" u="none" strike="noStrike" cap="none" normalizeH="0" baseline="0">
-                <a:ln>
-                  <a:noFill/>
-                </a:ln>
-                <a:solidFill>
-                  <a:srgbClr val="A9B7C6"/>
-                </a:solidFill>
-                <a:effectLst/>
-                <a:latin typeface="JetBrains Mono"/>
-              </a:rPr>
-            </a:br>
-            <a:r>
-              <a:rPr kumimoji="0" lang="en-US" altLang="en-US" sz="900" b="0" i="0" u="none" strike="noStrike" cap="none" normalizeH="0" baseline="0">
-                <a:ln>
-                  <a:noFill/>
-                </a:ln>
-                <a:solidFill>
-                  <a:srgbClr val="A9B7C6"/>
-                </a:solidFill>
-                <a:effectLst/>
-                <a:latin typeface="JetBrains Mono"/>
-              </a:rPr>
-              <a:t>    </a:t>
-            </a:r>
-            <a:r>
-              <a:rPr kumimoji="0" lang="en-US" altLang="en-US" sz="900" b="0" i="0" u="none" strike="noStrike" cap="none" normalizeH="0" baseline="0">
-                <a:ln>
-                  <a:noFill/>
-                </a:ln>
-                <a:solidFill>
-                  <a:srgbClr val="808080"/>
-                </a:solidFill>
-                <a:effectLst/>
-                <a:latin typeface="JetBrains Mono"/>
-              </a:rPr>
-              <a:t>#time.sleep(5)</a:t>
-            </a:r>
-            <a:br>
-              <a:rPr kumimoji="0" lang="en-US" altLang="en-US" sz="900" b="0" i="0" u="none" strike="noStrike" cap="none" normalizeH="0" baseline="0">
-                <a:ln>
-                  <a:noFill/>
-                </a:ln>
-                <a:solidFill>
-                  <a:srgbClr val="808080"/>
-                </a:solidFill>
-                <a:effectLst/>
-                <a:latin typeface="JetBrains Mono"/>
-              </a:rPr>
-            </a:br>
-            <a:br>
-              <a:rPr kumimoji="0" lang="en-US" altLang="en-US" sz="900" b="0" i="0" u="none" strike="noStrike" cap="none" normalizeH="0" baseline="0">
-                <a:ln>
-                  <a:noFill/>
-                </a:ln>
-                <a:solidFill>
-                  <a:srgbClr val="808080"/>
-                </a:solidFill>
-                <a:effectLst/>
-                <a:latin typeface="JetBrains Mono"/>
-              </a:rPr>
-            </a:br>
-            <a:br>
-              <a:rPr kumimoji="0" lang="en-US" altLang="en-US" sz="900" b="0" i="0" u="none" strike="noStrike" cap="none" normalizeH="0" baseline="0">
-                <a:ln>
-                  <a:noFill/>
-                </a:ln>
-                <a:solidFill>
-                  <a:srgbClr val="808080"/>
-                </a:solidFill>
-                <a:effectLst/>
-                <a:latin typeface="JetBrains Mono"/>
-              </a:rPr>
-            </a:br>
-            <a:r>
-              <a:rPr kumimoji="0" lang="en-US" altLang="en-US" sz="900" b="0" i="0" u="none" strike="noStrike" cap="none" normalizeH="0" baseline="0">
-                <a:ln>
-                  <a:noFill/>
-                </a:ln>
-                <a:solidFill>
-                  <a:srgbClr val="BBB529"/>
-                </a:solidFill>
-                <a:effectLst/>
-                <a:latin typeface="JetBrains Mono"/>
-              </a:rPr>
-              <a:t>@then</a:t>
-            </a:r>
-            <a:r>
-              <a:rPr kumimoji="0" lang="en-US" altLang="en-US" sz="900" b="0" i="0" u="none" strike="noStrike" cap="none" normalizeH="0" baseline="0">
-                <a:ln>
-                  <a:noFill/>
-                </a:ln>
-                <a:solidFill>
-                  <a:srgbClr val="A9B7C6"/>
-                </a:solidFill>
-                <a:effectLst/>
-                <a:latin typeface="JetBrains Mono"/>
-              </a:rPr>
-              <a:t>(</a:t>
-            </a:r>
-            <a:r>
-              <a:rPr kumimoji="0" lang="en-US" altLang="en-US" sz="900" b="0" i="0" u="none" strike="noStrike" cap="none" normalizeH="0" baseline="0">
-                <a:ln>
-                  <a:noFill/>
-                </a:ln>
-                <a:solidFill>
-                  <a:srgbClr val="6A8759"/>
-                </a:solidFill>
-                <a:effectLst/>
-                <a:latin typeface="JetBrains Mono"/>
-              </a:rPr>
-              <a:t>'Emergency Contacts section should be displayed'</a:t>
-            </a:r>
-            <a:r>
-              <a:rPr kumimoji="0" lang="en-US" altLang="en-US" sz="900" b="0" i="0" u="none" strike="noStrike" cap="none" normalizeH="0" baseline="0">
-                <a:ln>
-                  <a:noFill/>
-                </a:ln>
-                <a:solidFill>
-                  <a:srgbClr val="A9B7C6"/>
-                </a:solidFill>
-                <a:effectLst/>
-                <a:latin typeface="JetBrains Mono"/>
-              </a:rPr>
-              <a:t>)</a:t>
-            </a:r>
-            <a:br>
-              <a:rPr kumimoji="0" lang="en-US" altLang="en-US" sz="900" b="0" i="0" u="none" strike="noStrike" cap="none" normalizeH="0" baseline="0">
-                <a:ln>
-                  <a:noFill/>
-                </a:ln>
-                <a:solidFill>
-                  <a:srgbClr val="A9B7C6"/>
-                </a:solidFill>
-                <a:effectLst/>
-                <a:latin typeface="JetBrains Mono"/>
-              </a:rPr>
-            </a:br>
-            <a:r>
-              <a:rPr kumimoji="0" lang="en-US" altLang="en-US" sz="900" b="0" i="0" u="none" strike="noStrike" cap="none" normalizeH="0" baseline="0">
-                <a:ln>
-                  <a:noFill/>
-                </a:ln>
-                <a:solidFill>
-                  <a:srgbClr val="CC7832"/>
-                </a:solidFill>
-                <a:effectLst/>
-                <a:latin typeface="JetBrains Mono"/>
-              </a:rPr>
-              <a:t>def </a:t>
-            </a:r>
-            <a:r>
-              <a:rPr kumimoji="0" lang="en-US" altLang="en-US" sz="900" b="0" i="0" u="none" strike="noStrike" cap="none" normalizeH="0" baseline="0">
-                <a:ln>
-                  <a:noFill/>
-                </a:ln>
-                <a:solidFill>
-                  <a:srgbClr val="FFC66D"/>
-                </a:solidFill>
-                <a:effectLst/>
-                <a:latin typeface="JetBrains Mono"/>
-              </a:rPr>
-              <a:t>step_impl</a:t>
-            </a:r>
-            <a:r>
-              <a:rPr kumimoji="0" lang="en-US" altLang="en-US" sz="900" b="0" i="0" u="none" strike="noStrike" cap="none" normalizeH="0" baseline="0">
-                <a:ln>
-                  <a:noFill/>
-                </a:ln>
-                <a:solidFill>
-                  <a:srgbClr val="A9B7C6"/>
-                </a:solidFill>
-                <a:effectLst/>
-                <a:latin typeface="JetBrains Mono"/>
-              </a:rPr>
-              <a:t>(context):</a:t>
-            </a:r>
-            <a:br>
-              <a:rPr kumimoji="0" lang="en-US" altLang="en-US" sz="900" b="0" i="0" u="none" strike="noStrike" cap="none" normalizeH="0" baseline="0">
-                <a:ln>
-                  <a:noFill/>
-                </a:ln>
-                <a:solidFill>
-                  <a:srgbClr val="A9B7C6"/>
-                </a:solidFill>
-                <a:effectLst/>
-                <a:latin typeface="JetBrains Mono"/>
-              </a:rPr>
-            </a:br>
-            <a:r>
-              <a:rPr kumimoji="0" lang="en-US" altLang="en-US" sz="900" b="0" i="0" u="none" strike="noStrike" cap="none" normalizeH="0" baseline="0">
-                <a:ln>
-                  <a:noFill/>
-                </a:ln>
-                <a:solidFill>
-                  <a:srgbClr val="A9B7C6"/>
-                </a:solidFill>
-                <a:effectLst/>
-                <a:latin typeface="JetBrains Mono"/>
-              </a:rPr>
-              <a:t>    </a:t>
-            </a:r>
-            <a:r>
-              <a:rPr kumimoji="0" lang="en-US" altLang="en-US" sz="900" b="0" i="0" u="none" strike="noStrike" cap="none" normalizeH="0" baseline="0">
-                <a:ln>
-                  <a:noFill/>
-                </a:ln>
-                <a:solidFill>
-                  <a:srgbClr val="CC7832"/>
-                </a:solidFill>
-                <a:effectLst/>
-                <a:latin typeface="JetBrains Mono"/>
-              </a:rPr>
-              <a:t>assert </a:t>
-            </a:r>
-            <a:r>
-              <a:rPr kumimoji="0" lang="en-US" altLang="en-US" sz="900" b="0" i="0" u="none" strike="noStrike" cap="none" normalizeH="0" baseline="0">
-                <a:ln>
-                  <a:noFill/>
-                </a:ln>
-                <a:solidFill>
-                  <a:srgbClr val="A9B7C6"/>
-                </a:solidFill>
-                <a:effectLst/>
-                <a:latin typeface="JetBrains Mono"/>
-              </a:rPr>
-              <a:t>context.browser.find_element(By.XPATH</a:t>
-            </a:r>
-            <a:r>
-              <a:rPr kumimoji="0" lang="en-US" altLang="en-US" sz="900" b="0" i="0" u="none" strike="noStrike" cap="none" normalizeH="0" baseline="0">
-                <a:ln>
-                  <a:noFill/>
-                </a:ln>
-                <a:solidFill>
-                  <a:srgbClr val="CC7832"/>
-                </a:solidFill>
-                <a:effectLst/>
-                <a:latin typeface="JetBrains Mono"/>
-              </a:rPr>
-              <a:t>, </a:t>
-            </a:r>
-            <a:r>
-              <a:rPr kumimoji="0" lang="en-US" altLang="en-US" sz="900" b="0" i="0" u="none" strike="noStrike" cap="none" normalizeH="0" baseline="0">
-                <a:ln>
-                  <a:noFill/>
-                </a:ln>
-                <a:solidFill>
-                  <a:srgbClr val="6A8759"/>
-                </a:solidFill>
-                <a:effectLst/>
-                <a:latin typeface="JetBrains Mono"/>
-              </a:rPr>
-              <a:t>"//h4[text()='Emergency Contacts']"</a:t>
-            </a:r>
-            <a:r>
-              <a:rPr kumimoji="0" lang="en-US" altLang="en-US" sz="900" b="0" i="0" u="none" strike="noStrike" cap="none" normalizeH="0" baseline="0">
-                <a:ln>
-                  <a:noFill/>
-                </a:ln>
-                <a:solidFill>
-                  <a:srgbClr val="A9B7C6"/>
-                </a:solidFill>
-                <a:effectLst/>
-                <a:latin typeface="JetBrains Mono"/>
-              </a:rPr>
-              <a:t>)</a:t>
-            </a:r>
-            <a:br>
-              <a:rPr kumimoji="0" lang="en-US" altLang="en-US" sz="900" b="0" i="0" u="none" strike="noStrike" cap="none" normalizeH="0" baseline="0">
-                <a:ln>
-                  <a:noFill/>
-                </a:ln>
-                <a:solidFill>
-                  <a:srgbClr val="A9B7C6"/>
-                </a:solidFill>
-                <a:effectLst/>
-                <a:latin typeface="JetBrains Mono"/>
-              </a:rPr>
-            </a:br>
-            <a:br>
-              <a:rPr kumimoji="0" lang="en-US" altLang="en-US" sz="900" b="0" i="0" u="none" strike="noStrike" cap="none" normalizeH="0" baseline="0">
-                <a:ln>
-                  <a:noFill/>
-                </a:ln>
-                <a:solidFill>
-                  <a:srgbClr val="A9B7C6"/>
-                </a:solidFill>
-                <a:effectLst/>
-                <a:latin typeface="JetBrains Mono"/>
-              </a:rPr>
-            </a:br>
-            <a:br>
-              <a:rPr kumimoji="0" lang="en-US" altLang="en-US" sz="900" b="0" i="0" u="none" strike="noStrike" cap="none" normalizeH="0" baseline="0">
-                <a:ln>
-                  <a:noFill/>
-                </a:ln>
-                <a:solidFill>
-                  <a:srgbClr val="A9B7C6"/>
-                </a:solidFill>
-                <a:effectLst/>
-                <a:latin typeface="JetBrains Mono"/>
-              </a:rPr>
-            </a:br>
-            <a:r>
-              <a:rPr kumimoji="0" lang="en-US" altLang="en-US" sz="900" b="0" i="0" u="none" strike="noStrike" cap="none" normalizeH="0" baseline="0">
-                <a:ln>
-                  <a:noFill/>
-                </a:ln>
-                <a:solidFill>
-                  <a:srgbClr val="BBB529"/>
-                </a:solidFill>
-                <a:effectLst/>
-                <a:latin typeface="JetBrains Mono"/>
-              </a:rPr>
-              <a:t>@then</a:t>
-            </a:r>
-            <a:r>
-              <a:rPr kumimoji="0" lang="en-US" altLang="en-US" sz="900" b="0" i="0" u="none" strike="noStrike" cap="none" normalizeH="0" baseline="0">
-                <a:ln>
-                  <a:noFill/>
-                </a:ln>
-                <a:solidFill>
-                  <a:srgbClr val="A9B7C6"/>
-                </a:solidFill>
-                <a:effectLst/>
-                <a:latin typeface="JetBrains Mono"/>
-              </a:rPr>
-              <a:t>(</a:t>
-            </a:r>
-            <a:r>
-              <a:rPr kumimoji="0" lang="en-US" altLang="en-US" sz="900" b="0" i="0" u="none" strike="noStrike" cap="none" normalizeH="0" baseline="0">
-                <a:ln>
-                  <a:noFill/>
-                </a:ln>
-                <a:solidFill>
-                  <a:srgbClr val="6A8759"/>
-                </a:solidFill>
-                <a:effectLst/>
-                <a:latin typeface="JetBrains Mono"/>
-              </a:rPr>
-              <a:t>'Report a Claim section should be displayed'</a:t>
-            </a:r>
-            <a:r>
-              <a:rPr kumimoji="0" lang="en-US" altLang="en-US" sz="900" b="0" i="0" u="none" strike="noStrike" cap="none" normalizeH="0" baseline="0">
-                <a:ln>
-                  <a:noFill/>
-                </a:ln>
-                <a:solidFill>
-                  <a:srgbClr val="A9B7C6"/>
-                </a:solidFill>
-                <a:effectLst/>
-                <a:latin typeface="JetBrains Mono"/>
-              </a:rPr>
-              <a:t>)</a:t>
-            </a:r>
-            <a:br>
-              <a:rPr kumimoji="0" lang="en-US" altLang="en-US" sz="900" b="0" i="0" u="none" strike="noStrike" cap="none" normalizeH="0" baseline="0">
-                <a:ln>
-                  <a:noFill/>
-                </a:ln>
-                <a:solidFill>
-                  <a:srgbClr val="A9B7C6"/>
-                </a:solidFill>
-                <a:effectLst/>
-                <a:latin typeface="JetBrains Mono"/>
-              </a:rPr>
-            </a:br>
-            <a:r>
-              <a:rPr kumimoji="0" lang="en-US" altLang="en-US" sz="900" b="0" i="0" u="none" strike="noStrike" cap="none" normalizeH="0" baseline="0">
-                <a:ln>
-                  <a:noFill/>
-                </a:ln>
-                <a:solidFill>
-                  <a:srgbClr val="CC7832"/>
-                </a:solidFill>
-                <a:effectLst/>
-                <a:latin typeface="JetBrains Mono"/>
-              </a:rPr>
-              <a:t>def </a:t>
-            </a:r>
-            <a:r>
-              <a:rPr kumimoji="0" lang="en-US" altLang="en-US" sz="900" b="0" i="0" u="none" strike="noStrike" cap="none" normalizeH="0" baseline="0">
-                <a:ln>
-                  <a:noFill/>
-                </a:ln>
-                <a:solidFill>
-                  <a:srgbClr val="FFC66D"/>
-                </a:solidFill>
-                <a:effectLst/>
-                <a:latin typeface="JetBrains Mono"/>
-              </a:rPr>
-              <a:t>step_impl</a:t>
-            </a:r>
-            <a:r>
-              <a:rPr kumimoji="0" lang="en-US" altLang="en-US" sz="900" b="0" i="0" u="none" strike="noStrike" cap="none" normalizeH="0" baseline="0">
-                <a:ln>
-                  <a:noFill/>
-                </a:ln>
-                <a:solidFill>
-                  <a:srgbClr val="A9B7C6"/>
-                </a:solidFill>
-                <a:effectLst/>
-                <a:latin typeface="JetBrains Mono"/>
-              </a:rPr>
-              <a:t>(context):</a:t>
-            </a:r>
-            <a:br>
-              <a:rPr kumimoji="0" lang="en-US" altLang="en-US" sz="900" b="0" i="0" u="none" strike="noStrike" cap="none" normalizeH="0" baseline="0">
-                <a:ln>
-                  <a:noFill/>
-                </a:ln>
-                <a:solidFill>
-                  <a:srgbClr val="A9B7C6"/>
-                </a:solidFill>
-                <a:effectLst/>
-                <a:latin typeface="JetBrains Mono"/>
-              </a:rPr>
-            </a:br>
-            <a:r>
-              <a:rPr kumimoji="0" lang="en-US" altLang="en-US" sz="900" b="0" i="0" u="none" strike="noStrike" cap="none" normalizeH="0" baseline="0">
-                <a:ln>
-                  <a:noFill/>
-                </a:ln>
-                <a:solidFill>
-                  <a:srgbClr val="A9B7C6"/>
-                </a:solidFill>
-                <a:effectLst/>
-                <a:latin typeface="JetBrains Mono"/>
-              </a:rPr>
-              <a:t>    </a:t>
-            </a:r>
-            <a:r>
-              <a:rPr kumimoji="0" lang="en-US" altLang="en-US" sz="900" b="0" i="0" u="none" strike="noStrike" cap="none" normalizeH="0" baseline="0">
-                <a:ln>
-                  <a:noFill/>
-                </a:ln>
-                <a:solidFill>
-                  <a:srgbClr val="CC7832"/>
-                </a:solidFill>
-                <a:effectLst/>
-                <a:latin typeface="JetBrains Mono"/>
-              </a:rPr>
-              <a:t>assert </a:t>
-            </a:r>
-            <a:r>
-              <a:rPr kumimoji="0" lang="en-US" altLang="en-US" sz="900" b="0" i="0" u="none" strike="noStrike" cap="none" normalizeH="0" baseline="0">
-                <a:ln>
-                  <a:noFill/>
-                </a:ln>
-                <a:solidFill>
-                  <a:srgbClr val="A9B7C6"/>
-                </a:solidFill>
-                <a:effectLst/>
-                <a:latin typeface="JetBrains Mono"/>
-              </a:rPr>
-              <a:t>context.browser.find_element(By.XPATH</a:t>
-            </a:r>
-            <a:r>
-              <a:rPr kumimoji="0" lang="en-US" altLang="en-US" sz="900" b="0" i="0" u="none" strike="noStrike" cap="none" normalizeH="0" baseline="0">
-                <a:ln>
-                  <a:noFill/>
-                </a:ln>
-                <a:solidFill>
-                  <a:srgbClr val="CC7832"/>
-                </a:solidFill>
-                <a:effectLst/>
-                <a:latin typeface="JetBrains Mono"/>
-              </a:rPr>
-              <a:t>, </a:t>
-            </a:r>
-            <a:r>
-              <a:rPr kumimoji="0" lang="en-US" altLang="en-US" sz="900" b="0" i="0" u="none" strike="noStrike" cap="none" normalizeH="0" baseline="0">
-                <a:ln>
-                  <a:noFill/>
-                </a:ln>
-                <a:solidFill>
-                  <a:srgbClr val="6A8759"/>
-                </a:solidFill>
-                <a:effectLst/>
-                <a:latin typeface="JetBrains Mono"/>
-              </a:rPr>
-              <a:t>"//h4[text()='Report a Claim']"</a:t>
-            </a:r>
-            <a:r>
-              <a:rPr kumimoji="0" lang="en-US" altLang="en-US" sz="900" b="0" i="0" u="none" strike="noStrike" cap="none" normalizeH="0" baseline="0">
-                <a:ln>
-                  <a:noFill/>
-                </a:ln>
-                <a:solidFill>
-                  <a:srgbClr val="A9B7C6"/>
-                </a:solidFill>
-                <a:effectLst/>
-                <a:latin typeface="JetBrains Mono"/>
-              </a:rPr>
-              <a:t>)</a:t>
-            </a:r>
-            <a:br>
-              <a:rPr kumimoji="0" lang="en-US" altLang="en-US" sz="900" b="0" i="0" u="none" strike="noStrike" cap="none" normalizeH="0" baseline="0">
-                <a:ln>
-                  <a:noFill/>
-                </a:ln>
-                <a:solidFill>
-                  <a:srgbClr val="A9B7C6"/>
-                </a:solidFill>
-                <a:effectLst/>
-                <a:latin typeface="JetBrains Mono"/>
-              </a:rPr>
-            </a:br>
-            <a:br>
-              <a:rPr kumimoji="0" lang="en-US" altLang="en-US" sz="900" b="0" i="0" u="none" strike="noStrike" cap="none" normalizeH="0" baseline="0">
-                <a:ln>
-                  <a:noFill/>
-                </a:ln>
-                <a:solidFill>
-                  <a:srgbClr val="A9B7C6"/>
-                </a:solidFill>
-                <a:effectLst/>
-                <a:latin typeface="JetBrains Mono"/>
-              </a:rPr>
-            </a:br>
-            <a:br>
-              <a:rPr kumimoji="0" lang="en-US" altLang="en-US" sz="900" b="0" i="0" u="none" strike="noStrike" cap="none" normalizeH="0" baseline="0">
-                <a:ln>
-                  <a:noFill/>
-                </a:ln>
-                <a:solidFill>
-                  <a:srgbClr val="A9B7C6"/>
-                </a:solidFill>
-                <a:effectLst/>
-                <a:latin typeface="JetBrains Mono"/>
-              </a:rPr>
-            </a:br>
-            <a:endParaRPr kumimoji="0" lang="en-US" altLang="en-US" sz="1800" b="0" i="0" u="none" strike="noStrike" cap="none" normalizeH="0" baseline="0">
-              <a:ln>
-                <a:noFill/>
-              </a:ln>
-              <a:solidFill>
-                <a:schemeClr val="tx1"/>
-              </a:solidFill>
-              <a:effectLst/>
-              <a:latin typeface="Arial" panose="020B0604020202020204" pitchFamily="34" charset="0"/>
-            </a:endParaRPr>
-          </a:p>
-        </p:txBody>
-      </p:sp>
+      </p:pic>
     </p:spTree>
     <p:extLst>
       <p:ext uri="{BB962C8B-B14F-4D97-AF65-F5344CB8AC3E}">
-        <p14:creationId xmlns:p14="http://schemas.microsoft.com/office/powerpoint/2010/main" val="2166763886"/>
+        <p14:creationId xmlns:p14="http://schemas.microsoft.com/office/powerpoint/2010/main" val="309736569"/>
       </p:ext>
     </p:extLst>
   </p:cSld>
@@ -7916,7 +6920,7 @@
           <p:cNvPr id="2" name="Title 1">
             <a:extLst>
               <a:ext uri="{FF2B5EF4-FFF2-40B4-BE49-F238E27FC236}">
-                <a16:creationId xmlns:a16="http://schemas.microsoft.com/office/drawing/2014/main" id="{89237210-2C33-57A8-F271-9DBAE07A53DD}"/>
+                <a16:creationId xmlns:a16="http://schemas.microsoft.com/office/drawing/2014/main" id="{A9EB0D58-A711-667D-370C-3EC2BA07B396}"/>
               </a:ext>
             </a:extLst>
           </p:cNvPr>
@@ -7929,8 +6933,8 @@
         </p:nvSpPr>
         <p:spPr>
           <a:xfrm>
-            <a:off x="1484311" y="233311"/>
-            <a:ext cx="10018713" cy="833489"/>
+            <a:off x="1629276" y="327070"/>
+            <a:ext cx="10018713" cy="740958"/>
           </a:xfrm>
         </p:spPr>
         <p:txBody>
@@ -7938,41 +6942,47 @@
           <a:lstStyle/>
           <a:p>
             <a:r>
-              <a:rPr lang="en-GB" dirty="0"/>
-              <a:t>Bug Report</a:t>
-            </a:r>
-          </a:p>
-        </p:txBody>
-      </p:sp>
-      <p:sp>
-        <p:nvSpPr>
-          <p:cNvPr id="3" name="Content Placeholder 2">
+              <a:rPr lang="da-DK" dirty="0"/>
+              <a:t>Performance Test</a:t>
+            </a:r>
+            <a:endParaRPr lang="en-GB" dirty="0"/>
+          </a:p>
+        </p:txBody>
+      </p:sp>
+      <p:pic>
+        <p:nvPicPr>
+          <p:cNvPr id="5" name="Picture 4">
             <a:extLst>
               <a:ext uri="{FF2B5EF4-FFF2-40B4-BE49-F238E27FC236}">
-                <a16:creationId xmlns:a16="http://schemas.microsoft.com/office/drawing/2014/main" id="{27F2422E-876A-1CA5-F741-5863A5D39398}"/>
+                <a16:creationId xmlns:a16="http://schemas.microsoft.com/office/drawing/2014/main" id="{8F956585-3537-9CF5-6C6F-62E5A72A166E}"/>
               </a:ext>
             </a:extLst>
           </p:cNvPr>
-          <p:cNvSpPr>
-            <a:spLocks noGrp="1"/>
-          </p:cNvSpPr>
-          <p:nvPr>
-            <p:ph idx="1"/>
-          </p:nvPr>
-        </p:nvSpPr>
-        <p:spPr/>
-        <p:txBody>
-          <a:bodyPr/>
-          <a:lstStyle/>
-          <a:p>
-            <a:endParaRPr lang="en-GB"/>
-          </a:p>
-        </p:txBody>
-      </p:sp>
+          <p:cNvPicPr>
+            <a:picLocks noChangeAspect="1"/>
+          </p:cNvPicPr>
+          <p:nvPr/>
+        </p:nvPicPr>
+        <p:blipFill>
+          <a:blip r:embed="rId2"/>
+          <a:stretch>
+            <a:fillRect/>
+          </a:stretch>
+        </p:blipFill>
+        <p:spPr>
+          <a:xfrm>
+            <a:off x="1228432" y="1300973"/>
+            <a:ext cx="10820400" cy="4848327"/>
+          </a:xfrm>
+          <a:prstGeom prst="rect">
+            <a:avLst/>
+          </a:prstGeom>
+        </p:spPr>
+      </p:pic>
     </p:spTree>
     <p:extLst>
       <p:ext uri="{BB962C8B-B14F-4D97-AF65-F5344CB8AC3E}">
-        <p14:creationId xmlns:p14="http://schemas.microsoft.com/office/powerpoint/2010/main" val="309736569"/>
+        <p14:creationId xmlns:p14="http://schemas.microsoft.com/office/powerpoint/2010/main" val="2299027404"/>
       </p:ext>
     </p:extLst>
   </p:cSld>
@@ -8087,7 +7097,7 @@
           <p:cNvPr id="2" name="Title 1">
             <a:extLst>
               <a:ext uri="{FF2B5EF4-FFF2-40B4-BE49-F238E27FC236}">
-                <a16:creationId xmlns:a16="http://schemas.microsoft.com/office/drawing/2014/main" id="{6FE0242E-B18E-6F42-75D6-E04469280E1C}"/>
+                <a16:creationId xmlns:a16="http://schemas.microsoft.com/office/drawing/2014/main" id="{7A06E74F-34A2-0BAF-3408-2E61FA4204EA}"/>
               </a:ext>
             </a:extLst>
           </p:cNvPr>
@@ -8098,80 +7108,545 @@
             <p:ph type="title"/>
           </p:nvPr>
         </p:nvSpPr>
-        <p:spPr/>
+        <p:spPr>
+          <a:xfrm>
+            <a:off x="1488856" y="222709"/>
+            <a:ext cx="10018713" cy="1218414"/>
+          </a:xfrm>
+        </p:spPr>
         <p:txBody>
           <a:bodyPr/>
           <a:lstStyle/>
           <a:p>
             <a:r>
               <a:rPr lang="en-GB" dirty="0"/>
-              <a:t>Agenda</a:t>
-            </a:r>
-          </a:p>
-        </p:txBody>
-      </p:sp>
-      <p:sp>
-        <p:nvSpPr>
-          <p:cNvPr id="3" name="Content Placeholder 2">
+              <a:t>Test Environment Setup</a:t>
+            </a:r>
+          </a:p>
+        </p:txBody>
+      </p:sp>
+      <p:sp>
+        <p:nvSpPr>
+          <p:cNvPr id="4" name="Rectangle 3">
             <a:extLst>
               <a:ext uri="{FF2B5EF4-FFF2-40B4-BE49-F238E27FC236}">
-                <a16:creationId xmlns:a16="http://schemas.microsoft.com/office/drawing/2014/main" id="{2CAAFCF5-8AAE-B29F-D621-461FFE2FE93E}"/>
+                <a16:creationId xmlns:a16="http://schemas.microsoft.com/office/drawing/2014/main" id="{F11CC409-DBEE-11B7-D3D2-5EDCABC3C398}"/>
               </a:ext>
             </a:extLst>
           </p:cNvPr>
-          <p:cNvSpPr>
-            <a:spLocks noGrp="1"/>
-          </p:cNvSpPr>
-          <p:nvPr>
-            <p:ph idx="1"/>
-          </p:nvPr>
-        </p:nvSpPr>
-        <p:spPr/>
-        <p:txBody>
-          <a:bodyPr>
-            <a:normAutofit fontScale="92500" lnSpcReduction="10000"/>
+          <p:cNvSpPr/>
+          <p:nvPr/>
+        </p:nvSpPr>
+        <p:spPr>
+          <a:xfrm>
+            <a:off x="2097150" y="2273214"/>
+            <a:ext cx="2094635" cy="1072299"/>
+          </a:xfrm>
+          <a:prstGeom prst="rect">
+            <a:avLst/>
+          </a:prstGeom>
+        </p:spPr>
+        <p:style>
+          <a:lnRef idx="2">
+            <a:schemeClr val="accent1">
+              <a:shade val="15000"/>
+            </a:schemeClr>
+          </a:lnRef>
+          <a:fillRef idx="1">
+            <a:schemeClr val="accent1"/>
+          </a:fillRef>
+          <a:effectRef idx="0">
+            <a:schemeClr val="accent1"/>
+          </a:effectRef>
+          <a:fontRef idx="minor">
+            <a:schemeClr val="lt1"/>
+          </a:fontRef>
+        </p:style>
+        <p:txBody>
+          <a:bodyPr rtlCol="0" anchor="ctr"/>
+          <a:lstStyle/>
+          <a:p>
+            <a:pPr algn="ctr"/>
+            <a:r>
+              <a:rPr lang="en-GB" dirty="0"/>
+              <a:t>Requirements Gathering</a:t>
+            </a:r>
+          </a:p>
+        </p:txBody>
+      </p:sp>
+      <p:sp>
+        <p:nvSpPr>
+          <p:cNvPr id="5" name="Rectangle 4">
+            <a:extLst>
+              <a:ext uri="{FF2B5EF4-FFF2-40B4-BE49-F238E27FC236}">
+                <a16:creationId xmlns:a16="http://schemas.microsoft.com/office/drawing/2014/main" id="{C82933CF-6A55-233D-7DD5-9DD1B49A9138}"/>
+              </a:ext>
+            </a:extLst>
+          </p:cNvPr>
+          <p:cNvSpPr/>
+          <p:nvPr/>
+        </p:nvSpPr>
+        <p:spPr>
+          <a:xfrm>
+            <a:off x="5441828" y="2277744"/>
+            <a:ext cx="1904214" cy="1072299"/>
+          </a:xfrm>
+          <a:prstGeom prst="rect">
+            <a:avLst/>
+          </a:prstGeom>
+        </p:spPr>
+        <p:style>
+          <a:lnRef idx="2">
+            <a:schemeClr val="accent1">
+              <a:shade val="15000"/>
+            </a:schemeClr>
+          </a:lnRef>
+          <a:fillRef idx="1">
+            <a:schemeClr val="accent1"/>
+          </a:fillRef>
+          <a:effectRef idx="0">
+            <a:schemeClr val="accent1"/>
+          </a:effectRef>
+          <a:fontRef idx="minor">
+            <a:schemeClr val="lt1"/>
+          </a:fontRef>
+        </p:style>
+        <p:txBody>
+          <a:bodyPr rtlCol="0" anchor="ctr"/>
+          <a:lstStyle/>
+          <a:p>
+            <a:pPr algn="ctr"/>
+            <a:r>
+              <a:rPr lang="en-GB" dirty="0"/>
+              <a:t>Define Scenarios</a:t>
+            </a:r>
+          </a:p>
+        </p:txBody>
+      </p:sp>
+      <p:sp>
+        <p:nvSpPr>
+          <p:cNvPr id="6" name="Rectangle 5">
+            <a:extLst>
+              <a:ext uri="{FF2B5EF4-FFF2-40B4-BE49-F238E27FC236}">
+                <a16:creationId xmlns:a16="http://schemas.microsoft.com/office/drawing/2014/main" id="{B6A1DE87-055A-DE9F-8675-30CB2F1EC710}"/>
+              </a:ext>
+            </a:extLst>
+          </p:cNvPr>
+          <p:cNvSpPr/>
+          <p:nvPr/>
+        </p:nvSpPr>
+        <p:spPr>
+          <a:xfrm>
+            <a:off x="5441828" y="3726513"/>
+            <a:ext cx="1904214" cy="1072299"/>
+          </a:xfrm>
+          <a:prstGeom prst="rect">
+            <a:avLst/>
+          </a:prstGeom>
+        </p:spPr>
+        <p:style>
+          <a:lnRef idx="2">
+            <a:schemeClr val="accent1">
+              <a:shade val="15000"/>
+            </a:schemeClr>
+          </a:lnRef>
+          <a:fillRef idx="1">
+            <a:schemeClr val="accent1"/>
+          </a:fillRef>
+          <a:effectRef idx="0">
+            <a:schemeClr val="accent1"/>
+          </a:effectRef>
+          <a:fontRef idx="minor">
+            <a:schemeClr val="lt1"/>
+          </a:fontRef>
+        </p:style>
+        <p:txBody>
+          <a:bodyPr rtlCol="0" anchor="ctr"/>
+          <a:lstStyle/>
+          <a:p>
+            <a:pPr algn="ctr"/>
+            <a:r>
+              <a:rPr lang="en-GB" dirty="0"/>
+              <a:t>Test Scripting</a:t>
+            </a:r>
+          </a:p>
+        </p:txBody>
+      </p:sp>
+      <p:sp>
+        <p:nvSpPr>
+          <p:cNvPr id="7" name="Rectangle 6">
+            <a:extLst>
+              <a:ext uri="{FF2B5EF4-FFF2-40B4-BE49-F238E27FC236}">
+                <a16:creationId xmlns:a16="http://schemas.microsoft.com/office/drawing/2014/main" id="{530BC6D0-8920-A740-7105-EA3D2850FC69}"/>
+              </a:ext>
+            </a:extLst>
+          </p:cNvPr>
+          <p:cNvSpPr/>
+          <p:nvPr/>
+        </p:nvSpPr>
+        <p:spPr>
+          <a:xfrm>
+            <a:off x="8596085" y="2273214"/>
+            <a:ext cx="1904214" cy="1072299"/>
+          </a:xfrm>
+          <a:prstGeom prst="rect">
+            <a:avLst/>
+          </a:prstGeom>
+        </p:spPr>
+        <p:style>
+          <a:lnRef idx="2">
+            <a:schemeClr val="accent1">
+              <a:shade val="15000"/>
+            </a:schemeClr>
+          </a:lnRef>
+          <a:fillRef idx="1">
+            <a:schemeClr val="accent1"/>
+          </a:fillRef>
+          <a:effectRef idx="0">
+            <a:schemeClr val="accent1"/>
+          </a:effectRef>
+          <a:fontRef idx="minor">
+            <a:schemeClr val="lt1"/>
+          </a:fontRef>
+        </p:style>
+        <p:txBody>
+          <a:bodyPr rtlCol="0" anchor="ctr"/>
+          <a:lstStyle/>
+          <a:p>
+            <a:pPr algn="ctr"/>
+            <a:r>
+              <a:rPr lang="en-GB" dirty="0"/>
+              <a:t>Bug Reporting</a:t>
+            </a:r>
+          </a:p>
+        </p:txBody>
+      </p:sp>
+      <p:sp>
+        <p:nvSpPr>
+          <p:cNvPr id="8" name="Rectangle 7">
+            <a:extLst>
+              <a:ext uri="{FF2B5EF4-FFF2-40B4-BE49-F238E27FC236}">
+                <a16:creationId xmlns:a16="http://schemas.microsoft.com/office/drawing/2014/main" id="{FEAC505A-BF17-3F91-1836-4F2EC5FB9B77}"/>
+              </a:ext>
+            </a:extLst>
+          </p:cNvPr>
+          <p:cNvSpPr/>
+          <p:nvPr/>
+        </p:nvSpPr>
+        <p:spPr>
+          <a:xfrm>
+            <a:off x="2097150" y="3726513"/>
+            <a:ext cx="2094635" cy="1072299"/>
+          </a:xfrm>
+          <a:prstGeom prst="rect">
+            <a:avLst/>
+          </a:prstGeom>
+        </p:spPr>
+        <p:style>
+          <a:lnRef idx="2">
+            <a:schemeClr val="accent1">
+              <a:shade val="15000"/>
+            </a:schemeClr>
+          </a:lnRef>
+          <a:fillRef idx="1">
+            <a:schemeClr val="accent1"/>
+          </a:fillRef>
+          <a:effectRef idx="0">
+            <a:schemeClr val="accent1"/>
+          </a:effectRef>
+          <a:fontRef idx="minor">
+            <a:schemeClr val="lt1"/>
+          </a:fontRef>
+        </p:style>
+        <p:txBody>
+          <a:bodyPr rtlCol="0" anchor="ctr"/>
+          <a:lstStyle/>
+          <a:p>
+            <a:pPr algn="ctr"/>
+            <a:r>
+              <a:rPr lang="en-GB" dirty="0"/>
+              <a:t>Test Plan</a:t>
+            </a:r>
+          </a:p>
+        </p:txBody>
+      </p:sp>
+      <p:sp>
+        <p:nvSpPr>
+          <p:cNvPr id="9" name="Rectangle 8">
+            <a:extLst>
+              <a:ext uri="{FF2B5EF4-FFF2-40B4-BE49-F238E27FC236}">
+                <a16:creationId xmlns:a16="http://schemas.microsoft.com/office/drawing/2014/main" id="{C2713EF2-7129-D4D8-2695-59A1D7087A02}"/>
+              </a:ext>
+            </a:extLst>
+          </p:cNvPr>
+          <p:cNvSpPr/>
+          <p:nvPr/>
+        </p:nvSpPr>
+        <p:spPr>
+          <a:xfrm>
+            <a:off x="2097150" y="5179812"/>
+            <a:ext cx="2094635" cy="1072299"/>
+          </a:xfrm>
+          <a:prstGeom prst="rect">
+            <a:avLst/>
+          </a:prstGeom>
+        </p:spPr>
+        <p:style>
+          <a:lnRef idx="2">
+            <a:schemeClr val="accent1">
+              <a:shade val="15000"/>
+            </a:schemeClr>
+          </a:lnRef>
+          <a:fillRef idx="1">
+            <a:schemeClr val="accent1"/>
+          </a:fillRef>
+          <a:effectRef idx="0">
+            <a:schemeClr val="accent1"/>
+          </a:effectRef>
+          <a:fontRef idx="minor">
+            <a:schemeClr val="lt1"/>
+          </a:fontRef>
+        </p:style>
+        <p:txBody>
+          <a:bodyPr rtlCol="0" anchor="ctr"/>
+          <a:lstStyle/>
+          <a:p>
+            <a:pPr algn="ctr"/>
+            <a:r>
+              <a:rPr lang="en-GB" dirty="0"/>
+              <a:t>Test Strategy</a:t>
+            </a:r>
+          </a:p>
+        </p:txBody>
+      </p:sp>
+      <p:sp>
+        <p:nvSpPr>
+          <p:cNvPr id="10" name="Rectangle 9">
+            <a:extLst>
+              <a:ext uri="{FF2B5EF4-FFF2-40B4-BE49-F238E27FC236}">
+                <a16:creationId xmlns:a16="http://schemas.microsoft.com/office/drawing/2014/main" id="{7EDAA597-2048-D22B-EB72-4BF667183E04}"/>
+              </a:ext>
+            </a:extLst>
+          </p:cNvPr>
+          <p:cNvSpPr/>
+          <p:nvPr/>
+        </p:nvSpPr>
+        <p:spPr>
+          <a:xfrm>
+            <a:off x="8596085" y="3726513"/>
+            <a:ext cx="1904214" cy="1072299"/>
+          </a:xfrm>
+          <a:prstGeom prst="rect">
+            <a:avLst/>
+          </a:prstGeom>
+        </p:spPr>
+        <p:style>
+          <a:lnRef idx="2">
+            <a:schemeClr val="accent1">
+              <a:shade val="15000"/>
+            </a:schemeClr>
+          </a:lnRef>
+          <a:fillRef idx="1">
+            <a:schemeClr val="accent1"/>
+          </a:fillRef>
+          <a:effectRef idx="0">
+            <a:schemeClr val="accent1"/>
+          </a:effectRef>
+          <a:fontRef idx="minor">
+            <a:schemeClr val="lt1"/>
+          </a:fontRef>
+        </p:style>
+        <p:txBody>
+          <a:bodyPr rtlCol="0" anchor="ctr"/>
+          <a:lstStyle/>
+          <a:p>
+            <a:pPr algn="ctr"/>
+            <a:r>
+              <a:rPr lang="en-GB" dirty="0"/>
+              <a:t>Test Report</a:t>
+            </a:r>
+          </a:p>
+        </p:txBody>
+      </p:sp>
+      <p:cxnSp>
+        <p:nvCxnSpPr>
+          <p:cNvPr id="12" name="Straight Connector 11">
+            <a:extLst>
+              <a:ext uri="{FF2B5EF4-FFF2-40B4-BE49-F238E27FC236}">
+                <a16:creationId xmlns:a16="http://schemas.microsoft.com/office/drawing/2014/main" id="{0730E8D5-7F18-C24A-7501-42487BEC3CC3}"/>
+              </a:ext>
+            </a:extLst>
+          </p:cNvPr>
+          <p:cNvCxnSpPr>
+            <a:cxnSpLocks/>
+          </p:cNvCxnSpPr>
+          <p:nvPr/>
+        </p:nvCxnSpPr>
+        <p:spPr>
+          <a:xfrm>
+            <a:off x="4817097" y="1932495"/>
+            <a:ext cx="0" cy="4840664"/>
+          </a:xfrm>
+          <a:prstGeom prst="line">
+            <a:avLst/>
+          </a:prstGeom>
+          <a:ln/>
+        </p:spPr>
+        <p:style>
+          <a:lnRef idx="2">
+            <a:schemeClr val="accent1"/>
+          </a:lnRef>
+          <a:fillRef idx="0">
+            <a:schemeClr val="accent1"/>
+          </a:fillRef>
+          <a:effectRef idx="1">
+            <a:schemeClr val="accent1"/>
+          </a:effectRef>
+          <a:fontRef idx="minor">
+            <a:schemeClr val="tx1"/>
+          </a:fontRef>
+        </p:style>
+      </p:cxnSp>
+      <p:cxnSp>
+        <p:nvCxnSpPr>
+          <p:cNvPr id="14" name="Straight Connector 13">
+            <a:extLst>
+              <a:ext uri="{FF2B5EF4-FFF2-40B4-BE49-F238E27FC236}">
+                <a16:creationId xmlns:a16="http://schemas.microsoft.com/office/drawing/2014/main" id="{5C990EFA-2C80-2F67-BA90-3FF307DED284}"/>
+              </a:ext>
+            </a:extLst>
+          </p:cNvPr>
+          <p:cNvCxnSpPr>
+            <a:cxnSpLocks/>
+          </p:cNvCxnSpPr>
+          <p:nvPr/>
+        </p:nvCxnSpPr>
+        <p:spPr>
+          <a:xfrm>
+            <a:off x="7938940" y="1932495"/>
+            <a:ext cx="0" cy="4840664"/>
+          </a:xfrm>
+          <a:prstGeom prst="line">
+            <a:avLst/>
+          </a:prstGeom>
+          <a:ln/>
+        </p:spPr>
+        <p:style>
+          <a:lnRef idx="2">
+            <a:schemeClr val="accent1"/>
+          </a:lnRef>
+          <a:fillRef idx="0">
+            <a:schemeClr val="accent1"/>
+          </a:fillRef>
+          <a:effectRef idx="1">
+            <a:schemeClr val="accent1"/>
+          </a:effectRef>
+          <a:fontRef idx="minor">
+            <a:schemeClr val="tx1"/>
+          </a:fontRef>
+        </p:style>
+      </p:cxnSp>
+      <p:sp>
+        <p:nvSpPr>
+          <p:cNvPr id="15" name="TextBox 14">
+            <a:extLst>
+              <a:ext uri="{FF2B5EF4-FFF2-40B4-BE49-F238E27FC236}">
+                <a16:creationId xmlns:a16="http://schemas.microsoft.com/office/drawing/2014/main" id="{DC84B826-2B33-52BB-B8BB-EB1722EC313E}"/>
+              </a:ext>
+            </a:extLst>
+          </p:cNvPr>
+          <p:cNvSpPr txBox="1"/>
+          <p:nvPr/>
+        </p:nvSpPr>
+        <p:spPr>
+          <a:xfrm>
+            <a:off x="2643809" y="1756036"/>
+            <a:ext cx="1023037" cy="369332"/>
+          </a:xfrm>
+          <a:prstGeom prst="rect">
+            <a:avLst/>
+          </a:prstGeom>
+          <a:noFill/>
+        </p:spPr>
+        <p:txBody>
+          <a:bodyPr wrap="none" rtlCol="0">
+            <a:spAutoFit/>
           </a:bodyPr>
           <a:lstStyle/>
           <a:p>
             <a:r>
               <a:rPr lang="en-GB" dirty="0"/>
-              <a:t>Test environment setup</a:t>
-            </a:r>
-          </a:p>
+              <a:t>Planning</a:t>
+            </a:r>
+          </a:p>
+        </p:txBody>
+      </p:sp>
+      <p:sp>
+        <p:nvSpPr>
+          <p:cNvPr id="16" name="TextBox 15">
+            <a:extLst>
+              <a:ext uri="{FF2B5EF4-FFF2-40B4-BE49-F238E27FC236}">
+                <a16:creationId xmlns:a16="http://schemas.microsoft.com/office/drawing/2014/main" id="{EA4550B1-124A-F498-45CC-751397F1D14C}"/>
+              </a:ext>
+            </a:extLst>
+          </p:cNvPr>
+          <p:cNvSpPr txBox="1"/>
+          <p:nvPr/>
+        </p:nvSpPr>
+        <p:spPr>
+          <a:xfrm>
+            <a:off x="5827914" y="1756036"/>
+            <a:ext cx="1132041" cy="369332"/>
+          </a:xfrm>
+          <a:prstGeom prst="rect">
+            <a:avLst/>
+          </a:prstGeom>
+          <a:noFill/>
+        </p:spPr>
+        <p:txBody>
+          <a:bodyPr wrap="none" rtlCol="0">
+            <a:spAutoFit/>
+          </a:bodyPr>
+          <a:lstStyle/>
           <a:p>
             <a:r>
               <a:rPr lang="en-GB" dirty="0"/>
-              <a:t>Requirements</a:t>
-            </a:r>
-          </a:p>
+              <a:t>Execution</a:t>
+            </a:r>
+          </a:p>
+        </p:txBody>
+      </p:sp>
+      <p:sp>
+        <p:nvSpPr>
+          <p:cNvPr id="17" name="TextBox 16">
+            <a:extLst>
+              <a:ext uri="{FF2B5EF4-FFF2-40B4-BE49-F238E27FC236}">
+                <a16:creationId xmlns:a16="http://schemas.microsoft.com/office/drawing/2014/main" id="{2158F6AB-2644-E638-E510-BB783BE328D2}"/>
+              </a:ext>
+            </a:extLst>
+          </p:cNvPr>
+          <p:cNvSpPr txBox="1"/>
+          <p:nvPr/>
+        </p:nvSpPr>
+        <p:spPr>
+          <a:xfrm>
+            <a:off x="9036673" y="1756036"/>
+            <a:ext cx="871072" cy="369332"/>
+          </a:xfrm>
+          <a:prstGeom prst="rect">
+            <a:avLst/>
+          </a:prstGeom>
+          <a:noFill/>
+        </p:spPr>
+        <p:txBody>
+          <a:bodyPr wrap="none" rtlCol="0">
+            <a:spAutoFit/>
+          </a:bodyPr>
+          <a:lstStyle/>
           <a:p>
             <a:r>
               <a:rPr lang="en-GB" dirty="0"/>
-              <a:t>Test plan </a:t>
-            </a:r>
-          </a:p>
-          <a:p>
-            <a:r>
-              <a:rPr lang="en-GB" dirty="0"/>
-              <a:t>Test Strategy</a:t>
-            </a:r>
-          </a:p>
-          <a:p>
-            <a:r>
-              <a:rPr lang="en-GB" dirty="0"/>
-              <a:t>Test execution</a:t>
-            </a:r>
-          </a:p>
-          <a:p>
-            <a:r>
-              <a:rPr lang="en-GB" dirty="0"/>
-              <a:t>Bug report</a:t>
-            </a:r>
-          </a:p>
-          <a:p>
-            <a:r>
-              <a:rPr lang="en-GB" dirty="0"/>
-              <a:t>Final test report</a:t>
+              <a:t>Results</a:t>
             </a:r>
           </a:p>
         </p:txBody>
@@ -8179,7 +7654,7 @@
     </p:spTree>
     <p:extLst>
       <p:ext uri="{BB962C8B-B14F-4D97-AF65-F5344CB8AC3E}">
-        <p14:creationId xmlns:p14="http://schemas.microsoft.com/office/powerpoint/2010/main" val="74468332"/>
+        <p14:creationId xmlns:p14="http://schemas.microsoft.com/office/powerpoint/2010/main" val="425950901"/>
       </p:ext>
     </p:extLst>
   </p:cSld>
@@ -8211,7 +7686,7 @@
           <p:cNvPr id="2" name="Title 1">
             <a:extLst>
               <a:ext uri="{FF2B5EF4-FFF2-40B4-BE49-F238E27FC236}">
-                <a16:creationId xmlns:a16="http://schemas.microsoft.com/office/drawing/2014/main" id="{7A06E74F-34A2-0BAF-3408-2E61FA4204EA}"/>
+                <a16:creationId xmlns:a16="http://schemas.microsoft.com/office/drawing/2014/main" id="{5C35CC23-9485-CF53-7A48-5132C06124A1}"/>
               </a:ext>
             </a:extLst>
           </p:cNvPr>
@@ -8224,8 +7699,8 @@
         </p:nvSpPr>
         <p:spPr>
           <a:xfrm>
-            <a:off x="1488856" y="222709"/>
-            <a:ext cx="10018713" cy="1218414"/>
+            <a:off x="1484311" y="195606"/>
+            <a:ext cx="10018713" cy="784782"/>
           </a:xfrm>
         </p:spPr>
         <p:txBody>
@@ -8234,211 +7709,388 @@
           <a:p>
             <a:r>
               <a:rPr lang="en-GB" dirty="0"/>
-              <a:t>Test Environment Setup</a:t>
-            </a:r>
-          </a:p>
-        </p:txBody>
-      </p:sp>
-      <p:sp>
-        <p:nvSpPr>
-          <p:cNvPr id="4" name="Rectangle 3">
+              <a:t>Requirements</a:t>
+            </a:r>
+          </a:p>
+        </p:txBody>
+      </p:sp>
+      <p:sp>
+        <p:nvSpPr>
+          <p:cNvPr id="9" name="Rectangle 5">
             <a:extLst>
               <a:ext uri="{FF2B5EF4-FFF2-40B4-BE49-F238E27FC236}">
-                <a16:creationId xmlns:a16="http://schemas.microsoft.com/office/drawing/2014/main" id="{F11CC409-DBEE-11B7-D3D2-5EDCABC3C398}"/>
+                <a16:creationId xmlns:a16="http://schemas.microsoft.com/office/drawing/2014/main" id="{DFEC5E9D-B677-114F-5BFE-BA36F2D4BEEF}"/>
               </a:ext>
             </a:extLst>
           </p:cNvPr>
-          <p:cNvSpPr/>
-          <p:nvPr/>
-        </p:nvSpPr>
-        <p:spPr>
+          <p:cNvSpPr>
+            <a:spLocks noGrp="1" noChangeArrowheads="1"/>
+          </p:cNvSpPr>
+          <p:nvPr>
+            <p:ph idx="1"/>
+          </p:nvPr>
+        </p:nvSpPr>
+        <p:spPr bwMode="auto">
           <a:xfrm>
-            <a:off x="1790151" y="3007145"/>
-            <a:ext cx="2094635" cy="1072299"/>
+            <a:off x="1484313" y="1131146"/>
+            <a:ext cx="10214351" cy="5053691"/>
           </a:xfrm>
           <a:prstGeom prst="rect">
             <a:avLst/>
           </a:prstGeom>
+          <a:noFill/>
+          <a:ln>
+            <a:noFill/>
+          </a:ln>
+          <a:effectLst/>
+          <a:extLst>
+            <a:ext uri="{909E8E84-426E-40DD-AFC4-6F175D3DCCD1}">
+              <a14:hiddenFill xmlns:a14="http://schemas.microsoft.com/office/drawing/2010/main">
+                <a:solidFill>
+                  <a:schemeClr val="accent1"/>
+                </a:solidFill>
+              </a14:hiddenFill>
+            </a:ext>
+            <a:ext uri="{91240B29-F687-4F45-9708-019B960494DF}">
+              <a14:hiddenLine xmlns:a14="http://schemas.microsoft.com/office/drawing/2010/main" w="9525">
+                <a:solidFill>
+                  <a:schemeClr val="tx1"/>
+                </a:solidFill>
+                <a:miter lim="800000"/>
+                <a:headEnd/>
+                <a:tailEnd/>
+              </a14:hiddenLine>
+            </a:ext>
+            <a:ext uri="{AF507438-7753-43E0-B8FC-AC1667EBCBE1}">
+              <a14:hiddenEffects xmlns:a14="http://schemas.microsoft.com/office/drawing/2010/main">
+                <a:effectLst>
+                  <a:outerShdw dist="35921" dir="2700000" algn="ctr" rotWithShape="0">
+                    <a:schemeClr val="bg2"/>
+                  </a:outerShdw>
+                </a:effectLst>
+              </a14:hiddenEffects>
+            </a:ext>
+          </a:extLst>
         </p:spPr>
-        <p:style>
-          <a:lnRef idx="2">
-            <a:schemeClr val="accent1">
-              <a:shade val="15000"/>
-            </a:schemeClr>
-          </a:lnRef>
-          <a:fillRef idx="1">
-            <a:schemeClr val="accent1"/>
-          </a:fillRef>
-          <a:effectRef idx="0">
-            <a:schemeClr val="accent1"/>
-          </a:effectRef>
-          <a:fontRef idx="minor">
-            <a:schemeClr val="lt1"/>
-          </a:fontRef>
-        </p:style>
-        <p:txBody>
-          <a:bodyPr rtlCol="0" anchor="ctr"/>
+        <p:txBody>
+          <a:bodyPr vert="horz" wrap="square" lIns="91440" tIns="45720" rIns="91440" bIns="45720" numCol="1" anchor="t" anchorCtr="0" compatLnSpc="1">
+            <a:prstTxWarp prst="textNoShape">
+              <a:avLst/>
+            </a:prstTxWarp>
+            <a:spAutoFit/>
+          </a:bodyPr>
           <a:lstStyle/>
           <a:p>
-            <a:pPr algn="ctr"/>
-            <a:r>
-              <a:rPr lang="en-GB" dirty="0"/>
-              <a:t>Requirements Gathering</a:t>
-            </a:r>
-          </a:p>
-        </p:txBody>
-      </p:sp>
-      <p:sp>
-        <p:nvSpPr>
-          <p:cNvPr id="5" name="Rectangle 4">
-            <a:extLst>
-              <a:ext uri="{FF2B5EF4-FFF2-40B4-BE49-F238E27FC236}">
-                <a16:creationId xmlns:a16="http://schemas.microsoft.com/office/drawing/2014/main" id="{C82933CF-6A55-233D-7DD5-9DD1B49A9138}"/>
-              </a:ext>
-            </a:extLst>
-          </p:cNvPr>
-          <p:cNvSpPr/>
-          <p:nvPr/>
-        </p:nvSpPr>
-        <p:spPr>
-          <a:xfrm>
-            <a:off x="4191786" y="3007144"/>
-            <a:ext cx="1904214" cy="1072299"/>
-          </a:xfrm>
-          <a:prstGeom prst="rect">
-            <a:avLst/>
-          </a:prstGeom>
-        </p:spPr>
-        <p:style>
-          <a:lnRef idx="2">
-            <a:schemeClr val="accent1">
-              <a:shade val="15000"/>
-            </a:schemeClr>
-          </a:lnRef>
-          <a:fillRef idx="1">
-            <a:schemeClr val="accent1"/>
-          </a:fillRef>
-          <a:effectRef idx="0">
-            <a:schemeClr val="accent1"/>
-          </a:effectRef>
-          <a:fontRef idx="minor">
-            <a:schemeClr val="lt1"/>
-          </a:fontRef>
-        </p:style>
-        <p:txBody>
-          <a:bodyPr rtlCol="0" anchor="ctr"/>
-          <a:lstStyle/>
-          <a:p>
-            <a:pPr algn="ctr"/>
-            <a:r>
-              <a:rPr lang="en-GB" dirty="0"/>
-              <a:t>Define Scenarios</a:t>
-            </a:r>
-          </a:p>
-        </p:txBody>
-      </p:sp>
-      <p:sp>
-        <p:nvSpPr>
-          <p:cNvPr id="6" name="Rectangle 5">
-            <a:extLst>
-              <a:ext uri="{FF2B5EF4-FFF2-40B4-BE49-F238E27FC236}">
-                <a16:creationId xmlns:a16="http://schemas.microsoft.com/office/drawing/2014/main" id="{B6A1DE87-055A-DE9F-8675-30CB2F1EC710}"/>
-              </a:ext>
-            </a:extLst>
-          </p:cNvPr>
-          <p:cNvSpPr/>
-          <p:nvPr/>
-        </p:nvSpPr>
-        <p:spPr>
-          <a:xfrm>
-            <a:off x="6498213" y="3007143"/>
-            <a:ext cx="1904214" cy="1072299"/>
-          </a:xfrm>
-          <a:prstGeom prst="rect">
-            <a:avLst/>
-          </a:prstGeom>
-        </p:spPr>
-        <p:style>
-          <a:lnRef idx="2">
-            <a:schemeClr val="accent1">
-              <a:shade val="15000"/>
-            </a:schemeClr>
-          </a:lnRef>
-          <a:fillRef idx="1">
-            <a:schemeClr val="accent1"/>
-          </a:fillRef>
-          <a:effectRef idx="0">
-            <a:schemeClr val="accent1"/>
-          </a:effectRef>
-          <a:fontRef idx="minor">
-            <a:schemeClr val="lt1"/>
-          </a:fontRef>
-        </p:style>
-        <p:txBody>
-          <a:bodyPr rtlCol="0" anchor="ctr"/>
-          <a:lstStyle/>
-          <a:p>
-            <a:pPr algn="ctr"/>
-            <a:r>
-              <a:rPr lang="en-GB" dirty="0"/>
-              <a:t>Test Scripting</a:t>
-            </a:r>
-          </a:p>
-        </p:txBody>
-      </p:sp>
-      <p:sp>
-        <p:nvSpPr>
-          <p:cNvPr id="7" name="Rectangle 6">
-            <a:extLst>
-              <a:ext uri="{FF2B5EF4-FFF2-40B4-BE49-F238E27FC236}">
-                <a16:creationId xmlns:a16="http://schemas.microsoft.com/office/drawing/2014/main" id="{530BC6D0-8920-A740-7105-EA3D2850FC69}"/>
-              </a:ext>
-            </a:extLst>
-          </p:cNvPr>
-          <p:cNvSpPr/>
-          <p:nvPr/>
-        </p:nvSpPr>
-        <p:spPr>
-          <a:xfrm>
-            <a:off x="8803475" y="3007142"/>
-            <a:ext cx="1904214" cy="1072299"/>
-          </a:xfrm>
-          <a:prstGeom prst="rect">
-            <a:avLst/>
-          </a:prstGeom>
-        </p:spPr>
-        <p:style>
-          <a:lnRef idx="2">
-            <a:schemeClr val="accent1">
-              <a:shade val="15000"/>
-            </a:schemeClr>
-          </a:lnRef>
-          <a:fillRef idx="1">
-            <a:schemeClr val="accent1"/>
-          </a:fillRef>
-          <a:effectRef idx="0">
-            <a:schemeClr val="accent1"/>
-          </a:effectRef>
-          <a:fontRef idx="minor">
-            <a:schemeClr val="lt1"/>
-          </a:fontRef>
-        </p:style>
-        <p:txBody>
-          <a:bodyPr rtlCol="0" anchor="ctr"/>
-          <a:lstStyle/>
-          <a:p>
-            <a:pPr algn="ctr"/>
-            <a:r>
-              <a:rPr lang="en-GB" dirty="0"/>
-              <a:t>Bug reporting</a:t>
-            </a:r>
+            <a:pPr marR="0" lvl="0" fontAlgn="base">
+              <a:lnSpc>
+                <a:spcPct val="100000"/>
+              </a:lnSpc>
+              <a:buFont typeface="Arial" panose="020B0604020202020204" pitchFamily="34" charset="0"/>
+              <a:buChar char="•"/>
+              <a:tabLst/>
+            </a:pPr>
+            <a:r>
+              <a:rPr lang="en-US" altLang="en-US" sz="1800" b="1" dirty="0">
+                <a:latin typeface="Calibri" panose="020F0502020204030204" pitchFamily="34" charset="0"/>
+                <a:ea typeface="Calibri" panose="020F0502020204030204" pitchFamily="34" charset="0"/>
+                <a:cs typeface="Times New Roman" panose="02020603050405020304" pitchFamily="18" charset="0"/>
+              </a:rPr>
+              <a:t>Functional Requirements:</a:t>
+            </a:r>
+          </a:p>
+          <a:p>
+            <a:pPr lvl="1" fontAlgn="base">
+              <a:buFont typeface="Arial" panose="020B0604020202020204" pitchFamily="34" charset="0"/>
+              <a:buChar char="•"/>
+            </a:pPr>
+            <a:r>
+              <a:rPr lang="en-US" altLang="en-US" sz="1600" b="1" dirty="0">
+                <a:latin typeface="Calibri" panose="020F0502020204030204" pitchFamily="34" charset="0"/>
+                <a:ea typeface="Calibri" panose="020F0502020204030204" pitchFamily="34" charset="0"/>
+                <a:cs typeface="Times New Roman" panose="02020603050405020304" pitchFamily="18" charset="0"/>
+              </a:rPr>
+              <a:t>Navigation: </a:t>
+            </a:r>
+            <a:r>
+              <a:rPr lang="en-US" altLang="en-US" sz="1400" dirty="0">
+                <a:latin typeface="Calibri" panose="020F0502020204030204" pitchFamily="34" charset="0"/>
+                <a:ea typeface="Calibri" panose="020F0502020204030204" pitchFamily="34" charset="0"/>
+                <a:cs typeface="Times New Roman" panose="02020603050405020304" pitchFamily="18" charset="0"/>
+              </a:rPr>
+              <a:t>Ensure that all menu items, links, and buttons are functioning correctly </a:t>
+            </a:r>
+            <a:r>
+              <a:rPr lang="da-DK" altLang="en-US" sz="1400" dirty="0">
+                <a:solidFill>
+                  <a:schemeClr val="accent1"/>
+                </a:solidFill>
+                <a:latin typeface="Calibri" panose="020F0502020204030204" pitchFamily="34" charset="0"/>
+                <a:ea typeface="Calibri" panose="020F0502020204030204" pitchFamily="34" charset="0"/>
+                <a:cs typeface="Times New Roman" panose="02020603050405020304" pitchFamily="18" charset="0"/>
+              </a:rPr>
+              <a:t>(</a:t>
+            </a:r>
+            <a:r>
+              <a:rPr lang="da-DK" altLang="en-US" sz="1400" dirty="0">
+                <a:solidFill>
+                  <a:schemeClr val="accent1"/>
+                </a:solidFill>
+                <a:latin typeface="Calibri" panose="020F0502020204030204" pitchFamily="34" charset="0"/>
+                <a:ea typeface="Calibri" panose="020F0502020204030204" pitchFamily="34" charset="0"/>
+                <a:cs typeface="Times New Roman" panose="02020603050405020304" pitchFamily="18" charset="0"/>
+                <a:hlinkClick r:id="rId2"/>
+              </a:rPr>
+              <a:t>www.rpgroup.com</a:t>
+            </a:r>
+            <a:r>
+              <a:rPr lang="da-DK" altLang="en-US" sz="1400" dirty="0">
+                <a:solidFill>
+                  <a:schemeClr val="accent1"/>
+                </a:solidFill>
+                <a:latin typeface="Calibri" panose="020F0502020204030204" pitchFamily="34" charset="0"/>
+                <a:ea typeface="Calibri" panose="020F0502020204030204" pitchFamily="34" charset="0"/>
+                <a:cs typeface="Times New Roman" panose="02020603050405020304" pitchFamily="18" charset="0"/>
+              </a:rPr>
+              <a:t>)</a:t>
+            </a:r>
+            <a:endParaRPr lang="en-US" altLang="en-US" sz="1400" dirty="0">
+              <a:solidFill>
+                <a:schemeClr val="accent1"/>
+              </a:solidFill>
+              <a:latin typeface="Calibri" panose="020F0502020204030204" pitchFamily="34" charset="0"/>
+              <a:ea typeface="Calibri" panose="020F0502020204030204" pitchFamily="34" charset="0"/>
+              <a:cs typeface="Times New Roman" panose="02020603050405020304" pitchFamily="18" charset="0"/>
+            </a:endParaRPr>
+          </a:p>
+          <a:p>
+            <a:pPr lvl="1" fontAlgn="base">
+              <a:buFont typeface="Arial" panose="020B0604020202020204" pitchFamily="34" charset="0"/>
+              <a:buChar char="•"/>
+            </a:pPr>
+            <a:r>
+              <a:rPr lang="en-US" altLang="en-US" sz="1600" b="1" dirty="0">
+                <a:latin typeface="Calibri" panose="020F0502020204030204" pitchFamily="34" charset="0"/>
+                <a:ea typeface="Calibri" panose="020F0502020204030204" pitchFamily="34" charset="0"/>
+                <a:cs typeface="Times New Roman" panose="02020603050405020304" pitchFamily="18" charset="0"/>
+              </a:rPr>
+              <a:t>Forms: </a:t>
+            </a:r>
+            <a:r>
+              <a:rPr lang="en-US" altLang="en-US" sz="1400" dirty="0">
+                <a:latin typeface="Calibri" panose="020F0502020204030204" pitchFamily="34" charset="0"/>
+                <a:ea typeface="Calibri" panose="020F0502020204030204" pitchFamily="34" charset="0"/>
+                <a:cs typeface="Times New Roman" panose="02020603050405020304" pitchFamily="18" charset="0"/>
+              </a:rPr>
+              <a:t>Test all forms on the site (e.g., </a:t>
+            </a:r>
+            <a:r>
+              <a:rPr lang="en-US" altLang="en-US" sz="1400" dirty="0">
+                <a:solidFill>
+                  <a:schemeClr val="accent1"/>
+                </a:solidFill>
+                <a:latin typeface="Calibri" panose="020F0502020204030204" pitchFamily="34" charset="0"/>
+                <a:ea typeface="Calibri" panose="020F0502020204030204" pitchFamily="34" charset="0"/>
+                <a:cs typeface="Times New Roman" panose="02020603050405020304" pitchFamily="18" charset="0"/>
+              </a:rPr>
+              <a:t>Report a claim</a:t>
+            </a:r>
+            <a:r>
+              <a:rPr lang="en-US" altLang="en-US" sz="1400" dirty="0">
+                <a:latin typeface="Calibri" panose="020F0502020204030204" pitchFamily="34" charset="0"/>
+                <a:ea typeface="Calibri" panose="020F0502020204030204" pitchFamily="34" charset="0"/>
+                <a:cs typeface="Times New Roman" panose="02020603050405020304" pitchFamily="18" charset="0"/>
+              </a:rPr>
+              <a:t>) for correct data submission, validation, and error handling. </a:t>
+            </a:r>
+          </a:p>
+          <a:p>
+            <a:pPr lvl="1" fontAlgn="base">
+              <a:buFont typeface="Arial" panose="020B0604020202020204" pitchFamily="34" charset="0"/>
+              <a:buChar char="•"/>
+            </a:pPr>
+            <a:r>
+              <a:rPr lang="en-GB" sz="1600" b="1" dirty="0">
+                <a:latin typeface="Calibri" panose="020F0502020204030204" pitchFamily="34" charset="0"/>
+                <a:ea typeface="Calibri" panose="020F0502020204030204" pitchFamily="34" charset="0"/>
+                <a:cs typeface="Times New Roman" panose="02020603050405020304" pitchFamily="18" charset="0"/>
+              </a:rPr>
+              <a:t>Content Management: </a:t>
+            </a:r>
+            <a:r>
+              <a:rPr lang="en-GB" sz="1400" dirty="0">
+                <a:latin typeface="Calibri" panose="020F0502020204030204" pitchFamily="34" charset="0"/>
+                <a:ea typeface="Calibri" panose="020F0502020204030204" pitchFamily="34" charset="0"/>
+                <a:cs typeface="Times New Roman" panose="02020603050405020304" pitchFamily="18" charset="0"/>
+              </a:rPr>
+              <a:t>Verify that the content on the website (text, images, videos) is displayed correctly and can be updated as needed (Accident &amp; Health on report a Claim page).</a:t>
+            </a:r>
+            <a:endParaRPr lang="en-US" altLang="en-US" sz="1400" dirty="0">
+              <a:latin typeface="Calibri" panose="020F0502020204030204" pitchFamily="34" charset="0"/>
+              <a:ea typeface="Calibri" panose="020F0502020204030204" pitchFamily="34" charset="0"/>
+              <a:cs typeface="Times New Roman" panose="02020603050405020304" pitchFamily="18" charset="0"/>
+            </a:endParaRPr>
+          </a:p>
+          <a:p>
+            <a:pPr fontAlgn="base">
+              <a:buFont typeface="Arial" panose="020B0604020202020204" pitchFamily="34" charset="0"/>
+              <a:buChar char="•"/>
+            </a:pPr>
+            <a:r>
+              <a:rPr lang="en-GB" sz="1800" b="1" dirty="0">
+                <a:latin typeface="Calibri" panose="020F0502020204030204" pitchFamily="34" charset="0"/>
+                <a:ea typeface="Calibri" panose="020F0502020204030204" pitchFamily="34" charset="0"/>
+                <a:cs typeface="Times New Roman" panose="02020603050405020304" pitchFamily="18" charset="0"/>
+              </a:rPr>
+              <a:t>Non-Functional Requirements:</a:t>
+            </a:r>
+          </a:p>
+          <a:p>
+            <a:pPr lvl="1" fontAlgn="base">
+              <a:buFont typeface="Arial" panose="020B0604020202020204" pitchFamily="34" charset="0"/>
+              <a:buChar char="•"/>
+            </a:pPr>
+            <a:r>
+              <a:rPr lang="en-GB" sz="1600" b="1" dirty="0">
+                <a:latin typeface="Calibri" panose="020F0502020204030204" pitchFamily="34" charset="0"/>
+                <a:ea typeface="Calibri" panose="020F0502020204030204" pitchFamily="34" charset="0"/>
+                <a:cs typeface="Times New Roman" panose="02020603050405020304" pitchFamily="18" charset="0"/>
+              </a:rPr>
+              <a:t>Performance:</a:t>
+            </a:r>
+          </a:p>
+          <a:p>
+            <a:pPr lvl="2" fontAlgn="base">
+              <a:buFont typeface="Arial" panose="020B0604020202020204" pitchFamily="34" charset="0"/>
+              <a:buChar char="•"/>
+            </a:pPr>
+            <a:r>
+              <a:rPr lang="en-GB" sz="1600" b="1" dirty="0">
+                <a:latin typeface="Calibri" panose="020F0502020204030204" pitchFamily="34" charset="0"/>
+                <a:ea typeface="Calibri" panose="020F0502020204030204" pitchFamily="34" charset="0"/>
+                <a:cs typeface="Times New Roman" panose="02020603050405020304" pitchFamily="18" charset="0"/>
+              </a:rPr>
+              <a:t>Load Time: </a:t>
+            </a:r>
+            <a:r>
+              <a:rPr lang="en-GB" sz="1400" dirty="0">
+                <a:latin typeface="Calibri" panose="020F0502020204030204" pitchFamily="34" charset="0"/>
+                <a:ea typeface="Calibri" panose="020F0502020204030204" pitchFamily="34" charset="0"/>
+                <a:cs typeface="Times New Roman" panose="02020603050405020304" pitchFamily="18" charset="0"/>
+              </a:rPr>
+              <a:t>Verify that each page on the website loads within an acceptable timeframe (e.g., under 3 seconds).</a:t>
+            </a:r>
+          </a:p>
+          <a:p>
+            <a:pPr lvl="1" fontAlgn="base">
+              <a:buFont typeface="Arial" panose="020B0604020202020204" pitchFamily="34" charset="0"/>
+              <a:buChar char="•"/>
+            </a:pPr>
+            <a:r>
+              <a:rPr lang="en-GB" sz="1600" b="1" dirty="0">
+                <a:latin typeface="Calibri" panose="020F0502020204030204" pitchFamily="34" charset="0"/>
+                <a:ea typeface="Calibri" panose="020F0502020204030204" pitchFamily="34" charset="0"/>
+                <a:cs typeface="Times New Roman" panose="02020603050405020304" pitchFamily="18" charset="0"/>
+              </a:rPr>
+              <a:t>Usability:</a:t>
+            </a:r>
+          </a:p>
+          <a:p>
+            <a:pPr lvl="2" fontAlgn="base">
+              <a:buFont typeface="Arial" panose="020B0604020202020204" pitchFamily="34" charset="0"/>
+              <a:buChar char="•"/>
+            </a:pPr>
+            <a:r>
+              <a:rPr lang="en-GB" sz="1600" b="1" dirty="0">
+                <a:latin typeface="Calibri" panose="020F0502020204030204" pitchFamily="34" charset="0"/>
+                <a:ea typeface="Calibri" panose="020F0502020204030204" pitchFamily="34" charset="0"/>
+                <a:cs typeface="Times New Roman" panose="02020603050405020304" pitchFamily="18" charset="0"/>
+              </a:rPr>
+              <a:t>Responsiveness: </a:t>
+            </a:r>
+            <a:r>
+              <a:rPr lang="en-GB" sz="1400" dirty="0">
+                <a:latin typeface="Calibri" panose="020F0502020204030204" pitchFamily="34" charset="0"/>
+                <a:ea typeface="Calibri" panose="020F0502020204030204" pitchFamily="34" charset="0"/>
+                <a:cs typeface="Times New Roman" panose="02020603050405020304" pitchFamily="18" charset="0"/>
+              </a:rPr>
+              <a:t>Test the website with different screen sizes to ensure it is responsive and user friendly.</a:t>
+            </a:r>
+          </a:p>
+          <a:p>
+            <a:pPr lvl="2" fontAlgn="base">
+              <a:buFont typeface="Arial" panose="020B0604020202020204" pitchFamily="34" charset="0"/>
+              <a:buChar char="•"/>
+            </a:pPr>
+            <a:r>
+              <a:rPr lang="en-GB" sz="1600" b="1" dirty="0">
+                <a:latin typeface="Calibri" panose="020F0502020204030204" pitchFamily="34" charset="0"/>
+                <a:ea typeface="Calibri" panose="020F0502020204030204" pitchFamily="34" charset="0"/>
+                <a:cs typeface="Times New Roman" panose="02020603050405020304" pitchFamily="18" charset="0"/>
+              </a:rPr>
+              <a:t>Accessibility: </a:t>
+            </a:r>
+            <a:r>
+              <a:rPr lang="en-GB" sz="1400" dirty="0">
+                <a:latin typeface="Calibri" panose="020F0502020204030204" pitchFamily="34" charset="0"/>
+                <a:ea typeface="Calibri" panose="020F0502020204030204" pitchFamily="34" charset="0"/>
+                <a:cs typeface="Times New Roman" panose="02020603050405020304" pitchFamily="18" charset="0"/>
+              </a:rPr>
+              <a:t>Ensure the website is accessible to all types of users.</a:t>
+            </a:r>
+          </a:p>
+          <a:p>
+            <a:pPr lvl="1" fontAlgn="base">
+              <a:buFont typeface="Arial" panose="020B0604020202020204" pitchFamily="34" charset="0"/>
+              <a:buChar char="•"/>
+            </a:pPr>
+            <a:r>
+              <a:rPr lang="en-GB" sz="1600" b="1" dirty="0">
+                <a:latin typeface="Calibri" panose="020F0502020204030204" pitchFamily="34" charset="0"/>
+                <a:ea typeface="Calibri" panose="020F0502020204030204" pitchFamily="34" charset="0"/>
+                <a:cs typeface="Times New Roman" panose="02020603050405020304" pitchFamily="18" charset="0"/>
+              </a:rPr>
+              <a:t>Content Requirements:</a:t>
+            </a:r>
+          </a:p>
+          <a:p>
+            <a:pPr lvl="2" fontAlgn="base">
+              <a:buFont typeface="Arial" panose="020B0604020202020204" pitchFamily="34" charset="0"/>
+              <a:buChar char="•"/>
+            </a:pPr>
+            <a:r>
+              <a:rPr lang="en-GB" sz="1600" b="1" dirty="0">
+                <a:latin typeface="Calibri" panose="020F0502020204030204" pitchFamily="34" charset="0"/>
+                <a:ea typeface="Calibri" panose="020F0502020204030204" pitchFamily="34" charset="0"/>
+                <a:cs typeface="Times New Roman" panose="02020603050405020304" pitchFamily="18" charset="0"/>
+              </a:rPr>
+              <a:t>Accuracy: </a:t>
+            </a:r>
+            <a:r>
+              <a:rPr lang="en-GB" sz="1400" dirty="0">
+                <a:latin typeface="Calibri" panose="020F0502020204030204" pitchFamily="34" charset="0"/>
+                <a:ea typeface="Calibri" panose="020F0502020204030204" pitchFamily="34" charset="0"/>
+                <a:cs typeface="Times New Roman" panose="02020603050405020304" pitchFamily="18" charset="0"/>
+              </a:rPr>
+              <a:t>Check that all content is accurate, up-to-date, and free from spelling or grammatical errors.</a:t>
+            </a:r>
+          </a:p>
+          <a:p>
+            <a:pPr lvl="1" fontAlgn="base">
+              <a:buFont typeface="Arial" panose="020B0604020202020204" pitchFamily="34" charset="0"/>
+              <a:buChar char="•"/>
+            </a:pPr>
+            <a:endParaRPr lang="en-US" altLang="en-US" sz="1400" b="1" dirty="0">
+              <a:latin typeface="Calibri" panose="020F0502020204030204" pitchFamily="34" charset="0"/>
+              <a:ea typeface="Calibri" panose="020F0502020204030204" pitchFamily="34" charset="0"/>
+              <a:cs typeface="Times New Roman" panose="02020603050405020304" pitchFamily="18" charset="0"/>
+            </a:endParaRPr>
           </a:p>
         </p:txBody>
       </p:sp>
     </p:spTree>
     <p:extLst>
       <p:ext uri="{BB962C8B-B14F-4D97-AF65-F5344CB8AC3E}">
-        <p14:creationId xmlns:p14="http://schemas.microsoft.com/office/powerpoint/2010/main" val="425950901"/>
+        <p14:creationId xmlns:p14="http://schemas.microsoft.com/office/powerpoint/2010/main" val="2494138549"/>
       </p:ext>
     </p:extLst>
   </p:cSld>
@@ -8470,7 +8122,7 @@
           <p:cNvPr id="2" name="Title 1">
             <a:extLst>
               <a:ext uri="{FF2B5EF4-FFF2-40B4-BE49-F238E27FC236}">
-                <a16:creationId xmlns:a16="http://schemas.microsoft.com/office/drawing/2014/main" id="{5C35CC23-9485-CF53-7A48-5132C06124A1}"/>
+                <a16:creationId xmlns:a16="http://schemas.microsoft.com/office/drawing/2014/main" id="{C030DA54-B790-4D18-394B-D2C4BE43C3E0}"/>
               </a:ext>
             </a:extLst>
           </p:cNvPr>
@@ -8483,8 +8135,8 @@
         </p:nvSpPr>
         <p:spPr>
           <a:xfrm>
-            <a:off x="1484311" y="195606"/>
-            <a:ext cx="10018713" cy="784782"/>
+            <a:off x="1484311" y="110764"/>
+            <a:ext cx="10018713" cy="860197"/>
           </a:xfrm>
         </p:spPr>
         <p:txBody>
@@ -8493,327 +8145,500 @@
           <a:p>
             <a:r>
               <a:rPr lang="en-GB" dirty="0"/>
-              <a:t>Requirements</a:t>
-            </a:r>
-          </a:p>
-        </p:txBody>
-      </p:sp>
-      <p:sp>
-        <p:nvSpPr>
-          <p:cNvPr id="9" name="Rectangle 5">
+              <a:t>Test Plan</a:t>
+            </a:r>
+          </a:p>
+        </p:txBody>
+      </p:sp>
+      <p:sp>
+        <p:nvSpPr>
+          <p:cNvPr id="3" name="Content Placeholder 2">
             <a:extLst>
               <a:ext uri="{FF2B5EF4-FFF2-40B4-BE49-F238E27FC236}">
-                <a16:creationId xmlns:a16="http://schemas.microsoft.com/office/drawing/2014/main" id="{DFEC5E9D-B677-114F-5BFE-BA36F2D4BEEF}"/>
+                <a16:creationId xmlns:a16="http://schemas.microsoft.com/office/drawing/2014/main" id="{3570C308-B2F3-1158-DA07-5725E1E820C7}"/>
               </a:ext>
             </a:extLst>
           </p:cNvPr>
           <p:cNvSpPr>
-            <a:spLocks noGrp="1" noChangeArrowheads="1"/>
+            <a:spLocks noGrp="1"/>
           </p:cNvSpPr>
           <p:nvPr>
             <p:ph idx="1"/>
           </p:nvPr>
         </p:nvSpPr>
-        <p:spPr bwMode="auto">
+        <p:spPr>
           <a:xfrm>
-            <a:off x="1484313" y="1131146"/>
-            <a:ext cx="10214351" cy="5053691"/>
+            <a:off x="1484310" y="970962"/>
+            <a:ext cx="10018713" cy="5420412"/>
           </a:xfrm>
-          <a:prstGeom prst="rect">
-            <a:avLst/>
-          </a:prstGeom>
-          <a:noFill/>
-          <a:ln>
-            <a:noFill/>
-          </a:ln>
-          <a:effectLst/>
-          <a:extLst>
-            <a:ext uri="{909E8E84-426E-40DD-AFC4-6F175D3DCCD1}">
-              <a14:hiddenFill xmlns:a14="http://schemas.microsoft.com/office/drawing/2010/main">
-                <a:solidFill>
-                  <a:schemeClr val="accent1"/>
-                </a:solidFill>
-              </a14:hiddenFill>
-            </a:ext>
-            <a:ext uri="{91240B29-F687-4F45-9708-019B960494DF}">
-              <a14:hiddenLine xmlns:a14="http://schemas.microsoft.com/office/drawing/2010/main" w="9525">
-                <a:solidFill>
-                  <a:schemeClr val="tx1"/>
-                </a:solidFill>
-                <a:miter lim="800000"/>
-                <a:headEnd/>
-                <a:tailEnd/>
-              </a14:hiddenLine>
-            </a:ext>
-            <a:ext uri="{AF507438-7753-43E0-B8FC-AC1667EBCBE1}">
-              <a14:hiddenEffects xmlns:a14="http://schemas.microsoft.com/office/drawing/2010/main">
-                <a:effectLst>
-                  <a:outerShdw dist="35921" dir="2700000" algn="ctr" rotWithShape="0">
-                    <a:schemeClr val="bg2"/>
-                  </a:outerShdw>
-                </a:effectLst>
-              </a14:hiddenEffects>
-            </a:ext>
-          </a:extLst>
         </p:spPr>
         <p:txBody>
-          <a:bodyPr vert="horz" wrap="square" lIns="91440" tIns="45720" rIns="91440" bIns="45720" numCol="1" anchor="t" anchorCtr="0" compatLnSpc="1">
-            <a:prstTxWarp prst="textNoShape">
-              <a:avLst/>
-            </a:prstTxWarp>
-            <a:spAutoFit/>
+          <a:bodyPr anchor="t">
+            <a:normAutofit lnSpcReduction="10000"/>
           </a:bodyPr>
           <a:lstStyle/>
           <a:p>
-            <a:pPr marR="0" lvl="0" fontAlgn="base">
-              <a:lnSpc>
-                <a:spcPct val="100000"/>
-              </a:lnSpc>
-              <a:buFont typeface="Arial" panose="020B0604020202020204" pitchFamily="34" charset="0"/>
-              <a:buChar char="•"/>
-              <a:tabLst/>
-            </a:pPr>
-            <a:r>
-              <a:rPr lang="en-US" altLang="en-US" sz="1800" b="1" dirty="0">
-                <a:latin typeface="Calibri" panose="020F0502020204030204" pitchFamily="34" charset="0"/>
-                <a:ea typeface="Calibri" panose="020F0502020204030204" pitchFamily="34" charset="0"/>
-                <a:cs typeface="Times New Roman" panose="02020603050405020304" pitchFamily="18" charset="0"/>
-              </a:rPr>
-              <a:t>Functional Requirements:</a:t>
-            </a:r>
-          </a:p>
-          <a:p>
-            <a:pPr lvl="1" fontAlgn="base">
+            <a:pPr>
               <a:buFont typeface="Arial" panose="020B0604020202020204" pitchFamily="34" charset="0"/>
               <a:buChar char="•"/>
             </a:pPr>
             <a:r>
-              <a:rPr lang="en-US" altLang="en-US" sz="1600" b="1" dirty="0">
+              <a:rPr lang="en-GB" sz="1800" b="1" dirty="0">
+                <a:effectLst/>
                 <a:latin typeface="Calibri" panose="020F0502020204030204" pitchFamily="34" charset="0"/>
                 <a:ea typeface="Calibri" panose="020F0502020204030204" pitchFamily="34" charset="0"/>
                 <a:cs typeface="Times New Roman" panose="02020603050405020304" pitchFamily="18" charset="0"/>
               </a:rPr>
-              <a:t>Navigation: </a:t>
-            </a:r>
-            <a:r>
-              <a:rPr lang="en-US" altLang="en-US" sz="1400" dirty="0">
+              <a:t>Purpose</a:t>
+            </a:r>
+            <a:r>
+              <a:rPr lang="da-DK" sz="1800" b="1" dirty="0">
+                <a:effectLst/>
                 <a:latin typeface="Calibri" panose="020F0502020204030204" pitchFamily="34" charset="0"/>
                 <a:ea typeface="Calibri" panose="020F0502020204030204" pitchFamily="34" charset="0"/>
                 <a:cs typeface="Times New Roman" panose="02020603050405020304" pitchFamily="18" charset="0"/>
               </a:rPr>
-              <a:t>Ensure that all menu items, links, and buttons are functioning correctly and direct users to the correct pages.</a:t>
-            </a:r>
-          </a:p>
-          <a:p>
-            <a:pPr lvl="1" fontAlgn="base">
+              <a:t>: </a:t>
+            </a:r>
+            <a:r>
+              <a:rPr lang="en-GB" sz="1400" dirty="0">
+                <a:effectLst/>
+                <a:latin typeface="Calibri" panose="020F0502020204030204" pitchFamily="34" charset="0"/>
+                <a:ea typeface="Calibri" panose="020F0502020204030204" pitchFamily="34" charset="0"/>
+                <a:cs typeface="Times New Roman" panose="02020603050405020304" pitchFamily="18" charset="0"/>
+              </a:rPr>
+              <a:t>The purpose of this test plan is to outline the testing strategy for the </a:t>
+            </a:r>
+            <a:r>
+              <a:rPr lang="en-GB" sz="1400" b="1" dirty="0">
+                <a:effectLst/>
+                <a:latin typeface="Calibri" panose="020F0502020204030204" pitchFamily="34" charset="0"/>
+                <a:ea typeface="Calibri" panose="020F0502020204030204" pitchFamily="34" charset="0"/>
+                <a:cs typeface="Times New Roman" panose="02020603050405020304" pitchFamily="18" charset="0"/>
+              </a:rPr>
+              <a:t>RiskPoint Group website</a:t>
+            </a:r>
+            <a:r>
+              <a:rPr lang="en-GB" sz="1400" dirty="0">
+                <a:effectLst/>
+                <a:latin typeface="Calibri" panose="020F0502020204030204" pitchFamily="34" charset="0"/>
+                <a:ea typeface="Calibri" panose="020F0502020204030204" pitchFamily="34" charset="0"/>
+                <a:cs typeface="Times New Roman" panose="02020603050405020304" pitchFamily="18" charset="0"/>
+              </a:rPr>
+              <a:t>. The goal is to ensure that the website meets all specified functional</a:t>
+            </a:r>
+            <a:r>
+              <a:rPr lang="en-GB" sz="1400" dirty="0">
+                <a:latin typeface="Calibri" panose="020F0502020204030204" pitchFamily="34" charset="0"/>
+                <a:ea typeface="Calibri" panose="020F0502020204030204" pitchFamily="34" charset="0"/>
+                <a:cs typeface="Times New Roman" panose="02020603050405020304" pitchFamily="18" charset="0"/>
+              </a:rPr>
+              <a:t> &amp;</a:t>
+            </a:r>
+            <a:r>
+              <a:rPr lang="en-GB" sz="1400" dirty="0">
+                <a:effectLst/>
+                <a:latin typeface="Calibri" panose="020F0502020204030204" pitchFamily="34" charset="0"/>
+                <a:ea typeface="Calibri" panose="020F0502020204030204" pitchFamily="34" charset="0"/>
+                <a:cs typeface="Times New Roman" panose="02020603050405020304" pitchFamily="18" charset="0"/>
+              </a:rPr>
+              <a:t> non-functional requirements, providing a seamless experience to the users.</a:t>
+            </a:r>
+          </a:p>
+          <a:p>
+            <a:pPr>
               <a:buFont typeface="Arial" panose="020B0604020202020204" pitchFamily="34" charset="0"/>
               <a:buChar char="•"/>
             </a:pPr>
             <a:r>
-              <a:rPr lang="en-US" altLang="en-US" sz="1600" b="1" dirty="0">
+              <a:rPr lang="en-GB" sz="1800" b="1" dirty="0">
+                <a:effectLst/>
                 <a:latin typeface="Calibri" panose="020F0502020204030204" pitchFamily="34" charset="0"/>
                 <a:ea typeface="Calibri" panose="020F0502020204030204" pitchFamily="34" charset="0"/>
                 <a:cs typeface="Times New Roman" panose="02020603050405020304" pitchFamily="18" charset="0"/>
               </a:rPr>
-              <a:t>Forms: </a:t>
-            </a:r>
-            <a:r>
-              <a:rPr lang="en-US" altLang="en-US" sz="1400" dirty="0">
+              <a:t>Scope: </a:t>
+            </a:r>
+            <a:r>
+              <a:rPr lang="en-GB" sz="1400" dirty="0">
+                <a:effectLst/>
                 <a:latin typeface="Calibri" panose="020F0502020204030204" pitchFamily="34" charset="0"/>
                 <a:ea typeface="Calibri" panose="020F0502020204030204" pitchFamily="34" charset="0"/>
                 <a:cs typeface="Times New Roman" panose="02020603050405020304" pitchFamily="18" charset="0"/>
               </a:rPr>
-              <a:t>Test all forms on the site (e.g., contact forms, inquiry forms) for correct data submission, validation, and error handling. </a:t>
-            </a:r>
-          </a:p>
-          <a:p>
-            <a:pPr lvl="1" fontAlgn="base">
+              <a:t>This test plan covers the testing of all features and functionalities of the RiskPoint Group website, including the user interface, navigation, content management, and backend integration.</a:t>
+            </a:r>
+          </a:p>
+          <a:p>
+            <a:pPr>
               <a:buFont typeface="Arial" panose="020B0604020202020204" pitchFamily="34" charset="0"/>
               <a:buChar char="•"/>
             </a:pPr>
             <a:r>
-              <a:rPr lang="en-GB" sz="1600" b="1" dirty="0">
+              <a:rPr lang="en-GB" sz="1800" b="1" dirty="0">
                 <a:latin typeface="Calibri" panose="020F0502020204030204" pitchFamily="34" charset="0"/>
                 <a:ea typeface="Calibri" panose="020F0502020204030204" pitchFamily="34" charset="0"/>
                 <a:cs typeface="Times New Roman" panose="02020603050405020304" pitchFamily="18" charset="0"/>
               </a:rPr>
-              <a:t>Content Management: </a:t>
-            </a:r>
-            <a:r>
-              <a:rPr lang="en-GB" sz="1400" dirty="0">
+              <a:t>Objectives: </a:t>
+            </a:r>
+          </a:p>
+          <a:p>
+            <a:pPr marL="800100" lvl="1" indent="-342900" algn="just">
+              <a:lnSpc>
+                <a:spcPct val="107000"/>
+              </a:lnSpc>
+              <a:spcBef>
+                <a:spcPts val="0"/>
+              </a:spcBef>
+              <a:spcAft>
+                <a:spcPts val="800"/>
+              </a:spcAft>
+              <a:buSzPts val="1000"/>
+              <a:buFont typeface="Symbol" panose="05050102010706020507" pitchFamily="18" charset="2"/>
+              <a:buChar char=""/>
+              <a:tabLst>
+                <a:tab pos="457200" algn="l"/>
+              </a:tabLst>
+            </a:pPr>
+            <a:r>
+              <a:rPr lang="en-GB" sz="1400" kern="100" dirty="0">
+                <a:effectLst/>
                 <a:latin typeface="Calibri" panose="020F0502020204030204" pitchFamily="34" charset="0"/>
                 <a:ea typeface="Calibri" panose="020F0502020204030204" pitchFamily="34" charset="0"/>
                 <a:cs typeface="Times New Roman" panose="02020603050405020304" pitchFamily="18" charset="0"/>
               </a:rPr>
-              <a:t>Verify that the content on the website (text, images, videos) is displayed correctly and can be updated as needed.</a:t>
-            </a:r>
-            <a:endParaRPr lang="en-US" altLang="en-US" sz="1400" dirty="0">
+              <a:t>Validate that the website meets all functional requirements as specified in the Business Requirements Document (BRD).</a:t>
+            </a:r>
+          </a:p>
+          <a:p>
+            <a:pPr marL="800100" lvl="1" indent="-342900" algn="just">
+              <a:lnSpc>
+                <a:spcPct val="107000"/>
+              </a:lnSpc>
+              <a:spcBef>
+                <a:spcPts val="0"/>
+              </a:spcBef>
+              <a:spcAft>
+                <a:spcPts val="800"/>
+              </a:spcAft>
+              <a:buSzPts val="1000"/>
+              <a:buFont typeface="Symbol" panose="05050102010706020507" pitchFamily="18" charset="2"/>
+              <a:buChar char=""/>
+              <a:tabLst>
+                <a:tab pos="457200" algn="l"/>
+              </a:tabLst>
+            </a:pPr>
+            <a:r>
+              <a:rPr lang="en-GB" sz="1400" kern="100" dirty="0">
+                <a:effectLst/>
+                <a:latin typeface="Calibri" panose="020F0502020204030204" pitchFamily="34" charset="0"/>
+                <a:ea typeface="Calibri" panose="020F0502020204030204" pitchFamily="34" charset="0"/>
+                <a:cs typeface="Times New Roman" panose="02020603050405020304" pitchFamily="18" charset="0"/>
+              </a:rPr>
+              <a:t>Ensure the website is user-friendly, responsive, and accessible across different devices and browsers.</a:t>
+            </a:r>
+          </a:p>
+          <a:p>
+            <a:pPr marL="800100" lvl="1" indent="-342900" algn="just">
+              <a:lnSpc>
+                <a:spcPct val="107000"/>
+              </a:lnSpc>
+              <a:spcBef>
+                <a:spcPts val="0"/>
+              </a:spcBef>
+              <a:spcAft>
+                <a:spcPts val="800"/>
+              </a:spcAft>
+              <a:buSzPts val="1000"/>
+              <a:buFont typeface="Symbol" panose="05050102010706020507" pitchFamily="18" charset="2"/>
+              <a:buChar char=""/>
+              <a:tabLst>
+                <a:tab pos="457200" algn="l"/>
+              </a:tabLst>
+            </a:pPr>
+            <a:r>
+              <a:rPr lang="en-GB" sz="1400" kern="100" dirty="0">
+                <a:effectLst/>
+                <a:latin typeface="Calibri" panose="020F0502020204030204" pitchFamily="34" charset="0"/>
+                <a:ea typeface="Calibri" panose="020F0502020204030204" pitchFamily="34" charset="0"/>
+                <a:cs typeface="Times New Roman" panose="02020603050405020304" pitchFamily="18" charset="0"/>
+              </a:rPr>
+              <a:t>Verify the accuracy of content, including text, images, links, and downloadable resources.</a:t>
+            </a:r>
+          </a:p>
+          <a:p>
+            <a:pPr marL="800100" lvl="1" indent="-342900" algn="just">
+              <a:lnSpc>
+                <a:spcPct val="107000"/>
+              </a:lnSpc>
+              <a:spcBef>
+                <a:spcPts val="0"/>
+              </a:spcBef>
+              <a:spcAft>
+                <a:spcPts val="800"/>
+              </a:spcAft>
+              <a:buSzPts val="1000"/>
+              <a:buFont typeface="Symbol" panose="05050102010706020507" pitchFamily="18" charset="2"/>
+              <a:buChar char=""/>
+              <a:tabLst>
+                <a:tab pos="457200" algn="l"/>
+              </a:tabLst>
+            </a:pPr>
+            <a:r>
+              <a:rPr lang="en-GB" sz="1400" kern="100" dirty="0">
+                <a:effectLst/>
+                <a:latin typeface="Calibri" panose="020F0502020204030204" pitchFamily="34" charset="0"/>
+                <a:ea typeface="Calibri" panose="020F0502020204030204" pitchFamily="34" charset="0"/>
+                <a:cs typeface="Times New Roman" panose="02020603050405020304" pitchFamily="18" charset="0"/>
+              </a:rPr>
+              <a:t>Assess the website's performance under various load conditions.</a:t>
+            </a:r>
+          </a:p>
+          <a:p>
+            <a:pPr marL="800100" lvl="1" indent="-342900" algn="just">
+              <a:lnSpc>
+                <a:spcPct val="107000"/>
+              </a:lnSpc>
+              <a:spcBef>
+                <a:spcPts val="0"/>
+              </a:spcBef>
+              <a:spcAft>
+                <a:spcPts val="800"/>
+              </a:spcAft>
+              <a:buSzPts val="1000"/>
+              <a:buFont typeface="Symbol" panose="05050102010706020507" pitchFamily="18" charset="2"/>
+              <a:buChar char=""/>
+              <a:tabLst>
+                <a:tab pos="457200" algn="l"/>
+              </a:tabLst>
+            </a:pPr>
+            <a:r>
+              <a:rPr lang="en-GB" sz="1400" kern="100" dirty="0">
+                <a:effectLst/>
+                <a:latin typeface="Calibri" panose="020F0502020204030204" pitchFamily="34" charset="0"/>
+                <a:ea typeface="Calibri" panose="020F0502020204030204" pitchFamily="34" charset="0"/>
+                <a:cs typeface="Times New Roman" panose="02020603050405020304" pitchFamily="18" charset="0"/>
+              </a:rPr>
+              <a:t>Ensure security compliance and data protection standards.</a:t>
+            </a:r>
+          </a:p>
+          <a:p>
+            <a:pPr marL="0" marR="0" algn="just">
+              <a:lnSpc>
+                <a:spcPct val="107000"/>
+              </a:lnSpc>
+              <a:spcBef>
+                <a:spcPts val="0"/>
+              </a:spcBef>
+              <a:spcAft>
+                <a:spcPts val="800"/>
+              </a:spcAft>
+            </a:pPr>
+            <a:r>
+              <a:rPr lang="en-GB" sz="1800" b="1" kern="100" dirty="0">
+                <a:effectLst/>
+                <a:latin typeface="Calibri" panose="020F0502020204030204" pitchFamily="34" charset="0"/>
+                <a:ea typeface="Calibri" panose="020F0502020204030204" pitchFamily="34" charset="0"/>
+                <a:cs typeface="Times New Roman" panose="02020603050405020304" pitchFamily="18" charset="0"/>
+              </a:rPr>
+              <a:t>Features tested:</a:t>
+            </a:r>
+            <a:endParaRPr lang="en-GB" sz="1800" kern="100" dirty="0">
+              <a:effectLst/>
               <a:latin typeface="Calibri" panose="020F0502020204030204" pitchFamily="34" charset="0"/>
               <a:ea typeface="Calibri" panose="020F0502020204030204" pitchFamily="34" charset="0"/>
               <a:cs typeface="Times New Roman" panose="02020603050405020304" pitchFamily="18" charset="0"/>
             </a:endParaRPr>
           </a:p>
           <a:p>
-            <a:pPr fontAlgn="base">
-              <a:buFont typeface="Arial" panose="020B0604020202020204" pitchFamily="34" charset="0"/>
-              <a:buChar char="•"/>
+            <a:pPr marL="800100" lvl="1" indent="-342900" algn="just">
+              <a:lnSpc>
+                <a:spcPct val="107000"/>
+              </a:lnSpc>
+              <a:spcBef>
+                <a:spcPts val="0"/>
+              </a:spcBef>
+              <a:spcAft>
+                <a:spcPts val="800"/>
+              </a:spcAft>
+              <a:buSzPts val="1000"/>
+              <a:buFont typeface="Symbol" panose="05050102010706020507" pitchFamily="18" charset="2"/>
+              <a:buChar char=""/>
+              <a:tabLst>
+                <a:tab pos="457200" algn="l"/>
+              </a:tabLst>
             </a:pPr>
             <a:r>
-              <a:rPr lang="en-GB" sz="1800" b="1" dirty="0">
+              <a:rPr lang="en-GB" sz="1400" b="1" kern="100" dirty="0">
+                <a:effectLst/>
                 <a:latin typeface="Calibri" panose="020F0502020204030204" pitchFamily="34" charset="0"/>
                 <a:ea typeface="Calibri" panose="020F0502020204030204" pitchFamily="34" charset="0"/>
                 <a:cs typeface="Times New Roman" panose="02020603050405020304" pitchFamily="18" charset="0"/>
               </a:rPr>
-              <a:t>Non-Functional Requirements:</a:t>
-            </a:r>
-          </a:p>
-          <a:p>
-            <a:pPr lvl="1" fontAlgn="base">
-              <a:buFont typeface="Arial" panose="020B0604020202020204" pitchFamily="34" charset="0"/>
-              <a:buChar char="•"/>
+              <a:t>Homepage:</a:t>
+            </a:r>
+            <a:r>
+              <a:rPr lang="en-GB" sz="1400" kern="100" dirty="0">
+                <a:effectLst/>
+                <a:latin typeface="Calibri" panose="020F0502020204030204" pitchFamily="34" charset="0"/>
+                <a:ea typeface="Calibri" panose="020F0502020204030204" pitchFamily="34" charset="0"/>
+                <a:cs typeface="Times New Roman" panose="02020603050405020304" pitchFamily="18" charset="0"/>
+              </a:rPr>
+              <a:t> Validate content, layout, and navigation.</a:t>
+            </a:r>
+          </a:p>
+          <a:p>
+            <a:pPr marL="800100" lvl="1" indent="-342900" algn="just">
+              <a:lnSpc>
+                <a:spcPct val="107000"/>
+              </a:lnSpc>
+              <a:spcBef>
+                <a:spcPts val="0"/>
+              </a:spcBef>
+              <a:spcAft>
+                <a:spcPts val="800"/>
+              </a:spcAft>
+              <a:buSzPts val="1000"/>
+              <a:buFont typeface="Symbol" panose="05050102010706020507" pitchFamily="18" charset="2"/>
+              <a:buChar char=""/>
+              <a:tabLst>
+                <a:tab pos="457200" algn="l"/>
+              </a:tabLst>
             </a:pPr>
             <a:r>
-              <a:rPr lang="en-GB" sz="1600" b="1" dirty="0">
+              <a:rPr lang="en-GB" sz="1400" b="1" kern="100" dirty="0">
+                <a:effectLst/>
                 <a:latin typeface="Calibri" panose="020F0502020204030204" pitchFamily="34" charset="0"/>
                 <a:ea typeface="Calibri" panose="020F0502020204030204" pitchFamily="34" charset="0"/>
                 <a:cs typeface="Times New Roman" panose="02020603050405020304" pitchFamily="18" charset="0"/>
               </a:rPr>
-              <a:t>Performance:</a:t>
-            </a:r>
-          </a:p>
-          <a:p>
-            <a:pPr lvl="2" fontAlgn="base">
-              <a:buFont typeface="Arial" panose="020B0604020202020204" pitchFamily="34" charset="0"/>
-              <a:buChar char="•"/>
+              <a:t>Claims Tab:</a:t>
+            </a:r>
+            <a:r>
+              <a:rPr lang="en-GB" sz="1400" kern="100" dirty="0">
+                <a:effectLst/>
+                <a:latin typeface="Calibri" panose="020F0502020204030204" pitchFamily="34" charset="0"/>
+                <a:ea typeface="Calibri" panose="020F0502020204030204" pitchFamily="34" charset="0"/>
+                <a:cs typeface="Times New Roman" panose="02020603050405020304" pitchFamily="18" charset="0"/>
+              </a:rPr>
+              <a:t> Test content accuracy.</a:t>
+            </a:r>
+          </a:p>
+          <a:p>
+            <a:pPr marL="800100" lvl="1" indent="-342900" algn="just">
+              <a:lnSpc>
+                <a:spcPct val="107000"/>
+              </a:lnSpc>
+              <a:spcBef>
+                <a:spcPts val="0"/>
+              </a:spcBef>
+              <a:spcAft>
+                <a:spcPts val="800"/>
+              </a:spcAft>
+              <a:buSzPts val="1000"/>
+              <a:buFont typeface="Symbol" panose="05050102010706020507" pitchFamily="18" charset="2"/>
+              <a:buChar char=""/>
+              <a:tabLst>
+                <a:tab pos="457200" algn="l"/>
+              </a:tabLst>
             </a:pPr>
             <a:r>
-              <a:rPr lang="en-GB" sz="1600" b="1" dirty="0">
+              <a:rPr lang="en-GB" sz="1400" b="1" kern="100" dirty="0">
+                <a:effectLst/>
                 <a:latin typeface="Calibri" panose="020F0502020204030204" pitchFamily="34" charset="0"/>
                 <a:ea typeface="Calibri" panose="020F0502020204030204" pitchFamily="34" charset="0"/>
                 <a:cs typeface="Times New Roman" panose="02020603050405020304" pitchFamily="18" charset="0"/>
               </a:rPr>
-              <a:t>Load Time: </a:t>
-            </a:r>
-            <a:r>
-              <a:rPr lang="en-GB" sz="1400" dirty="0">
+              <a:t>Report a Claim Page:</a:t>
+            </a:r>
+            <a:r>
+              <a:rPr lang="en-GB" sz="1400" kern="100" dirty="0">
+                <a:effectLst/>
                 <a:latin typeface="Calibri" panose="020F0502020204030204" pitchFamily="34" charset="0"/>
                 <a:ea typeface="Calibri" panose="020F0502020204030204" pitchFamily="34" charset="0"/>
                 <a:cs typeface="Times New Roman" panose="02020603050405020304" pitchFamily="18" charset="0"/>
               </a:rPr>
-              <a:t>Verify that each page on the website loads within an acceptable timeframe (e.g., under 3 seconds).</a:t>
-            </a:r>
-          </a:p>
-          <a:p>
-            <a:pPr lvl="1" fontAlgn="base">
-              <a:buFont typeface="Arial" panose="020B0604020202020204" pitchFamily="34" charset="0"/>
-              <a:buChar char="•"/>
+              <a:t> Verify selection of Claim Type, selection of Language, navigating to the details page to fill the form in respective language and downloadable resources.</a:t>
+            </a:r>
+          </a:p>
+          <a:p>
+            <a:pPr marL="800100" lvl="1" indent="-342900" algn="just">
+              <a:lnSpc>
+                <a:spcPct val="107000"/>
+              </a:lnSpc>
+              <a:spcBef>
+                <a:spcPts val="0"/>
+              </a:spcBef>
+              <a:spcAft>
+                <a:spcPts val="800"/>
+              </a:spcAft>
+              <a:buSzPts val="1000"/>
+              <a:buFont typeface="Symbol" panose="05050102010706020507" pitchFamily="18" charset="2"/>
+              <a:buChar char=""/>
+              <a:tabLst>
+                <a:tab pos="457200" algn="l"/>
+              </a:tabLst>
             </a:pPr>
             <a:r>
-              <a:rPr lang="en-GB" sz="1600" b="1" dirty="0">
+              <a:rPr lang="en-GB" sz="1400" b="1" kern="100" dirty="0">
+                <a:effectLst/>
                 <a:latin typeface="Calibri" panose="020F0502020204030204" pitchFamily="34" charset="0"/>
                 <a:ea typeface="Calibri" panose="020F0502020204030204" pitchFamily="34" charset="0"/>
                 <a:cs typeface="Times New Roman" panose="02020603050405020304" pitchFamily="18" charset="0"/>
               </a:rPr>
-              <a:t>Usability:</a:t>
-            </a:r>
-          </a:p>
-          <a:p>
-            <a:pPr lvl="2" fontAlgn="base">
-              <a:buFont typeface="Arial" panose="020B0604020202020204" pitchFamily="34" charset="0"/>
-              <a:buChar char="•"/>
+              <a:t>Claims Details page:</a:t>
+            </a:r>
+            <a:r>
+              <a:rPr lang="en-GB" sz="1400" kern="100" dirty="0">
+                <a:effectLst/>
+                <a:latin typeface="Calibri" panose="020F0502020204030204" pitchFamily="34" charset="0"/>
+                <a:ea typeface="Calibri" panose="020F0502020204030204" pitchFamily="34" charset="0"/>
+                <a:cs typeface="Times New Roman" panose="02020603050405020304" pitchFamily="18" charset="0"/>
+              </a:rPr>
+              <a:t> Filling up the details in the respective language, validate the fields, ensure that the details are submitted successfully.</a:t>
+            </a:r>
+          </a:p>
+          <a:p>
+            <a:pPr marL="457200" lvl="1" indent="0" algn="just">
+              <a:lnSpc>
+                <a:spcPct val="107000"/>
+              </a:lnSpc>
+              <a:spcBef>
+                <a:spcPts val="0"/>
+              </a:spcBef>
+              <a:spcAft>
+                <a:spcPts val="800"/>
+              </a:spcAft>
+              <a:buSzPts val="1000"/>
+              <a:buNone/>
+              <a:tabLst>
+                <a:tab pos="457200" algn="l"/>
+              </a:tabLst>
             </a:pPr>
-            <a:r>
-              <a:rPr lang="en-GB" sz="1600" b="1" dirty="0">
-                <a:latin typeface="Calibri" panose="020F0502020204030204" pitchFamily="34" charset="0"/>
-                <a:ea typeface="Calibri" panose="020F0502020204030204" pitchFamily="34" charset="0"/>
-                <a:cs typeface="Times New Roman" panose="02020603050405020304" pitchFamily="18" charset="0"/>
-              </a:rPr>
-              <a:t>Responsiveness time: </a:t>
-            </a:r>
-            <a:r>
-              <a:rPr lang="en-GB" sz="1400" dirty="0">
-                <a:latin typeface="Calibri" panose="020F0502020204030204" pitchFamily="34" charset="0"/>
-                <a:ea typeface="Calibri" panose="020F0502020204030204" pitchFamily="34" charset="0"/>
-                <a:cs typeface="Times New Roman" panose="02020603050405020304" pitchFamily="18" charset="0"/>
-              </a:rPr>
-              <a:t>Test the website with different screen sizes to ensure it is responsive and user friendly.</a:t>
-            </a:r>
-          </a:p>
-          <a:p>
-            <a:pPr lvl="2" fontAlgn="base">
-              <a:buFont typeface="Arial" panose="020B0604020202020204" pitchFamily="34" charset="0"/>
-              <a:buChar char="•"/>
-            </a:pPr>
-            <a:r>
-              <a:rPr lang="en-GB" sz="1600" b="1" dirty="0">
-                <a:latin typeface="Calibri" panose="020F0502020204030204" pitchFamily="34" charset="0"/>
-                <a:ea typeface="Calibri" panose="020F0502020204030204" pitchFamily="34" charset="0"/>
-                <a:cs typeface="Times New Roman" panose="02020603050405020304" pitchFamily="18" charset="0"/>
-              </a:rPr>
-              <a:t>Accessibility: </a:t>
-            </a:r>
-            <a:r>
-              <a:rPr lang="en-GB" sz="1400" dirty="0">
-                <a:latin typeface="Calibri" panose="020F0502020204030204" pitchFamily="34" charset="0"/>
-                <a:ea typeface="Calibri" panose="020F0502020204030204" pitchFamily="34" charset="0"/>
-                <a:cs typeface="Times New Roman" panose="02020603050405020304" pitchFamily="18" charset="0"/>
-              </a:rPr>
-              <a:t>Ensure the website is accessible to users.</a:t>
-            </a:r>
-          </a:p>
-          <a:p>
-            <a:pPr lvl="1" fontAlgn="base">
-              <a:buFont typeface="Arial" panose="020B0604020202020204" pitchFamily="34" charset="0"/>
-              <a:buChar char="•"/>
-            </a:pPr>
-            <a:r>
-              <a:rPr lang="en-GB" sz="1600" b="1" dirty="0">
-                <a:latin typeface="Calibri" panose="020F0502020204030204" pitchFamily="34" charset="0"/>
-                <a:ea typeface="Calibri" panose="020F0502020204030204" pitchFamily="34" charset="0"/>
-                <a:cs typeface="Times New Roman" panose="02020603050405020304" pitchFamily="18" charset="0"/>
-              </a:rPr>
-              <a:t>Content Requirements:</a:t>
-            </a:r>
-          </a:p>
-          <a:p>
-            <a:pPr lvl="2" fontAlgn="base">
-              <a:buFont typeface="Arial" panose="020B0604020202020204" pitchFamily="34" charset="0"/>
-              <a:buChar char="•"/>
-            </a:pPr>
-            <a:r>
-              <a:rPr lang="en-GB" sz="1600" b="1" dirty="0">
-                <a:latin typeface="Calibri" panose="020F0502020204030204" pitchFamily="34" charset="0"/>
-                <a:ea typeface="Calibri" panose="020F0502020204030204" pitchFamily="34" charset="0"/>
-                <a:cs typeface="Times New Roman" panose="02020603050405020304" pitchFamily="18" charset="0"/>
-              </a:rPr>
-              <a:t>Accuracy: </a:t>
-            </a:r>
-            <a:r>
-              <a:rPr lang="en-GB" sz="1400" dirty="0">
-                <a:latin typeface="Calibri" panose="020F0502020204030204" pitchFamily="34" charset="0"/>
-                <a:ea typeface="Calibri" panose="020F0502020204030204" pitchFamily="34" charset="0"/>
-                <a:cs typeface="Times New Roman" panose="02020603050405020304" pitchFamily="18" charset="0"/>
-              </a:rPr>
-              <a:t>Check that all content is accurate, up-to-date, and free from spelling or grammatical errors.</a:t>
-            </a:r>
-          </a:p>
-          <a:p>
-            <a:pPr lvl="1" fontAlgn="base">
-              <a:buFont typeface="Arial" panose="020B0604020202020204" pitchFamily="34" charset="0"/>
-              <a:buChar char="•"/>
-            </a:pPr>
-            <a:endParaRPr lang="en-US" altLang="en-US" sz="1400" b="1" dirty="0">
+            <a:endParaRPr lang="en-GB" sz="1400" dirty="0">
+              <a:effectLst/>
               <a:latin typeface="Calibri" panose="020F0502020204030204" pitchFamily="34" charset="0"/>
               <a:ea typeface="Calibri" panose="020F0502020204030204" pitchFamily="34" charset="0"/>
               <a:cs typeface="Times New Roman" panose="02020603050405020304" pitchFamily="18" charset="0"/>
             </a:endParaRPr>
           </a:p>
+          <a:p>
+            <a:pPr>
+              <a:buFont typeface="Arial" panose="020B0604020202020204" pitchFamily="34" charset="0"/>
+              <a:buChar char="•"/>
+            </a:pPr>
+            <a:endParaRPr lang="en-GB" sz="1800" dirty="0"/>
+          </a:p>
+          <a:p>
+            <a:endParaRPr lang="en-GB" sz="1800" dirty="0"/>
+          </a:p>
         </p:txBody>
       </p:sp>
     </p:spTree>
     <p:extLst>
       <p:ext uri="{BB962C8B-B14F-4D97-AF65-F5344CB8AC3E}">
-        <p14:creationId xmlns:p14="http://schemas.microsoft.com/office/powerpoint/2010/main" val="2494138549"/>
+        <p14:creationId xmlns:p14="http://schemas.microsoft.com/office/powerpoint/2010/main" val="3903968618"/>
       </p:ext>
     </p:extLst>
   </p:cSld>
@@ -8845,7 +8670,7 @@
           <p:cNvPr id="2" name="Title 1">
             <a:extLst>
               <a:ext uri="{FF2B5EF4-FFF2-40B4-BE49-F238E27FC236}">
-                <a16:creationId xmlns:a16="http://schemas.microsoft.com/office/drawing/2014/main" id="{C030DA54-B790-4D18-394B-D2C4BE43C3E0}"/>
+                <a16:creationId xmlns:a16="http://schemas.microsoft.com/office/drawing/2014/main" id="{A4BB6926-6A53-A0D3-C226-A43AFACF3C09}"/>
               </a:ext>
             </a:extLst>
           </p:cNvPr>
@@ -8858,8 +8683,8 @@
         </p:nvSpPr>
         <p:spPr>
           <a:xfrm>
-            <a:off x="1484311" y="110764"/>
-            <a:ext cx="10018713" cy="860197"/>
+            <a:off x="1484311" y="176752"/>
+            <a:ext cx="10018713" cy="1001600"/>
           </a:xfrm>
         </p:spPr>
         <p:txBody>
@@ -8867,9 +8692,10 @@
           <a:lstStyle/>
           <a:p>
             <a:r>
-              <a:rPr lang="en-GB" dirty="0"/>
-              <a:t>Test Plan</a:t>
-            </a:r>
+              <a:rPr lang="da-DK" dirty="0"/>
+              <a:t>Test Strategy</a:t>
+            </a:r>
+            <a:endParaRPr lang="en-GB" dirty="0"/>
           </a:p>
         </p:txBody>
       </p:sp>
@@ -8878,7 +8704,7 @@
           <p:cNvPr id="3" name="Content Placeholder 2">
             <a:extLst>
               <a:ext uri="{FF2B5EF4-FFF2-40B4-BE49-F238E27FC236}">
-                <a16:creationId xmlns:a16="http://schemas.microsoft.com/office/drawing/2014/main" id="{3570C308-B2F3-1158-DA07-5725E1E820C7}"/>
+                <a16:creationId xmlns:a16="http://schemas.microsoft.com/office/drawing/2014/main" id="{70BB514F-6394-F542-546D-5AFB2AAC92FD}"/>
               </a:ext>
             </a:extLst>
           </p:cNvPr>
@@ -8891,85 +8717,97 @@
         </p:nvSpPr>
         <p:spPr>
           <a:xfrm>
-            <a:off x="1484310" y="970962"/>
-            <a:ext cx="10018713" cy="5420412"/>
+            <a:off x="1484310" y="1263193"/>
+            <a:ext cx="10018713" cy="5033912"/>
           </a:xfrm>
         </p:spPr>
         <p:txBody>
           <a:bodyPr anchor="t">
-            <a:normAutofit lnSpcReduction="10000"/>
+            <a:normAutofit fontScale="92500" lnSpcReduction="10000"/>
           </a:bodyPr>
           <a:lstStyle/>
           <a:p>
-            <a:pPr>
-              <a:buFont typeface="Arial" panose="020B0604020202020204" pitchFamily="34" charset="0"/>
-              <a:buChar char="•"/>
+            <a:endParaRPr lang="en-GB" sz="1600" dirty="0">
+              <a:latin typeface="Calibri" panose="020F0502020204030204" pitchFamily="34" charset="0"/>
+              <a:ea typeface="Calibri" panose="020F0502020204030204" pitchFamily="34" charset="0"/>
+              <a:cs typeface="Calibri" panose="020F0502020204030204" pitchFamily="34" charset="0"/>
+            </a:endParaRPr>
+          </a:p>
+          <a:p>
+            <a:pPr marL="0" indent="0">
+              <a:buNone/>
             </a:pPr>
             <a:r>
-              <a:rPr lang="en-GB" sz="1800" b="1" dirty="0">
+              <a:rPr lang="en-GB" sz="1600" dirty="0">
+                <a:latin typeface="Calibri" panose="020F0502020204030204" pitchFamily="34" charset="0"/>
+                <a:ea typeface="Calibri" panose="020F0502020204030204" pitchFamily="34" charset="0"/>
+                <a:cs typeface="Calibri" panose="020F0502020204030204" pitchFamily="34" charset="0"/>
+              </a:rPr>
+              <a:t>The Test Strategy aims to define the approach and guidelines for testing the </a:t>
+            </a:r>
+            <a:r>
+              <a:rPr lang="en-GB" sz="1600" b="1" dirty="0">
+                <a:latin typeface="Calibri" panose="020F0502020204030204" pitchFamily="34" charset="0"/>
+                <a:ea typeface="Calibri" panose="020F0502020204030204" pitchFamily="34" charset="0"/>
+                <a:cs typeface="Calibri" panose="020F0502020204030204" pitchFamily="34" charset="0"/>
+              </a:rPr>
+              <a:t>RiskPoint Group website</a:t>
+            </a:r>
+            <a:r>
+              <a:rPr lang="en-GB" sz="1600" dirty="0">
+                <a:latin typeface="Calibri" panose="020F0502020204030204" pitchFamily="34" charset="0"/>
+                <a:ea typeface="Calibri" panose="020F0502020204030204" pitchFamily="34" charset="0"/>
+                <a:cs typeface="Calibri" panose="020F0502020204030204" pitchFamily="34" charset="0"/>
+              </a:rPr>
+              <a:t>. It ensures that all testing activities align with the project’s objectives, deliverables, and quality standards.</a:t>
+            </a:r>
+          </a:p>
+          <a:p>
+            <a:pPr marL="0" marR="0" algn="just">
+              <a:lnSpc>
+                <a:spcPct val="107000"/>
+              </a:lnSpc>
+              <a:spcBef>
+                <a:spcPts val="0"/>
+              </a:spcBef>
+              <a:spcAft>
+                <a:spcPts val="800"/>
+              </a:spcAft>
+            </a:pPr>
+            <a:endParaRPr lang="en-GB" sz="2000" b="1" kern="100" dirty="0">
+              <a:effectLst/>
+              <a:latin typeface="Calibri" panose="020F0502020204030204" pitchFamily="34" charset="0"/>
+              <a:ea typeface="Calibri" panose="020F0502020204030204" pitchFamily="34" charset="0"/>
+              <a:cs typeface="Times New Roman" panose="02020603050405020304" pitchFamily="18" charset="0"/>
+            </a:endParaRPr>
+          </a:p>
+          <a:p>
+            <a:pPr marL="0" marR="0" algn="just">
+              <a:lnSpc>
+                <a:spcPct val="107000"/>
+              </a:lnSpc>
+              <a:spcBef>
+                <a:spcPts val="0"/>
+              </a:spcBef>
+              <a:spcAft>
+                <a:spcPts val="800"/>
+              </a:spcAft>
+            </a:pPr>
+            <a:r>
+              <a:rPr lang="en-GB" sz="2000" b="1" kern="100" dirty="0">
                 <a:effectLst/>
                 <a:latin typeface="Calibri" panose="020F0502020204030204" pitchFamily="34" charset="0"/>
                 <a:ea typeface="Calibri" panose="020F0502020204030204" pitchFamily="34" charset="0"/>
                 <a:cs typeface="Times New Roman" panose="02020603050405020304" pitchFamily="18" charset="0"/>
               </a:rPr>
-              <a:t>Purpose</a:t>
-            </a:r>
-            <a:r>
-              <a:rPr lang="da-DK" sz="1800" b="1" dirty="0">
-                <a:effectLst/>
-                <a:latin typeface="Calibri" panose="020F0502020204030204" pitchFamily="34" charset="0"/>
-                <a:ea typeface="Calibri" panose="020F0502020204030204" pitchFamily="34" charset="0"/>
-                <a:cs typeface="Times New Roman" panose="02020603050405020304" pitchFamily="18" charset="0"/>
-              </a:rPr>
-              <a:t>: </a:t>
-            </a:r>
-            <a:r>
-              <a:rPr lang="en-GB" sz="1400" dirty="0">
-                <a:effectLst/>
-                <a:latin typeface="Calibri" panose="020F0502020204030204" pitchFamily="34" charset="0"/>
-                <a:ea typeface="Calibri" panose="020F0502020204030204" pitchFamily="34" charset="0"/>
-                <a:cs typeface="Times New Roman" panose="02020603050405020304" pitchFamily="18" charset="0"/>
-              </a:rPr>
-              <a:t>The purpose of this test plan is to outline the testing strategy for the RiskPoint Group website. The goal is to ensure that the website meets all specified functional, non-functional, and performance requirements, providing a seamless experience to users.</a:t>
-            </a:r>
-          </a:p>
-          <a:p>
-            <a:pPr>
-              <a:buFont typeface="Arial" panose="020B0604020202020204" pitchFamily="34" charset="0"/>
-              <a:buChar char="•"/>
-            </a:pPr>
-            <a:r>
-              <a:rPr lang="en-GB" sz="1800" b="1" dirty="0">
-                <a:effectLst/>
-                <a:latin typeface="Calibri" panose="020F0502020204030204" pitchFamily="34" charset="0"/>
-                <a:ea typeface="Calibri" panose="020F0502020204030204" pitchFamily="34" charset="0"/>
-                <a:cs typeface="Times New Roman" panose="02020603050405020304" pitchFamily="18" charset="0"/>
-              </a:rPr>
-              <a:t>Scope: </a:t>
-            </a:r>
-            <a:r>
-              <a:rPr lang="en-GB" sz="1400" dirty="0">
-                <a:effectLst/>
-                <a:latin typeface="Calibri" panose="020F0502020204030204" pitchFamily="34" charset="0"/>
-                <a:ea typeface="Calibri" panose="020F0502020204030204" pitchFamily="34" charset="0"/>
-                <a:cs typeface="Times New Roman" panose="02020603050405020304" pitchFamily="18" charset="0"/>
-              </a:rPr>
-              <a:t>This test plan covers the testing of all features and functionalities of the RiskPoint Group website, including the user interface, navigation, content management, and backend integration.</a:t>
-            </a:r>
-          </a:p>
-          <a:p>
-            <a:pPr>
-              <a:buFont typeface="Arial" panose="020B0604020202020204" pitchFamily="34" charset="0"/>
-              <a:buChar char="•"/>
-            </a:pPr>
-            <a:r>
-              <a:rPr lang="en-GB" sz="1800" b="1" dirty="0">
-                <a:latin typeface="Calibri" panose="020F0502020204030204" pitchFamily="34" charset="0"/>
-                <a:ea typeface="Calibri" panose="020F0502020204030204" pitchFamily="34" charset="0"/>
-                <a:cs typeface="Times New Roman" panose="02020603050405020304" pitchFamily="18" charset="0"/>
-              </a:rPr>
-              <a:t>Objectives: </a:t>
-            </a:r>
+              <a:t>Testing Types:</a:t>
+            </a:r>
+            <a:endParaRPr lang="en-GB" sz="2000" kern="100" dirty="0">
+              <a:effectLst/>
+              <a:latin typeface="Calibri" panose="020F0502020204030204" pitchFamily="34" charset="0"/>
+              <a:ea typeface="Calibri" panose="020F0502020204030204" pitchFamily="34" charset="0"/>
+              <a:cs typeface="Times New Roman" panose="02020603050405020304" pitchFamily="18" charset="0"/>
+            </a:endParaRPr>
           </a:p>
           <a:p>
             <a:pPr marL="800100" lvl="1" indent="-342900" algn="just">
@@ -8990,13 +8828,22 @@
               </a:tabLst>
             </a:pPr>
             <a:r>
-              <a:rPr lang="en-GB" sz="1400" kern="100" dirty="0">
+              <a:rPr lang="en-GB" sz="1600" b="1" kern="100" dirty="0">
                 <a:effectLst/>
                 <a:latin typeface="Calibri" panose="020F0502020204030204" pitchFamily="34" charset="0"/>
                 <a:ea typeface="Calibri" panose="020F0502020204030204" pitchFamily="34" charset="0"/>
                 <a:cs typeface="Times New Roman" panose="02020603050405020304" pitchFamily="18" charset="0"/>
               </a:rPr>
-              <a:t>Validate that the website meets all functional requirements as specified in the Business Requirements Document (BRD).</a:t>
+              <a:t>Functional Testing:</a:t>
+            </a:r>
+            <a:r>
+              <a:rPr lang="en-GB" sz="1600" kern="100" dirty="0">
+                <a:effectLst/>
+                <a:latin typeface="Calibri" panose="020F0502020204030204" pitchFamily="34" charset="0"/>
+                <a:ea typeface="Calibri" panose="020F0502020204030204" pitchFamily="34" charset="0"/>
+                <a:cs typeface="Times New Roman" panose="02020603050405020304" pitchFamily="18" charset="0"/>
+              </a:rPr>
+              <a:t> Validate that the website works as expected according to the requirements.</a:t>
             </a:r>
           </a:p>
           <a:p>
@@ -9018,13 +8865,22 @@
               </a:tabLst>
             </a:pPr>
             <a:r>
-              <a:rPr lang="en-GB" sz="1400" kern="100" dirty="0">
+              <a:rPr lang="en-GB" sz="1600" b="1" kern="100" dirty="0">
                 <a:effectLst/>
                 <a:latin typeface="Calibri" panose="020F0502020204030204" pitchFamily="34" charset="0"/>
                 <a:ea typeface="Calibri" panose="020F0502020204030204" pitchFamily="34" charset="0"/>
                 <a:cs typeface="Times New Roman" panose="02020603050405020304" pitchFamily="18" charset="0"/>
               </a:rPr>
-              <a:t>Ensure the website is user-friendly, responsive, and accessible across different devices and browsers.</a:t>
+              <a:t>UI/UX Testing:</a:t>
+            </a:r>
+            <a:r>
+              <a:rPr lang="en-GB" sz="1600" kern="100" dirty="0">
+                <a:effectLst/>
+                <a:latin typeface="Calibri" panose="020F0502020204030204" pitchFamily="34" charset="0"/>
+                <a:ea typeface="Calibri" panose="020F0502020204030204" pitchFamily="34" charset="0"/>
+                <a:cs typeface="Times New Roman" panose="02020603050405020304" pitchFamily="18" charset="0"/>
+              </a:rPr>
+              <a:t> Ensure the user interface is intuitive and provides a positive user experience. </a:t>
             </a:r>
           </a:p>
           <a:p>
@@ -9046,14 +8902,51 @@
               </a:tabLst>
             </a:pPr>
             <a:r>
-              <a:rPr lang="en-GB" sz="1400" kern="100" dirty="0">
+              <a:rPr lang="en-GB" sz="1600" b="1" kern="100" dirty="0">
                 <a:effectLst/>
                 <a:latin typeface="Calibri" panose="020F0502020204030204" pitchFamily="34" charset="0"/>
                 <a:ea typeface="Calibri" panose="020F0502020204030204" pitchFamily="34" charset="0"/>
                 <a:cs typeface="Times New Roman" panose="02020603050405020304" pitchFamily="18" charset="0"/>
               </a:rPr>
-              <a:t>Verify the accuracy of content, including text, images, links, and downloadable resources.</a:t>
-            </a:r>
+              <a:t>Regression Testing:</a:t>
+            </a:r>
+            <a:r>
+              <a:rPr lang="en-GB" sz="1600" kern="100" dirty="0">
+                <a:effectLst/>
+                <a:latin typeface="Calibri" panose="020F0502020204030204" pitchFamily="34" charset="0"/>
+                <a:ea typeface="Calibri" panose="020F0502020204030204" pitchFamily="34" charset="0"/>
+                <a:cs typeface="Times New Roman" panose="02020603050405020304" pitchFamily="18" charset="0"/>
+              </a:rPr>
+              <a:t> Ensure that changes and updates do not affect existing functionality.</a:t>
+            </a:r>
+          </a:p>
+          <a:p>
+            <a:pPr marL="0" marR="0" algn="just">
+              <a:lnSpc>
+                <a:spcPct val="107000"/>
+              </a:lnSpc>
+              <a:spcBef>
+                <a:spcPts val="0"/>
+              </a:spcBef>
+              <a:spcAft>
+                <a:spcPts val="800"/>
+              </a:spcAft>
+            </a:pPr>
+            <a:r>
+              <a:rPr lang="en-GB" sz="2000" b="1" kern="100" dirty="0">
+                <a:effectLst/>
+                <a:latin typeface="Calibri" panose="020F0502020204030204" pitchFamily="34" charset="0"/>
+                <a:ea typeface="Calibri" panose="020F0502020204030204" pitchFamily="34" charset="0"/>
+                <a:cs typeface="Times New Roman" panose="02020603050405020304" pitchFamily="18" charset="0"/>
+              </a:rPr>
+              <a:t>Testing Levels:</a:t>
+            </a:r>
+            <a:endParaRPr lang="en-GB" sz="2000" kern="100" dirty="0">
+              <a:effectLst/>
+              <a:latin typeface="Calibri" panose="020F0502020204030204" pitchFamily="34" charset="0"/>
+              <a:ea typeface="Calibri" panose="020F0502020204030204" pitchFamily="34" charset="0"/>
+              <a:cs typeface="Times New Roman" panose="02020603050405020304" pitchFamily="18" charset="0"/>
+            </a:endParaRPr>
           </a:p>
           <a:p>
             <a:pPr marL="800100" lvl="1" indent="-342900" algn="just">
@@ -9074,13 +8967,22 @@
               </a:tabLst>
             </a:pPr>
             <a:r>
-              <a:rPr lang="en-GB" sz="1400" kern="100" dirty="0">
+              <a:rPr lang="en-GB" sz="1600" b="1" kern="100" dirty="0">
                 <a:effectLst/>
                 <a:latin typeface="Calibri" panose="020F0502020204030204" pitchFamily="34" charset="0"/>
                 <a:ea typeface="Calibri" panose="020F0502020204030204" pitchFamily="34" charset="0"/>
                 <a:cs typeface="Times New Roman" panose="02020603050405020304" pitchFamily="18" charset="0"/>
               </a:rPr>
-              <a:t>Assess the website's performance under various load conditions.</a:t>
+              <a:t>Integration Testing:</a:t>
+            </a:r>
+            <a:r>
+              <a:rPr lang="en-GB" sz="1600" kern="100" dirty="0">
+                <a:effectLst/>
+                <a:latin typeface="Calibri" panose="020F0502020204030204" pitchFamily="34" charset="0"/>
+                <a:ea typeface="Calibri" panose="020F0502020204030204" pitchFamily="34" charset="0"/>
+                <a:cs typeface="Times New Roman" panose="02020603050405020304" pitchFamily="18" charset="0"/>
+              </a:rPr>
+              <a:t> Test the interaction between different modules or components.</a:t>
             </a:r>
           </a:p>
           <a:p>
@@ -9102,13 +9004,22 @@
               </a:tabLst>
             </a:pPr>
             <a:r>
-              <a:rPr lang="en-GB" sz="1400" kern="100" dirty="0">
+              <a:rPr lang="en-GB" sz="1600" b="1" kern="100" dirty="0">
                 <a:effectLst/>
                 <a:latin typeface="Calibri" panose="020F0502020204030204" pitchFamily="34" charset="0"/>
                 <a:ea typeface="Calibri" panose="020F0502020204030204" pitchFamily="34" charset="0"/>
                 <a:cs typeface="Times New Roman" panose="02020603050405020304" pitchFamily="18" charset="0"/>
               </a:rPr>
-              <a:t>Ensure security compliance and data protection standards.</a:t>
+              <a:t>System Testing:</a:t>
+            </a:r>
+            <a:r>
+              <a:rPr lang="en-GB" sz="1600" kern="100" dirty="0">
+                <a:effectLst/>
+                <a:latin typeface="Calibri" panose="020F0502020204030204" pitchFamily="34" charset="0"/>
+                <a:ea typeface="Calibri" panose="020F0502020204030204" pitchFamily="34" charset="0"/>
+                <a:cs typeface="Times New Roman" panose="02020603050405020304" pitchFamily="18" charset="0"/>
+              </a:rPr>
+              <a:t> Validate the complete functionality of the website as a whole.</a:t>
             </a:r>
           </a:p>
           <a:p>
@@ -9124,15 +9035,15 @@
               </a:spcAft>
             </a:pPr>
             <a:r>
-              <a:rPr lang="en-GB" sz="1800" b="1" kern="100" dirty="0">
+              <a:rPr lang="en-GB" sz="2000" b="1" kern="100" dirty="0">
                 <a:effectLst/>
                 <a:latin typeface="Calibri" panose="020F0502020204030204" pitchFamily="34" charset="0"/>
                 <a:ea typeface="Calibri" panose="020F0502020204030204" pitchFamily="34" charset="0"/>
                 <a:cs typeface="Times New Roman" panose="02020603050405020304" pitchFamily="18" charset="0"/>
               </a:rPr>
-              <a:t>Features to be Tested:</a:t>
-            </a:r>
-            <a:endParaRPr lang="en-GB" sz="1800" kern="100" dirty="0">
+              <a:t>Test Approaches:</a:t>
+            </a:r>
+            <a:endParaRPr lang="en-GB" sz="2000" kern="100" dirty="0">
               <a:effectLst/>
               <a:latin typeface="Calibri" panose="020F0502020204030204" pitchFamily="34" charset="0"/>
               <a:ea typeface="Calibri" panose="020F0502020204030204" pitchFamily="34" charset="0"/>
@@ -9158,22 +9069,22 @@
               </a:tabLst>
             </a:pPr>
             <a:r>
-              <a:rPr lang="en-GB" sz="1400" b="1" kern="100" dirty="0">
+              <a:rPr lang="en-GB" sz="1600" b="1" kern="100" dirty="0">
                 <a:effectLst/>
                 <a:latin typeface="Calibri" panose="020F0502020204030204" pitchFamily="34" charset="0"/>
                 <a:ea typeface="Calibri" panose="020F0502020204030204" pitchFamily="34" charset="0"/>
                 <a:cs typeface="Times New Roman" panose="02020603050405020304" pitchFamily="18" charset="0"/>
               </a:rPr>
-              <a:t>Homepage:</a:t>
-            </a:r>
-            <a:r>
-              <a:rPr lang="en-GB" sz="1400" kern="100" dirty="0">
+              <a:t>Manual Testing:</a:t>
+            </a:r>
+            <a:r>
+              <a:rPr lang="en-GB" sz="1600" kern="100" dirty="0">
                 <a:effectLst/>
                 <a:latin typeface="Calibri" panose="020F0502020204030204" pitchFamily="34" charset="0"/>
                 <a:ea typeface="Calibri" panose="020F0502020204030204" pitchFamily="34" charset="0"/>
                 <a:cs typeface="Times New Roman" panose="02020603050405020304" pitchFamily="18" charset="0"/>
               </a:rPr>
-              <a:t> Validate content, layout, and navigation.</a:t>
+              <a:t> Used for UI/UX, content verification, and exploratory testing.</a:t>
             </a:r>
           </a:p>
           <a:p>
@@ -9195,22 +9106,22 @@
               </a:tabLst>
             </a:pPr>
             <a:r>
-              <a:rPr lang="en-GB" sz="1400" b="1" kern="100" dirty="0">
+              <a:rPr lang="en-GB" sz="1600" b="1" kern="100" dirty="0">
                 <a:effectLst/>
                 <a:latin typeface="Calibri" panose="020F0502020204030204" pitchFamily="34" charset="0"/>
                 <a:ea typeface="Calibri" panose="020F0502020204030204" pitchFamily="34" charset="0"/>
                 <a:cs typeface="Times New Roman" panose="02020603050405020304" pitchFamily="18" charset="0"/>
               </a:rPr>
-              <a:t>Claims Tab:</a:t>
-            </a:r>
-            <a:r>
-              <a:rPr lang="en-GB" sz="1400" kern="100" dirty="0">
+              <a:t>Automated Testing:</a:t>
+            </a:r>
+            <a:r>
+              <a:rPr lang="en-GB" sz="1600" kern="100" dirty="0">
                 <a:effectLst/>
                 <a:latin typeface="Calibri" panose="020F0502020204030204" pitchFamily="34" charset="0"/>
                 <a:ea typeface="Calibri" panose="020F0502020204030204" pitchFamily="34" charset="0"/>
                 <a:cs typeface="Times New Roman" panose="02020603050405020304" pitchFamily="18" charset="0"/>
               </a:rPr>
-              <a:t> Test content accuracy.</a:t>
+              <a:t> Implemented for regression testing</a:t>
             </a:r>
           </a:p>
           <a:p>
@@ -9232,22 +9143,22 @@
               </a:tabLst>
             </a:pPr>
             <a:r>
-              <a:rPr lang="en-GB" sz="1400" b="1" kern="100" dirty="0">
+              <a:rPr lang="en-GB" sz="1600" b="1" kern="100" dirty="0">
                 <a:effectLst/>
                 <a:latin typeface="Calibri" panose="020F0502020204030204" pitchFamily="34" charset="0"/>
                 <a:ea typeface="Calibri" panose="020F0502020204030204" pitchFamily="34" charset="0"/>
                 <a:cs typeface="Times New Roman" panose="02020603050405020304" pitchFamily="18" charset="0"/>
               </a:rPr>
-              <a:t>Report a Claim Page:</a:t>
-            </a:r>
-            <a:r>
-              <a:rPr lang="en-GB" sz="1400" kern="100" dirty="0">
+              <a:t>Test Environment:</a:t>
+            </a:r>
+            <a:r>
+              <a:rPr lang="en-GB" sz="1600" kern="100" dirty="0">
                 <a:effectLst/>
                 <a:latin typeface="Calibri" panose="020F0502020204030204" pitchFamily="34" charset="0"/>
                 <a:ea typeface="Calibri" panose="020F0502020204030204" pitchFamily="34" charset="0"/>
                 <a:cs typeface="Times New Roman" panose="02020603050405020304" pitchFamily="18" charset="0"/>
               </a:rPr>
-              <a:t> Verify selection of Claim Type, Selection of Language, navigating to the details page to fill the form in respective language and downloadable resources.</a:t>
+              <a:t> The test environment will closely resemble the production environment.</a:t>
             </a:r>
           </a:p>
           <a:p>
@@ -9268,24 +9179,12 @@
                 <a:tab pos="457200" algn="l"/>
               </a:tabLst>
             </a:pPr>
-            <a:r>
-              <a:rPr lang="en-GB" sz="1400" b="1" kern="100" dirty="0">
-                <a:effectLst/>
-                <a:latin typeface="Calibri" panose="020F0502020204030204" pitchFamily="34" charset="0"/>
-                <a:ea typeface="Calibri" panose="020F0502020204030204" pitchFamily="34" charset="0"/>
-                <a:cs typeface="Times New Roman" panose="02020603050405020304" pitchFamily="18" charset="0"/>
-              </a:rPr>
-              <a:t>Claims Details page:</a:t>
-            </a:r>
-            <a:r>
-              <a:rPr lang="en-GB" sz="1400" kern="100" dirty="0">
-                <a:effectLst/>
-                <a:latin typeface="Calibri" panose="020F0502020204030204" pitchFamily="34" charset="0"/>
-                <a:ea typeface="Calibri" panose="020F0502020204030204" pitchFamily="34" charset="0"/>
-                <a:cs typeface="Times New Roman" panose="02020603050405020304" pitchFamily="18" charset="0"/>
-              </a:rPr>
-              <a:t> Filling up the details in the respective language, validate the fields, endure that the details are submitted successfully.</a:t>
-            </a:r>
+            <a:endParaRPr lang="en-GB" sz="1600" kern="100" dirty="0">
+              <a:effectLst/>
+              <a:latin typeface="Calibri" panose="020F0502020204030204" pitchFamily="34" charset="0"/>
+              <a:ea typeface="Calibri" panose="020F0502020204030204" pitchFamily="34" charset="0"/>
+              <a:cs typeface="Times New Roman" panose="02020603050405020304" pitchFamily="18" charset="0"/>
+            </a:endParaRPr>
           </a:p>
           <a:p>
             <a:pPr marL="457200" lvl="1" indent="0" algn="just">
@@ -9304,7 +9203,7 @@
                 <a:tab pos="457200" algn="l"/>
               </a:tabLst>
             </a:pPr>
-            <a:endParaRPr lang="en-GB" sz="1400" dirty="0">
+            <a:endParaRPr lang="en-GB" sz="1600" kern="100" dirty="0">
               <a:effectLst/>
               <a:latin typeface="Calibri" panose="020F0502020204030204" pitchFamily="34" charset="0"/>
               <a:ea typeface="Calibri" panose="020F0502020204030204" pitchFamily="34" charset="0"/>
@@ -9312,21 +9211,42 @@
             </a:endParaRPr>
           </a:p>
           <a:p>
-            <a:pPr>
-              <a:buFont typeface="Arial" panose="020B0604020202020204" pitchFamily="34" charset="0"/>
-              <a:buChar char="•"/>
+            <a:pPr marL="457200" lvl="1" indent="0" algn="just">
+              <a:lnSpc>
+                <a:spcPct val="107000"/>
+              </a:lnSpc>
+              <a:spcBef>
+                <a:spcPts val="0"/>
+              </a:spcBef>
+              <a:spcAft>
+                <a:spcPts val="800"/>
+              </a:spcAft>
+              <a:buSzPts val="1000"/>
+              <a:buNone/>
+              <a:tabLst>
+                <a:tab pos="457200" algn="l"/>
+              </a:tabLst>
             </a:pPr>
-            <a:endParaRPr lang="en-GB" sz="1800" dirty="0"/>
-          </a:p>
-          <a:p>
-            <a:endParaRPr lang="en-GB" sz="1800" dirty="0"/>
+            <a:endParaRPr lang="en-GB" sz="1600" kern="100" dirty="0">
+              <a:effectLst/>
+              <a:latin typeface="Calibri" panose="020F0502020204030204" pitchFamily="34" charset="0"/>
+              <a:ea typeface="Calibri" panose="020F0502020204030204" pitchFamily="34" charset="0"/>
+              <a:cs typeface="Times New Roman" panose="02020603050405020304" pitchFamily="18" charset="0"/>
+            </a:endParaRPr>
+          </a:p>
+          <a:p>
+            <a:endParaRPr lang="en-GB" sz="1600" dirty="0">
+              <a:latin typeface="Calibri" panose="020F0502020204030204" pitchFamily="34" charset="0"/>
+              <a:ea typeface="Calibri" panose="020F0502020204030204" pitchFamily="34" charset="0"/>
+              <a:cs typeface="Calibri" panose="020F0502020204030204" pitchFamily="34" charset="0"/>
+            </a:endParaRPr>
           </a:p>
         </p:txBody>
       </p:sp>
     </p:spTree>
     <p:extLst>
       <p:ext uri="{BB962C8B-B14F-4D97-AF65-F5344CB8AC3E}">
-        <p14:creationId xmlns:p14="http://schemas.microsoft.com/office/powerpoint/2010/main" val="3903968618"/>
+        <p14:creationId xmlns:p14="http://schemas.microsoft.com/office/powerpoint/2010/main" val="3576951177"/>
       </p:ext>
     </p:extLst>
   </p:cSld>
@@ -9355,10 +9275,172 @@
       </p:grpSpPr>
       <p:sp>
         <p:nvSpPr>
-          <p:cNvPr id="2" name="Title 1">
+          <p:cNvPr id="3" name="Content Placeholder 2">
             <a:extLst>
               <a:ext uri="{FF2B5EF4-FFF2-40B4-BE49-F238E27FC236}">
-                <a16:creationId xmlns:a16="http://schemas.microsoft.com/office/drawing/2014/main" id="{A4BB6926-6A53-A0D3-C226-A43AFACF3C09}"/>
+                <a16:creationId xmlns:a16="http://schemas.microsoft.com/office/drawing/2014/main" id="{8F354B77-EC22-C5B1-B2CB-E90772F8A460}"/>
+              </a:ext>
+            </a:extLst>
+          </p:cNvPr>
+          <p:cNvSpPr>
+            <a:spLocks noGrp="1"/>
+          </p:cNvSpPr>
+          <p:nvPr>
+            <p:ph idx="1"/>
+          </p:nvPr>
+        </p:nvSpPr>
+        <p:spPr>
+          <a:xfrm>
+            <a:off x="1484310" y="1102935"/>
+            <a:ext cx="10018713" cy="5376421"/>
+          </a:xfrm>
+        </p:spPr>
+        <p:txBody>
+          <a:bodyPr vert="horz" lIns="91440" tIns="45720" rIns="91440" bIns="45720" rtlCol="0" anchor="t">
+            <a:normAutofit/>
+          </a:bodyPr>
+          <a:lstStyle/>
+          <a:p>
+            <a:r>
+              <a:rPr lang="en-GB" sz="2000" dirty="0">
+                <a:latin typeface="Calibri" panose="020F0502020204030204" pitchFamily="34" charset="0"/>
+                <a:ea typeface="Calibri" panose="020F0502020204030204" pitchFamily="34" charset="0"/>
+                <a:cs typeface="Calibri" panose="020F0502020204030204" pitchFamily="34" charset="0"/>
+              </a:rPr>
+              <a:t>Software:</a:t>
+            </a:r>
+          </a:p>
+          <a:p>
+            <a:pPr lvl="1"/>
+            <a:r>
+              <a:rPr lang="en-GB" dirty="0">
+                <a:latin typeface="Calibri" panose="020F0502020204030204" pitchFamily="34" charset="0"/>
+                <a:ea typeface="Calibri" panose="020F0502020204030204" pitchFamily="34" charset="0"/>
+                <a:cs typeface="Calibri" panose="020F0502020204030204" pitchFamily="34" charset="0"/>
+              </a:rPr>
+              <a:t>Operating Systems: Windows, Mac</a:t>
+            </a:r>
+          </a:p>
+          <a:p>
+            <a:pPr lvl="1"/>
+            <a:r>
+              <a:rPr lang="en-GB" dirty="0">
+                <a:latin typeface="Calibri" panose="020F0502020204030204" pitchFamily="34" charset="0"/>
+                <a:ea typeface="Calibri" panose="020F0502020204030204" pitchFamily="34" charset="0"/>
+                <a:cs typeface="Calibri" panose="020F0502020204030204" pitchFamily="34" charset="0"/>
+              </a:rPr>
+              <a:t>Browser</a:t>
+            </a:r>
+            <a:r>
+              <a:rPr lang="en-GB">
+                <a:latin typeface="Calibri" panose="020F0502020204030204" pitchFamily="34" charset="0"/>
+                <a:ea typeface="Calibri" panose="020F0502020204030204" pitchFamily="34" charset="0"/>
+                <a:cs typeface="Calibri" panose="020F0502020204030204" pitchFamily="34" charset="0"/>
+              </a:rPr>
+              <a:t>: Chrome</a:t>
+            </a:r>
+            <a:endParaRPr lang="en-GB" dirty="0">
+              <a:latin typeface="Calibri" panose="020F0502020204030204" pitchFamily="34" charset="0"/>
+              <a:ea typeface="Calibri" panose="020F0502020204030204" pitchFamily="34" charset="0"/>
+              <a:cs typeface="Calibri" panose="020F0502020204030204" pitchFamily="34" charset="0"/>
+            </a:endParaRPr>
+          </a:p>
+          <a:p>
+            <a:pPr lvl="1"/>
+            <a:r>
+              <a:rPr lang="en-GB" dirty="0">
+                <a:latin typeface="Calibri" panose="020F0502020204030204" pitchFamily="34" charset="0"/>
+                <a:ea typeface="Calibri" panose="020F0502020204030204" pitchFamily="34" charset="0"/>
+                <a:cs typeface="Calibri" panose="020F0502020204030204" pitchFamily="34" charset="0"/>
+              </a:rPr>
+              <a:t>Testing Tools: </a:t>
+            </a:r>
+          </a:p>
+          <a:p>
+            <a:pPr lvl="2"/>
+            <a:r>
+              <a:rPr lang="en-GB" dirty="0">
+                <a:latin typeface="Calibri" panose="020F0502020204030204" pitchFamily="34" charset="0"/>
+                <a:ea typeface="Calibri" panose="020F0502020204030204" pitchFamily="34" charset="0"/>
+                <a:cs typeface="Calibri" panose="020F0502020204030204" pitchFamily="34" charset="0"/>
+              </a:rPr>
+              <a:t>Python</a:t>
+            </a:r>
+          </a:p>
+          <a:p>
+            <a:pPr lvl="2"/>
+            <a:r>
+              <a:rPr lang="en-GB" dirty="0">
+                <a:latin typeface="Calibri" panose="020F0502020204030204" pitchFamily="34" charset="0"/>
+                <a:ea typeface="Calibri" panose="020F0502020204030204" pitchFamily="34" charset="0"/>
+                <a:cs typeface="Calibri" panose="020F0502020204030204" pitchFamily="34" charset="0"/>
+              </a:rPr>
+              <a:t>Selenium web driver</a:t>
+            </a:r>
+          </a:p>
+          <a:p>
+            <a:pPr lvl="2"/>
+            <a:r>
+              <a:rPr lang="en-GB" dirty="0">
+                <a:latin typeface="Calibri" panose="020F0502020204030204" pitchFamily="34" charset="0"/>
+                <a:ea typeface="Calibri" panose="020F0502020204030204" pitchFamily="34" charset="0"/>
+                <a:cs typeface="Calibri" panose="020F0502020204030204" pitchFamily="34" charset="0"/>
+              </a:rPr>
+              <a:t>Cucumber framework</a:t>
+            </a:r>
+          </a:p>
+          <a:p>
+            <a:pPr lvl="2"/>
+            <a:r>
+              <a:rPr lang="en-GB" dirty="0" err="1">
+                <a:latin typeface="Calibri" panose="020F0502020204030204" pitchFamily="34" charset="0"/>
+                <a:ea typeface="Calibri" panose="020F0502020204030204" pitchFamily="34" charset="0"/>
+                <a:cs typeface="Calibri" panose="020F0502020204030204" pitchFamily="34" charset="0"/>
+              </a:rPr>
+              <a:t>Github</a:t>
+            </a:r>
+            <a:endParaRPr lang="en-GB" dirty="0">
+              <a:latin typeface="Calibri" panose="020F0502020204030204" pitchFamily="34" charset="0"/>
+              <a:ea typeface="Calibri" panose="020F0502020204030204" pitchFamily="34" charset="0"/>
+              <a:cs typeface="Calibri" panose="020F0502020204030204" pitchFamily="34" charset="0"/>
+            </a:endParaRPr>
+          </a:p>
+          <a:p>
+            <a:r>
+              <a:rPr lang="en-GB" sz="2000" dirty="0">
+                <a:latin typeface="Calibri" panose="020F0502020204030204" pitchFamily="34" charset="0"/>
+                <a:ea typeface="Calibri" panose="020F0502020204030204" pitchFamily="34" charset="0"/>
+                <a:cs typeface="Calibri" panose="020F0502020204030204" pitchFamily="34" charset="0"/>
+              </a:rPr>
+              <a:t> Network:</a:t>
+            </a:r>
+          </a:p>
+          <a:p>
+            <a:pPr lvl="1"/>
+            <a:r>
+              <a:rPr lang="en-GB" dirty="0">
+                <a:latin typeface="Calibri" panose="020F0502020204030204" pitchFamily="34" charset="0"/>
+                <a:ea typeface="Calibri" panose="020F0502020204030204" pitchFamily="34" charset="0"/>
+                <a:cs typeface="Calibri" panose="020F0502020204030204" pitchFamily="34" charset="0"/>
+              </a:rPr>
+              <a:t>Internet connection with standard security protocols.</a:t>
+            </a:r>
+          </a:p>
+          <a:p>
+            <a:endParaRPr lang="en-GB" sz="1600" dirty="0">
+              <a:latin typeface="Calibri" panose="020F0502020204030204" pitchFamily="34" charset="0"/>
+              <a:ea typeface="Calibri" panose="020F0502020204030204" pitchFamily="34" charset="0"/>
+              <a:cs typeface="Calibri" panose="020F0502020204030204" pitchFamily="34" charset="0"/>
+            </a:endParaRPr>
+          </a:p>
+        </p:txBody>
+      </p:sp>
+      <p:sp>
+        <p:nvSpPr>
+          <p:cNvPr id="4" name="Title 1">
+            <a:extLst>
+              <a:ext uri="{FF2B5EF4-FFF2-40B4-BE49-F238E27FC236}">
+                <a16:creationId xmlns:a16="http://schemas.microsoft.com/office/drawing/2014/main" id="{6A11AE83-4B93-FDDC-CD00-64E1F23C2BBC}"/>
               </a:ext>
             </a:extLst>
           </p:cNvPr>
@@ -9381,541 +9463,16 @@
           <a:p>
             <a:r>
               <a:rPr lang="da-DK" dirty="0"/>
-              <a:t>Test Strategy</a:t>
+              <a:t>Test Environment</a:t>
             </a:r>
             <a:endParaRPr lang="en-GB" dirty="0"/>
-          </a:p>
-        </p:txBody>
-      </p:sp>
-      <p:sp>
-        <p:nvSpPr>
-          <p:cNvPr id="3" name="Content Placeholder 2">
-            <a:extLst>
-              <a:ext uri="{FF2B5EF4-FFF2-40B4-BE49-F238E27FC236}">
-                <a16:creationId xmlns:a16="http://schemas.microsoft.com/office/drawing/2014/main" id="{70BB514F-6394-F542-546D-5AFB2AAC92FD}"/>
-              </a:ext>
-            </a:extLst>
-          </p:cNvPr>
-          <p:cNvSpPr>
-            <a:spLocks noGrp="1"/>
-          </p:cNvSpPr>
-          <p:nvPr>
-            <p:ph idx="1"/>
-          </p:nvPr>
-        </p:nvSpPr>
-        <p:spPr>
-          <a:xfrm>
-            <a:off x="1484310" y="1263193"/>
-            <a:ext cx="10018713" cy="5033912"/>
-          </a:xfrm>
-        </p:spPr>
-        <p:txBody>
-          <a:bodyPr anchor="t">
-            <a:normAutofit lnSpcReduction="10000"/>
-          </a:bodyPr>
-          <a:lstStyle/>
-          <a:p>
-            <a:endParaRPr lang="en-GB" sz="1400" dirty="0">
-              <a:latin typeface="Calibri" panose="020F0502020204030204" pitchFamily="34" charset="0"/>
-              <a:ea typeface="Calibri" panose="020F0502020204030204" pitchFamily="34" charset="0"/>
-              <a:cs typeface="Calibri" panose="020F0502020204030204" pitchFamily="34" charset="0"/>
-            </a:endParaRPr>
-          </a:p>
-          <a:p>
-            <a:r>
-              <a:rPr lang="en-GB" sz="1400" dirty="0">
-                <a:latin typeface="Calibri" panose="020F0502020204030204" pitchFamily="34" charset="0"/>
-                <a:ea typeface="Calibri" panose="020F0502020204030204" pitchFamily="34" charset="0"/>
-                <a:cs typeface="Calibri" panose="020F0502020204030204" pitchFamily="34" charset="0"/>
-              </a:rPr>
-              <a:t>The Test Strategy aims to define the approach and guidelines for testing the RiskPoint Group website. It ensures that all testing activities align with the project’s objectives, deliverables, and quality standards.</a:t>
-            </a:r>
-          </a:p>
-          <a:p>
-            <a:pPr marL="0" marR="0" algn="just">
-              <a:lnSpc>
-                <a:spcPct val="107000"/>
-              </a:lnSpc>
-              <a:spcBef>
-                <a:spcPts val="0"/>
-              </a:spcBef>
-              <a:spcAft>
-                <a:spcPts val="800"/>
-              </a:spcAft>
-            </a:pPr>
-            <a:endParaRPr lang="en-GB" sz="1800" b="1" kern="100" dirty="0">
-              <a:effectLst/>
-              <a:latin typeface="Calibri" panose="020F0502020204030204" pitchFamily="34" charset="0"/>
-              <a:ea typeface="Calibri" panose="020F0502020204030204" pitchFamily="34" charset="0"/>
-              <a:cs typeface="Times New Roman" panose="02020603050405020304" pitchFamily="18" charset="0"/>
-            </a:endParaRPr>
-          </a:p>
-          <a:p>
-            <a:pPr marL="0" marR="0" algn="just">
-              <a:lnSpc>
-                <a:spcPct val="107000"/>
-              </a:lnSpc>
-              <a:spcBef>
-                <a:spcPts val="0"/>
-              </a:spcBef>
-              <a:spcAft>
-                <a:spcPts val="800"/>
-              </a:spcAft>
-            </a:pPr>
-            <a:r>
-              <a:rPr lang="en-GB" sz="1800" b="1" kern="100" dirty="0">
-                <a:effectLst/>
-                <a:latin typeface="Calibri" panose="020F0502020204030204" pitchFamily="34" charset="0"/>
-                <a:ea typeface="Calibri" panose="020F0502020204030204" pitchFamily="34" charset="0"/>
-                <a:cs typeface="Times New Roman" panose="02020603050405020304" pitchFamily="18" charset="0"/>
-              </a:rPr>
-              <a:t>Types of Testing:</a:t>
-            </a:r>
-            <a:endParaRPr lang="en-GB" sz="1800" kern="100" dirty="0">
-              <a:effectLst/>
-              <a:latin typeface="Calibri" panose="020F0502020204030204" pitchFamily="34" charset="0"/>
-              <a:ea typeface="Calibri" panose="020F0502020204030204" pitchFamily="34" charset="0"/>
-              <a:cs typeface="Times New Roman" panose="02020603050405020304" pitchFamily="18" charset="0"/>
-            </a:endParaRPr>
-          </a:p>
-          <a:p>
-            <a:pPr marL="800100" lvl="1" indent="-342900" algn="just">
-              <a:lnSpc>
-                <a:spcPct val="107000"/>
-              </a:lnSpc>
-              <a:spcBef>
-                <a:spcPts val="0"/>
-              </a:spcBef>
-              <a:spcAft>
-                <a:spcPts val="800"/>
-              </a:spcAft>
-              <a:buSzPts val="1000"/>
-              <a:buFont typeface="Symbol" panose="05050102010706020507" pitchFamily="18" charset="2"/>
-              <a:buChar char=""/>
-              <a:tabLst>
-                <a:tab pos="457200" algn="l"/>
-              </a:tabLst>
-            </a:pPr>
-            <a:r>
-              <a:rPr lang="en-GB" sz="1400" b="1" kern="100" dirty="0">
-                <a:effectLst/>
-                <a:latin typeface="Calibri" panose="020F0502020204030204" pitchFamily="34" charset="0"/>
-                <a:ea typeface="Calibri" panose="020F0502020204030204" pitchFamily="34" charset="0"/>
-                <a:cs typeface="Times New Roman" panose="02020603050405020304" pitchFamily="18" charset="0"/>
-              </a:rPr>
-              <a:t>Functional Testing:</a:t>
-            </a:r>
-            <a:r>
-              <a:rPr lang="en-GB" sz="1400" kern="100" dirty="0">
-                <a:effectLst/>
-                <a:latin typeface="Calibri" panose="020F0502020204030204" pitchFamily="34" charset="0"/>
-                <a:ea typeface="Calibri" panose="020F0502020204030204" pitchFamily="34" charset="0"/>
-                <a:cs typeface="Times New Roman" panose="02020603050405020304" pitchFamily="18" charset="0"/>
-              </a:rPr>
-              <a:t> Validate that the website works as expected according to the requirements.</a:t>
-            </a:r>
-          </a:p>
-          <a:p>
-            <a:pPr marL="800100" lvl="1" indent="-342900" algn="just">
-              <a:lnSpc>
-                <a:spcPct val="107000"/>
-              </a:lnSpc>
-              <a:spcBef>
-                <a:spcPts val="0"/>
-              </a:spcBef>
-              <a:spcAft>
-                <a:spcPts val="800"/>
-              </a:spcAft>
-              <a:buSzPts val="1000"/>
-              <a:buFont typeface="Symbol" panose="05050102010706020507" pitchFamily="18" charset="2"/>
-              <a:buChar char=""/>
-              <a:tabLst>
-                <a:tab pos="457200" algn="l"/>
-              </a:tabLst>
-            </a:pPr>
-            <a:r>
-              <a:rPr lang="en-GB" sz="1400" b="1" kern="100" dirty="0">
-                <a:effectLst/>
-                <a:latin typeface="Calibri" panose="020F0502020204030204" pitchFamily="34" charset="0"/>
-                <a:ea typeface="Calibri" panose="020F0502020204030204" pitchFamily="34" charset="0"/>
-                <a:cs typeface="Times New Roman" panose="02020603050405020304" pitchFamily="18" charset="0"/>
-              </a:rPr>
-              <a:t>UI/UX Testing:</a:t>
-            </a:r>
-            <a:r>
-              <a:rPr lang="en-GB" sz="1400" kern="100" dirty="0">
-                <a:effectLst/>
-                <a:latin typeface="Calibri" panose="020F0502020204030204" pitchFamily="34" charset="0"/>
-                <a:ea typeface="Calibri" panose="020F0502020204030204" pitchFamily="34" charset="0"/>
-                <a:cs typeface="Times New Roman" panose="02020603050405020304" pitchFamily="18" charset="0"/>
-              </a:rPr>
-              <a:t> Ensure the user interface is intuitive and provides a positive user experience. </a:t>
-            </a:r>
-          </a:p>
-          <a:p>
-            <a:pPr marL="800100" lvl="1" indent="-342900" algn="just">
-              <a:lnSpc>
-                <a:spcPct val="107000"/>
-              </a:lnSpc>
-              <a:spcBef>
-                <a:spcPts val="0"/>
-              </a:spcBef>
-              <a:spcAft>
-                <a:spcPts val="800"/>
-              </a:spcAft>
-              <a:buSzPts val="1000"/>
-              <a:buFont typeface="Symbol" panose="05050102010706020507" pitchFamily="18" charset="2"/>
-              <a:buChar char=""/>
-              <a:tabLst>
-                <a:tab pos="457200" algn="l"/>
-              </a:tabLst>
-            </a:pPr>
-            <a:r>
-              <a:rPr lang="en-GB" sz="1400" b="1" kern="100" dirty="0">
-                <a:effectLst/>
-                <a:latin typeface="Calibri" panose="020F0502020204030204" pitchFamily="34" charset="0"/>
-                <a:ea typeface="Calibri" panose="020F0502020204030204" pitchFamily="34" charset="0"/>
-                <a:cs typeface="Times New Roman" panose="02020603050405020304" pitchFamily="18" charset="0"/>
-              </a:rPr>
-              <a:t>Regression Testing:</a:t>
-            </a:r>
-            <a:r>
-              <a:rPr lang="en-GB" sz="1400" kern="100" dirty="0">
-                <a:effectLst/>
-                <a:latin typeface="Calibri" panose="020F0502020204030204" pitchFamily="34" charset="0"/>
-                <a:ea typeface="Calibri" panose="020F0502020204030204" pitchFamily="34" charset="0"/>
-                <a:cs typeface="Times New Roman" panose="02020603050405020304" pitchFamily="18" charset="0"/>
-              </a:rPr>
-              <a:t> Ensure that changes and updates do not affect existing functionality.</a:t>
-            </a:r>
-          </a:p>
-          <a:p>
-            <a:pPr marL="0" marR="0" algn="just">
-              <a:lnSpc>
-                <a:spcPct val="107000"/>
-              </a:lnSpc>
-              <a:spcBef>
-                <a:spcPts val="0"/>
-              </a:spcBef>
-              <a:spcAft>
-                <a:spcPts val="800"/>
-              </a:spcAft>
-            </a:pPr>
-            <a:r>
-              <a:rPr lang="en-GB" sz="1800" b="1" kern="100" dirty="0">
-                <a:effectLst/>
-                <a:latin typeface="Calibri" panose="020F0502020204030204" pitchFamily="34" charset="0"/>
-                <a:ea typeface="Calibri" panose="020F0502020204030204" pitchFamily="34" charset="0"/>
-                <a:cs typeface="Times New Roman" panose="02020603050405020304" pitchFamily="18" charset="0"/>
-              </a:rPr>
-              <a:t>Testing Levels:</a:t>
-            </a:r>
-            <a:endParaRPr lang="en-GB" sz="1800" kern="100" dirty="0">
-              <a:effectLst/>
-              <a:latin typeface="Calibri" panose="020F0502020204030204" pitchFamily="34" charset="0"/>
-              <a:ea typeface="Calibri" panose="020F0502020204030204" pitchFamily="34" charset="0"/>
-              <a:cs typeface="Times New Roman" panose="02020603050405020304" pitchFamily="18" charset="0"/>
-            </a:endParaRPr>
-          </a:p>
-          <a:p>
-            <a:pPr marL="800100" lvl="1" indent="-342900" algn="just">
-              <a:lnSpc>
-                <a:spcPct val="107000"/>
-              </a:lnSpc>
-              <a:spcBef>
-                <a:spcPts val="0"/>
-              </a:spcBef>
-              <a:spcAft>
-                <a:spcPts val="800"/>
-              </a:spcAft>
-              <a:buSzPts val="1000"/>
-              <a:buFont typeface="Symbol" panose="05050102010706020507" pitchFamily="18" charset="2"/>
-              <a:buChar char=""/>
-              <a:tabLst>
-                <a:tab pos="457200" algn="l"/>
-              </a:tabLst>
-            </a:pPr>
-            <a:r>
-              <a:rPr lang="en-GB" sz="1400" b="1" kern="100" dirty="0">
-                <a:effectLst/>
-                <a:latin typeface="Calibri" panose="020F0502020204030204" pitchFamily="34" charset="0"/>
-                <a:ea typeface="Calibri" panose="020F0502020204030204" pitchFamily="34" charset="0"/>
-                <a:cs typeface="Times New Roman" panose="02020603050405020304" pitchFamily="18" charset="0"/>
-              </a:rPr>
-              <a:t>Integration Testing:</a:t>
-            </a:r>
-            <a:r>
-              <a:rPr lang="en-GB" sz="1400" kern="100" dirty="0">
-                <a:effectLst/>
-                <a:latin typeface="Calibri" panose="020F0502020204030204" pitchFamily="34" charset="0"/>
-                <a:ea typeface="Calibri" panose="020F0502020204030204" pitchFamily="34" charset="0"/>
-                <a:cs typeface="Times New Roman" panose="02020603050405020304" pitchFamily="18" charset="0"/>
-              </a:rPr>
-              <a:t> Test the interaction between different modules or components.</a:t>
-            </a:r>
-          </a:p>
-          <a:p>
-            <a:pPr marL="800100" lvl="1" indent="-342900" algn="just">
-              <a:lnSpc>
-                <a:spcPct val="107000"/>
-              </a:lnSpc>
-              <a:spcBef>
-                <a:spcPts val="0"/>
-              </a:spcBef>
-              <a:spcAft>
-                <a:spcPts val="800"/>
-              </a:spcAft>
-              <a:buSzPts val="1000"/>
-              <a:buFont typeface="Symbol" panose="05050102010706020507" pitchFamily="18" charset="2"/>
-              <a:buChar char=""/>
-              <a:tabLst>
-                <a:tab pos="457200" algn="l"/>
-              </a:tabLst>
-            </a:pPr>
-            <a:r>
-              <a:rPr lang="en-GB" sz="1400" b="1" kern="100" dirty="0">
-                <a:effectLst/>
-                <a:latin typeface="Calibri" panose="020F0502020204030204" pitchFamily="34" charset="0"/>
-                <a:ea typeface="Calibri" panose="020F0502020204030204" pitchFamily="34" charset="0"/>
-                <a:cs typeface="Times New Roman" panose="02020603050405020304" pitchFamily="18" charset="0"/>
-              </a:rPr>
-              <a:t>System Testing:</a:t>
-            </a:r>
-            <a:r>
-              <a:rPr lang="en-GB" sz="1400" kern="100" dirty="0">
-                <a:effectLst/>
-                <a:latin typeface="Calibri" panose="020F0502020204030204" pitchFamily="34" charset="0"/>
-                <a:ea typeface="Calibri" panose="020F0502020204030204" pitchFamily="34" charset="0"/>
-                <a:cs typeface="Times New Roman" panose="02020603050405020304" pitchFamily="18" charset="0"/>
-              </a:rPr>
-              <a:t> Validate the complete functionality of the website as a whole.</a:t>
-            </a:r>
-          </a:p>
-          <a:p>
-            <a:pPr marL="0" marR="0" algn="just">
-              <a:lnSpc>
-                <a:spcPct val="107000"/>
-              </a:lnSpc>
-              <a:spcBef>
-                <a:spcPts val="0"/>
-              </a:spcBef>
-              <a:spcAft>
-                <a:spcPts val="800"/>
-              </a:spcAft>
-            </a:pPr>
-            <a:r>
-              <a:rPr lang="en-GB" sz="1800" b="1" kern="100" dirty="0">
-                <a:effectLst/>
-                <a:latin typeface="Calibri" panose="020F0502020204030204" pitchFamily="34" charset="0"/>
-                <a:ea typeface="Calibri" panose="020F0502020204030204" pitchFamily="34" charset="0"/>
-                <a:cs typeface="Times New Roman" panose="02020603050405020304" pitchFamily="18" charset="0"/>
-              </a:rPr>
-              <a:t>Test Approach:</a:t>
-            </a:r>
-            <a:endParaRPr lang="en-GB" sz="1800" kern="100" dirty="0">
-              <a:effectLst/>
-              <a:latin typeface="Calibri" panose="020F0502020204030204" pitchFamily="34" charset="0"/>
-              <a:ea typeface="Calibri" panose="020F0502020204030204" pitchFamily="34" charset="0"/>
-              <a:cs typeface="Times New Roman" panose="02020603050405020304" pitchFamily="18" charset="0"/>
-            </a:endParaRPr>
-          </a:p>
-          <a:p>
-            <a:pPr marL="800100" lvl="1" indent="-342900" algn="just">
-              <a:lnSpc>
-                <a:spcPct val="107000"/>
-              </a:lnSpc>
-              <a:spcBef>
-                <a:spcPts val="0"/>
-              </a:spcBef>
-              <a:spcAft>
-                <a:spcPts val="800"/>
-              </a:spcAft>
-              <a:buSzPts val="1000"/>
-              <a:buFont typeface="Symbol" panose="05050102010706020507" pitchFamily="18" charset="2"/>
-              <a:buChar char=""/>
-              <a:tabLst>
-                <a:tab pos="457200" algn="l"/>
-              </a:tabLst>
-            </a:pPr>
-            <a:r>
-              <a:rPr lang="en-GB" sz="1400" b="1" kern="100" dirty="0">
-                <a:effectLst/>
-                <a:latin typeface="Calibri" panose="020F0502020204030204" pitchFamily="34" charset="0"/>
-                <a:ea typeface="Calibri" panose="020F0502020204030204" pitchFamily="34" charset="0"/>
-                <a:cs typeface="Times New Roman" panose="02020603050405020304" pitchFamily="18" charset="0"/>
-              </a:rPr>
-              <a:t>Manual Testing:</a:t>
-            </a:r>
-            <a:r>
-              <a:rPr lang="en-GB" sz="1400" kern="100" dirty="0">
-                <a:effectLst/>
-                <a:latin typeface="Calibri" panose="020F0502020204030204" pitchFamily="34" charset="0"/>
-                <a:ea typeface="Calibri" panose="020F0502020204030204" pitchFamily="34" charset="0"/>
-                <a:cs typeface="Times New Roman" panose="02020603050405020304" pitchFamily="18" charset="0"/>
-              </a:rPr>
-              <a:t> Used for UI/UX, content verification, and exploratory testing.</a:t>
-            </a:r>
-          </a:p>
-          <a:p>
-            <a:pPr marL="800100" lvl="1" indent="-342900" algn="just">
-              <a:lnSpc>
-                <a:spcPct val="107000"/>
-              </a:lnSpc>
-              <a:spcBef>
-                <a:spcPts val="0"/>
-              </a:spcBef>
-              <a:spcAft>
-                <a:spcPts val="800"/>
-              </a:spcAft>
-              <a:buSzPts val="1000"/>
-              <a:buFont typeface="Symbol" panose="05050102010706020507" pitchFamily="18" charset="2"/>
-              <a:buChar char=""/>
-              <a:tabLst>
-                <a:tab pos="457200" algn="l"/>
-              </a:tabLst>
-            </a:pPr>
-            <a:r>
-              <a:rPr lang="en-GB" sz="1400" b="1" kern="100" dirty="0">
-                <a:effectLst/>
-                <a:latin typeface="Calibri" panose="020F0502020204030204" pitchFamily="34" charset="0"/>
-                <a:ea typeface="Calibri" panose="020F0502020204030204" pitchFamily="34" charset="0"/>
-                <a:cs typeface="Times New Roman" panose="02020603050405020304" pitchFamily="18" charset="0"/>
-              </a:rPr>
-              <a:t>Automated Testing:</a:t>
-            </a:r>
-            <a:r>
-              <a:rPr lang="en-GB" sz="1400" kern="100" dirty="0">
-                <a:effectLst/>
-                <a:latin typeface="Calibri" panose="020F0502020204030204" pitchFamily="34" charset="0"/>
-                <a:ea typeface="Calibri" panose="020F0502020204030204" pitchFamily="34" charset="0"/>
-                <a:cs typeface="Times New Roman" panose="02020603050405020304" pitchFamily="18" charset="0"/>
-              </a:rPr>
-              <a:t> Implemented for regression testing</a:t>
-            </a:r>
-          </a:p>
-          <a:p>
-            <a:pPr marL="800100" lvl="1" indent="-342900" algn="just">
-              <a:lnSpc>
-                <a:spcPct val="107000"/>
-              </a:lnSpc>
-              <a:spcBef>
-                <a:spcPts val="0"/>
-              </a:spcBef>
-              <a:spcAft>
-                <a:spcPts val="800"/>
-              </a:spcAft>
-              <a:buSzPts val="1000"/>
-              <a:buFont typeface="Symbol" panose="05050102010706020507" pitchFamily="18" charset="2"/>
-              <a:buChar char=""/>
-              <a:tabLst>
-                <a:tab pos="457200" algn="l"/>
-              </a:tabLst>
-            </a:pPr>
-            <a:r>
-              <a:rPr lang="en-GB" sz="1400" b="1" kern="100" dirty="0">
-                <a:effectLst/>
-                <a:latin typeface="Calibri" panose="020F0502020204030204" pitchFamily="34" charset="0"/>
-                <a:ea typeface="Calibri" panose="020F0502020204030204" pitchFamily="34" charset="0"/>
-                <a:cs typeface="Times New Roman" panose="02020603050405020304" pitchFamily="18" charset="0"/>
-              </a:rPr>
-              <a:t>Test Environment:</a:t>
-            </a:r>
-            <a:r>
-              <a:rPr lang="en-GB" sz="1400" kern="100" dirty="0">
-                <a:effectLst/>
-                <a:latin typeface="Calibri" panose="020F0502020204030204" pitchFamily="34" charset="0"/>
-                <a:ea typeface="Calibri" panose="020F0502020204030204" pitchFamily="34" charset="0"/>
-                <a:cs typeface="Times New Roman" panose="02020603050405020304" pitchFamily="18" charset="0"/>
-              </a:rPr>
-              <a:t> The test environment will closely resemble the production environment.</a:t>
-            </a:r>
-          </a:p>
-          <a:p>
-            <a:pPr marL="800100" lvl="1" indent="-342900" algn="just">
-              <a:lnSpc>
-                <a:spcPct val="107000"/>
-              </a:lnSpc>
-              <a:spcBef>
-                <a:spcPts val="0"/>
-              </a:spcBef>
-              <a:spcAft>
-                <a:spcPts val="800"/>
-              </a:spcAft>
-              <a:buSzPts val="1000"/>
-              <a:buFont typeface="Symbol" panose="05050102010706020507" pitchFamily="18" charset="2"/>
-              <a:buChar char=""/>
-              <a:tabLst>
-                <a:tab pos="457200" algn="l"/>
-              </a:tabLst>
-            </a:pPr>
-            <a:endParaRPr lang="en-GB" sz="1400" kern="100" dirty="0">
-              <a:effectLst/>
-              <a:latin typeface="Calibri" panose="020F0502020204030204" pitchFamily="34" charset="0"/>
-              <a:ea typeface="Calibri" panose="020F0502020204030204" pitchFamily="34" charset="0"/>
-              <a:cs typeface="Times New Roman" panose="02020603050405020304" pitchFamily="18" charset="0"/>
-            </a:endParaRPr>
-          </a:p>
-          <a:p>
-            <a:pPr marL="457200" lvl="1" indent="0" algn="just">
-              <a:lnSpc>
-                <a:spcPct val="107000"/>
-              </a:lnSpc>
-              <a:spcBef>
-                <a:spcPts val="0"/>
-              </a:spcBef>
-              <a:spcAft>
-                <a:spcPts val="800"/>
-              </a:spcAft>
-              <a:buSzPts val="1000"/>
-              <a:buNone/>
-              <a:tabLst>
-                <a:tab pos="457200" algn="l"/>
-              </a:tabLst>
-            </a:pPr>
-            <a:endParaRPr lang="en-GB" sz="1400" kern="100" dirty="0">
-              <a:effectLst/>
-              <a:latin typeface="Calibri" panose="020F0502020204030204" pitchFamily="34" charset="0"/>
-              <a:ea typeface="Calibri" panose="020F0502020204030204" pitchFamily="34" charset="0"/>
-              <a:cs typeface="Times New Roman" panose="02020603050405020304" pitchFamily="18" charset="0"/>
-            </a:endParaRPr>
-          </a:p>
-          <a:p>
-            <a:pPr marL="457200" lvl="1" indent="0" algn="just">
-              <a:lnSpc>
-                <a:spcPct val="107000"/>
-              </a:lnSpc>
-              <a:spcBef>
-                <a:spcPts val="0"/>
-              </a:spcBef>
-              <a:spcAft>
-                <a:spcPts val="800"/>
-              </a:spcAft>
-              <a:buSzPts val="1000"/>
-              <a:buNone/>
-              <a:tabLst>
-                <a:tab pos="457200" algn="l"/>
-              </a:tabLst>
-            </a:pPr>
-            <a:endParaRPr lang="en-GB" sz="1400" kern="100" dirty="0">
-              <a:effectLst/>
-              <a:latin typeface="Calibri" panose="020F0502020204030204" pitchFamily="34" charset="0"/>
-              <a:ea typeface="Calibri" panose="020F0502020204030204" pitchFamily="34" charset="0"/>
-              <a:cs typeface="Times New Roman" panose="02020603050405020304" pitchFamily="18" charset="0"/>
-            </a:endParaRPr>
-          </a:p>
-          <a:p>
-            <a:endParaRPr lang="en-GB" sz="1400" dirty="0">
-              <a:latin typeface="Calibri" panose="020F0502020204030204" pitchFamily="34" charset="0"/>
-              <a:ea typeface="Calibri" panose="020F0502020204030204" pitchFamily="34" charset="0"/>
-              <a:cs typeface="Calibri" panose="020F0502020204030204" pitchFamily="34" charset="0"/>
-            </a:endParaRPr>
           </a:p>
         </p:txBody>
       </p:sp>
     </p:spTree>
     <p:extLst>
       <p:ext uri="{BB962C8B-B14F-4D97-AF65-F5344CB8AC3E}">
-        <p14:creationId xmlns:p14="http://schemas.microsoft.com/office/powerpoint/2010/main" val="3576951177"/>
+        <p14:creationId xmlns:p14="http://schemas.microsoft.com/office/powerpoint/2010/main" val="4237049625"/>
       </p:ext>
     </p:extLst>
   </p:cSld>
@@ -9944,10 +9501,10 @@
       </p:grpSpPr>
       <p:sp>
         <p:nvSpPr>
-          <p:cNvPr id="3" name="Content Placeholder 2">
+          <p:cNvPr id="2" name="Title 1">
             <a:extLst>
               <a:ext uri="{FF2B5EF4-FFF2-40B4-BE49-F238E27FC236}">
-                <a16:creationId xmlns:a16="http://schemas.microsoft.com/office/drawing/2014/main" id="{8F354B77-EC22-C5B1-B2CB-E90772F8A460}"/>
+                <a16:creationId xmlns:a16="http://schemas.microsoft.com/office/drawing/2014/main" id="{6EB53A5F-7FFF-7D0F-6D73-9374016F3FCD}"/>
               </a:ext>
             </a:extLst>
           </p:cNvPr>
@@ -9955,86 +9512,586 @@
             <a:spLocks noGrp="1"/>
           </p:cNvSpPr>
           <p:nvPr>
-            <p:ph idx="1"/>
+            <p:ph type="title"/>
           </p:nvPr>
         </p:nvSpPr>
         <p:spPr>
           <a:xfrm>
-            <a:off x="1484310" y="414779"/>
-            <a:ext cx="10018713" cy="5376421"/>
+            <a:off x="1484311" y="157893"/>
+            <a:ext cx="10506584" cy="709373"/>
           </a:xfrm>
         </p:spPr>
         <p:txBody>
-          <a:bodyPr vert="horz" lIns="91440" tIns="45720" rIns="91440" bIns="45720" rtlCol="0" anchor="t">
-            <a:normAutofit/>
+          <a:bodyPr/>
+          <a:lstStyle/>
+          <a:p>
+            <a:r>
+              <a:rPr lang="da-DK" dirty="0"/>
+              <a:t>D</a:t>
+            </a:r>
+            <a:r>
+              <a:rPr lang="en-GB" dirty="0"/>
+              <a:t>efine Scenarios</a:t>
+            </a:r>
+          </a:p>
+        </p:txBody>
+      </p:sp>
+      <p:sp>
+        <p:nvSpPr>
+          <p:cNvPr id="7" name="Content Placeholder 2">
+            <a:extLst>
+              <a:ext uri="{FF2B5EF4-FFF2-40B4-BE49-F238E27FC236}">
+                <a16:creationId xmlns:a16="http://schemas.microsoft.com/office/drawing/2014/main" id="{6FB7888D-A37B-E5F5-F64E-32273E59859E}"/>
+              </a:ext>
+            </a:extLst>
+          </p:cNvPr>
+          <p:cNvSpPr>
+            <a:spLocks noGrp="1"/>
+          </p:cNvSpPr>
+          <p:nvPr>
+            <p:ph idx="1"/>
+          </p:nvPr>
+        </p:nvSpPr>
+        <p:spPr>
+          <a:xfrm>
+            <a:off x="1484311" y="1291473"/>
+            <a:ext cx="10006964" cy="5090474"/>
+          </a:xfrm>
+        </p:spPr>
+        <p:txBody>
+          <a:bodyPr anchor="t">
+            <a:noAutofit/>
           </a:bodyPr>
           <a:lstStyle/>
           <a:p>
-            <a:r>
-              <a:rPr lang="en-GB" sz="1400" dirty="0">
-                <a:latin typeface="Calibri" panose="020F0502020204030204" pitchFamily="34" charset="0"/>
-                <a:ea typeface="Calibri" panose="020F0502020204030204" pitchFamily="34" charset="0"/>
-                <a:cs typeface="Calibri" panose="020F0502020204030204" pitchFamily="34" charset="0"/>
-              </a:rPr>
-              <a:t>Software:</a:t>
-            </a:r>
-          </a:p>
-          <a:p>
-            <a:pPr lvl="1"/>
-            <a:r>
-              <a:rPr lang="en-GB" sz="1400" dirty="0">
-                <a:latin typeface="Calibri" panose="020F0502020204030204" pitchFamily="34" charset="0"/>
-                <a:ea typeface="Calibri" panose="020F0502020204030204" pitchFamily="34" charset="0"/>
-                <a:cs typeface="Calibri" panose="020F0502020204030204" pitchFamily="34" charset="0"/>
-              </a:rPr>
-              <a:t>Operating Systems: Windows, </a:t>
-            </a:r>
-          </a:p>
-          <a:p>
-            <a:pPr lvl="1"/>
-            <a:r>
-              <a:rPr lang="en-GB" sz="1400" dirty="0">
-                <a:latin typeface="Calibri" panose="020F0502020204030204" pitchFamily="34" charset="0"/>
-                <a:ea typeface="Calibri" panose="020F0502020204030204" pitchFamily="34" charset="0"/>
-                <a:cs typeface="Calibri" panose="020F0502020204030204" pitchFamily="34" charset="0"/>
-              </a:rPr>
-              <a:t>Browsers: Chrome</a:t>
-            </a:r>
-          </a:p>
-          <a:p>
-            <a:pPr lvl="1"/>
-            <a:r>
-              <a:rPr lang="en-GB" sz="1400" dirty="0">
-                <a:latin typeface="Calibri" panose="020F0502020204030204" pitchFamily="34" charset="0"/>
-                <a:ea typeface="Calibri" panose="020F0502020204030204" pitchFamily="34" charset="0"/>
-                <a:cs typeface="Calibri" panose="020F0502020204030204" pitchFamily="34" charset="0"/>
-              </a:rPr>
-              <a:t>Testing Tools: Selenium web driver, Cucumber using python</a:t>
-            </a:r>
-          </a:p>
-          <a:p>
-            <a:r>
-              <a:rPr lang="en-GB" sz="1400" dirty="0">
-                <a:latin typeface="Calibri" panose="020F0502020204030204" pitchFamily="34" charset="0"/>
-                <a:ea typeface="Calibri" panose="020F0502020204030204" pitchFamily="34" charset="0"/>
-                <a:cs typeface="Calibri" panose="020F0502020204030204" pitchFamily="34" charset="0"/>
-              </a:rPr>
-              <a:t> Network:</a:t>
-            </a:r>
-          </a:p>
-          <a:p>
-            <a:pPr lvl="1"/>
-            <a:r>
-              <a:rPr lang="en-GB" sz="1400" dirty="0">
-                <a:latin typeface="Calibri" panose="020F0502020204030204" pitchFamily="34" charset="0"/>
-                <a:ea typeface="Calibri" panose="020F0502020204030204" pitchFamily="34" charset="0"/>
-                <a:cs typeface="Calibri" panose="020F0502020204030204" pitchFamily="34" charset="0"/>
-              </a:rPr>
-              <a:t>Internet connection with standard security protocols.</a:t>
-            </a:r>
-          </a:p>
-          <a:p>
+            <a:pPr marL="0" indent="0">
+              <a:buNone/>
+            </a:pPr>
             <a:endParaRPr lang="en-GB" sz="1400" dirty="0">
+              <a:latin typeface="Calibri" panose="020F0502020204030204" pitchFamily="34" charset="0"/>
+              <a:ea typeface="Calibri" panose="020F0502020204030204" pitchFamily="34" charset="0"/>
+              <a:cs typeface="Times New Roman" panose="02020603050405020304" pitchFamily="18" charset="0"/>
+            </a:endParaRPr>
+          </a:p>
+          <a:p>
+            <a:pPr marL="0" indent="0">
+              <a:buNone/>
+            </a:pPr>
+            <a:endParaRPr lang="en-GB" sz="1400" dirty="0">
+              <a:latin typeface="Calibri" panose="020F0502020204030204" pitchFamily="34" charset="0"/>
+              <a:ea typeface="Calibri" panose="020F0502020204030204" pitchFamily="34" charset="0"/>
+              <a:cs typeface="Times New Roman" panose="02020603050405020304" pitchFamily="18" charset="0"/>
+            </a:endParaRPr>
+          </a:p>
+          <a:p>
+            <a:pPr marL="0" indent="0">
+              <a:buNone/>
+            </a:pPr>
+            <a:endParaRPr lang="en-GB" sz="1400" dirty="0">
+              <a:latin typeface="Calibri" panose="020F0502020204030204" pitchFamily="34" charset="0"/>
+              <a:ea typeface="Calibri" panose="020F0502020204030204" pitchFamily="34" charset="0"/>
+              <a:cs typeface="Times New Roman" panose="02020603050405020304" pitchFamily="18" charset="0"/>
+            </a:endParaRPr>
+          </a:p>
+        </p:txBody>
+      </p:sp>
+      <p:sp>
+        <p:nvSpPr>
+          <p:cNvPr id="12" name="Content Placeholder 2">
+            <a:extLst>
+              <a:ext uri="{FF2B5EF4-FFF2-40B4-BE49-F238E27FC236}">
+                <a16:creationId xmlns:a16="http://schemas.microsoft.com/office/drawing/2014/main" id="{B502CEFB-8F1A-1E3F-2F30-A44C5BF17467}"/>
+              </a:ext>
+            </a:extLst>
+          </p:cNvPr>
+          <p:cNvSpPr txBox="1">
+            <a:spLocks/>
+          </p:cNvSpPr>
+          <p:nvPr/>
+        </p:nvSpPr>
+        <p:spPr>
+          <a:xfrm>
+            <a:off x="1484311" y="1503231"/>
+            <a:ext cx="10018713" cy="4306555"/>
+          </a:xfrm>
+          <a:prstGeom prst="rect">
+            <a:avLst/>
+          </a:prstGeom>
+        </p:spPr>
+        <p:txBody>
+          <a:bodyPr vert="horz" lIns="91440" tIns="45720" rIns="91440" bIns="45720" rtlCol="0" anchor="t">
+            <a:normAutofit lnSpcReduction="10000"/>
+          </a:bodyPr>
+          <a:lstStyle>
+            <a:lvl1pPr marL="285750" indent="-285750" algn="l" defTabSz="457200" rtl="0" eaLnBrk="1" latinLnBrk="0" hangingPunct="1">
+              <a:spcBef>
+                <a:spcPct val="20000"/>
+              </a:spcBef>
+              <a:spcAft>
+                <a:spcPts val="600"/>
+              </a:spcAft>
+              <a:buClr>
+                <a:schemeClr val="accent1">
+                  <a:lumMod val="75000"/>
+                </a:schemeClr>
+              </a:buClr>
+              <a:buSzPct val="145000"/>
+              <a:buFont typeface="Arial"/>
+              <a:buChar char="•"/>
+              <a:defRPr sz="2400" kern="1200" cap="none">
+                <a:solidFill>
+                  <a:schemeClr val="tx1"/>
+                </a:solidFill>
+                <a:effectLst/>
+                <a:latin typeface="+mn-lt"/>
+                <a:ea typeface="+mn-ea"/>
+                <a:cs typeface="+mn-cs"/>
+              </a:defRPr>
+            </a:lvl1pPr>
+            <a:lvl2pPr marL="742950" indent="-285750" algn="l" defTabSz="457200" rtl="0" eaLnBrk="1" latinLnBrk="0" hangingPunct="1">
+              <a:spcBef>
+                <a:spcPct val="20000"/>
+              </a:spcBef>
+              <a:spcAft>
+                <a:spcPts val="600"/>
+              </a:spcAft>
+              <a:buClr>
+                <a:schemeClr val="accent1">
+                  <a:lumMod val="75000"/>
+                </a:schemeClr>
+              </a:buClr>
+              <a:buSzPct val="145000"/>
+              <a:buFont typeface="Arial"/>
+              <a:buChar char="•"/>
+              <a:defRPr sz="2000" kern="1200" cap="none">
+                <a:solidFill>
+                  <a:schemeClr val="tx1"/>
+                </a:solidFill>
+                <a:effectLst/>
+                <a:latin typeface="+mn-lt"/>
+                <a:ea typeface="+mn-ea"/>
+                <a:cs typeface="+mn-cs"/>
+              </a:defRPr>
+            </a:lvl2pPr>
+            <a:lvl3pPr marL="1200150" indent="-285750" algn="l" defTabSz="457200" rtl="0" eaLnBrk="1" latinLnBrk="0" hangingPunct="1">
+              <a:spcBef>
+                <a:spcPct val="20000"/>
+              </a:spcBef>
+              <a:spcAft>
+                <a:spcPts val="600"/>
+              </a:spcAft>
+              <a:buClr>
+                <a:schemeClr val="accent1">
+                  <a:lumMod val="75000"/>
+                </a:schemeClr>
+              </a:buClr>
+              <a:buSzPct val="145000"/>
+              <a:buFont typeface="Arial"/>
+              <a:buChar char="•"/>
+              <a:defRPr sz="1800" kern="1200" cap="none">
+                <a:solidFill>
+                  <a:schemeClr val="tx1"/>
+                </a:solidFill>
+                <a:effectLst/>
+                <a:latin typeface="+mn-lt"/>
+                <a:ea typeface="+mn-ea"/>
+                <a:cs typeface="+mn-cs"/>
+              </a:defRPr>
+            </a:lvl3pPr>
+            <a:lvl4pPr marL="1543050" indent="-171450" algn="l" defTabSz="457200" rtl="0" eaLnBrk="1" latinLnBrk="0" hangingPunct="1">
+              <a:spcBef>
+                <a:spcPct val="20000"/>
+              </a:spcBef>
+              <a:spcAft>
+                <a:spcPts val="600"/>
+              </a:spcAft>
+              <a:buClr>
+                <a:schemeClr val="accent1">
+                  <a:lumMod val="75000"/>
+                </a:schemeClr>
+              </a:buClr>
+              <a:buSzPct val="145000"/>
+              <a:buFont typeface="Arial"/>
+              <a:buChar char="•"/>
+              <a:defRPr sz="1600" kern="1200" cap="none">
+                <a:solidFill>
+                  <a:schemeClr val="tx1"/>
+                </a:solidFill>
+                <a:effectLst/>
+                <a:latin typeface="+mn-lt"/>
+                <a:ea typeface="+mn-ea"/>
+                <a:cs typeface="+mn-cs"/>
+              </a:defRPr>
+            </a:lvl4pPr>
+            <a:lvl5pPr marL="2000250" indent="-171450" algn="l" defTabSz="457200" rtl="0" eaLnBrk="1" latinLnBrk="0" hangingPunct="1">
+              <a:spcBef>
+                <a:spcPct val="20000"/>
+              </a:spcBef>
+              <a:spcAft>
+                <a:spcPts val="600"/>
+              </a:spcAft>
+              <a:buClr>
+                <a:schemeClr val="accent1">
+                  <a:lumMod val="75000"/>
+                </a:schemeClr>
+              </a:buClr>
+              <a:buSzPct val="145000"/>
+              <a:buFont typeface="Arial"/>
+              <a:buChar char="•"/>
+              <a:defRPr sz="1400" kern="1200" cap="none">
+                <a:solidFill>
+                  <a:schemeClr val="tx1"/>
+                </a:solidFill>
+                <a:effectLst/>
+                <a:latin typeface="+mn-lt"/>
+                <a:ea typeface="+mn-ea"/>
+                <a:cs typeface="+mn-cs"/>
+              </a:defRPr>
+            </a:lvl5pPr>
+            <a:lvl6pPr marL="2514600" indent="-228600" algn="l" defTabSz="457200" rtl="0" eaLnBrk="1" latinLnBrk="0" hangingPunct="1">
+              <a:spcBef>
+                <a:spcPct val="20000"/>
+              </a:spcBef>
+              <a:spcAft>
+                <a:spcPts val="600"/>
+              </a:spcAft>
+              <a:buClr>
+                <a:schemeClr val="accent1">
+                  <a:lumMod val="75000"/>
+                </a:schemeClr>
+              </a:buClr>
+              <a:buSzPct val="145000"/>
+              <a:buFont typeface="Arial"/>
+              <a:buChar char="•"/>
+              <a:defRPr sz="1400" kern="1200" cap="none">
+                <a:solidFill>
+                  <a:schemeClr val="tx1"/>
+                </a:solidFill>
+                <a:effectLst/>
+                <a:latin typeface="+mn-lt"/>
+                <a:ea typeface="+mn-ea"/>
+                <a:cs typeface="+mn-cs"/>
+              </a:defRPr>
+            </a:lvl6pPr>
+            <a:lvl7pPr marL="2971800" indent="-228600" algn="l" defTabSz="457200" rtl="0" eaLnBrk="1" latinLnBrk="0" hangingPunct="1">
+              <a:spcBef>
+                <a:spcPct val="20000"/>
+              </a:spcBef>
+              <a:spcAft>
+                <a:spcPts val="600"/>
+              </a:spcAft>
+              <a:buClr>
+                <a:schemeClr val="accent1">
+                  <a:lumMod val="75000"/>
+                </a:schemeClr>
+              </a:buClr>
+              <a:buSzPct val="145000"/>
+              <a:buFont typeface="Arial"/>
+              <a:buChar char="•"/>
+              <a:defRPr sz="1400" kern="1200" cap="none">
+                <a:solidFill>
+                  <a:schemeClr val="tx1"/>
+                </a:solidFill>
+                <a:effectLst/>
+                <a:latin typeface="+mn-lt"/>
+                <a:ea typeface="+mn-ea"/>
+                <a:cs typeface="+mn-cs"/>
+              </a:defRPr>
+            </a:lvl7pPr>
+            <a:lvl8pPr marL="3429000" indent="-228600" algn="l" defTabSz="457200" rtl="0" eaLnBrk="1" latinLnBrk="0" hangingPunct="1">
+              <a:spcBef>
+                <a:spcPct val="20000"/>
+              </a:spcBef>
+              <a:spcAft>
+                <a:spcPts val="600"/>
+              </a:spcAft>
+              <a:buClr>
+                <a:schemeClr val="accent1">
+                  <a:lumMod val="75000"/>
+                </a:schemeClr>
+              </a:buClr>
+              <a:buSzPct val="145000"/>
+              <a:buFont typeface="Arial"/>
+              <a:buChar char="•"/>
+              <a:defRPr sz="1400" kern="1200" cap="none">
+                <a:solidFill>
+                  <a:schemeClr val="tx1"/>
+                </a:solidFill>
+                <a:effectLst/>
+                <a:latin typeface="+mn-lt"/>
+                <a:ea typeface="+mn-ea"/>
+                <a:cs typeface="+mn-cs"/>
+              </a:defRPr>
+            </a:lvl8pPr>
+            <a:lvl9pPr marL="3886200" indent="-228600" algn="l" defTabSz="457200" rtl="0" eaLnBrk="1" latinLnBrk="0" hangingPunct="1">
+              <a:spcBef>
+                <a:spcPct val="20000"/>
+              </a:spcBef>
+              <a:spcAft>
+                <a:spcPts val="600"/>
+              </a:spcAft>
+              <a:buClr>
+                <a:schemeClr val="accent1">
+                  <a:lumMod val="75000"/>
+                </a:schemeClr>
+              </a:buClr>
+              <a:buSzPct val="145000"/>
+              <a:buFont typeface="Arial"/>
+              <a:buChar char="•"/>
+              <a:defRPr sz="1400" kern="1200" cap="none">
+                <a:solidFill>
+                  <a:schemeClr val="tx1"/>
+                </a:solidFill>
+                <a:effectLst/>
+                <a:latin typeface="+mn-lt"/>
+                <a:ea typeface="+mn-ea"/>
+                <a:cs typeface="+mn-cs"/>
+              </a:defRPr>
+            </a:lvl9pPr>
+          </a:lstStyle>
+          <a:p>
+            <a:pPr marL="0" indent="0">
+              <a:buFont typeface="Arial"/>
+              <a:buNone/>
+            </a:pPr>
+            <a:r>
+              <a:rPr lang="en-GB" sz="1800" dirty="0">
+                <a:latin typeface="Calibri" panose="020F0502020204030204" pitchFamily="34" charset="0"/>
+                <a:ea typeface="Calibri" panose="020F0502020204030204" pitchFamily="34" charset="0"/>
+                <a:cs typeface="Times New Roman" panose="02020603050405020304" pitchFamily="18" charset="0"/>
+              </a:rPr>
+              <a:t>Scenarios for the “RiskPoint Group” website are identified based on the understanding of the end user.</a:t>
+            </a:r>
+          </a:p>
+          <a:p>
+            <a:pPr marL="0" indent="0">
+              <a:buFont typeface="Arial"/>
+              <a:buNone/>
+            </a:pPr>
+            <a:r>
+              <a:rPr lang="en-GB" sz="1800" dirty="0">
+                <a:latin typeface="Calibri" panose="020F0502020204030204" pitchFamily="34" charset="0"/>
+                <a:ea typeface="Calibri" panose="020F0502020204030204" pitchFamily="34" charset="0"/>
+                <a:cs typeface="Times New Roman" panose="02020603050405020304" pitchFamily="18" charset="0"/>
+              </a:rPr>
+              <a:t>These scenarios for the website has been authored using BDD framework Cucumber and Gherkin script, for the easy understanding of test being done on the website (audience such as end-user, testers or stakeholders). </a:t>
+            </a:r>
+          </a:p>
+          <a:p>
+            <a:pPr marL="0" indent="0">
+              <a:buFont typeface="Arial"/>
+              <a:buNone/>
+            </a:pPr>
+            <a:endParaRPr lang="en-GB" sz="1800" dirty="0">
+              <a:latin typeface="Calibri" panose="020F0502020204030204" pitchFamily="34" charset="0"/>
+              <a:ea typeface="Calibri" panose="020F0502020204030204" pitchFamily="34" charset="0"/>
+              <a:cs typeface="Times New Roman" panose="02020603050405020304" pitchFamily="18" charset="0"/>
+            </a:endParaRPr>
+          </a:p>
+          <a:p>
+            <a:pPr marL="0" indent="0">
+              <a:buFont typeface="Arial"/>
+              <a:buNone/>
+            </a:pPr>
+            <a:r>
+              <a:rPr lang="en-GB" sz="1800" dirty="0">
+                <a:latin typeface="Calibri" panose="020F0502020204030204" pitchFamily="34" charset="0"/>
+                <a:ea typeface="Calibri" panose="020F0502020204030204" pitchFamily="34" charset="0"/>
+                <a:cs typeface="Times New Roman" panose="02020603050405020304" pitchFamily="18" charset="0"/>
+              </a:rPr>
+              <a:t>Below is a sample of the scenario in BDD framework for one of the test script.</a:t>
+            </a:r>
+          </a:p>
+          <a:p>
+            <a:pPr marL="0" indent="0">
+              <a:buFont typeface="Arial"/>
+              <a:buNone/>
+            </a:pPr>
+            <a:r>
+              <a:rPr lang="en-GB" sz="1800" b="1" dirty="0">
+                <a:solidFill>
+                  <a:srgbClr val="FF0000"/>
+                </a:solidFill>
+                <a:latin typeface="Calibri" panose="020F0502020204030204" pitchFamily="34" charset="0"/>
+                <a:ea typeface="Calibri" panose="020F0502020204030204" pitchFamily="34" charset="0"/>
+                <a:cs typeface="Times New Roman" panose="02020603050405020304" pitchFamily="18" charset="0"/>
+              </a:rPr>
+              <a:t>Feature: </a:t>
+            </a:r>
+            <a:r>
+              <a:rPr lang="en-GB" sz="1800" dirty="0">
+                <a:latin typeface="Calibri" panose="020F0502020204030204" pitchFamily="34" charset="0"/>
+                <a:ea typeface="Calibri" panose="020F0502020204030204" pitchFamily="34" charset="0"/>
+                <a:cs typeface="Times New Roman" panose="02020603050405020304" pitchFamily="18" charset="0"/>
+              </a:rPr>
+              <a:t>Claims</a:t>
+            </a:r>
+          </a:p>
+          <a:p>
+            <a:pPr marL="0" indent="0">
+              <a:buFont typeface="Arial"/>
+              <a:buNone/>
+            </a:pPr>
+            <a:r>
+              <a:rPr lang="en-GB" sz="1800" dirty="0">
+                <a:latin typeface="Calibri" panose="020F0502020204030204" pitchFamily="34" charset="0"/>
+                <a:ea typeface="Calibri" panose="020F0502020204030204" pitchFamily="34" charset="0"/>
+                <a:cs typeface="Times New Roman" panose="02020603050405020304" pitchFamily="18" charset="0"/>
+              </a:rPr>
+              <a:t>    </a:t>
+            </a:r>
+            <a:r>
+              <a:rPr lang="en-GB" sz="1800" b="1" dirty="0">
+                <a:solidFill>
+                  <a:srgbClr val="FF0000"/>
+                </a:solidFill>
+                <a:latin typeface="Calibri" panose="020F0502020204030204" pitchFamily="34" charset="0"/>
+                <a:ea typeface="Calibri" panose="020F0502020204030204" pitchFamily="34" charset="0"/>
+                <a:cs typeface="Times New Roman" panose="02020603050405020304" pitchFamily="18" charset="0"/>
+              </a:rPr>
+              <a:t>Scenario: </a:t>
+            </a:r>
+            <a:r>
+              <a:rPr lang="en-GB" sz="1800" dirty="0">
+                <a:latin typeface="Calibri" panose="020F0502020204030204" pitchFamily="34" charset="0"/>
+                <a:ea typeface="Calibri" panose="020F0502020204030204" pitchFamily="34" charset="0"/>
+                <a:cs typeface="Times New Roman" panose="02020603050405020304" pitchFamily="18" charset="0"/>
+              </a:rPr>
+              <a:t>Verify the Home Page of RiskPoint Group</a:t>
+            </a:r>
+          </a:p>
+          <a:p>
+            <a:pPr marL="0" indent="0">
+              <a:buFont typeface="Arial"/>
+              <a:buNone/>
+            </a:pPr>
+            <a:r>
+              <a:rPr lang="en-GB" sz="1800" dirty="0">
+                <a:latin typeface="Calibri" panose="020F0502020204030204" pitchFamily="34" charset="0"/>
+                <a:ea typeface="Calibri" panose="020F0502020204030204" pitchFamily="34" charset="0"/>
+                <a:cs typeface="Times New Roman" panose="02020603050405020304" pitchFamily="18" charset="0"/>
+              </a:rPr>
+              <a:t>        </a:t>
+            </a:r>
+            <a:r>
+              <a:rPr lang="en-GB" sz="1800" b="1" dirty="0">
+                <a:solidFill>
+                  <a:srgbClr val="FF0000"/>
+                </a:solidFill>
+                <a:latin typeface="Calibri" panose="020F0502020204030204" pitchFamily="34" charset="0"/>
+                <a:ea typeface="Calibri" panose="020F0502020204030204" pitchFamily="34" charset="0"/>
+                <a:cs typeface="Times New Roman" panose="02020603050405020304" pitchFamily="18" charset="0"/>
+              </a:rPr>
+              <a:t>Given</a:t>
+            </a:r>
+            <a:r>
+              <a:rPr lang="en-GB" sz="1800" dirty="0">
+                <a:latin typeface="Calibri" panose="020F0502020204030204" pitchFamily="34" charset="0"/>
+                <a:ea typeface="Calibri" panose="020F0502020204030204" pitchFamily="34" charset="0"/>
+                <a:cs typeface="Times New Roman" panose="02020603050405020304" pitchFamily="18" charset="0"/>
+              </a:rPr>
+              <a:t> I am on the home page of 'rpgroup.com'</a:t>
+            </a:r>
+          </a:p>
+          <a:p>
+            <a:pPr marL="0" indent="0">
+              <a:buFont typeface="Arial"/>
+              <a:buNone/>
+            </a:pPr>
+            <a:r>
+              <a:rPr lang="en-GB" sz="1800" dirty="0">
+                <a:latin typeface="Calibri" panose="020F0502020204030204" pitchFamily="34" charset="0"/>
+                <a:ea typeface="Calibri" panose="020F0502020204030204" pitchFamily="34" charset="0"/>
+                <a:cs typeface="Times New Roman" panose="02020603050405020304" pitchFamily="18" charset="0"/>
+              </a:rPr>
+              <a:t>        </a:t>
+            </a:r>
+            <a:r>
+              <a:rPr lang="en-GB" sz="1800" b="1" dirty="0">
+                <a:solidFill>
+                  <a:srgbClr val="FF0000"/>
+                </a:solidFill>
+                <a:latin typeface="Calibri" panose="020F0502020204030204" pitchFamily="34" charset="0"/>
+                <a:ea typeface="Calibri" panose="020F0502020204030204" pitchFamily="34" charset="0"/>
+                <a:cs typeface="Times New Roman" panose="02020603050405020304" pitchFamily="18" charset="0"/>
+              </a:rPr>
+              <a:t>When</a:t>
+            </a:r>
+            <a:r>
+              <a:rPr lang="en-GB" sz="1800" dirty="0">
+                <a:latin typeface="Calibri" panose="020F0502020204030204" pitchFamily="34" charset="0"/>
+                <a:ea typeface="Calibri" panose="020F0502020204030204" pitchFamily="34" charset="0"/>
+                <a:cs typeface="Times New Roman" panose="02020603050405020304" pitchFamily="18" charset="0"/>
+              </a:rPr>
+              <a:t> On the home page User hovers on Claims tab</a:t>
+            </a:r>
+          </a:p>
+          <a:p>
+            <a:pPr marL="0" indent="0">
+              <a:buFont typeface="Arial"/>
+              <a:buNone/>
+            </a:pPr>
+            <a:r>
+              <a:rPr lang="en-GB" sz="1800" dirty="0">
+                <a:latin typeface="Calibri" panose="020F0502020204030204" pitchFamily="34" charset="0"/>
+                <a:ea typeface="Calibri" panose="020F0502020204030204" pitchFamily="34" charset="0"/>
+                <a:cs typeface="Times New Roman" panose="02020603050405020304" pitchFamily="18" charset="0"/>
+              </a:rPr>
+              <a:t>        </a:t>
+            </a:r>
+            <a:r>
+              <a:rPr lang="en-GB" sz="1800" b="1" dirty="0">
+                <a:solidFill>
+                  <a:srgbClr val="FF0000"/>
+                </a:solidFill>
+                <a:latin typeface="Calibri" panose="020F0502020204030204" pitchFamily="34" charset="0"/>
+                <a:ea typeface="Calibri" panose="020F0502020204030204" pitchFamily="34" charset="0"/>
+                <a:cs typeface="Times New Roman" panose="02020603050405020304" pitchFamily="18" charset="0"/>
+              </a:rPr>
+              <a:t>Then</a:t>
+            </a:r>
+            <a:r>
+              <a:rPr lang="en-GB" sz="1800" dirty="0">
+                <a:latin typeface="Calibri" panose="020F0502020204030204" pitchFamily="34" charset="0"/>
+                <a:ea typeface="Calibri" panose="020F0502020204030204" pitchFamily="34" charset="0"/>
+                <a:cs typeface="Times New Roman" panose="02020603050405020304" pitchFamily="18" charset="0"/>
+              </a:rPr>
+              <a:t> Emergency Contacts section should be displayed</a:t>
+            </a:r>
+          </a:p>
+          <a:p>
+            <a:pPr marL="0" indent="0">
+              <a:buFont typeface="Arial"/>
+              <a:buNone/>
+            </a:pPr>
+            <a:r>
+              <a:rPr lang="en-GB" sz="1800" dirty="0">
+                <a:latin typeface="Calibri" panose="020F0502020204030204" pitchFamily="34" charset="0"/>
+                <a:ea typeface="Calibri" panose="020F0502020204030204" pitchFamily="34" charset="0"/>
+                <a:cs typeface="Times New Roman" panose="02020603050405020304" pitchFamily="18" charset="0"/>
+              </a:rPr>
+              <a:t>        </a:t>
+            </a:r>
+            <a:r>
+              <a:rPr lang="en-GB" sz="1800" b="1" dirty="0">
+                <a:solidFill>
+                  <a:srgbClr val="FF0000"/>
+                </a:solidFill>
+                <a:latin typeface="Calibri" panose="020F0502020204030204" pitchFamily="34" charset="0"/>
+                <a:ea typeface="Calibri" panose="020F0502020204030204" pitchFamily="34" charset="0"/>
+                <a:cs typeface="Times New Roman" panose="02020603050405020304" pitchFamily="18" charset="0"/>
+              </a:rPr>
+              <a:t>And</a:t>
+            </a:r>
+            <a:r>
+              <a:rPr lang="en-GB" sz="1800" dirty="0">
+                <a:latin typeface="Calibri" panose="020F0502020204030204" pitchFamily="34" charset="0"/>
+                <a:ea typeface="Calibri" panose="020F0502020204030204" pitchFamily="34" charset="0"/>
+                <a:cs typeface="Times New Roman" panose="02020603050405020304" pitchFamily="18" charset="0"/>
+              </a:rPr>
+              <a:t> Report a Claim section should be displayed</a:t>
+            </a:r>
+            <a:endParaRPr lang="en-GB" sz="1800" dirty="0">
               <a:latin typeface="Calibri" panose="020F0502020204030204" pitchFamily="34" charset="0"/>
               <a:ea typeface="Calibri" panose="020F0502020204030204" pitchFamily="34" charset="0"/>
               <a:cs typeface="Calibri" panose="020F0502020204030204" pitchFamily="34" charset="0"/>
@@ -10045,7 +10102,7 @@
     </p:spTree>
     <p:extLst>
       <p:ext uri="{BB962C8B-B14F-4D97-AF65-F5344CB8AC3E}">
-        <p14:creationId xmlns:p14="http://schemas.microsoft.com/office/powerpoint/2010/main" val="4237049625"/>
+        <p14:creationId xmlns:p14="http://schemas.microsoft.com/office/powerpoint/2010/main" val="2354998779"/>
       </p:ext>
     </p:extLst>
   </p:cSld>
@@ -10072,12 +10129,90 @@
           <a:chExt cx="0" cy="0"/>
         </a:xfrm>
       </p:grpSpPr>
-      <p:sp>
-        <p:nvSpPr>
-          <p:cNvPr id="2" name="Title 1">
+      <p:pic>
+        <p:nvPicPr>
+          <p:cNvPr id="11" name="Picture 10">
             <a:extLst>
               <a:ext uri="{FF2B5EF4-FFF2-40B4-BE49-F238E27FC236}">
-                <a16:creationId xmlns:a16="http://schemas.microsoft.com/office/drawing/2014/main" id="{6EB53A5F-7FFF-7D0F-6D73-9374016F3FCD}"/>
+                <a16:creationId xmlns:a16="http://schemas.microsoft.com/office/drawing/2014/main" id="{FE539652-9E46-CDC1-2475-E81412026474}"/>
+              </a:ext>
+            </a:extLst>
+          </p:cNvPr>
+          <p:cNvPicPr>
+            <a:picLocks noChangeAspect="1"/>
+          </p:cNvPicPr>
+          <p:nvPr/>
+        </p:nvPicPr>
+        <p:blipFill>
+          <a:blip r:embed="rId2"/>
+          <a:stretch>
+            <a:fillRect/>
+          </a:stretch>
+        </p:blipFill>
+        <p:spPr>
+          <a:xfrm>
+            <a:off x="1145998" y="970156"/>
+            <a:ext cx="10925607" cy="4650059"/>
+          </a:xfrm>
+          <a:prstGeom prst="rect">
+            <a:avLst/>
+          </a:prstGeom>
+        </p:spPr>
+      </p:pic>
+      <p:sp>
+        <p:nvSpPr>
+          <p:cNvPr id="7" name="Content Placeholder 6">
+            <a:extLst>
+              <a:ext uri="{FF2B5EF4-FFF2-40B4-BE49-F238E27FC236}">
+                <a16:creationId xmlns:a16="http://schemas.microsoft.com/office/drawing/2014/main" id="{AFCBDFD7-35B2-E5D9-1366-80EFE05B8A0A}"/>
+              </a:ext>
+            </a:extLst>
+          </p:cNvPr>
+          <p:cNvSpPr>
+            <a:spLocks noGrp="1"/>
+          </p:cNvSpPr>
+          <p:nvPr>
+            <p:ph idx="1"/>
+          </p:nvPr>
+        </p:nvSpPr>
+        <p:spPr>
+          <a:xfrm>
+            <a:off x="4305570" y="5010615"/>
+            <a:ext cx="5384841" cy="405161"/>
+          </a:xfrm>
+        </p:spPr>
+        <p:txBody>
+          <a:bodyPr>
+            <a:normAutofit fontScale="92500" lnSpcReduction="10000"/>
+          </a:bodyPr>
+          <a:lstStyle/>
+          <a:p>
+            <a:pPr marL="0" indent="0">
+              <a:buNone/>
+            </a:pPr>
+            <a:r>
+              <a:rPr lang="en-GB" dirty="0">
+                <a:solidFill>
+                  <a:schemeClr val="accent1"/>
+                </a:solidFill>
+                <a:hlinkClick r:id="rId3"/>
+              </a:rPr>
+              <a:t>https://github.com/rohinitornal/riskpoint</a:t>
+            </a:r>
+            <a:endParaRPr lang="en-GB" dirty="0">
+              <a:solidFill>
+                <a:schemeClr val="accent1"/>
+              </a:solidFill>
+            </a:endParaRPr>
+          </a:p>
+        </p:txBody>
+      </p:sp>
+      <p:sp>
+        <p:nvSpPr>
+          <p:cNvPr id="8" name="Title 1">
+            <a:extLst>
+              <a:ext uri="{FF2B5EF4-FFF2-40B4-BE49-F238E27FC236}">
+                <a16:creationId xmlns:a16="http://schemas.microsoft.com/office/drawing/2014/main" id="{1D22764A-C00B-0E13-9FBB-E03862D9F753}"/>
               </a:ext>
             </a:extLst>
           </p:cNvPr>
@@ -10099,420 +10234,17 @@
           <a:lstStyle/>
           <a:p>
             <a:r>
-              <a:rPr lang="en-GB" dirty="0"/>
-              <a:t>Test Execution</a:t>
-            </a:r>
-          </a:p>
-        </p:txBody>
-      </p:sp>
-      <p:sp>
-        <p:nvSpPr>
-          <p:cNvPr id="4" name="Rectangle 3">
-            <a:extLst>
-              <a:ext uri="{FF2B5EF4-FFF2-40B4-BE49-F238E27FC236}">
-                <a16:creationId xmlns:a16="http://schemas.microsoft.com/office/drawing/2014/main" id="{BB3617FA-871B-1A43-E891-137B4D004C45}"/>
-              </a:ext>
-            </a:extLst>
-          </p:cNvPr>
-          <p:cNvSpPr/>
-          <p:nvPr/>
-        </p:nvSpPr>
-        <p:spPr>
-          <a:xfrm>
-            <a:off x="3701593" y="1121769"/>
-            <a:ext cx="1904214" cy="1072299"/>
-          </a:xfrm>
-          <a:prstGeom prst="rect">
-            <a:avLst/>
-          </a:prstGeom>
-        </p:spPr>
-        <p:style>
-          <a:lnRef idx="2">
-            <a:schemeClr val="accent1">
-              <a:shade val="15000"/>
-            </a:schemeClr>
-          </a:lnRef>
-          <a:fillRef idx="1">
-            <a:schemeClr val="accent1"/>
-          </a:fillRef>
-          <a:effectRef idx="0">
-            <a:schemeClr val="accent1"/>
-          </a:effectRef>
-          <a:fontRef idx="minor">
-            <a:schemeClr val="lt1"/>
-          </a:fontRef>
-        </p:style>
-        <p:txBody>
-          <a:bodyPr rtlCol="0" anchor="ctr"/>
-          <a:lstStyle/>
-          <a:p>
-            <a:pPr algn="ctr"/>
-            <a:r>
-              <a:rPr lang="en-GB" dirty="0"/>
-              <a:t>Define Scenarios</a:t>
-            </a:r>
-          </a:p>
-        </p:txBody>
-      </p:sp>
-      <p:sp>
-        <p:nvSpPr>
-          <p:cNvPr id="5" name="Rectangle 4">
-            <a:extLst>
-              <a:ext uri="{FF2B5EF4-FFF2-40B4-BE49-F238E27FC236}">
-                <a16:creationId xmlns:a16="http://schemas.microsoft.com/office/drawing/2014/main" id="{CF143FBA-5732-84FA-E03E-BAF2B9B4608E}"/>
-              </a:ext>
-            </a:extLst>
-          </p:cNvPr>
-          <p:cNvSpPr/>
-          <p:nvPr/>
-        </p:nvSpPr>
-        <p:spPr>
-          <a:xfrm>
-            <a:off x="6711883" y="1121766"/>
-            <a:ext cx="1904214" cy="1072299"/>
-          </a:xfrm>
-          <a:prstGeom prst="rect">
-            <a:avLst/>
-          </a:prstGeom>
-        </p:spPr>
-        <p:style>
-          <a:lnRef idx="2">
-            <a:schemeClr val="accent1">
-              <a:shade val="15000"/>
-            </a:schemeClr>
-          </a:lnRef>
-          <a:fillRef idx="1">
-            <a:schemeClr val="accent1"/>
-          </a:fillRef>
-          <a:effectRef idx="0">
-            <a:schemeClr val="accent1"/>
-          </a:effectRef>
-          <a:fontRef idx="minor">
-            <a:schemeClr val="lt1"/>
-          </a:fontRef>
-        </p:style>
-        <p:txBody>
-          <a:bodyPr rtlCol="0" anchor="ctr"/>
-          <a:lstStyle/>
-          <a:p>
-            <a:pPr algn="ctr"/>
-            <a:r>
-              <a:rPr lang="en-GB" dirty="0"/>
-              <a:t>Test Scripting</a:t>
-            </a:r>
-          </a:p>
-        </p:txBody>
-      </p:sp>
-      <p:sp>
-        <p:nvSpPr>
-          <p:cNvPr id="7" name="Content Placeholder 2">
-            <a:extLst>
-              <a:ext uri="{FF2B5EF4-FFF2-40B4-BE49-F238E27FC236}">
-                <a16:creationId xmlns:a16="http://schemas.microsoft.com/office/drawing/2014/main" id="{6FB7888D-A37B-E5F5-F64E-32273E59859E}"/>
-              </a:ext>
-            </a:extLst>
-          </p:cNvPr>
-          <p:cNvSpPr>
-            <a:spLocks noGrp="1"/>
-          </p:cNvSpPr>
-          <p:nvPr>
-            <p:ph idx="1"/>
-          </p:nvPr>
-        </p:nvSpPr>
-        <p:spPr>
-          <a:xfrm>
-            <a:off x="1484311" y="2432115"/>
-            <a:ext cx="10006964" cy="3949831"/>
-          </a:xfrm>
-        </p:spPr>
-        <p:txBody>
-          <a:bodyPr anchor="t">
-            <a:noAutofit/>
-          </a:bodyPr>
-          <a:lstStyle/>
-          <a:p>
-            <a:pPr marL="0" indent="0">
-              <a:buNone/>
-            </a:pPr>
-            <a:r>
-              <a:rPr lang="en-GB" sz="1400" b="1" dirty="0">
-                <a:latin typeface="Calibri" panose="020F0502020204030204" pitchFamily="34" charset="0"/>
-                <a:ea typeface="Calibri" panose="020F0502020204030204" pitchFamily="34" charset="0"/>
-                <a:cs typeface="Times New Roman" panose="02020603050405020304" pitchFamily="18" charset="0"/>
-              </a:rPr>
-              <a:t>Define Scenarios</a:t>
-            </a:r>
-            <a:r>
-              <a:rPr lang="da-DK" sz="1400" b="1" dirty="0">
-                <a:latin typeface="Calibri" panose="020F0502020204030204" pitchFamily="34" charset="0"/>
-                <a:ea typeface="Calibri" panose="020F0502020204030204" pitchFamily="34" charset="0"/>
-                <a:cs typeface="Times New Roman" panose="02020603050405020304" pitchFamily="18" charset="0"/>
-              </a:rPr>
-              <a:t>: </a:t>
-            </a:r>
-            <a:r>
-              <a:rPr lang="en-GB" sz="1400" dirty="0">
-                <a:latin typeface="Calibri" panose="020F0502020204030204" pitchFamily="34" charset="0"/>
-                <a:ea typeface="Calibri" panose="020F0502020204030204" pitchFamily="34" charset="0"/>
-                <a:cs typeface="Times New Roman" panose="02020603050405020304" pitchFamily="18" charset="0"/>
-              </a:rPr>
-              <a:t>Defining scenarios is a critical part of testing, user experience design, and requirement analysis. Scenarios describe specific situations or use cases that help in understanding how a system or application should behave in a particular context.</a:t>
-            </a:r>
-            <a:r>
-              <a:rPr lang="da-DK" sz="1400" dirty="0">
-                <a:latin typeface="Calibri" panose="020F0502020204030204" pitchFamily="34" charset="0"/>
-                <a:ea typeface="Calibri" panose="020F0502020204030204" pitchFamily="34" charset="0"/>
-                <a:cs typeface="Times New Roman" panose="02020603050405020304" pitchFamily="18" charset="0"/>
-              </a:rPr>
-              <a:t> </a:t>
-            </a:r>
-          </a:p>
-          <a:p>
-            <a:pPr marL="0" indent="0">
-              <a:buNone/>
-            </a:pPr>
-            <a:r>
-              <a:rPr lang="da-DK" sz="1400" dirty="0">
-                <a:latin typeface="Calibri" panose="020F0502020204030204" pitchFamily="34" charset="0"/>
-                <a:ea typeface="Calibri" panose="020F0502020204030204" pitchFamily="34" charset="0"/>
-                <a:cs typeface="Times New Roman" panose="02020603050405020304" pitchFamily="18" charset="0"/>
-              </a:rPr>
-              <a:t>Steps </a:t>
-            </a:r>
-            <a:r>
-              <a:rPr lang="da-DK" sz="1400" dirty="0" err="1">
-                <a:latin typeface="Calibri" panose="020F0502020204030204" pitchFamily="34" charset="0"/>
-                <a:ea typeface="Calibri" panose="020F0502020204030204" pitchFamily="34" charset="0"/>
-                <a:cs typeface="Times New Roman" panose="02020603050405020304" pitchFamily="18" charset="0"/>
-              </a:rPr>
-              <a:t>considered</a:t>
-            </a:r>
-            <a:r>
-              <a:rPr lang="da-DK" sz="1400" dirty="0">
-                <a:latin typeface="Calibri" panose="020F0502020204030204" pitchFamily="34" charset="0"/>
-                <a:ea typeface="Calibri" panose="020F0502020204030204" pitchFamily="34" charset="0"/>
-                <a:cs typeface="Times New Roman" panose="02020603050405020304" pitchFamily="18" charset="0"/>
-              </a:rPr>
-              <a:t> to </a:t>
-            </a:r>
-            <a:r>
-              <a:rPr lang="da-DK" sz="1400" dirty="0" err="1">
-                <a:latin typeface="Calibri" panose="020F0502020204030204" pitchFamily="34" charset="0"/>
-                <a:ea typeface="Calibri" panose="020F0502020204030204" pitchFamily="34" charset="0"/>
-                <a:cs typeface="Times New Roman" panose="02020603050405020304" pitchFamily="18" charset="0"/>
-              </a:rPr>
-              <a:t>define</a:t>
-            </a:r>
-            <a:r>
-              <a:rPr lang="da-DK" sz="1400" dirty="0">
-                <a:latin typeface="Calibri" panose="020F0502020204030204" pitchFamily="34" charset="0"/>
-                <a:ea typeface="Calibri" panose="020F0502020204030204" pitchFamily="34" charset="0"/>
-                <a:cs typeface="Times New Roman" panose="02020603050405020304" pitchFamily="18" charset="0"/>
-              </a:rPr>
-              <a:t> th scenarios</a:t>
-            </a:r>
-          </a:p>
-          <a:p>
-            <a:pPr marL="0" indent="0">
-              <a:buNone/>
-            </a:pPr>
-            <a:r>
-              <a:rPr lang="da-DK" sz="1400" dirty="0">
-                <a:latin typeface="Calibri" panose="020F0502020204030204" pitchFamily="34" charset="0"/>
-                <a:ea typeface="Calibri" panose="020F0502020204030204" pitchFamily="34" charset="0"/>
-                <a:cs typeface="Times New Roman" panose="02020603050405020304" pitchFamily="18" charset="0"/>
-              </a:rPr>
-              <a:t>	Understand the purpose</a:t>
-            </a:r>
-          </a:p>
-          <a:p>
-            <a:pPr marL="0" indent="0">
-              <a:buNone/>
-            </a:pPr>
-            <a:r>
-              <a:rPr lang="da-DK" sz="1400" dirty="0">
-                <a:latin typeface="Calibri" panose="020F0502020204030204" pitchFamily="34" charset="0"/>
-                <a:ea typeface="Calibri" panose="020F0502020204030204" pitchFamily="34" charset="0"/>
-                <a:cs typeface="Times New Roman" panose="02020603050405020304" pitchFamily="18" charset="0"/>
-              </a:rPr>
-              <a:t>	</a:t>
-            </a:r>
-            <a:r>
-              <a:rPr lang="da-DK" sz="1400" dirty="0" err="1">
-                <a:latin typeface="Calibri" panose="020F0502020204030204" pitchFamily="34" charset="0"/>
-                <a:ea typeface="Calibri" panose="020F0502020204030204" pitchFamily="34" charset="0"/>
-                <a:cs typeface="Times New Roman" panose="02020603050405020304" pitchFamily="18" charset="0"/>
-              </a:rPr>
-              <a:t>Gather</a:t>
-            </a:r>
-            <a:r>
-              <a:rPr lang="da-DK" sz="1400" dirty="0">
-                <a:latin typeface="Calibri" panose="020F0502020204030204" pitchFamily="34" charset="0"/>
-                <a:ea typeface="Calibri" panose="020F0502020204030204" pitchFamily="34" charset="0"/>
-                <a:cs typeface="Times New Roman" panose="02020603050405020304" pitchFamily="18" charset="0"/>
-              </a:rPr>
-              <a:t> </a:t>
-            </a:r>
-            <a:r>
-              <a:rPr lang="da-DK" sz="1400" dirty="0" err="1">
-                <a:latin typeface="Calibri" panose="020F0502020204030204" pitchFamily="34" charset="0"/>
-                <a:ea typeface="Calibri" panose="020F0502020204030204" pitchFamily="34" charset="0"/>
-                <a:cs typeface="Times New Roman" panose="02020603050405020304" pitchFamily="18" charset="0"/>
-              </a:rPr>
-              <a:t>Requirements</a:t>
-            </a:r>
-            <a:r>
-              <a:rPr lang="da-DK" sz="1400" dirty="0">
-                <a:latin typeface="Calibri" panose="020F0502020204030204" pitchFamily="34" charset="0"/>
-                <a:ea typeface="Calibri" panose="020F0502020204030204" pitchFamily="34" charset="0"/>
-                <a:cs typeface="Times New Roman" panose="02020603050405020304" pitchFamily="18" charset="0"/>
-              </a:rPr>
-              <a:t> and Information</a:t>
-            </a:r>
-          </a:p>
-          <a:p>
-            <a:pPr marL="0" indent="0">
-              <a:buNone/>
-            </a:pPr>
-            <a:r>
-              <a:rPr lang="da-DK" sz="1400" dirty="0">
-                <a:latin typeface="Calibri" panose="020F0502020204030204" pitchFamily="34" charset="0"/>
-                <a:ea typeface="Calibri" panose="020F0502020204030204" pitchFamily="34" charset="0"/>
-                <a:cs typeface="Times New Roman" panose="02020603050405020304" pitchFamily="18" charset="0"/>
-              </a:rPr>
-              <a:t>	</a:t>
-            </a:r>
-            <a:r>
-              <a:rPr lang="da-DK" sz="1400" dirty="0" err="1">
-                <a:latin typeface="Calibri" panose="020F0502020204030204" pitchFamily="34" charset="0"/>
-                <a:ea typeface="Calibri" panose="020F0502020204030204" pitchFamily="34" charset="0"/>
-                <a:cs typeface="Times New Roman" panose="02020603050405020304" pitchFamily="18" charset="0"/>
-              </a:rPr>
-              <a:t>Define</a:t>
-            </a:r>
-            <a:r>
-              <a:rPr lang="da-DK" sz="1400" dirty="0">
-                <a:latin typeface="Calibri" panose="020F0502020204030204" pitchFamily="34" charset="0"/>
-                <a:ea typeface="Calibri" panose="020F0502020204030204" pitchFamily="34" charset="0"/>
-                <a:cs typeface="Times New Roman" panose="02020603050405020304" pitchFamily="18" charset="0"/>
-              </a:rPr>
-              <a:t> the </a:t>
-            </a:r>
-            <a:r>
-              <a:rPr lang="da-DK" sz="1400" dirty="0" err="1">
-                <a:latin typeface="Calibri" panose="020F0502020204030204" pitchFamily="34" charset="0"/>
-                <a:ea typeface="Calibri" panose="020F0502020204030204" pitchFamily="34" charset="0"/>
-                <a:cs typeface="Times New Roman" panose="02020603050405020304" pitchFamily="18" charset="0"/>
-              </a:rPr>
-              <a:t>Actors</a:t>
-            </a:r>
-            <a:endParaRPr lang="da-DK" sz="1400" dirty="0">
-              <a:latin typeface="Calibri" panose="020F0502020204030204" pitchFamily="34" charset="0"/>
-              <a:ea typeface="Calibri" panose="020F0502020204030204" pitchFamily="34" charset="0"/>
-              <a:cs typeface="Times New Roman" panose="02020603050405020304" pitchFamily="18" charset="0"/>
-            </a:endParaRPr>
-          </a:p>
-          <a:p>
-            <a:pPr marL="0" indent="0">
-              <a:buNone/>
-            </a:pPr>
-            <a:r>
-              <a:rPr lang="da-DK" sz="1400" dirty="0">
-                <a:latin typeface="Calibri" panose="020F0502020204030204" pitchFamily="34" charset="0"/>
-                <a:ea typeface="Calibri" panose="020F0502020204030204" pitchFamily="34" charset="0"/>
-                <a:cs typeface="Times New Roman" panose="02020603050405020304" pitchFamily="18" charset="0"/>
-              </a:rPr>
-              <a:t>	Create the scenario outline</a:t>
-            </a:r>
-          </a:p>
-          <a:p>
-            <a:pPr marL="0" indent="0">
-              <a:buNone/>
-            </a:pPr>
-            <a:r>
-              <a:rPr lang="da-DK" sz="1400" dirty="0">
-                <a:latin typeface="Calibri" panose="020F0502020204030204" pitchFamily="34" charset="0"/>
-                <a:ea typeface="Calibri" panose="020F0502020204030204" pitchFamily="34" charset="0"/>
-                <a:cs typeface="Times New Roman" panose="02020603050405020304" pitchFamily="18" charset="0"/>
-              </a:rPr>
-              <a:t>	Consider variations and Edge cases</a:t>
-            </a:r>
-          </a:p>
-          <a:p>
-            <a:pPr marL="0" indent="0">
-              <a:buNone/>
-            </a:pPr>
-            <a:r>
-              <a:rPr lang="da-DK" sz="1400" dirty="0">
-                <a:latin typeface="Calibri" panose="020F0502020204030204" pitchFamily="34" charset="0"/>
-                <a:ea typeface="Calibri" panose="020F0502020204030204" pitchFamily="34" charset="0"/>
-                <a:cs typeface="Times New Roman" panose="02020603050405020304" pitchFamily="18" charset="0"/>
-              </a:rPr>
-              <a:t>	Document the scenario</a:t>
-            </a:r>
-          </a:p>
-          <a:p>
-            <a:pPr marL="0" indent="0">
-              <a:buNone/>
-            </a:pPr>
-            <a:r>
-              <a:rPr lang="da-DK" sz="1400" dirty="0">
-                <a:latin typeface="Calibri" panose="020F0502020204030204" pitchFamily="34" charset="0"/>
-                <a:ea typeface="Calibri" panose="020F0502020204030204" pitchFamily="34" charset="0"/>
-                <a:cs typeface="Times New Roman" panose="02020603050405020304" pitchFamily="18" charset="0"/>
-              </a:rPr>
-              <a:t>	Review and Validate</a:t>
-            </a:r>
-          </a:p>
-          <a:p>
-            <a:pPr marL="0" indent="0">
-              <a:buNone/>
-            </a:pPr>
-            <a:r>
-              <a:rPr lang="da-DK" sz="1400" dirty="0">
-                <a:latin typeface="Calibri" panose="020F0502020204030204" pitchFamily="34" charset="0"/>
-                <a:ea typeface="Calibri" panose="020F0502020204030204" pitchFamily="34" charset="0"/>
-                <a:cs typeface="Times New Roman" panose="02020603050405020304" pitchFamily="18" charset="0"/>
-              </a:rPr>
-              <a:t>	Implement and Test</a:t>
-            </a:r>
-          </a:p>
-          <a:p>
-            <a:pPr marL="0" indent="0">
-              <a:buNone/>
-            </a:pPr>
-            <a:endParaRPr lang="en-GB" sz="1400" dirty="0">
-              <a:latin typeface="Calibri" panose="020F0502020204030204" pitchFamily="34" charset="0"/>
-              <a:ea typeface="Calibri" panose="020F0502020204030204" pitchFamily="34" charset="0"/>
-              <a:cs typeface="Times New Roman" panose="02020603050405020304" pitchFamily="18" charset="0"/>
-            </a:endParaRPr>
-          </a:p>
-          <a:p>
-            <a:pPr marL="0" indent="0">
-              <a:buNone/>
-            </a:pPr>
-            <a:endParaRPr lang="en-GB" sz="1400" dirty="0">
-              <a:latin typeface="Calibri" panose="020F0502020204030204" pitchFamily="34" charset="0"/>
-              <a:ea typeface="Calibri" panose="020F0502020204030204" pitchFamily="34" charset="0"/>
-              <a:cs typeface="Times New Roman" panose="02020603050405020304" pitchFamily="18" charset="0"/>
-            </a:endParaRPr>
-          </a:p>
-          <a:p>
-            <a:pPr marL="0" indent="0">
-              <a:buNone/>
-            </a:pPr>
-            <a:endParaRPr lang="en-GB" sz="1400" dirty="0">
-              <a:latin typeface="Calibri" panose="020F0502020204030204" pitchFamily="34" charset="0"/>
-              <a:ea typeface="Calibri" panose="020F0502020204030204" pitchFamily="34" charset="0"/>
-              <a:cs typeface="Times New Roman" panose="02020603050405020304" pitchFamily="18" charset="0"/>
-            </a:endParaRPr>
+              <a:rPr lang="da-DK" dirty="0"/>
+              <a:t>GitHub Repository</a:t>
+            </a:r>
+            <a:endParaRPr lang="en-GB" dirty="0"/>
           </a:p>
         </p:txBody>
       </p:sp>
     </p:spTree>
     <p:extLst>
       <p:ext uri="{BB962C8B-B14F-4D97-AF65-F5344CB8AC3E}">
-        <p14:creationId xmlns:p14="http://schemas.microsoft.com/office/powerpoint/2010/main" val="2354998779"/>
+        <p14:creationId xmlns:p14="http://schemas.microsoft.com/office/powerpoint/2010/main" val="2166763886"/>
       </p:ext>
     </p:extLst>
   </p:cSld>
@@ -10541,10 +10273,44 @@
       </p:grpSpPr>
       <p:sp>
         <p:nvSpPr>
+          <p:cNvPr id="2" name="Title 1">
+            <a:extLst>
+              <a:ext uri="{FF2B5EF4-FFF2-40B4-BE49-F238E27FC236}">
+                <a16:creationId xmlns:a16="http://schemas.microsoft.com/office/drawing/2014/main" id="{BB0887E6-18E5-C71B-3E30-C870A739C03A}"/>
+              </a:ext>
+            </a:extLst>
+          </p:cNvPr>
+          <p:cNvSpPr>
+            <a:spLocks noGrp="1"/>
+          </p:cNvSpPr>
+          <p:nvPr>
+            <p:ph type="title"/>
+          </p:nvPr>
+        </p:nvSpPr>
+        <p:spPr>
+          <a:xfrm>
+            <a:off x="1484312" y="685801"/>
+            <a:ext cx="10018712" cy="1053790"/>
+          </a:xfrm>
+        </p:spPr>
+        <p:txBody>
+          <a:bodyPr/>
+          <a:lstStyle/>
+          <a:p>
+            <a:r>
+              <a:rPr lang="da-DK" dirty="0"/>
+              <a:t>Test script</a:t>
+            </a:r>
+            <a:endParaRPr lang="en-GB" dirty="0"/>
+          </a:p>
+        </p:txBody>
+      </p:sp>
+      <p:sp>
+        <p:nvSpPr>
           <p:cNvPr id="3" name="Content Placeholder 2">
             <a:extLst>
               <a:ext uri="{FF2B5EF4-FFF2-40B4-BE49-F238E27FC236}">
-                <a16:creationId xmlns:a16="http://schemas.microsoft.com/office/drawing/2014/main" id="{3742B76F-3E7B-C9EB-90BB-1CB2A5510CFB}"/>
+                <a16:creationId xmlns:a16="http://schemas.microsoft.com/office/drawing/2014/main" id="{07C73565-4F4A-D9FD-1C60-68F7F88522C9}"/>
               </a:ext>
             </a:extLst>
           </p:cNvPr>
@@ -10557,283 +10323,92 @@
         </p:nvSpPr>
         <p:spPr>
           <a:xfrm>
-            <a:off x="1484310" y="499621"/>
-            <a:ext cx="10018713" cy="5882325"/>
+            <a:off x="1662729" y="2158688"/>
+            <a:ext cx="10018713" cy="3124201"/>
           </a:xfrm>
         </p:spPr>
         <p:txBody>
-          <a:bodyPr anchor="t">
-            <a:normAutofit/>
-          </a:bodyPr>
+          <a:bodyPr/>
           <a:lstStyle/>
           <a:p>
-            <a:pPr marL="0" indent="0">
-              <a:buNone/>
-            </a:pPr>
-            <a:r>
-              <a:rPr lang="en-GB" sz="1400" dirty="0">
-                <a:latin typeface="Calibri" panose="020F0502020204030204" pitchFamily="34" charset="0"/>
-                <a:ea typeface="Calibri" panose="020F0502020204030204" pitchFamily="34" charset="0"/>
-                <a:cs typeface="Times New Roman" panose="02020603050405020304" pitchFamily="18" charset="0"/>
-              </a:rPr>
-              <a:t>Scenarios for the “RiskPoint Group” website are identified based on the understanding of end user.</a:t>
-            </a:r>
-          </a:p>
-          <a:p>
-            <a:pPr marL="0" indent="0">
-              <a:buNone/>
-            </a:pPr>
-            <a:r>
-              <a:rPr lang="en-GB" sz="1400" dirty="0">
-                <a:latin typeface="Calibri" panose="020F0502020204030204" pitchFamily="34" charset="0"/>
-                <a:ea typeface="Calibri" panose="020F0502020204030204" pitchFamily="34" charset="0"/>
-                <a:cs typeface="Times New Roman" panose="02020603050405020304" pitchFamily="18" charset="0"/>
-              </a:rPr>
-              <a:t>These scenarios for the website has been authored using BDD framework using Cucumber, for the easy understanding of test being done on the website (audience such as end-user, testers or stakeholders). Below is the sample of the scenario in BDD framework .</a:t>
-            </a:r>
-          </a:p>
-          <a:p>
-            <a:pPr marL="0" indent="0">
-              <a:buNone/>
-            </a:pPr>
-            <a:r>
-              <a:rPr lang="en-GB" sz="1400" b="1" dirty="0">
-                <a:solidFill>
-                  <a:srgbClr val="FF0000"/>
-                </a:solidFill>
-                <a:latin typeface="Calibri" panose="020F0502020204030204" pitchFamily="34" charset="0"/>
-                <a:ea typeface="Calibri" panose="020F0502020204030204" pitchFamily="34" charset="0"/>
-                <a:cs typeface="Times New Roman" panose="02020603050405020304" pitchFamily="18" charset="0"/>
-              </a:rPr>
-              <a:t>Feature: </a:t>
-            </a:r>
-            <a:r>
-              <a:rPr lang="en-GB" sz="1400" dirty="0">
-                <a:latin typeface="Calibri" panose="020F0502020204030204" pitchFamily="34" charset="0"/>
-                <a:ea typeface="Calibri" panose="020F0502020204030204" pitchFamily="34" charset="0"/>
-                <a:cs typeface="Times New Roman" panose="02020603050405020304" pitchFamily="18" charset="0"/>
-              </a:rPr>
-              <a:t>Claims</a:t>
-            </a:r>
-          </a:p>
-          <a:p>
-            <a:pPr marL="0" indent="0">
-              <a:buNone/>
-            </a:pPr>
-            <a:r>
-              <a:rPr lang="en-GB" sz="1400" dirty="0">
-                <a:latin typeface="Calibri" panose="020F0502020204030204" pitchFamily="34" charset="0"/>
-                <a:ea typeface="Calibri" panose="020F0502020204030204" pitchFamily="34" charset="0"/>
-                <a:cs typeface="Times New Roman" panose="02020603050405020304" pitchFamily="18" charset="0"/>
-              </a:rPr>
-              <a:t>    </a:t>
-            </a:r>
-            <a:r>
-              <a:rPr lang="en-GB" sz="1400" b="1" dirty="0">
-                <a:solidFill>
-                  <a:srgbClr val="FF0000"/>
-                </a:solidFill>
-                <a:latin typeface="Calibri" panose="020F0502020204030204" pitchFamily="34" charset="0"/>
-                <a:ea typeface="Calibri" panose="020F0502020204030204" pitchFamily="34" charset="0"/>
-                <a:cs typeface="Times New Roman" panose="02020603050405020304" pitchFamily="18" charset="0"/>
-              </a:rPr>
-              <a:t>Scenario: </a:t>
-            </a:r>
-            <a:r>
-              <a:rPr lang="en-GB" sz="1400" dirty="0">
-                <a:latin typeface="Calibri" panose="020F0502020204030204" pitchFamily="34" charset="0"/>
-                <a:ea typeface="Calibri" panose="020F0502020204030204" pitchFamily="34" charset="0"/>
-                <a:cs typeface="Times New Roman" panose="02020603050405020304" pitchFamily="18" charset="0"/>
-              </a:rPr>
-              <a:t>Verify the Home Page of RiskPoint Group</a:t>
-            </a:r>
-          </a:p>
-          <a:p>
-            <a:pPr marL="0" indent="0">
-              <a:buNone/>
-            </a:pPr>
-            <a:r>
-              <a:rPr lang="en-GB" sz="1400" dirty="0">
-                <a:latin typeface="Calibri" panose="020F0502020204030204" pitchFamily="34" charset="0"/>
-                <a:ea typeface="Calibri" panose="020F0502020204030204" pitchFamily="34" charset="0"/>
-                <a:cs typeface="Times New Roman" panose="02020603050405020304" pitchFamily="18" charset="0"/>
-              </a:rPr>
-              <a:t>        </a:t>
-            </a:r>
-            <a:r>
-              <a:rPr lang="en-GB" sz="1400" b="1" dirty="0">
-                <a:solidFill>
-                  <a:srgbClr val="FF0000"/>
-                </a:solidFill>
-                <a:latin typeface="Calibri" panose="020F0502020204030204" pitchFamily="34" charset="0"/>
-                <a:ea typeface="Calibri" panose="020F0502020204030204" pitchFamily="34" charset="0"/>
-                <a:cs typeface="Times New Roman" panose="02020603050405020304" pitchFamily="18" charset="0"/>
-              </a:rPr>
-              <a:t>Given</a:t>
-            </a:r>
-            <a:r>
-              <a:rPr lang="en-GB" sz="1400" dirty="0">
-                <a:latin typeface="Calibri" panose="020F0502020204030204" pitchFamily="34" charset="0"/>
-                <a:ea typeface="Calibri" panose="020F0502020204030204" pitchFamily="34" charset="0"/>
-                <a:cs typeface="Times New Roman" panose="02020603050405020304" pitchFamily="18" charset="0"/>
-              </a:rPr>
-              <a:t> I am on the home page of 'rpgroup.com'</a:t>
-            </a:r>
-          </a:p>
-          <a:p>
-            <a:pPr marL="0" indent="0">
-              <a:buNone/>
-            </a:pPr>
-            <a:r>
-              <a:rPr lang="en-GB" sz="1400" dirty="0">
-                <a:latin typeface="Calibri" panose="020F0502020204030204" pitchFamily="34" charset="0"/>
-                <a:ea typeface="Calibri" panose="020F0502020204030204" pitchFamily="34" charset="0"/>
-                <a:cs typeface="Times New Roman" panose="02020603050405020304" pitchFamily="18" charset="0"/>
-              </a:rPr>
-              <a:t>        </a:t>
-            </a:r>
-            <a:r>
-              <a:rPr lang="en-GB" sz="1400" b="1" dirty="0">
-                <a:solidFill>
-                  <a:srgbClr val="FF0000"/>
-                </a:solidFill>
-                <a:latin typeface="Calibri" panose="020F0502020204030204" pitchFamily="34" charset="0"/>
-                <a:ea typeface="Calibri" panose="020F0502020204030204" pitchFamily="34" charset="0"/>
-                <a:cs typeface="Times New Roman" panose="02020603050405020304" pitchFamily="18" charset="0"/>
-              </a:rPr>
-              <a:t>When</a:t>
-            </a:r>
-            <a:r>
-              <a:rPr lang="en-GB" sz="1400" dirty="0">
-                <a:latin typeface="Calibri" panose="020F0502020204030204" pitchFamily="34" charset="0"/>
-                <a:ea typeface="Calibri" panose="020F0502020204030204" pitchFamily="34" charset="0"/>
-                <a:cs typeface="Times New Roman" panose="02020603050405020304" pitchFamily="18" charset="0"/>
-              </a:rPr>
-              <a:t> On the home page User hovers on Claims tab</a:t>
-            </a:r>
-          </a:p>
-          <a:p>
-            <a:pPr marL="0" indent="0">
-              <a:buNone/>
-            </a:pPr>
-            <a:r>
-              <a:rPr lang="en-GB" sz="1400" dirty="0">
-                <a:latin typeface="Calibri" panose="020F0502020204030204" pitchFamily="34" charset="0"/>
-                <a:ea typeface="Calibri" panose="020F0502020204030204" pitchFamily="34" charset="0"/>
-                <a:cs typeface="Times New Roman" panose="02020603050405020304" pitchFamily="18" charset="0"/>
-              </a:rPr>
-              <a:t>        </a:t>
-            </a:r>
-            <a:r>
-              <a:rPr lang="en-GB" sz="1400" b="1" dirty="0">
-                <a:solidFill>
-                  <a:srgbClr val="FF0000"/>
-                </a:solidFill>
-                <a:latin typeface="Calibri" panose="020F0502020204030204" pitchFamily="34" charset="0"/>
-                <a:ea typeface="Calibri" panose="020F0502020204030204" pitchFamily="34" charset="0"/>
-                <a:cs typeface="Times New Roman" panose="02020603050405020304" pitchFamily="18" charset="0"/>
-              </a:rPr>
-              <a:t>Then</a:t>
-            </a:r>
-            <a:r>
-              <a:rPr lang="en-GB" sz="1400" dirty="0">
-                <a:latin typeface="Calibri" panose="020F0502020204030204" pitchFamily="34" charset="0"/>
-                <a:ea typeface="Calibri" panose="020F0502020204030204" pitchFamily="34" charset="0"/>
-                <a:cs typeface="Times New Roman" panose="02020603050405020304" pitchFamily="18" charset="0"/>
-              </a:rPr>
-              <a:t> Emergency Contacts section should be displayed</a:t>
-            </a:r>
-          </a:p>
-          <a:p>
-            <a:pPr marL="0" indent="0">
-              <a:buNone/>
-            </a:pPr>
-            <a:r>
-              <a:rPr lang="en-GB" sz="1400" dirty="0">
-                <a:latin typeface="Calibri" panose="020F0502020204030204" pitchFamily="34" charset="0"/>
-                <a:ea typeface="Calibri" panose="020F0502020204030204" pitchFamily="34" charset="0"/>
-                <a:cs typeface="Times New Roman" panose="02020603050405020304" pitchFamily="18" charset="0"/>
-              </a:rPr>
-              <a:t>        </a:t>
-            </a:r>
-            <a:r>
-              <a:rPr lang="en-GB" sz="1400" b="1" dirty="0">
-                <a:solidFill>
-                  <a:srgbClr val="FF0000"/>
-                </a:solidFill>
-                <a:latin typeface="Calibri" panose="020F0502020204030204" pitchFamily="34" charset="0"/>
-                <a:ea typeface="Calibri" panose="020F0502020204030204" pitchFamily="34" charset="0"/>
-                <a:cs typeface="Times New Roman" panose="02020603050405020304" pitchFamily="18" charset="0"/>
-              </a:rPr>
-              <a:t>And</a:t>
-            </a:r>
-            <a:r>
-              <a:rPr lang="en-GB" sz="1400" dirty="0">
-                <a:latin typeface="Calibri" panose="020F0502020204030204" pitchFamily="34" charset="0"/>
-                <a:ea typeface="Calibri" panose="020F0502020204030204" pitchFamily="34" charset="0"/>
-                <a:cs typeface="Times New Roman" panose="02020603050405020304" pitchFamily="18" charset="0"/>
-              </a:rPr>
-              <a:t> Report a Claim section should be displayed</a:t>
-            </a:r>
-          </a:p>
-          <a:p>
-            <a:pPr marL="0" indent="0">
-              <a:buNone/>
-            </a:pPr>
-            <a:endParaRPr lang="en-GB" sz="1400" b="1" dirty="0">
-              <a:latin typeface="Calibri" panose="020F0502020204030204" pitchFamily="34" charset="0"/>
-              <a:ea typeface="Calibri" panose="020F0502020204030204" pitchFamily="34" charset="0"/>
-              <a:cs typeface="Times New Roman" panose="02020603050405020304" pitchFamily="18" charset="0"/>
-            </a:endParaRPr>
-          </a:p>
-          <a:p>
-            <a:pPr marL="0" indent="0">
-              <a:buNone/>
-            </a:pPr>
-            <a:r>
-              <a:rPr lang="en-GB" sz="1400" b="1" dirty="0">
-                <a:latin typeface="Calibri" panose="020F0502020204030204" pitchFamily="34" charset="0"/>
-                <a:ea typeface="Calibri" panose="020F0502020204030204" pitchFamily="34" charset="0"/>
-                <a:cs typeface="Times New Roman" panose="02020603050405020304" pitchFamily="18" charset="0"/>
-              </a:rPr>
-              <a:t>Test Scripting</a:t>
-            </a:r>
-            <a:r>
-              <a:rPr lang="da-DK" sz="1400" b="1" dirty="0">
-                <a:latin typeface="Calibri" panose="020F0502020204030204" pitchFamily="34" charset="0"/>
-                <a:ea typeface="Calibri" panose="020F0502020204030204" pitchFamily="34" charset="0"/>
-                <a:cs typeface="Times New Roman" panose="02020603050405020304" pitchFamily="18" charset="0"/>
-              </a:rPr>
-              <a:t>: </a:t>
-            </a:r>
-            <a:r>
-              <a:rPr lang="en-GB" sz="1400" dirty="0">
-                <a:latin typeface="Calibri" panose="020F0502020204030204" pitchFamily="34" charset="0"/>
-                <a:ea typeface="Calibri" panose="020F0502020204030204" pitchFamily="34" charset="0"/>
-                <a:cs typeface="Calibri" panose="020F0502020204030204" pitchFamily="34" charset="0"/>
-              </a:rPr>
-              <a:t>Test scripting is the process of writing scripts or detailed instructions to automate or guide the execution of test cases. These scripts can be used in both manual and automated testing to ensure consistent, repeatable, and thorough testing of software applications. Test scripting involves creating a set of steps that describe how a test should be performed, what inputs are needed, and what the expected outcomes are.</a:t>
-            </a:r>
-          </a:p>
-          <a:p>
-            <a:pPr marL="0" indent="0">
-              <a:buNone/>
-            </a:pPr>
-            <a:r>
-              <a:rPr lang="en-GB" sz="1400" dirty="0">
-                <a:latin typeface="Calibri" panose="020F0502020204030204" pitchFamily="34" charset="0"/>
-                <a:ea typeface="Calibri" panose="020F0502020204030204" pitchFamily="34" charset="0"/>
-                <a:cs typeface="Calibri" panose="020F0502020204030204" pitchFamily="34" charset="0"/>
-              </a:rPr>
-              <a:t>Test scripts are written using Selenium web driver with Python scripting. Below is the sample of python script.</a:t>
-            </a:r>
+            <a:r>
+              <a:rPr lang="da-DK" dirty="0"/>
+              <a:t>Virtual </a:t>
+            </a:r>
+            <a:r>
+              <a:rPr lang="da-DK" dirty="0" err="1"/>
+              <a:t>environment</a:t>
+            </a:r>
+            <a:endParaRPr lang="da-DK" dirty="0"/>
+          </a:p>
+          <a:p>
+            <a:r>
+              <a:rPr lang="da-DK" dirty="0" err="1"/>
+              <a:t>Install</a:t>
+            </a:r>
+            <a:r>
+              <a:rPr lang="da-DK" dirty="0"/>
+              <a:t> </a:t>
+            </a:r>
+            <a:r>
+              <a:rPr lang="da-DK" dirty="0" err="1"/>
+              <a:t>libraries</a:t>
+            </a:r>
+            <a:r>
+              <a:rPr lang="da-DK" dirty="0"/>
+              <a:t> - selenium, </a:t>
+            </a:r>
+            <a:r>
+              <a:rPr lang="da-DK" dirty="0" err="1"/>
+              <a:t>behave</a:t>
+            </a:r>
+            <a:endParaRPr lang="da-DK" dirty="0"/>
+          </a:p>
+          <a:p>
+            <a:r>
+              <a:rPr lang="da-DK" dirty="0"/>
+              <a:t>Create Feature file using </a:t>
+            </a:r>
+            <a:r>
+              <a:rPr lang="da-DK" dirty="0" err="1"/>
+              <a:t>Gherkin</a:t>
+            </a:r>
+            <a:r>
+              <a:rPr lang="da-DK" dirty="0"/>
+              <a:t> script</a:t>
+            </a:r>
+          </a:p>
+          <a:p>
+            <a:r>
+              <a:rPr lang="da-DK" dirty="0"/>
+              <a:t>Create Step file using </a:t>
+            </a:r>
+            <a:r>
+              <a:rPr lang="da-DK" dirty="0" err="1"/>
+              <a:t>python</a:t>
+            </a:r>
+            <a:r>
+              <a:rPr lang="da-DK" dirty="0"/>
+              <a:t> script</a:t>
+            </a:r>
+          </a:p>
+          <a:p>
+            <a:r>
+              <a:rPr lang="da-DK" dirty="0"/>
+              <a:t>Run using </a:t>
+            </a:r>
+            <a:r>
+              <a:rPr lang="da-DK" dirty="0" err="1"/>
+              <a:t>behave</a:t>
+            </a:r>
+            <a:endParaRPr lang="en-GB" dirty="0"/>
           </a:p>
         </p:txBody>
       </p:sp>
     </p:spTree>
     <p:extLst>
       <p:ext uri="{BB962C8B-B14F-4D97-AF65-F5344CB8AC3E}">
-        <p14:creationId xmlns:p14="http://schemas.microsoft.com/office/powerpoint/2010/main" val="3071602802"/>
+        <p14:creationId xmlns:p14="http://schemas.microsoft.com/office/powerpoint/2010/main" val="704169630"/>
       </p:ext>
     </p:extLst>
   </p:cSld>
@@ -11097,4 +10672,299 @@
     </a:ext>
   </a:extLst>
 </a:theme>
+</file>
+
+<file path=ppt/theme/theme2.xml><?xml version="1.0" encoding="utf-8"?>
+<a:theme xmlns:a="http://schemas.openxmlformats.org/drawingml/2006/main" name="Office Theme">
+  <a:themeElements>
+    <a:clrScheme name="Office">
+      <a:dk1>
+        <a:sysClr val="windowText" lastClr="000000"/>
+      </a:dk1>
+      <a:lt1>
+        <a:sysClr val="window" lastClr="FFFFFF"/>
+      </a:lt1>
+      <a:dk2>
+        <a:srgbClr val="44546A"/>
+      </a:dk2>
+      <a:lt2>
+        <a:srgbClr val="E7E6E6"/>
+      </a:lt2>
+      <a:accent1>
+        <a:srgbClr val="4472C4"/>
+      </a:accent1>
+      <a:accent2>
+        <a:srgbClr val="ED7D31"/>
+      </a:accent2>
+      <a:accent3>
+        <a:srgbClr val="A5A5A5"/>
+      </a:accent3>
+      <a:accent4>
+        <a:srgbClr val="FFC000"/>
+      </a:accent4>
+      <a:accent5>
+        <a:srgbClr val="5B9BD5"/>
+      </a:accent5>
+      <a:accent6>
+        <a:srgbClr val="70AD47"/>
+      </a:accent6>
+      <a:hlink>
+        <a:srgbClr val="0563C1"/>
+      </a:hlink>
+      <a:folHlink>
+        <a:srgbClr val="954F72"/>
+      </a:folHlink>
+    </a:clrScheme>
+    <a:fontScheme name="Office">
+      <a:majorFont>
+        <a:latin typeface="Calibri Light" panose="020F0302020204030204"/>
+        <a:ea typeface=""/>
+        <a:cs typeface=""/>
+        <a:font script="Jpan" typeface="游ゴシック Light"/>
+        <a:font script="Hang" typeface="맑은 고딕"/>
+        <a:font script="Hans" typeface="等线 Light"/>
+        <a:font script="Hant" typeface="新細明體"/>
+        <a:font script="Arab" typeface="Times New Roman"/>
+        <a:font script="Hebr" typeface="Times New Roman"/>
+        <a:font script="Thai" typeface="Angsana New"/>
+        <a:font script="Ethi" typeface="Nyala"/>
+        <a:font script="Beng" typeface="Vrinda"/>
+        <a:font script="Gujr" typeface="Shruti"/>
+        <a:font script="Khmr" typeface="MoolBoran"/>
+        <a:font script="Knda" typeface="Tunga"/>
+        <a:font script="Guru" typeface="Raavi"/>
+        <a:font script="Cans" typeface="Euphemia"/>
+        <a:font script="Cher" typeface="Plantagenet Cherokee"/>
+        <a:font script="Yiii" typeface="Microsoft Yi Baiti"/>
+        <a:font script="Tibt" typeface="Microsoft Himalaya"/>
+        <a:font script="Thaa" typeface="MV Boli"/>
+        <a:font script="Deva" typeface="Mangal"/>
+        <a:font script="Telu" typeface="Gautami"/>
+        <a:font script="Taml" typeface="Latha"/>
+        <a:font script="Syrc" typeface="Estrangelo Edessa"/>
+        <a:font script="Orya" typeface="Kalinga"/>
+        <a:font script="Mlym" typeface="Kartika"/>
+        <a:font script="Laoo" typeface="DokChampa"/>
+        <a:font script="Sinh" typeface="Iskoola Pota"/>
+        <a:font script="Mong" typeface="Mongolian Baiti"/>
+        <a:font script="Viet" typeface="Times New Roman"/>
+        <a:font script="Uigh" typeface="Microsoft Uighur"/>
+        <a:font script="Geor" typeface="Sylfaen"/>
+        <a:font script="Armn" typeface="Arial"/>
+        <a:font script="Bugi" typeface="Leelawadee UI"/>
+        <a:font script="Bopo" typeface="Microsoft JhengHei"/>
+        <a:font script="Java" typeface="Javanese Text"/>
+        <a:font script="Lisu" typeface="Segoe UI"/>
+        <a:font script="Mymr" typeface="Myanmar Text"/>
+        <a:font script="Nkoo" typeface="Ebrima"/>
+        <a:font script="Olck" typeface="Nirmala UI"/>
+        <a:font script="Osma" typeface="Ebrima"/>
+        <a:font script="Phag" typeface="Phagspa"/>
+        <a:font script="Syrn" typeface="Estrangelo Edessa"/>
+        <a:font script="Syrj" typeface="Estrangelo Edessa"/>
+        <a:font script="Syre" typeface="Estrangelo Edessa"/>
+        <a:font script="Sora" typeface="Nirmala UI"/>
+        <a:font script="Tale" typeface="Microsoft Tai Le"/>
+        <a:font script="Talu" typeface="Microsoft New Tai Lue"/>
+        <a:font script="Tfng" typeface="Ebrima"/>
+      </a:majorFont>
+      <a:minorFont>
+        <a:latin typeface="Calibri" panose="020F0502020204030204"/>
+        <a:ea typeface=""/>
+        <a:cs typeface=""/>
+        <a:font script="Jpan" typeface="游ゴシック"/>
+        <a:font script="Hang" typeface="맑은 고딕"/>
+        <a:font script="Hans" typeface="等线"/>
+        <a:font script="Hant" typeface="新細明體"/>
+        <a:font script="Arab" typeface="Arial"/>
+        <a:font script="Hebr" typeface="Arial"/>
+        <a:font script="Thai" typeface="Cordia New"/>
+        <a:font script="Ethi" typeface="Nyala"/>
+        <a:font script="Beng" typeface="Vrinda"/>
+        <a:font script="Gujr" typeface="Shruti"/>
+        <a:font script="Khmr" typeface="DaunPenh"/>
+        <a:font script="Knda" typeface="Tunga"/>
+        <a:font script="Guru" typeface="Raavi"/>
+        <a:font script="Cans" typeface="Euphemia"/>
+        <a:font script="Cher" typeface="Plantagenet Cherokee"/>
+        <a:font script="Yiii" typeface="Microsoft Yi Baiti"/>
+        <a:font script="Tibt" typeface="Microsoft Himalaya"/>
+        <a:font script="Thaa" typeface="MV Boli"/>
+        <a:font script="Deva" typeface="Mangal"/>
+        <a:font script="Telu" typeface="Gautami"/>
+        <a:font script="Taml" typeface="Latha"/>
+        <a:font script="Syrc" typeface="Estrangelo Edessa"/>
+        <a:font script="Orya" typeface="Kalinga"/>
+        <a:font script="Mlym" typeface="Kartika"/>
+        <a:font script="Laoo" typeface="DokChampa"/>
+        <a:font script="Sinh" typeface="Iskoola Pota"/>
+        <a:font script="Mong" typeface="Mongolian Baiti"/>
+        <a:font script="Viet" typeface="Arial"/>
+        <a:font script="Uigh" typeface="Microsoft Uighur"/>
+        <a:font script="Geor" typeface="Sylfaen"/>
+        <a:font script="Armn" typeface="Arial"/>
+        <a:font script="Bugi" typeface="Leelawadee UI"/>
+        <a:font script="Bopo" typeface="Microsoft JhengHei"/>
+        <a:font script="Java" typeface="Javanese Text"/>
+        <a:font script="Lisu" typeface="Segoe UI"/>
+        <a:font script="Mymr" typeface="Myanmar Text"/>
+        <a:font script="Nkoo" typeface="Ebrima"/>
+        <a:font script="Olck" typeface="Nirmala UI"/>
+        <a:font script="Osma" typeface="Ebrima"/>
+        <a:font script="Phag" typeface="Phagspa"/>
+        <a:font script="Syrn" typeface="Estrangelo Edessa"/>
+        <a:font script="Syrj" typeface="Estrangelo Edessa"/>
+        <a:font script="Syre" typeface="Estrangelo Edessa"/>
+        <a:font script="Sora" typeface="Nirmala UI"/>
+        <a:font script="Tale" typeface="Microsoft Tai Le"/>
+        <a:font script="Talu" typeface="Microsoft New Tai Lue"/>
+        <a:font script="Tfng" typeface="Ebrima"/>
+      </a:minorFont>
+    </a:fontScheme>
+    <a:fmtScheme name="Office">
+      <a:fillStyleLst>
+        <a:solidFill>
+          <a:schemeClr val="phClr"/>
+        </a:solidFill>
+        <a:gradFill rotWithShape="1">
+          <a:gsLst>
+            <a:gs pos="0">
+              <a:schemeClr val="phClr">
+                <a:lumMod val="110000"/>
+                <a:satMod val="105000"/>
+                <a:tint val="67000"/>
+              </a:schemeClr>
+            </a:gs>
+            <a:gs pos="50000">
+              <a:schemeClr val="phClr">
+                <a:lumMod val="105000"/>
+                <a:satMod val="103000"/>
+                <a:tint val="73000"/>
+              </a:schemeClr>
+            </a:gs>
+            <a:gs pos="100000">
+              <a:schemeClr val="phClr">
+                <a:lumMod val="105000"/>
+                <a:satMod val="109000"/>
+                <a:tint val="81000"/>
+              </a:schemeClr>
+            </a:gs>
+          </a:gsLst>
+          <a:lin ang="5400000" scaled="0"/>
+        </a:gradFill>
+        <a:gradFill rotWithShape="1">
+          <a:gsLst>
+            <a:gs pos="0">
+              <a:schemeClr val="phClr">
+                <a:satMod val="103000"/>
+                <a:lumMod val="102000"/>
+                <a:tint val="94000"/>
+              </a:schemeClr>
+            </a:gs>
+            <a:gs pos="50000">
+              <a:schemeClr val="phClr">
+                <a:satMod val="110000"/>
+                <a:lumMod val="100000"/>
+                <a:shade val="100000"/>
+              </a:schemeClr>
+            </a:gs>
+            <a:gs pos="100000">
+              <a:schemeClr val="phClr">
+                <a:lumMod val="99000"/>
+                <a:satMod val="120000"/>
+                <a:shade val="78000"/>
+              </a:schemeClr>
+            </a:gs>
+          </a:gsLst>
+          <a:lin ang="5400000" scaled="0"/>
+        </a:gradFill>
+      </a:fillStyleLst>
+      <a:lnStyleLst>
+        <a:ln w="6350" cap="flat" cmpd="sng" algn="ctr">
+          <a:solidFill>
+            <a:schemeClr val="phClr"/>
+          </a:solidFill>
+          <a:prstDash val="solid"/>
+          <a:miter lim="800000"/>
+        </a:ln>
+        <a:ln w="12700" cap="flat" cmpd="sng" algn="ctr">
+          <a:solidFill>
+            <a:schemeClr val="phClr"/>
+          </a:solidFill>
+          <a:prstDash val="solid"/>
+          <a:miter lim="800000"/>
+        </a:ln>
+        <a:ln w="19050" cap="flat" cmpd="sng" algn="ctr">
+          <a:solidFill>
+            <a:schemeClr val="phClr"/>
+          </a:solidFill>
+          <a:prstDash val="solid"/>
+          <a:miter lim="800000"/>
+        </a:ln>
+      </a:lnStyleLst>
+      <a:effectStyleLst>
+        <a:effectStyle>
+          <a:effectLst/>
+        </a:effectStyle>
+        <a:effectStyle>
+          <a:effectLst/>
+        </a:effectStyle>
+        <a:effectStyle>
+          <a:effectLst>
+            <a:outerShdw blurRad="57150" dist="19050" dir="5400000" algn="ctr" rotWithShape="0">
+              <a:srgbClr val="000000">
+                <a:alpha val="63000"/>
+              </a:srgbClr>
+            </a:outerShdw>
+          </a:effectLst>
+        </a:effectStyle>
+      </a:effectStyleLst>
+      <a:bgFillStyleLst>
+        <a:solidFill>
+          <a:schemeClr val="phClr"/>
+        </a:solidFill>
+        <a:solidFill>
+          <a:schemeClr val="phClr">
+            <a:tint val="95000"/>
+            <a:satMod val="170000"/>
+          </a:schemeClr>
+        </a:solidFill>
+        <a:gradFill rotWithShape="1">
+          <a:gsLst>
+            <a:gs pos="0">
+              <a:schemeClr val="phClr">
+                <a:tint val="93000"/>
+                <a:satMod val="150000"/>
+                <a:shade val="98000"/>
+                <a:lumMod val="102000"/>
+              </a:schemeClr>
+            </a:gs>
+            <a:gs pos="50000">
+              <a:schemeClr val="phClr">
+                <a:tint val="98000"/>
+                <a:satMod val="130000"/>
+                <a:shade val="90000"/>
+                <a:lumMod val="103000"/>
+              </a:schemeClr>
+            </a:gs>
+            <a:gs pos="100000">
+              <a:schemeClr val="phClr">
+                <a:shade val="63000"/>
+                <a:satMod val="120000"/>
+              </a:schemeClr>
+            </a:gs>
+          </a:gsLst>
+          <a:lin ang="5400000" scaled="0"/>
+        </a:gradFill>
+      </a:bgFillStyleLst>
+    </a:fmtScheme>
+  </a:themeElements>
+  <a:objectDefaults/>
+  <a:extraClrSchemeLst/>
+  <a:extLst>
+    <a:ext uri="{05A4C25C-085E-4340-85A3-A5531E510DB2}">
+      <thm15:themeFamily xmlns:thm15="http://schemas.microsoft.com/office/thememl/2012/main" name="Office Theme" id="{62F939B6-93AF-4DB8-9C6B-D6C7DFDC589F}" vid="{4A3C46E8-61CC-4603-A589-7422A47A8E4A}"/>
+    </a:ext>
+  </a:extLst>
+</a:theme>
 </file>